--- a/java/slides/ppt/06 - Java Functional Interfaces.pptx
+++ b/java/slides/ppt/06 - Java Functional Interfaces.pptx
@@ -3090,8 +3090,12 @@
           <a:lstStyle/>
           <a:p>
             <a:r>
+              <a:rPr lang="en-US"/>
+              <a:t>Java Functional </a:t>
+            </a:r>
+            <a:r>
               <a:rPr lang="en-US" dirty="0"/>
-              <a:t>Functional Interfaces</a:t>
+              <a:t>Interfaces</a:t>
             </a:r>
           </a:p>
         </p:txBody>

--- a/java/slides/ppt/06 - Java Functional Interfaces.pptx
+++ b/java/slides/ppt/06 - Java Functional Interfaces.pptx
@@ -1,9 +1,15 @@
 
 <file path=ppt/presentation.xml><?xml version="1.0" encoding="utf-8"?>
-<p:presentation xmlns:a="http://schemas.openxmlformats.org/drawingml/2006/main" xmlns:r="http://schemas.openxmlformats.org/officeDocument/2006/relationships" xmlns:p="http://schemas.openxmlformats.org/presentationml/2006/main" saveSubsetFonts="1" autoCompressPictures="0">
+<p:presentation xmlns:a="http://schemas.openxmlformats.org/drawingml/2006/main" xmlns:r="http://schemas.openxmlformats.org/officeDocument/2006/relationships" xmlns:p="http://schemas.openxmlformats.org/presentationml/2006/main" showSpecialPlsOnTitleSld="0" saveSubsetFonts="1">
   <p:sldMasterIdLst>
-    <p:sldMasterId id="2147483660" r:id="rId1"/>
+    <p:sldMasterId id="2147483672" r:id="rId1"/>
   </p:sldMasterIdLst>
+  <p:notesMasterIdLst>
+    <p:notesMasterId r:id="rId36"/>
+  </p:notesMasterIdLst>
+  <p:handoutMasterIdLst>
+    <p:handoutMasterId r:id="rId37"/>
+  </p:handoutMasterIdLst>
   <p:sldIdLst>
     <p:sldId id="256" r:id="rId2"/>
     <p:sldId id="261" r:id="rId3"/>
@@ -40,13 +46,13 @@
     <p:sldId id="290" r:id="rId34"/>
     <p:sldId id="291" r:id="rId35"/>
   </p:sldIdLst>
-  <p:sldSz cx="9144000" cy="6858000" type="screen4x3"/>
+  <p:sldSz cx="12192000" cy="6858000"/>
   <p:notesSz cx="6858000" cy="9144000"/>
   <p:defaultTextStyle>
     <a:defPPr>
-      <a:defRPr lang="en-US"/>
+      <a:defRPr lang="it-IT"/>
     </a:defPPr>
-    <a:lvl1pPr marL="0" algn="l" defTabSz="457200" rtl="0" eaLnBrk="1" latinLnBrk="0" hangingPunct="1">
+    <a:lvl1pPr marL="0" algn="l" defTabSz="914400" rtl="0" eaLnBrk="1" latinLnBrk="0" hangingPunct="1">
       <a:defRPr sz="1800" kern="1200">
         <a:solidFill>
           <a:schemeClr val="tx1"/>
@@ -56,7 +62,7 @@
         <a:cs typeface="+mn-cs"/>
       </a:defRPr>
     </a:lvl1pPr>
-    <a:lvl2pPr marL="457200" algn="l" defTabSz="457200" rtl="0" eaLnBrk="1" latinLnBrk="0" hangingPunct="1">
+    <a:lvl2pPr marL="457200" algn="l" defTabSz="914400" rtl="0" eaLnBrk="1" latinLnBrk="0" hangingPunct="1">
       <a:defRPr sz="1800" kern="1200">
         <a:solidFill>
           <a:schemeClr val="tx1"/>
@@ -66,7 +72,7 @@
         <a:cs typeface="+mn-cs"/>
       </a:defRPr>
     </a:lvl2pPr>
-    <a:lvl3pPr marL="914400" algn="l" defTabSz="457200" rtl="0" eaLnBrk="1" latinLnBrk="0" hangingPunct="1">
+    <a:lvl3pPr marL="914400" algn="l" defTabSz="914400" rtl="0" eaLnBrk="1" latinLnBrk="0" hangingPunct="1">
       <a:defRPr sz="1800" kern="1200">
         <a:solidFill>
           <a:schemeClr val="tx1"/>
@@ -76,7 +82,7 @@
         <a:cs typeface="+mn-cs"/>
       </a:defRPr>
     </a:lvl3pPr>
-    <a:lvl4pPr marL="1371600" algn="l" defTabSz="457200" rtl="0" eaLnBrk="1" latinLnBrk="0" hangingPunct="1">
+    <a:lvl4pPr marL="1371600" algn="l" defTabSz="914400" rtl="0" eaLnBrk="1" latinLnBrk="0" hangingPunct="1">
       <a:defRPr sz="1800" kern="1200">
         <a:solidFill>
           <a:schemeClr val="tx1"/>
@@ -86,7 +92,7 @@
         <a:cs typeface="+mn-cs"/>
       </a:defRPr>
     </a:lvl4pPr>
-    <a:lvl5pPr marL="1828800" algn="l" defTabSz="457200" rtl="0" eaLnBrk="1" latinLnBrk="0" hangingPunct="1">
+    <a:lvl5pPr marL="1828800" algn="l" defTabSz="914400" rtl="0" eaLnBrk="1" latinLnBrk="0" hangingPunct="1">
       <a:defRPr sz="1800" kern="1200">
         <a:solidFill>
           <a:schemeClr val="tx1"/>
@@ -96,7 +102,7 @@
         <a:cs typeface="+mn-cs"/>
       </a:defRPr>
     </a:lvl5pPr>
-    <a:lvl6pPr marL="2286000" algn="l" defTabSz="457200" rtl="0" eaLnBrk="1" latinLnBrk="0" hangingPunct="1">
+    <a:lvl6pPr marL="2286000" algn="l" defTabSz="914400" rtl="0" eaLnBrk="1" latinLnBrk="0" hangingPunct="1">
       <a:defRPr sz="1800" kern="1200">
         <a:solidFill>
           <a:schemeClr val="tx1"/>
@@ -106,7 +112,7 @@
         <a:cs typeface="+mn-cs"/>
       </a:defRPr>
     </a:lvl6pPr>
-    <a:lvl7pPr marL="2743200" algn="l" defTabSz="457200" rtl="0" eaLnBrk="1" latinLnBrk="0" hangingPunct="1">
+    <a:lvl7pPr marL="2743200" algn="l" defTabSz="914400" rtl="0" eaLnBrk="1" latinLnBrk="0" hangingPunct="1">
       <a:defRPr sz="1800" kern="1200">
         <a:solidFill>
           <a:schemeClr val="tx1"/>
@@ -116,7 +122,7 @@
         <a:cs typeface="+mn-cs"/>
       </a:defRPr>
     </a:lvl7pPr>
-    <a:lvl8pPr marL="3200400" algn="l" defTabSz="457200" rtl="0" eaLnBrk="1" latinLnBrk="0" hangingPunct="1">
+    <a:lvl8pPr marL="3200400" algn="l" defTabSz="914400" rtl="0" eaLnBrk="1" latinLnBrk="0" hangingPunct="1">
       <a:defRPr sz="1800" kern="1200">
         <a:solidFill>
           <a:schemeClr val="tx1"/>
@@ -126,7 +132,7 @@
         <a:cs typeface="+mn-cs"/>
       </a:defRPr>
     </a:lvl8pPr>
-    <a:lvl9pPr marL="3657600" algn="l" defTabSz="457200" rtl="0" eaLnBrk="1" latinLnBrk="0" hangingPunct="1">
+    <a:lvl9pPr marL="3657600" algn="l" defTabSz="914400" rtl="0" eaLnBrk="1" latinLnBrk="0" hangingPunct="1">
       <a:defRPr sz="1800" kern="1200">
         <a:solidFill>
           <a:schemeClr val="tx1"/>
@@ -140,12 +146,12 @@
   <p:extLst>
     <p:ext uri="{EFAFB233-063F-42B5-8137-9DF3F51BA10A}">
       <p15:sldGuideLst xmlns:p15="http://schemas.microsoft.com/office/powerpoint/2012/main">
-        <p15:guide id="1" orient="horz" pos="2160">
+        <p15:guide id="1" orient="horz" pos="2160" userDrawn="1">
           <p15:clr>
             <a:srgbClr val="A4A3A4"/>
           </p15:clr>
         </p15:guide>
-        <p15:guide id="2" pos="2880">
+        <p15:guide id="2" pos="3840" userDrawn="1">
           <p15:clr>
             <a:srgbClr val="A4A3A4"/>
           </p15:clr>
@@ -156,8 +162,552 @@
 </p:presentation>
 </file>
 
+<file path=ppt/handoutMasters/handoutMaster1.xml><?xml version="1.0" encoding="utf-8"?>
+<p:handoutMaster xmlns:a="http://schemas.openxmlformats.org/drawingml/2006/main" xmlns:r="http://schemas.openxmlformats.org/officeDocument/2006/relationships" xmlns:p="http://schemas.openxmlformats.org/presentationml/2006/main">
+  <p:cSld>
+    <p:bg>
+      <p:bgRef idx="1001">
+        <a:schemeClr val="bg1"/>
+      </p:bgRef>
+    </p:bg>
+    <p:spTree>
+      <p:nvGrpSpPr>
+        <p:cNvPr id="1" name=""/>
+        <p:cNvGrpSpPr/>
+        <p:nvPr/>
+      </p:nvGrpSpPr>
+      <p:grpSpPr>
+        <a:xfrm>
+          <a:off x="0" y="0"/>
+          <a:ext cx="0" cy="0"/>
+          <a:chOff x="0" y="0"/>
+          <a:chExt cx="0" cy="0"/>
+        </a:xfrm>
+      </p:grpSpPr>
+      <p:sp>
+        <p:nvSpPr>
+          <p:cNvPr id="2" name="Header Placeholder 1">
+            <a:extLst>
+              <a:ext uri="{FF2B5EF4-FFF2-40B4-BE49-F238E27FC236}">
+                <a16:creationId xmlns:a16="http://schemas.microsoft.com/office/drawing/2014/main" id="{F25CBCAF-8195-0B41-9F39-155992CBB6CE}"/>
+              </a:ext>
+            </a:extLst>
+          </p:cNvPr>
+          <p:cNvSpPr>
+            <a:spLocks noGrp="1"/>
+          </p:cNvSpPr>
+          <p:nvPr>
+            <p:ph type="hdr" sz="quarter"/>
+          </p:nvPr>
+        </p:nvSpPr>
+        <p:spPr>
+          <a:xfrm>
+            <a:off x="0" y="0"/>
+            <a:ext cx="2971800" cy="458788"/>
+          </a:xfrm>
+          <a:prstGeom prst="rect">
+            <a:avLst/>
+          </a:prstGeom>
+        </p:spPr>
+        <p:txBody>
+          <a:bodyPr vert="horz" lIns="91440" tIns="45720" rIns="91440" bIns="45720" rtlCol="0"/>
+          <a:lstStyle>
+            <a:lvl1pPr algn="l">
+              <a:defRPr sz="1200"/>
+            </a:lvl1pPr>
+          </a:lstStyle>
+          <a:p>
+            <a:endParaRPr lang="en-IT"/>
+          </a:p>
+        </p:txBody>
+      </p:sp>
+      <p:sp>
+        <p:nvSpPr>
+          <p:cNvPr id="3" name="Date Placeholder 2">
+            <a:extLst>
+              <a:ext uri="{FF2B5EF4-FFF2-40B4-BE49-F238E27FC236}">
+                <a16:creationId xmlns:a16="http://schemas.microsoft.com/office/drawing/2014/main" id="{4530F5F1-56F9-594B-8002-505C0B3A9533}"/>
+              </a:ext>
+            </a:extLst>
+          </p:cNvPr>
+          <p:cNvSpPr>
+            <a:spLocks noGrp="1"/>
+          </p:cNvSpPr>
+          <p:nvPr>
+            <p:ph type="dt" sz="quarter" idx="1"/>
+          </p:nvPr>
+        </p:nvSpPr>
+        <p:spPr>
+          <a:xfrm>
+            <a:off x="3884613" y="0"/>
+            <a:ext cx="2971800" cy="458788"/>
+          </a:xfrm>
+          <a:prstGeom prst="rect">
+            <a:avLst/>
+          </a:prstGeom>
+        </p:spPr>
+        <p:txBody>
+          <a:bodyPr vert="horz" lIns="91440" tIns="45720" rIns="91440" bIns="45720" rtlCol="0"/>
+          <a:lstStyle>
+            <a:lvl1pPr algn="r">
+              <a:defRPr sz="1200"/>
+            </a:lvl1pPr>
+          </a:lstStyle>
+          <a:p>
+            <a:fld id="{5591E39A-28E5-5D4D-B97C-ECEB96F19817}" type="datetimeFigureOut">
+              <a:rPr lang="en-IT" smtClean="0"/>
+              <a:t>30/09/21</a:t>
+            </a:fld>
+            <a:endParaRPr lang="en-IT"/>
+          </a:p>
+        </p:txBody>
+      </p:sp>
+      <p:sp>
+        <p:nvSpPr>
+          <p:cNvPr id="4" name="Footer Placeholder 3">
+            <a:extLst>
+              <a:ext uri="{FF2B5EF4-FFF2-40B4-BE49-F238E27FC236}">
+                <a16:creationId xmlns:a16="http://schemas.microsoft.com/office/drawing/2014/main" id="{0D01DB9C-5FE6-5646-A4CF-CACE1FBFD1F6}"/>
+              </a:ext>
+            </a:extLst>
+          </p:cNvPr>
+          <p:cNvSpPr>
+            <a:spLocks noGrp="1"/>
+          </p:cNvSpPr>
+          <p:nvPr>
+            <p:ph type="ftr" sz="quarter" idx="2"/>
+          </p:nvPr>
+        </p:nvSpPr>
+        <p:spPr>
+          <a:xfrm>
+            <a:off x="0" y="8685213"/>
+            <a:ext cx="2971800" cy="458787"/>
+          </a:xfrm>
+          <a:prstGeom prst="rect">
+            <a:avLst/>
+          </a:prstGeom>
+        </p:spPr>
+        <p:txBody>
+          <a:bodyPr vert="horz" lIns="91440" tIns="45720" rIns="91440" bIns="45720" rtlCol="0" anchor="b"/>
+          <a:lstStyle>
+            <a:lvl1pPr algn="l">
+              <a:defRPr sz="1200"/>
+            </a:lvl1pPr>
+          </a:lstStyle>
+          <a:p>
+            <a:endParaRPr lang="en-IT"/>
+          </a:p>
+        </p:txBody>
+      </p:sp>
+      <p:sp>
+        <p:nvSpPr>
+          <p:cNvPr id="5" name="Slide Number Placeholder 4">
+            <a:extLst>
+              <a:ext uri="{FF2B5EF4-FFF2-40B4-BE49-F238E27FC236}">
+                <a16:creationId xmlns:a16="http://schemas.microsoft.com/office/drawing/2014/main" id="{1807AD1E-ED4D-4F49-B2E9-34CF7F0E16D1}"/>
+              </a:ext>
+            </a:extLst>
+          </p:cNvPr>
+          <p:cNvSpPr>
+            <a:spLocks noGrp="1"/>
+          </p:cNvSpPr>
+          <p:nvPr>
+            <p:ph type="sldNum" sz="quarter" idx="3"/>
+          </p:nvPr>
+        </p:nvSpPr>
+        <p:spPr>
+          <a:xfrm>
+            <a:off x="3884613" y="8685213"/>
+            <a:ext cx="2971800" cy="458787"/>
+          </a:xfrm>
+          <a:prstGeom prst="rect">
+            <a:avLst/>
+          </a:prstGeom>
+        </p:spPr>
+        <p:txBody>
+          <a:bodyPr vert="horz" lIns="91440" tIns="45720" rIns="91440" bIns="45720" rtlCol="0" anchor="b"/>
+          <a:lstStyle>
+            <a:lvl1pPr algn="r">
+              <a:defRPr sz="1200"/>
+            </a:lvl1pPr>
+          </a:lstStyle>
+          <a:p>
+            <a:fld id="{D8E6113E-382B-5C49-947E-9975DE242C1F}" type="slidenum">
+              <a:rPr lang="en-IT" smtClean="0"/>
+              <a:t>‹#›</a:t>
+            </a:fld>
+            <a:endParaRPr lang="en-IT"/>
+          </a:p>
+        </p:txBody>
+      </p:sp>
+    </p:spTree>
+    <p:extLst>
+      <p:ext uri="{BB962C8B-B14F-4D97-AF65-F5344CB8AC3E}">
+        <p14:creationId xmlns:p14="http://schemas.microsoft.com/office/powerpoint/2010/main" val="711723140"/>
+      </p:ext>
+    </p:extLst>
+  </p:cSld>
+  <p:clrMap bg1="lt1" tx1="dk1" bg2="lt2" tx2="dk2" accent1="accent1" accent2="accent2" accent3="accent3" accent4="accent4" accent5="accent5" accent6="accent6" hlink="hlink" folHlink="folHlink"/>
+  <p:hf hdr="0" ftr="0" dt="0"/>
+</p:handoutMaster>
+</file>
+
+<file path=ppt/notesMasters/notesMaster1.xml><?xml version="1.0" encoding="utf-8"?>
+<p:notesMaster xmlns:a="http://schemas.openxmlformats.org/drawingml/2006/main" xmlns:r="http://schemas.openxmlformats.org/officeDocument/2006/relationships" xmlns:p="http://schemas.openxmlformats.org/presentationml/2006/main">
+  <p:cSld>
+    <p:bg>
+      <p:bgRef idx="1001">
+        <a:schemeClr val="bg1"/>
+      </p:bgRef>
+    </p:bg>
+    <p:spTree>
+      <p:nvGrpSpPr>
+        <p:cNvPr id="1" name=""/>
+        <p:cNvGrpSpPr/>
+        <p:nvPr/>
+      </p:nvGrpSpPr>
+      <p:grpSpPr>
+        <a:xfrm>
+          <a:off x="0" y="0"/>
+          <a:ext cx="0" cy="0"/>
+          <a:chOff x="0" y="0"/>
+          <a:chExt cx="0" cy="0"/>
+        </a:xfrm>
+      </p:grpSpPr>
+      <p:sp>
+        <p:nvSpPr>
+          <p:cNvPr id="2" name="Segnaposto intestazione 1"/>
+          <p:cNvSpPr>
+            <a:spLocks noGrp="1"/>
+          </p:cNvSpPr>
+          <p:nvPr>
+            <p:ph type="hdr" sz="quarter"/>
+          </p:nvPr>
+        </p:nvSpPr>
+        <p:spPr>
+          <a:xfrm>
+            <a:off x="0" y="0"/>
+            <a:ext cx="2971800" cy="457200"/>
+          </a:xfrm>
+          <a:prstGeom prst="rect">
+            <a:avLst/>
+          </a:prstGeom>
+        </p:spPr>
+        <p:txBody>
+          <a:bodyPr vert="horz" lIns="91440" tIns="45720" rIns="91440" bIns="45720" rtlCol="0"/>
+          <a:lstStyle>
+            <a:lvl1pPr algn="l">
+              <a:defRPr sz="1200"/>
+            </a:lvl1pPr>
+          </a:lstStyle>
+          <a:p>
+            <a:endParaRPr lang="it-IT"/>
+          </a:p>
+        </p:txBody>
+      </p:sp>
+      <p:sp>
+        <p:nvSpPr>
+          <p:cNvPr id="3" name="Segnaposto data 2"/>
+          <p:cNvSpPr>
+            <a:spLocks noGrp="1"/>
+          </p:cNvSpPr>
+          <p:nvPr>
+            <p:ph type="dt" idx="1"/>
+          </p:nvPr>
+        </p:nvSpPr>
+        <p:spPr>
+          <a:xfrm>
+            <a:off x="3884613" y="0"/>
+            <a:ext cx="2971800" cy="457200"/>
+          </a:xfrm>
+          <a:prstGeom prst="rect">
+            <a:avLst/>
+          </a:prstGeom>
+        </p:spPr>
+        <p:txBody>
+          <a:bodyPr vert="horz" lIns="91440" tIns="45720" rIns="91440" bIns="45720" rtlCol="0"/>
+          <a:lstStyle>
+            <a:lvl1pPr algn="r">
+              <a:defRPr sz="1200"/>
+            </a:lvl1pPr>
+          </a:lstStyle>
+          <a:p>
+            <a:fld id="{BAEB7694-8561-4BE2-948D-EDF7A201F8BB}" type="datetimeFigureOut">
+              <a:rPr lang="it-IT" smtClean="0"/>
+              <a:pPr/>
+              <a:t>30/09/21</a:t>
+            </a:fld>
+            <a:endParaRPr lang="it-IT"/>
+          </a:p>
+        </p:txBody>
+      </p:sp>
+      <p:sp>
+        <p:nvSpPr>
+          <p:cNvPr id="4" name="Segnaposto immagine diapositiva 3"/>
+          <p:cNvSpPr>
+            <a:spLocks noGrp="1" noRot="1" noChangeAspect="1"/>
+          </p:cNvSpPr>
+          <p:nvPr>
+            <p:ph type="sldImg" idx="2"/>
+          </p:nvPr>
+        </p:nvSpPr>
+        <p:spPr>
+          <a:xfrm>
+            <a:off x="381000" y="685800"/>
+            <a:ext cx="6096000" cy="3429000"/>
+          </a:xfrm>
+          <a:prstGeom prst="rect">
+            <a:avLst/>
+          </a:prstGeom>
+          <a:noFill/>
+          <a:ln w="12700">
+            <a:solidFill>
+              <a:prstClr val="black"/>
+            </a:solidFill>
+          </a:ln>
+        </p:spPr>
+        <p:txBody>
+          <a:bodyPr vert="horz" lIns="91440" tIns="45720" rIns="91440" bIns="45720" rtlCol="0" anchor="ctr"/>
+          <a:lstStyle/>
+          <a:p>
+            <a:endParaRPr lang="it-IT"/>
+          </a:p>
+        </p:txBody>
+      </p:sp>
+      <p:sp>
+        <p:nvSpPr>
+          <p:cNvPr id="5" name="Segnaposto note 4"/>
+          <p:cNvSpPr>
+            <a:spLocks noGrp="1"/>
+          </p:cNvSpPr>
+          <p:nvPr>
+            <p:ph type="body" sz="quarter" idx="3"/>
+          </p:nvPr>
+        </p:nvSpPr>
+        <p:spPr>
+          <a:xfrm>
+            <a:off x="685800" y="4343400"/>
+            <a:ext cx="5486400" cy="4114800"/>
+          </a:xfrm>
+          <a:prstGeom prst="rect">
+            <a:avLst/>
+          </a:prstGeom>
+        </p:spPr>
+        <p:txBody>
+          <a:bodyPr vert="horz" lIns="91440" tIns="45720" rIns="91440" bIns="45720" rtlCol="0">
+            <a:normAutofit/>
+          </a:bodyPr>
+          <a:lstStyle/>
+          <a:p>
+            <a:pPr lvl="0"/>
+            <a:r>
+              <a:rPr lang="it-IT"/>
+              <a:t>Fare clic per modificare stili del testo dello schema</a:t>
+            </a:r>
+          </a:p>
+          <a:p>
+            <a:pPr lvl="1"/>
+            <a:r>
+              <a:rPr lang="it-IT"/>
+              <a:t>Secondo livello</a:t>
+            </a:r>
+          </a:p>
+          <a:p>
+            <a:pPr lvl="2"/>
+            <a:r>
+              <a:rPr lang="it-IT"/>
+              <a:t>Terzo livello</a:t>
+            </a:r>
+          </a:p>
+          <a:p>
+            <a:pPr lvl="3"/>
+            <a:r>
+              <a:rPr lang="it-IT"/>
+              <a:t>Quarto livello</a:t>
+            </a:r>
+          </a:p>
+          <a:p>
+            <a:pPr lvl="4"/>
+            <a:r>
+              <a:rPr lang="it-IT"/>
+              <a:t>Quinto livello</a:t>
+            </a:r>
+          </a:p>
+        </p:txBody>
+      </p:sp>
+      <p:sp>
+        <p:nvSpPr>
+          <p:cNvPr id="6" name="Segnaposto piè di pagina 5"/>
+          <p:cNvSpPr>
+            <a:spLocks noGrp="1"/>
+          </p:cNvSpPr>
+          <p:nvPr>
+            <p:ph type="ftr" sz="quarter" idx="4"/>
+          </p:nvPr>
+        </p:nvSpPr>
+        <p:spPr>
+          <a:xfrm>
+            <a:off x="0" y="8685213"/>
+            <a:ext cx="2971800" cy="457200"/>
+          </a:xfrm>
+          <a:prstGeom prst="rect">
+            <a:avLst/>
+          </a:prstGeom>
+        </p:spPr>
+        <p:txBody>
+          <a:bodyPr vert="horz" lIns="91440" tIns="45720" rIns="91440" bIns="45720" rtlCol="0" anchor="b"/>
+          <a:lstStyle>
+            <a:lvl1pPr algn="l">
+              <a:defRPr sz="1200"/>
+            </a:lvl1pPr>
+          </a:lstStyle>
+          <a:p>
+            <a:endParaRPr lang="it-IT"/>
+          </a:p>
+        </p:txBody>
+      </p:sp>
+      <p:sp>
+        <p:nvSpPr>
+          <p:cNvPr id="7" name="Segnaposto numero diapositiva 6"/>
+          <p:cNvSpPr>
+            <a:spLocks noGrp="1"/>
+          </p:cNvSpPr>
+          <p:nvPr>
+            <p:ph type="sldNum" sz="quarter" idx="5"/>
+          </p:nvPr>
+        </p:nvSpPr>
+        <p:spPr>
+          <a:xfrm>
+            <a:off x="3884613" y="8685213"/>
+            <a:ext cx="2971800" cy="457200"/>
+          </a:xfrm>
+          <a:prstGeom prst="rect">
+            <a:avLst/>
+          </a:prstGeom>
+        </p:spPr>
+        <p:txBody>
+          <a:bodyPr vert="horz" lIns="91440" tIns="45720" rIns="91440" bIns="45720" rtlCol="0" anchor="b"/>
+          <a:lstStyle>
+            <a:lvl1pPr algn="r">
+              <a:defRPr sz="1200"/>
+            </a:lvl1pPr>
+          </a:lstStyle>
+          <a:p>
+            <a:fld id="{475F0E4F-C068-4558-BD2C-4354A8A0FB1B}" type="slidenum">
+              <a:rPr lang="it-IT" smtClean="0"/>
+              <a:pPr/>
+              <a:t>‹#›</a:t>
+            </a:fld>
+            <a:endParaRPr lang="it-IT"/>
+          </a:p>
+        </p:txBody>
+      </p:sp>
+    </p:spTree>
+    <p:extLst>
+      <p:ext uri="{BB962C8B-B14F-4D97-AF65-F5344CB8AC3E}">
+        <p14:creationId xmlns:p14="http://schemas.microsoft.com/office/powerpoint/2010/main" val="2935502336"/>
+      </p:ext>
+    </p:extLst>
+  </p:cSld>
+  <p:clrMap bg1="lt1" tx1="dk1" bg2="lt2" tx2="dk2" accent1="accent1" accent2="accent2" accent3="accent3" accent4="accent4" accent5="accent5" accent6="accent6" hlink="hlink" folHlink="folHlink"/>
+  <p:hf hdr="0" ftr="0" dt="0"/>
+  <p:notesStyle>
+    <a:lvl1pPr marL="0" algn="l" defTabSz="914400" rtl="0" eaLnBrk="1" latinLnBrk="0" hangingPunct="1">
+      <a:defRPr sz="1200" kern="1200">
+        <a:solidFill>
+          <a:schemeClr val="tx1"/>
+        </a:solidFill>
+        <a:latin typeface="+mn-lt"/>
+        <a:ea typeface="+mn-ea"/>
+        <a:cs typeface="+mn-cs"/>
+      </a:defRPr>
+    </a:lvl1pPr>
+    <a:lvl2pPr marL="457200" algn="l" defTabSz="914400" rtl="0" eaLnBrk="1" latinLnBrk="0" hangingPunct="1">
+      <a:defRPr sz="1200" kern="1200">
+        <a:solidFill>
+          <a:schemeClr val="tx1"/>
+        </a:solidFill>
+        <a:latin typeface="+mn-lt"/>
+        <a:ea typeface="+mn-ea"/>
+        <a:cs typeface="+mn-cs"/>
+      </a:defRPr>
+    </a:lvl2pPr>
+    <a:lvl3pPr marL="914400" algn="l" defTabSz="914400" rtl="0" eaLnBrk="1" latinLnBrk="0" hangingPunct="1">
+      <a:defRPr sz="1200" kern="1200">
+        <a:solidFill>
+          <a:schemeClr val="tx1"/>
+        </a:solidFill>
+        <a:latin typeface="+mn-lt"/>
+        <a:ea typeface="+mn-ea"/>
+        <a:cs typeface="+mn-cs"/>
+      </a:defRPr>
+    </a:lvl3pPr>
+    <a:lvl4pPr marL="1371600" algn="l" defTabSz="914400" rtl="0" eaLnBrk="1" latinLnBrk="0" hangingPunct="1">
+      <a:defRPr sz="1200" kern="1200">
+        <a:solidFill>
+          <a:schemeClr val="tx1"/>
+        </a:solidFill>
+        <a:latin typeface="+mn-lt"/>
+        <a:ea typeface="+mn-ea"/>
+        <a:cs typeface="+mn-cs"/>
+      </a:defRPr>
+    </a:lvl4pPr>
+    <a:lvl5pPr marL="1828800" algn="l" defTabSz="914400" rtl="0" eaLnBrk="1" latinLnBrk="0" hangingPunct="1">
+      <a:defRPr sz="1200" kern="1200">
+        <a:solidFill>
+          <a:schemeClr val="tx1"/>
+        </a:solidFill>
+        <a:latin typeface="+mn-lt"/>
+        <a:ea typeface="+mn-ea"/>
+        <a:cs typeface="+mn-cs"/>
+      </a:defRPr>
+    </a:lvl5pPr>
+    <a:lvl6pPr marL="2286000" algn="l" defTabSz="914400" rtl="0" eaLnBrk="1" latinLnBrk="0" hangingPunct="1">
+      <a:defRPr sz="1200" kern="1200">
+        <a:solidFill>
+          <a:schemeClr val="tx1"/>
+        </a:solidFill>
+        <a:latin typeface="+mn-lt"/>
+        <a:ea typeface="+mn-ea"/>
+        <a:cs typeface="+mn-cs"/>
+      </a:defRPr>
+    </a:lvl6pPr>
+    <a:lvl7pPr marL="2743200" algn="l" defTabSz="914400" rtl="0" eaLnBrk="1" latinLnBrk="0" hangingPunct="1">
+      <a:defRPr sz="1200" kern="1200">
+        <a:solidFill>
+          <a:schemeClr val="tx1"/>
+        </a:solidFill>
+        <a:latin typeface="+mn-lt"/>
+        <a:ea typeface="+mn-ea"/>
+        <a:cs typeface="+mn-cs"/>
+      </a:defRPr>
+    </a:lvl7pPr>
+    <a:lvl8pPr marL="3200400" algn="l" defTabSz="914400" rtl="0" eaLnBrk="1" latinLnBrk="0" hangingPunct="1">
+      <a:defRPr sz="1200" kern="1200">
+        <a:solidFill>
+          <a:schemeClr val="tx1"/>
+        </a:solidFill>
+        <a:latin typeface="+mn-lt"/>
+        <a:ea typeface="+mn-ea"/>
+        <a:cs typeface="+mn-cs"/>
+      </a:defRPr>
+    </a:lvl8pPr>
+    <a:lvl9pPr marL="3657600" algn="l" defTabSz="914400" rtl="0" eaLnBrk="1" latinLnBrk="0" hangingPunct="1">
+      <a:defRPr sz="1200" kern="1200">
+        <a:solidFill>
+          <a:schemeClr val="tx1"/>
+        </a:solidFill>
+        <a:latin typeface="+mn-lt"/>
+        <a:ea typeface="+mn-ea"/>
+        <a:cs typeface="+mn-cs"/>
+      </a:defRPr>
+    </a:lvl9pPr>
+  </p:notesStyle>
+</p:notesMaster>
+</file>
+
 <file path=ppt/slideLayouts/slideLayout1.xml><?xml version="1.0" encoding="utf-8"?>
-<p:sldLayout xmlns:a="http://schemas.openxmlformats.org/drawingml/2006/main" xmlns:r="http://schemas.openxmlformats.org/officeDocument/2006/relationships" xmlns:p="http://schemas.openxmlformats.org/presentationml/2006/main" type="title" preserve="1">
+<p:sldLayout xmlns:a="http://schemas.openxmlformats.org/drawingml/2006/main" xmlns:r="http://schemas.openxmlformats.org/officeDocument/2006/relationships" xmlns:p="http://schemas.openxmlformats.org/presentationml/2006/main" preserve="1" userDrawn="1">
   <p:cSld name="Title Slide">
     <p:spTree>
       <p:nvGrpSpPr>
@@ -185,8 +735,8 @@
         </p:nvSpPr>
         <p:spPr>
           <a:xfrm>
-            <a:off x="685800" y="2130425"/>
-            <a:ext cx="7772400" cy="1470025"/>
+            <a:off x="914400" y="2130426"/>
+            <a:ext cx="10363200" cy="1470025"/>
           </a:xfrm>
         </p:spPr>
         <p:txBody>
@@ -194,7 +744,7 @@
           <a:lstStyle/>
           <a:p>
             <a:r>
-              <a:rPr lang="it-IT"/>
+              <a:rPr lang="en-GB"/>
               <a:t>Click to edit Master title style</a:t>
             </a:r>
             <a:endParaRPr lang="en-US"/>
@@ -213,18 +763,16 @@
         </p:nvSpPr>
         <p:spPr>
           <a:xfrm>
-            <a:off x="1371600" y="3886200"/>
-            <a:ext cx="6400800" cy="1752600"/>
+            <a:off x="1828800" y="3886200"/>
+            <a:ext cx="8534400" cy="1752600"/>
           </a:xfrm>
         </p:spPr>
         <p:txBody>
-          <a:bodyPr>
-            <a:normAutofit/>
-          </a:bodyPr>
+          <a:bodyPr/>
           <a:lstStyle>
-            <a:lvl1pPr marL="0" indent="0" algn="r">
-              <a:buNone/>
-              <a:defRPr sz="1800">
+            <a:lvl1pPr marL="0" indent="0" algn="ctr">
+              <a:buNone/>
+              <a:defRPr>
                 <a:solidFill>
                   <a:schemeClr val="tx1">
                     <a:tint val="75000"/>
@@ -315,10 +863,10 @@
           </a:lstStyle>
           <a:p>
             <a:r>
-              <a:rPr lang="it-IT"/>
+              <a:rPr lang="en-GB"/>
               <a:t>Click to edit Master subtitle style</a:t>
             </a:r>
-            <a:endParaRPr lang="en-US" dirty="0"/>
+            <a:endParaRPr lang="en-US"/>
           </a:p>
         </p:txBody>
       </p:sp>
@@ -334,8 +882,8 @@
         </p:nvSpPr>
         <p:spPr>
           <a:xfrm>
-            <a:off x="3836609" y="6362700"/>
-            <a:ext cx="4850191" cy="365125"/>
+            <a:off x="5115480" y="6362701"/>
+            <a:ext cx="6466921" cy="365125"/>
           </a:xfrm>
           <a:prstGeom prst="rect">
             <a:avLst/>
@@ -345,11 +893,12 @@
           <a:bodyPr/>
           <a:lstStyle/>
           <a:p>
-            <a:fld id="{F41FBFAF-0E6A-674B-978E-98A8470700C7}" type="slidenum">
-              <a:rPr lang="en-US" smtClean="0"/>
+            <a:fld id="{D2040F39-7941-49A4-B48D-F201B18B6351}" type="slidenum">
+              <a:rPr lang="it-IT" smtClean="0"/>
+              <a:pPr/>
               <a:t>‹#›</a:t>
             </a:fld>
-            <a:endParaRPr lang="en-US"/>
+            <a:endParaRPr lang="it-IT" dirty="0"/>
           </a:p>
         </p:txBody>
       </p:sp>
@@ -361,8 +910,8 @@
         </p:nvCxnSpPr>
         <p:spPr>
           <a:xfrm flipV="1">
-            <a:off x="457200" y="3600450"/>
-            <a:ext cx="8686800" cy="2"/>
+            <a:off x="609600" y="3600450"/>
+            <a:ext cx="11582400" cy="2"/>
           </a:xfrm>
           <a:prstGeom prst="line">
             <a:avLst/>
@@ -443,7 +992,7 @@
           <a:lstStyle/>
           <a:p>
             <a:r>
-              <a:rPr lang="it-IT"/>
+              <a:rPr lang="en-GB"/>
               <a:t>Click to edit Master title style</a:t>
             </a:r>
             <a:endParaRPr lang="en-US"/>
@@ -467,35 +1016,35 @@
           <a:p>
             <a:pPr lvl="0"/>
             <a:r>
-              <a:rPr lang="it-IT"/>
+              <a:rPr lang="en-GB"/>
               <a:t>Click to edit Master text styles</a:t>
             </a:r>
           </a:p>
           <a:p>
             <a:pPr lvl="1"/>
             <a:r>
-              <a:rPr lang="it-IT"/>
+              <a:rPr lang="en-GB"/>
               <a:t>Second level</a:t>
             </a:r>
           </a:p>
           <a:p>
             <a:pPr lvl="2"/>
             <a:r>
-              <a:rPr lang="it-IT"/>
+              <a:rPr lang="en-GB"/>
               <a:t>Third level</a:t>
             </a:r>
           </a:p>
           <a:p>
             <a:pPr lvl="3"/>
             <a:r>
-              <a:rPr lang="it-IT"/>
+              <a:rPr lang="en-GB"/>
               <a:t>Fourth level</a:t>
             </a:r>
           </a:p>
           <a:p>
             <a:pPr lvl="4"/>
             <a:r>
-              <a:rPr lang="it-IT"/>
+              <a:rPr lang="en-GB"/>
               <a:t>Fifth level</a:t>
             </a:r>
             <a:endParaRPr lang="en-US"/>
@@ -514,8 +1063,8 @@
         </p:nvSpPr>
         <p:spPr>
           <a:xfrm>
-            <a:off x="3836609" y="6362700"/>
-            <a:ext cx="4850191" cy="365125"/>
+            <a:off x="5115480" y="6362701"/>
+            <a:ext cx="6466921" cy="365125"/>
           </a:xfrm>
           <a:prstGeom prst="rect">
             <a:avLst/>
@@ -525,11 +1074,12 @@
           <a:bodyPr/>
           <a:lstStyle/>
           <a:p>
-            <a:fld id="{F41FBFAF-0E6A-674B-978E-98A8470700C7}" type="slidenum">
-              <a:rPr lang="en-US" smtClean="0"/>
+            <a:fld id="{D2040F39-7941-49A4-B48D-F201B18B6351}" type="slidenum">
+              <a:rPr lang="it-IT" smtClean="0"/>
+              <a:pPr/>
               <a:t>‹#›</a:t>
             </a:fld>
-            <a:endParaRPr lang="en-US"/>
+            <a:endParaRPr lang="it-IT" dirty="0"/>
           </a:p>
         </p:txBody>
       </p:sp>
@@ -541,8 +1091,8 @@
         </p:nvCxnSpPr>
         <p:spPr>
           <a:xfrm flipV="1">
-            <a:off x="457200" y="1388917"/>
-            <a:ext cx="8686800" cy="2"/>
+            <a:off x="609600" y="1388917"/>
+            <a:ext cx="11582400" cy="2"/>
           </a:xfrm>
           <a:prstGeom prst="line">
             <a:avLst/>
@@ -619,8 +1169,8 @@
         </p:nvSpPr>
         <p:spPr>
           <a:xfrm>
-            <a:off x="6629400" y="274638"/>
-            <a:ext cx="2057400" cy="5851525"/>
+            <a:off x="8839200" y="274639"/>
+            <a:ext cx="2743200" cy="5851525"/>
           </a:xfrm>
         </p:spPr>
         <p:txBody>
@@ -628,7 +1178,7 @@
           <a:lstStyle/>
           <a:p>
             <a:r>
-              <a:rPr lang="it-IT"/>
+              <a:rPr lang="en-GB"/>
               <a:t>Click to edit Master title style</a:t>
             </a:r>
             <a:endParaRPr lang="en-US"/>
@@ -647,8 +1197,8 @@
         </p:nvSpPr>
         <p:spPr>
           <a:xfrm>
-            <a:off x="457200" y="274638"/>
-            <a:ext cx="6019800" cy="5851525"/>
+            <a:off x="609600" y="274639"/>
+            <a:ext cx="8026400" cy="5851525"/>
           </a:xfrm>
         </p:spPr>
         <p:txBody>
@@ -657,35 +1207,35 @@
           <a:p>
             <a:pPr lvl="0"/>
             <a:r>
-              <a:rPr lang="it-IT"/>
+              <a:rPr lang="en-GB"/>
               <a:t>Click to edit Master text styles</a:t>
             </a:r>
           </a:p>
           <a:p>
             <a:pPr lvl="1"/>
             <a:r>
-              <a:rPr lang="it-IT"/>
+              <a:rPr lang="en-GB"/>
               <a:t>Second level</a:t>
             </a:r>
           </a:p>
           <a:p>
             <a:pPr lvl="2"/>
             <a:r>
-              <a:rPr lang="it-IT"/>
+              <a:rPr lang="en-GB"/>
               <a:t>Third level</a:t>
             </a:r>
           </a:p>
           <a:p>
             <a:pPr lvl="3"/>
             <a:r>
-              <a:rPr lang="it-IT"/>
+              <a:rPr lang="en-GB"/>
               <a:t>Fourth level</a:t>
             </a:r>
           </a:p>
           <a:p>
             <a:pPr lvl="4"/>
             <a:r>
-              <a:rPr lang="it-IT"/>
+              <a:rPr lang="en-GB"/>
               <a:t>Fifth level</a:t>
             </a:r>
             <a:endParaRPr lang="en-US"/>
@@ -704,8 +1254,8 @@
         </p:nvSpPr>
         <p:spPr>
           <a:xfrm>
-            <a:off x="3836609" y="6362700"/>
-            <a:ext cx="4850191" cy="365125"/>
+            <a:off x="5115480" y="6362701"/>
+            <a:ext cx="6466921" cy="365125"/>
           </a:xfrm>
           <a:prstGeom prst="rect">
             <a:avLst/>
@@ -715,11 +1265,12 @@
           <a:bodyPr/>
           <a:lstStyle/>
           <a:p>
-            <a:fld id="{F41FBFAF-0E6A-674B-978E-98A8470700C7}" type="slidenum">
-              <a:rPr lang="en-US" smtClean="0"/>
+            <a:fld id="{D2040F39-7941-49A4-B48D-F201B18B6351}" type="slidenum">
+              <a:rPr lang="it-IT" smtClean="0"/>
+              <a:pPr/>
               <a:t>‹#›</a:t>
             </a:fld>
-            <a:endParaRPr lang="en-US"/>
+            <a:endParaRPr lang="it-IT" dirty="0"/>
           </a:p>
         </p:txBody>
       </p:sp>
@@ -769,7 +1320,7 @@
           <a:lstStyle/>
           <a:p>
             <a:r>
-              <a:rPr lang="it-IT"/>
+              <a:rPr lang="en-GB"/>
               <a:t>Click to edit Master title style</a:t>
             </a:r>
             <a:endParaRPr lang="en-US"/>
@@ -793,35 +1344,35 @@
           <a:p>
             <a:pPr lvl="0"/>
             <a:r>
-              <a:rPr lang="it-IT"/>
+              <a:rPr lang="en-GB"/>
               <a:t>Click to edit Master text styles</a:t>
             </a:r>
           </a:p>
           <a:p>
             <a:pPr lvl="1"/>
             <a:r>
-              <a:rPr lang="it-IT"/>
+              <a:rPr lang="en-GB"/>
               <a:t>Second level</a:t>
             </a:r>
           </a:p>
           <a:p>
             <a:pPr lvl="2"/>
             <a:r>
-              <a:rPr lang="it-IT"/>
+              <a:rPr lang="en-GB"/>
               <a:t>Third level</a:t>
             </a:r>
           </a:p>
           <a:p>
             <a:pPr lvl="3"/>
             <a:r>
-              <a:rPr lang="it-IT"/>
+              <a:rPr lang="en-GB"/>
               <a:t>Fourth level</a:t>
             </a:r>
           </a:p>
           <a:p>
             <a:pPr lvl="4"/>
             <a:r>
-              <a:rPr lang="it-IT"/>
+              <a:rPr lang="en-GB"/>
               <a:t>Fifth level</a:t>
             </a:r>
             <a:endParaRPr lang="en-US"/>
@@ -840,8 +1391,8 @@
         </p:nvSpPr>
         <p:spPr>
           <a:xfrm>
-            <a:off x="3836609" y="6362700"/>
-            <a:ext cx="4850191" cy="365125"/>
+            <a:off x="5115480" y="6362701"/>
+            <a:ext cx="6466921" cy="365125"/>
           </a:xfrm>
           <a:prstGeom prst="rect">
             <a:avLst/>
@@ -851,11 +1402,12 @@
           <a:bodyPr/>
           <a:lstStyle/>
           <a:p>
-            <a:fld id="{F41FBFAF-0E6A-674B-978E-98A8470700C7}" type="slidenum">
-              <a:rPr lang="en-US" smtClean="0"/>
+            <a:fld id="{D2040F39-7941-49A4-B48D-F201B18B6351}" type="slidenum">
+              <a:rPr lang="it-IT" smtClean="0"/>
+              <a:pPr/>
               <a:t>‹#›</a:t>
             </a:fld>
-            <a:endParaRPr lang="en-US"/>
+            <a:endParaRPr lang="it-IT" dirty="0"/>
           </a:p>
         </p:txBody>
       </p:sp>
@@ -867,8 +1419,8 @@
         </p:nvCxnSpPr>
         <p:spPr>
           <a:xfrm flipV="1">
-            <a:off x="457200" y="1388917"/>
-            <a:ext cx="8686800" cy="2"/>
+            <a:off x="609600" y="1388917"/>
+            <a:ext cx="11582400" cy="2"/>
           </a:xfrm>
           <a:prstGeom prst="line">
             <a:avLst/>
@@ -945,8 +1497,8 @@
         </p:nvSpPr>
         <p:spPr>
           <a:xfrm>
-            <a:off x="722313" y="4406900"/>
-            <a:ext cx="7772400" cy="1362075"/>
+            <a:off x="963084" y="4406901"/>
+            <a:ext cx="10363200" cy="1362075"/>
           </a:xfrm>
         </p:spPr>
         <p:txBody>
@@ -958,7 +1510,7 @@
           </a:lstStyle>
           <a:p>
             <a:r>
-              <a:rPr lang="it-IT"/>
+              <a:rPr lang="en-GB"/>
               <a:t>Click to edit Master title style</a:t>
             </a:r>
             <a:endParaRPr lang="en-US"/>
@@ -977,8 +1529,8 @@
         </p:nvSpPr>
         <p:spPr>
           <a:xfrm>
-            <a:off x="722313" y="2906713"/>
-            <a:ext cx="7772400" cy="1500187"/>
+            <a:off x="963084" y="2906713"/>
+            <a:ext cx="10363200" cy="1500187"/>
           </a:xfrm>
         </p:spPr>
         <p:txBody>
@@ -1078,7 +1630,7 @@
           <a:p>
             <a:pPr lvl="0"/>
             <a:r>
-              <a:rPr lang="it-IT"/>
+              <a:rPr lang="en-GB"/>
               <a:t>Click to edit Master text styles</a:t>
             </a:r>
           </a:p>
@@ -1096,8 +1648,8 @@
         </p:nvSpPr>
         <p:spPr>
           <a:xfrm>
-            <a:off x="3836609" y="6362700"/>
-            <a:ext cx="4850191" cy="365125"/>
+            <a:off x="5115480" y="6362701"/>
+            <a:ext cx="6466921" cy="365125"/>
           </a:xfrm>
           <a:prstGeom prst="rect">
             <a:avLst/>
@@ -1107,11 +1659,12 @@
           <a:bodyPr/>
           <a:lstStyle/>
           <a:p>
-            <a:fld id="{F41FBFAF-0E6A-674B-978E-98A8470700C7}" type="slidenum">
-              <a:rPr lang="en-US" smtClean="0"/>
+            <a:fld id="{D2040F39-7941-49A4-B48D-F201B18B6351}" type="slidenum">
+              <a:rPr lang="it-IT" smtClean="0"/>
+              <a:pPr/>
               <a:t>‹#›</a:t>
             </a:fld>
-            <a:endParaRPr lang="en-US"/>
+            <a:endParaRPr lang="it-IT" dirty="0"/>
           </a:p>
         </p:txBody>
       </p:sp>
@@ -1123,8 +1676,8 @@
         </p:nvCxnSpPr>
         <p:spPr>
           <a:xfrm flipV="1">
-            <a:off x="722313" y="4406900"/>
-            <a:ext cx="8421687" cy="2"/>
+            <a:off x="963085" y="4406900"/>
+            <a:ext cx="11228916" cy="2"/>
           </a:xfrm>
           <a:prstGeom prst="line">
             <a:avLst/>
@@ -1205,7 +1758,7 @@
           <a:lstStyle/>
           <a:p>
             <a:r>
-              <a:rPr lang="it-IT"/>
+              <a:rPr lang="en-GB"/>
               <a:t>Click to edit Master title style</a:t>
             </a:r>
             <a:endParaRPr lang="en-US"/>
@@ -1224,8 +1777,8 @@
         </p:nvSpPr>
         <p:spPr>
           <a:xfrm>
-            <a:off x="457200" y="1600200"/>
-            <a:ext cx="4038600" cy="4525963"/>
+            <a:off x="609600" y="1600201"/>
+            <a:ext cx="5384800" cy="4525963"/>
           </a:xfrm>
         </p:spPr>
         <p:txBody>
@@ -1262,35 +1815,35 @@
           <a:p>
             <a:pPr lvl="0"/>
             <a:r>
-              <a:rPr lang="it-IT"/>
+              <a:rPr lang="en-GB"/>
               <a:t>Click to edit Master text styles</a:t>
             </a:r>
           </a:p>
           <a:p>
             <a:pPr lvl="1"/>
             <a:r>
-              <a:rPr lang="it-IT"/>
+              <a:rPr lang="en-GB"/>
               <a:t>Second level</a:t>
             </a:r>
           </a:p>
           <a:p>
             <a:pPr lvl="2"/>
             <a:r>
-              <a:rPr lang="it-IT"/>
+              <a:rPr lang="en-GB"/>
               <a:t>Third level</a:t>
             </a:r>
           </a:p>
           <a:p>
             <a:pPr lvl="3"/>
             <a:r>
-              <a:rPr lang="it-IT"/>
+              <a:rPr lang="en-GB"/>
               <a:t>Fourth level</a:t>
             </a:r>
           </a:p>
           <a:p>
             <a:pPr lvl="4"/>
             <a:r>
-              <a:rPr lang="it-IT"/>
+              <a:rPr lang="en-GB"/>
               <a:t>Fifth level</a:t>
             </a:r>
             <a:endParaRPr lang="en-US"/>
@@ -1309,8 +1862,8 @@
         </p:nvSpPr>
         <p:spPr>
           <a:xfrm>
-            <a:off x="4648200" y="1600200"/>
-            <a:ext cx="4038600" cy="4525963"/>
+            <a:off x="6197600" y="1600201"/>
+            <a:ext cx="5384800" cy="4525963"/>
           </a:xfrm>
         </p:spPr>
         <p:txBody>
@@ -1347,35 +1900,35 @@
           <a:p>
             <a:pPr lvl="0"/>
             <a:r>
-              <a:rPr lang="it-IT"/>
+              <a:rPr lang="en-GB"/>
               <a:t>Click to edit Master text styles</a:t>
             </a:r>
           </a:p>
           <a:p>
             <a:pPr lvl="1"/>
             <a:r>
-              <a:rPr lang="it-IT"/>
+              <a:rPr lang="en-GB"/>
               <a:t>Second level</a:t>
             </a:r>
           </a:p>
           <a:p>
             <a:pPr lvl="2"/>
             <a:r>
-              <a:rPr lang="it-IT"/>
+              <a:rPr lang="en-GB"/>
               <a:t>Third level</a:t>
             </a:r>
           </a:p>
           <a:p>
             <a:pPr lvl="3"/>
             <a:r>
-              <a:rPr lang="it-IT"/>
+              <a:rPr lang="en-GB"/>
               <a:t>Fourth level</a:t>
             </a:r>
           </a:p>
           <a:p>
             <a:pPr lvl="4"/>
             <a:r>
-              <a:rPr lang="it-IT"/>
+              <a:rPr lang="en-GB"/>
               <a:t>Fifth level</a:t>
             </a:r>
             <a:endParaRPr lang="en-US"/>
@@ -1394,8 +1947,8 @@
         </p:nvSpPr>
         <p:spPr>
           <a:xfrm>
-            <a:off x="3836609" y="6362700"/>
-            <a:ext cx="4850191" cy="365125"/>
+            <a:off x="5115480" y="6362701"/>
+            <a:ext cx="6466921" cy="365125"/>
           </a:xfrm>
           <a:prstGeom prst="rect">
             <a:avLst/>
@@ -1405,11 +1958,12 @@
           <a:bodyPr/>
           <a:lstStyle/>
           <a:p>
-            <a:fld id="{F41FBFAF-0E6A-674B-978E-98A8470700C7}" type="slidenum">
-              <a:rPr lang="en-US" smtClean="0"/>
+            <a:fld id="{D2040F39-7941-49A4-B48D-F201B18B6351}" type="slidenum">
+              <a:rPr lang="it-IT" smtClean="0"/>
+              <a:pPr/>
               <a:t>‹#›</a:t>
             </a:fld>
-            <a:endParaRPr lang="en-US"/>
+            <a:endParaRPr lang="it-IT" dirty="0"/>
           </a:p>
         </p:txBody>
       </p:sp>
@@ -1421,8 +1975,8 @@
         </p:nvCxnSpPr>
         <p:spPr>
           <a:xfrm flipV="1">
-            <a:off x="457200" y="1388917"/>
-            <a:ext cx="8686800" cy="2"/>
+            <a:off x="609600" y="1388917"/>
+            <a:ext cx="11582400" cy="2"/>
           </a:xfrm>
           <a:prstGeom prst="line">
             <a:avLst/>
@@ -1507,7 +2061,7 @@
           </a:lstStyle>
           <a:p>
             <a:r>
-              <a:rPr lang="it-IT"/>
+              <a:rPr lang="en-GB"/>
               <a:t>Click to edit Master title style</a:t>
             </a:r>
             <a:endParaRPr lang="en-US"/>
@@ -1526,8 +2080,8 @@
         </p:nvSpPr>
         <p:spPr>
           <a:xfrm>
-            <a:off x="457200" y="1535113"/>
-            <a:ext cx="4040188" cy="639762"/>
+            <a:off x="609600" y="1535113"/>
+            <a:ext cx="5386917" cy="639762"/>
           </a:xfrm>
         </p:spPr>
         <p:txBody>
@@ -1573,7 +2127,7 @@
           <a:p>
             <a:pPr lvl="0"/>
             <a:r>
-              <a:rPr lang="it-IT"/>
+              <a:rPr lang="en-GB"/>
               <a:t>Click to edit Master text styles</a:t>
             </a:r>
           </a:p>
@@ -1591,8 +2145,8 @@
         </p:nvSpPr>
         <p:spPr>
           <a:xfrm>
-            <a:off x="457200" y="2174875"/>
-            <a:ext cx="4040188" cy="3951288"/>
+            <a:off x="609600" y="2174875"/>
+            <a:ext cx="5386917" cy="3951288"/>
           </a:xfrm>
         </p:spPr>
         <p:txBody>
@@ -1629,35 +2183,35 @@
           <a:p>
             <a:pPr lvl="0"/>
             <a:r>
-              <a:rPr lang="it-IT"/>
+              <a:rPr lang="en-GB"/>
               <a:t>Click to edit Master text styles</a:t>
             </a:r>
           </a:p>
           <a:p>
             <a:pPr lvl="1"/>
             <a:r>
-              <a:rPr lang="it-IT"/>
+              <a:rPr lang="en-GB"/>
               <a:t>Second level</a:t>
             </a:r>
           </a:p>
           <a:p>
             <a:pPr lvl="2"/>
             <a:r>
-              <a:rPr lang="it-IT"/>
+              <a:rPr lang="en-GB"/>
               <a:t>Third level</a:t>
             </a:r>
           </a:p>
           <a:p>
             <a:pPr lvl="3"/>
             <a:r>
-              <a:rPr lang="it-IT"/>
+              <a:rPr lang="en-GB"/>
               <a:t>Fourth level</a:t>
             </a:r>
           </a:p>
           <a:p>
             <a:pPr lvl="4"/>
             <a:r>
-              <a:rPr lang="it-IT"/>
+              <a:rPr lang="en-GB"/>
               <a:t>Fifth level</a:t>
             </a:r>
             <a:endParaRPr lang="en-US"/>
@@ -1676,8 +2230,8 @@
         </p:nvSpPr>
         <p:spPr>
           <a:xfrm>
-            <a:off x="4645025" y="1535113"/>
-            <a:ext cx="4041775" cy="639762"/>
+            <a:off x="6193368" y="1535113"/>
+            <a:ext cx="5389033" cy="639762"/>
           </a:xfrm>
         </p:spPr>
         <p:txBody>
@@ -1723,7 +2277,7 @@
           <a:p>
             <a:pPr lvl="0"/>
             <a:r>
-              <a:rPr lang="it-IT"/>
+              <a:rPr lang="en-GB"/>
               <a:t>Click to edit Master text styles</a:t>
             </a:r>
           </a:p>
@@ -1741,8 +2295,8 @@
         </p:nvSpPr>
         <p:spPr>
           <a:xfrm>
-            <a:off x="4645025" y="2174875"/>
-            <a:ext cx="4041775" cy="3951288"/>
+            <a:off x="6193368" y="2174875"/>
+            <a:ext cx="5389033" cy="3951288"/>
           </a:xfrm>
         </p:spPr>
         <p:txBody>
@@ -1779,35 +2333,35 @@
           <a:p>
             <a:pPr lvl="0"/>
             <a:r>
-              <a:rPr lang="it-IT"/>
+              <a:rPr lang="en-GB"/>
               <a:t>Click to edit Master text styles</a:t>
             </a:r>
           </a:p>
           <a:p>
             <a:pPr lvl="1"/>
             <a:r>
-              <a:rPr lang="it-IT"/>
+              <a:rPr lang="en-GB"/>
               <a:t>Second level</a:t>
             </a:r>
           </a:p>
           <a:p>
             <a:pPr lvl="2"/>
             <a:r>
-              <a:rPr lang="it-IT"/>
+              <a:rPr lang="en-GB"/>
               <a:t>Third level</a:t>
             </a:r>
           </a:p>
           <a:p>
             <a:pPr lvl="3"/>
             <a:r>
-              <a:rPr lang="it-IT"/>
+              <a:rPr lang="en-GB"/>
               <a:t>Fourth level</a:t>
             </a:r>
           </a:p>
           <a:p>
             <a:pPr lvl="4"/>
             <a:r>
-              <a:rPr lang="it-IT"/>
+              <a:rPr lang="en-GB"/>
               <a:t>Fifth level</a:t>
             </a:r>
             <a:endParaRPr lang="en-US"/>
@@ -1826,8 +2380,8 @@
         </p:nvSpPr>
         <p:spPr>
           <a:xfrm>
-            <a:off x="3836609" y="6362700"/>
-            <a:ext cx="4850191" cy="365125"/>
+            <a:off x="5115480" y="6362701"/>
+            <a:ext cx="6466921" cy="365125"/>
           </a:xfrm>
           <a:prstGeom prst="rect">
             <a:avLst/>
@@ -1837,11 +2391,12 @@
           <a:bodyPr/>
           <a:lstStyle/>
           <a:p>
-            <a:fld id="{F41FBFAF-0E6A-674B-978E-98A8470700C7}" type="slidenum">
-              <a:rPr lang="en-US" smtClean="0"/>
+            <a:fld id="{D2040F39-7941-49A4-B48D-F201B18B6351}" type="slidenum">
+              <a:rPr lang="it-IT" smtClean="0"/>
+              <a:pPr/>
               <a:t>‹#›</a:t>
             </a:fld>
-            <a:endParaRPr lang="en-US"/>
+            <a:endParaRPr lang="it-IT" dirty="0"/>
           </a:p>
         </p:txBody>
       </p:sp>
@@ -1853,8 +2408,8 @@
         </p:nvCxnSpPr>
         <p:spPr>
           <a:xfrm flipV="1">
-            <a:off x="457200" y="1388917"/>
-            <a:ext cx="8686800" cy="2"/>
+            <a:off x="609600" y="1388917"/>
+            <a:ext cx="11582400" cy="2"/>
           </a:xfrm>
           <a:prstGeom prst="line">
             <a:avLst/>
@@ -1935,7 +2490,7 @@
           <a:lstStyle/>
           <a:p>
             <a:r>
-              <a:rPr lang="it-IT"/>
+              <a:rPr lang="en-GB"/>
               <a:t>Click to edit Master title style</a:t>
             </a:r>
             <a:endParaRPr lang="en-US"/>
@@ -1954,8 +2509,8 @@
         </p:nvSpPr>
         <p:spPr>
           <a:xfrm>
-            <a:off x="3836609" y="6362700"/>
-            <a:ext cx="4850191" cy="365125"/>
+            <a:off x="5115480" y="6362701"/>
+            <a:ext cx="6466921" cy="365125"/>
           </a:xfrm>
           <a:prstGeom prst="rect">
             <a:avLst/>
@@ -1965,11 +2520,12 @@
           <a:bodyPr/>
           <a:lstStyle/>
           <a:p>
-            <a:fld id="{F41FBFAF-0E6A-674B-978E-98A8470700C7}" type="slidenum">
-              <a:rPr lang="en-US" smtClean="0"/>
+            <a:fld id="{D2040F39-7941-49A4-B48D-F201B18B6351}" type="slidenum">
+              <a:rPr lang="it-IT" smtClean="0"/>
+              <a:pPr/>
               <a:t>‹#›</a:t>
             </a:fld>
-            <a:endParaRPr lang="en-US"/>
+            <a:endParaRPr lang="it-IT" dirty="0"/>
           </a:p>
         </p:txBody>
       </p:sp>
@@ -1981,8 +2537,8 @@
         </p:nvCxnSpPr>
         <p:spPr>
           <a:xfrm flipV="1">
-            <a:off x="457200" y="1388917"/>
-            <a:ext cx="8686800" cy="2"/>
+            <a:off x="609600" y="1388917"/>
+            <a:ext cx="11582400" cy="2"/>
           </a:xfrm>
           <a:prstGeom prst="line">
             <a:avLst/>
@@ -2059,8 +2615,8 @@
         </p:nvSpPr>
         <p:spPr>
           <a:xfrm>
-            <a:off x="3836609" y="6362700"/>
-            <a:ext cx="4850191" cy="365125"/>
+            <a:off x="5115480" y="6362701"/>
+            <a:ext cx="6466921" cy="365125"/>
           </a:xfrm>
           <a:prstGeom prst="rect">
             <a:avLst/>
@@ -2070,11 +2626,12 @@
           <a:bodyPr/>
           <a:lstStyle/>
           <a:p>
-            <a:fld id="{F41FBFAF-0E6A-674B-978E-98A8470700C7}" type="slidenum">
-              <a:rPr lang="en-US" smtClean="0"/>
+            <a:fld id="{D2040F39-7941-49A4-B48D-F201B18B6351}" type="slidenum">
+              <a:rPr lang="it-IT" smtClean="0"/>
+              <a:pPr/>
               <a:t>‹#›</a:t>
             </a:fld>
-            <a:endParaRPr lang="en-US"/>
+            <a:endParaRPr lang="it-IT" dirty="0"/>
           </a:p>
         </p:txBody>
       </p:sp>
@@ -2120,8 +2677,8 @@
         </p:nvSpPr>
         <p:spPr>
           <a:xfrm>
-            <a:off x="457200" y="273050"/>
-            <a:ext cx="3008313" cy="1162050"/>
+            <a:off x="609601" y="273050"/>
+            <a:ext cx="4011084" cy="1162050"/>
           </a:xfrm>
         </p:spPr>
         <p:txBody>
@@ -2133,7 +2690,7 @@
           </a:lstStyle>
           <a:p>
             <a:r>
-              <a:rPr lang="it-IT"/>
+              <a:rPr lang="en-GB"/>
               <a:t>Click to edit Master title style</a:t>
             </a:r>
             <a:endParaRPr lang="en-US"/>
@@ -2152,8 +2709,8 @@
         </p:nvSpPr>
         <p:spPr>
           <a:xfrm>
-            <a:off x="3575050" y="273050"/>
-            <a:ext cx="5111750" cy="5853113"/>
+            <a:off x="4766733" y="273051"/>
+            <a:ext cx="6815667" cy="5853113"/>
           </a:xfrm>
         </p:spPr>
         <p:txBody>
@@ -2190,35 +2747,35 @@
           <a:p>
             <a:pPr lvl="0"/>
             <a:r>
-              <a:rPr lang="it-IT"/>
+              <a:rPr lang="en-GB"/>
               <a:t>Click to edit Master text styles</a:t>
             </a:r>
           </a:p>
           <a:p>
             <a:pPr lvl="1"/>
             <a:r>
-              <a:rPr lang="it-IT"/>
+              <a:rPr lang="en-GB"/>
               <a:t>Second level</a:t>
             </a:r>
           </a:p>
           <a:p>
             <a:pPr lvl="2"/>
             <a:r>
-              <a:rPr lang="it-IT"/>
+              <a:rPr lang="en-GB"/>
               <a:t>Third level</a:t>
             </a:r>
           </a:p>
           <a:p>
             <a:pPr lvl="3"/>
             <a:r>
-              <a:rPr lang="it-IT"/>
+              <a:rPr lang="en-GB"/>
               <a:t>Fourth level</a:t>
             </a:r>
           </a:p>
           <a:p>
             <a:pPr lvl="4"/>
             <a:r>
-              <a:rPr lang="it-IT"/>
+              <a:rPr lang="en-GB"/>
               <a:t>Fifth level</a:t>
             </a:r>
             <a:endParaRPr lang="en-US"/>
@@ -2237,8 +2794,8 @@
         </p:nvSpPr>
         <p:spPr>
           <a:xfrm>
-            <a:off x="457200" y="1435100"/>
-            <a:ext cx="3008313" cy="4691063"/>
+            <a:off x="609601" y="1435101"/>
+            <a:ext cx="4011084" cy="4691063"/>
           </a:xfrm>
         </p:spPr>
         <p:txBody>
@@ -2284,7 +2841,7 @@
           <a:p>
             <a:pPr lvl="0"/>
             <a:r>
-              <a:rPr lang="it-IT"/>
+              <a:rPr lang="en-GB"/>
               <a:t>Click to edit Master text styles</a:t>
             </a:r>
           </a:p>
@@ -2302,8 +2859,8 @@
         </p:nvSpPr>
         <p:spPr>
           <a:xfrm>
-            <a:off x="3836609" y="6362700"/>
-            <a:ext cx="4850191" cy="365125"/>
+            <a:off x="5115480" y="6362701"/>
+            <a:ext cx="6466921" cy="365125"/>
           </a:xfrm>
           <a:prstGeom prst="rect">
             <a:avLst/>
@@ -2313,11 +2870,12 @@
           <a:bodyPr/>
           <a:lstStyle/>
           <a:p>
-            <a:fld id="{F41FBFAF-0E6A-674B-978E-98A8470700C7}" type="slidenum">
-              <a:rPr lang="en-US" smtClean="0"/>
+            <a:fld id="{D2040F39-7941-49A4-B48D-F201B18B6351}" type="slidenum">
+              <a:rPr lang="it-IT" smtClean="0"/>
+              <a:pPr/>
               <a:t>‹#›</a:t>
             </a:fld>
-            <a:endParaRPr lang="en-US"/>
+            <a:endParaRPr lang="it-IT" dirty="0"/>
           </a:p>
         </p:txBody>
       </p:sp>
@@ -2363,8 +2921,8 @@
         </p:nvSpPr>
         <p:spPr>
           <a:xfrm>
-            <a:off x="1792288" y="4800600"/>
-            <a:ext cx="5486400" cy="566738"/>
+            <a:off x="2389717" y="4800600"/>
+            <a:ext cx="7315200" cy="566738"/>
           </a:xfrm>
         </p:spPr>
         <p:txBody>
@@ -2376,7 +2934,7 @@
           </a:lstStyle>
           <a:p>
             <a:r>
-              <a:rPr lang="it-IT"/>
+              <a:rPr lang="en-GB"/>
               <a:t>Click to edit Master title style</a:t>
             </a:r>
             <a:endParaRPr lang="en-US"/>
@@ -2395,8 +2953,8 @@
         </p:nvSpPr>
         <p:spPr>
           <a:xfrm>
-            <a:off x="1792288" y="612775"/>
-            <a:ext cx="5486400" cy="4114800"/>
+            <a:off x="2389717" y="612775"/>
+            <a:ext cx="7315200" cy="4114800"/>
           </a:xfrm>
         </p:spPr>
         <p:txBody>
@@ -2441,8 +2999,8 @@
           </a:lstStyle>
           <a:p>
             <a:r>
-              <a:rPr lang="it-IT"/>
-              <a:t>Drag picture to placeholder or click icon to add</a:t>
+              <a:rPr lang="en-GB"/>
+              <a:t>Click icon to add picture</a:t>
             </a:r>
             <a:endParaRPr lang="en-US"/>
           </a:p>
@@ -2460,8 +3018,8 @@
         </p:nvSpPr>
         <p:spPr>
           <a:xfrm>
-            <a:off x="1792288" y="5367338"/>
-            <a:ext cx="5486400" cy="804862"/>
+            <a:off x="2389717" y="5367338"/>
+            <a:ext cx="7315200" cy="804862"/>
           </a:xfrm>
         </p:spPr>
         <p:txBody>
@@ -2507,7 +3065,7 @@
           <a:p>
             <a:pPr lvl="0"/>
             <a:r>
-              <a:rPr lang="it-IT"/>
+              <a:rPr lang="en-GB"/>
               <a:t>Click to edit Master text styles</a:t>
             </a:r>
           </a:p>
@@ -2525,8 +3083,8 @@
         </p:nvSpPr>
         <p:spPr>
           <a:xfrm>
-            <a:off x="3836609" y="6362700"/>
-            <a:ext cx="4850191" cy="365125"/>
+            <a:off x="5115480" y="6362701"/>
+            <a:ext cx="6466921" cy="365125"/>
           </a:xfrm>
           <a:prstGeom prst="rect">
             <a:avLst/>
@@ -2536,11 +3094,12 @@
           <a:bodyPr/>
           <a:lstStyle/>
           <a:p>
-            <a:fld id="{F41FBFAF-0E6A-674B-978E-98A8470700C7}" type="slidenum">
-              <a:rPr lang="en-US" smtClean="0"/>
+            <a:fld id="{D2040F39-7941-49A4-B48D-F201B18B6351}" type="slidenum">
+              <a:rPr lang="it-IT" smtClean="0"/>
+              <a:pPr/>
               <a:t>‹#›</a:t>
             </a:fld>
-            <a:endParaRPr lang="en-US"/>
+            <a:endParaRPr lang="it-IT" dirty="0"/>
           </a:p>
         </p:txBody>
       </p:sp>
@@ -2552,8 +3111,8 @@
         </p:nvCxnSpPr>
         <p:spPr>
           <a:xfrm flipV="1">
-            <a:off x="457200" y="4752218"/>
-            <a:ext cx="8686800" cy="2"/>
+            <a:off x="609600" y="4752218"/>
+            <a:ext cx="11582400" cy="2"/>
           </a:xfrm>
           <a:prstGeom prst="line">
             <a:avLst/>
@@ -2635,8 +3194,8 @@
         </p:nvSpPr>
         <p:spPr>
           <a:xfrm>
-            <a:off x="457200" y="274638"/>
-            <a:ext cx="8229600" cy="1143000"/>
+            <a:off x="609600" y="274638"/>
+            <a:ext cx="10972800" cy="1143000"/>
           </a:xfrm>
           <a:prstGeom prst="rect">
             <a:avLst/>
@@ -2649,7 +3208,7 @@
           <a:lstStyle/>
           <a:p>
             <a:r>
-              <a:rPr lang="it-IT"/>
+              <a:rPr lang="en-GB"/>
               <a:t>Click to edit Master title style</a:t>
             </a:r>
             <a:endParaRPr lang="en-US" dirty="0"/>
@@ -2668,8 +3227,8 @@
         </p:nvSpPr>
         <p:spPr>
           <a:xfrm>
-            <a:off x="457200" y="1600200"/>
-            <a:ext cx="8229600" cy="4525963"/>
+            <a:off x="609600" y="1600201"/>
+            <a:ext cx="10972800" cy="4525963"/>
           </a:xfrm>
           <a:prstGeom prst="rect">
             <a:avLst/>
@@ -2683,79 +3242,44 @@
           <a:p>
             <a:pPr lvl="0"/>
             <a:r>
-              <a:rPr lang="it-IT"/>
+              <a:rPr lang="en-GB"/>
               <a:t>Click to edit Master text styles</a:t>
             </a:r>
           </a:p>
           <a:p>
             <a:pPr lvl="1"/>
             <a:r>
-              <a:rPr lang="it-IT"/>
+              <a:rPr lang="en-GB"/>
               <a:t>Second level</a:t>
             </a:r>
           </a:p>
           <a:p>
             <a:pPr lvl="2"/>
             <a:r>
-              <a:rPr lang="it-IT"/>
+              <a:rPr lang="en-GB"/>
               <a:t>Third level</a:t>
             </a:r>
           </a:p>
           <a:p>
             <a:pPr lvl="3"/>
             <a:r>
-              <a:rPr lang="it-IT"/>
+              <a:rPr lang="en-GB"/>
               <a:t>Fourth level</a:t>
             </a:r>
           </a:p>
           <a:p>
             <a:pPr lvl="4"/>
             <a:r>
-              <a:rPr lang="it-IT"/>
+              <a:rPr lang="en-GB"/>
               <a:t>Fifth level</a:t>
             </a:r>
             <a:endParaRPr lang="en-US" dirty="0"/>
-          </a:p>
-        </p:txBody>
-      </p:sp>
-      <p:sp>
-        <p:nvSpPr>
-          <p:cNvPr id="10" name="Slide Number Placeholder 5"/>
-          <p:cNvSpPr>
-            <a:spLocks noGrp="1"/>
-          </p:cNvSpPr>
-          <p:nvPr>
-            <p:ph type="sldNum" sz="quarter" idx="4"/>
-          </p:nvPr>
-        </p:nvSpPr>
-        <p:spPr>
-          <a:xfrm>
-            <a:off x="3836609" y="6362700"/>
-            <a:ext cx="4850191" cy="365125"/>
-          </a:xfrm>
-          <a:prstGeom prst="rect">
-            <a:avLst/>
-          </a:prstGeom>
-        </p:spPr>
-        <p:txBody>
-          <a:bodyPr/>
-          <a:lstStyle>
-            <a:lvl1pPr algn="r">
-              <a:defRPr/>
-            </a:lvl1pPr>
-          </a:lstStyle>
-          <a:p>
-            <a:fld id="{F41FBFAF-0E6A-674B-978E-98A8470700C7}" type="slidenum">
-              <a:rPr lang="en-US" smtClean="0"/>
-              <a:t>‹#›</a:t>
-            </a:fld>
-            <a:endParaRPr lang="en-US"/>
           </a:p>
         </p:txBody>
       </p:sp>
       <p:pic>
         <p:nvPicPr>
-          <p:cNvPr id="9" name="Picture 8" descr="ing-modena copy.png"/>
+          <p:cNvPr id="8" name="Picture 7" descr="ing-modena copy.png"/>
           <p:cNvPicPr>
             <a:picLocks noChangeAspect="1"/>
           </p:cNvPicPr>
@@ -2775,14 +3299,46 @@
         </p:blipFill>
         <p:spPr>
           <a:xfrm>
-            <a:off x="24190" y="5829300"/>
-            <a:ext cx="1689100" cy="1066800"/>
+            <a:off x="-45803" y="6021288"/>
+            <a:ext cx="1533291" cy="899495"/>
           </a:xfrm>
           <a:prstGeom prst="rect">
             <a:avLst/>
           </a:prstGeom>
         </p:spPr>
       </p:pic>
+      <p:sp>
+        <p:nvSpPr>
+          <p:cNvPr id="10" name="Slide Number Placeholder 5"/>
+          <p:cNvSpPr>
+            <a:spLocks noGrp="1"/>
+          </p:cNvSpPr>
+          <p:nvPr>
+            <p:ph type="sldNum" sz="quarter" idx="4"/>
+          </p:nvPr>
+        </p:nvSpPr>
+        <p:spPr>
+          <a:xfrm>
+            <a:off x="5115480" y="6362701"/>
+            <a:ext cx="6466921" cy="365125"/>
+          </a:xfrm>
+          <a:prstGeom prst="rect">
+            <a:avLst/>
+          </a:prstGeom>
+        </p:spPr>
+        <p:txBody>
+          <a:bodyPr/>
+          <a:lstStyle/>
+          <a:p>
+            <a:fld id="{D2040F39-7941-49A4-B48D-F201B18B6351}" type="slidenum">
+              <a:rPr lang="it-IT" smtClean="0"/>
+              <a:pPr/>
+              <a:t>‹#›</a:t>
+            </a:fld>
+            <a:endParaRPr lang="it-IT" dirty="0"/>
+          </a:p>
+        </p:txBody>
+      </p:sp>
     </p:spTree>
     <p:extLst>
       <p:ext uri="{BB962C8B-B14F-4D97-AF65-F5344CB8AC3E}">
@@ -2792,18 +3348,19 @@
   </p:cSld>
   <p:clrMap bg1="lt1" tx1="dk1" bg2="lt2" tx2="dk2" accent1="accent1" accent2="accent2" accent3="accent3" accent4="accent4" accent5="accent5" accent6="accent6" hlink="hlink" folHlink="folHlink"/>
   <p:sldLayoutIdLst>
-    <p:sldLayoutId id="2147483661" r:id="rId1"/>
-    <p:sldLayoutId id="2147483662" r:id="rId2"/>
-    <p:sldLayoutId id="2147483663" r:id="rId3"/>
-    <p:sldLayoutId id="2147483664" r:id="rId4"/>
-    <p:sldLayoutId id="2147483665" r:id="rId5"/>
-    <p:sldLayoutId id="2147483666" r:id="rId6"/>
-    <p:sldLayoutId id="2147483667" r:id="rId7"/>
-    <p:sldLayoutId id="2147483668" r:id="rId8"/>
-    <p:sldLayoutId id="2147483669" r:id="rId9"/>
-    <p:sldLayoutId id="2147483670" r:id="rId10"/>
-    <p:sldLayoutId id="2147483671" r:id="rId11"/>
+    <p:sldLayoutId id="2147483673" r:id="rId1"/>
+    <p:sldLayoutId id="2147483674" r:id="rId2"/>
+    <p:sldLayoutId id="2147483675" r:id="rId3"/>
+    <p:sldLayoutId id="2147483676" r:id="rId4"/>
+    <p:sldLayoutId id="2147483677" r:id="rId5"/>
+    <p:sldLayoutId id="2147483678" r:id="rId6"/>
+    <p:sldLayoutId id="2147483679" r:id="rId7"/>
+    <p:sldLayoutId id="2147483680" r:id="rId8"/>
+    <p:sldLayoutId id="2147483681" r:id="rId9"/>
+    <p:sldLayoutId id="2147483682" r:id="rId10"/>
+    <p:sldLayoutId id="2147483683" r:id="rId11"/>
   </p:sldLayoutIdLst>
+  <p:hf hdr="0" ftr="0" dt="0"/>
   <p:txStyles>
     <p:titleStyle>
       <a:lvl1pPr algn="ctr" defTabSz="457200" rtl="0" eaLnBrk="1" latinLnBrk="0" hangingPunct="1">
@@ -3112,7 +3669,7 @@
         </p:nvSpPr>
         <p:spPr>
           <a:xfrm>
-            <a:off x="1371600" y="3886200"/>
+            <a:off x="2895600" y="3886200"/>
             <a:ext cx="6400800" cy="1752600"/>
           </a:xfrm>
         </p:spPr>
@@ -3722,12 +4279,7 @@
             <p:ph sz="half" idx="1"/>
           </p:nvPr>
         </p:nvSpPr>
-        <p:spPr>
-          <a:xfrm>
-            <a:off x="4338084" y="1738423"/>
-            <a:ext cx="4805916" cy="4525963"/>
-          </a:xfrm>
-        </p:spPr>
+        <p:spPr/>
         <p:txBody>
           <a:bodyPr>
             <a:noAutofit/>
@@ -4228,12 +4780,7 @@
             <p:ph sz="half" idx="2"/>
           </p:nvPr>
         </p:nvSpPr>
-        <p:spPr>
-          <a:xfrm>
-            <a:off x="457200" y="1738423"/>
-            <a:ext cx="4038600" cy="4525963"/>
-          </a:xfrm>
-        </p:spPr>
+        <p:spPr/>
         <p:txBody>
           <a:bodyPr>
             <a:normAutofit/>
@@ -4361,7 +4908,7 @@
         <p:spPr/>
         <p:txBody>
           <a:bodyPr>
-            <a:normAutofit fontScale="70000" lnSpcReduction="20000"/>
+            <a:normAutofit fontScale="77500" lnSpcReduction="20000"/>
           </a:bodyPr>
           <a:lstStyle/>
           <a:p>
@@ -4528,7 +5075,7 @@
         <p:spPr/>
         <p:txBody>
           <a:bodyPr>
-            <a:normAutofit lnSpcReduction="10000"/>
+            <a:normAutofit/>
           </a:bodyPr>
           <a:lstStyle/>
           <a:p>
@@ -6967,7 +7514,7 @@
         <p:spPr/>
         <p:txBody>
           <a:bodyPr>
-            <a:normAutofit fontScale="85000" lnSpcReduction="20000"/>
+            <a:normAutofit fontScale="92500" lnSpcReduction="10000"/>
           </a:bodyPr>
           <a:lstStyle/>
           <a:p>
@@ -7159,7 +7706,7 @@
         </p:blipFill>
         <p:spPr>
           <a:xfrm>
-            <a:off x="659219" y="1515140"/>
+            <a:off x="2183219" y="1515141"/>
             <a:ext cx="7820396" cy="4411991"/>
           </a:xfrm>
         </p:spPr>
@@ -7758,7 +8305,7 @@
         <p:spPr/>
         <p:txBody>
           <a:bodyPr>
-            <a:normAutofit lnSpcReduction="10000"/>
+            <a:normAutofit/>
           </a:bodyPr>
           <a:lstStyle/>
           <a:p>
@@ -7906,7 +8453,7 @@
         <p:spPr/>
         <p:txBody>
           <a:bodyPr>
-            <a:normAutofit fontScale="70000" lnSpcReduction="20000"/>
+            <a:normAutofit fontScale="85000" lnSpcReduction="20000"/>
           </a:bodyPr>
           <a:lstStyle/>
           <a:p>
@@ -9385,7 +9932,7 @@
         <p:spPr/>
         <p:txBody>
           <a:bodyPr>
-            <a:normAutofit fontScale="85000" lnSpcReduction="10000"/>
+            <a:normAutofit fontScale="92500"/>
           </a:bodyPr>
           <a:lstStyle/>
           <a:p>
@@ -10026,7 +10573,7 @@
         </p:blipFill>
         <p:spPr>
           <a:xfrm>
-            <a:off x="457200" y="1470803"/>
+            <a:off x="1981200" y="1470803"/>
             <a:ext cx="8229600" cy="4491440"/>
           </a:xfrm>
         </p:spPr>
@@ -10113,7 +10660,7 @@
         </p:blipFill>
         <p:spPr>
           <a:xfrm>
-            <a:off x="457200" y="1546937"/>
+            <a:off x="1981200" y="1546937"/>
             <a:ext cx="8229600" cy="4313512"/>
           </a:xfrm>
         </p:spPr>
@@ -10196,7 +10743,7 @@
         <p:spPr/>
         <p:txBody>
           <a:bodyPr>
-            <a:normAutofit fontScale="92500" lnSpcReduction="10000"/>
+            <a:normAutofit/>
           </a:bodyPr>
           <a:lstStyle/>
           <a:p>
@@ -10880,7 +11427,7 @@
         <p:spPr/>
         <p:txBody>
           <a:bodyPr>
-            <a:normAutofit fontScale="92500" lnSpcReduction="10000"/>
+            <a:normAutofit lnSpcReduction="10000"/>
           </a:bodyPr>
           <a:lstStyle/>
           <a:p>
@@ -11224,7 +11771,7 @@
         <p:spPr/>
         <p:txBody>
           <a:bodyPr>
-            <a:normAutofit fontScale="92500" lnSpcReduction="10000"/>
+            <a:normAutofit lnSpcReduction="10000"/>
           </a:bodyPr>
           <a:lstStyle/>
           <a:p>
@@ -11392,7 +11939,7 @@
         <p:spPr/>
         <p:txBody>
           <a:bodyPr>
-            <a:normAutofit fontScale="70000" lnSpcReduction="20000"/>
+            <a:normAutofit fontScale="85000" lnSpcReduction="20000"/>
           </a:bodyPr>
           <a:lstStyle/>
           <a:p>
@@ -11468,7 +12015,7 @@
         </p:blipFill>
         <p:spPr>
           <a:xfrm>
-            <a:off x="4648199" y="2413594"/>
+            <a:off x="6172200" y="2413594"/>
             <a:ext cx="4469821" cy="3109554"/>
           </a:xfrm>
         </p:spPr>
@@ -11882,7 +12429,7 @@
         <p:spPr/>
         <p:txBody>
           <a:bodyPr>
-            <a:normAutofit fontScale="92500" lnSpcReduction="20000"/>
+            <a:normAutofit fontScale="92500" lnSpcReduction="10000"/>
           </a:bodyPr>
           <a:lstStyle/>
           <a:p>
@@ -12257,7 +12804,7 @@
         <p:spPr/>
         <p:txBody>
           <a:bodyPr>
-            <a:normAutofit fontScale="62500" lnSpcReduction="20000"/>
+            <a:normAutofit fontScale="70000" lnSpcReduction="20000"/>
           </a:bodyPr>
           <a:lstStyle/>
           <a:p>
@@ -12709,7 +13256,7 @@
         <p:spPr/>
         <p:txBody>
           <a:bodyPr>
-            <a:normAutofit fontScale="92500" lnSpcReduction="20000"/>
+            <a:normAutofit fontScale="92500" lnSpcReduction="10000"/>
           </a:bodyPr>
           <a:lstStyle/>
           <a:p>
@@ -13095,7 +13642,7 @@
 </file>
 
 <file path=ppt/theme/theme1.xml><?xml version="1.0" encoding="utf-8"?>
-<a:theme xmlns:a="http://schemas.openxmlformats.org/drawingml/2006/main" name="ING">
+<a:theme xmlns:a="http://schemas.openxmlformats.org/drawingml/2006/main" name="Nicola">
   <a:themeElements>
     <a:clrScheme name="Office">
       <a:dk1>
@@ -13411,5 +13958,588 @@
     </a:lnDef>
   </a:objectDefaults>
   <a:extraClrSchemeLst/>
+  <a:extLst>
+    <a:ext uri="{05A4C25C-085E-4340-85A3-A5531E510DB2}">
+      <thm15:themeFamily xmlns:thm15="http://schemas.microsoft.com/office/thememl/2012/main" name="00 - Java Introduction" id="{2D0C21C8-6F94-AC4C-8309-F1E5902B85F9}" vid="{1BB67297-C6B5-5C49-B905-92E04B265F5A}"/>
+    </a:ext>
+  </a:extLst>
+</a:theme>
+</file>
+
+<file path=ppt/theme/theme2.xml><?xml version="1.0" encoding="utf-8"?>
+<a:theme xmlns:a="http://schemas.openxmlformats.org/drawingml/2006/main" name="Tema di Office">
+  <a:themeElements>
+    <a:clrScheme name="Office">
+      <a:dk1>
+        <a:sysClr val="windowText" lastClr="000000"/>
+      </a:dk1>
+      <a:lt1>
+        <a:sysClr val="window" lastClr="FFFFFF"/>
+      </a:lt1>
+      <a:dk2>
+        <a:srgbClr val="1F497D"/>
+      </a:dk2>
+      <a:lt2>
+        <a:srgbClr val="EEECE1"/>
+      </a:lt2>
+      <a:accent1>
+        <a:srgbClr val="4F81BD"/>
+      </a:accent1>
+      <a:accent2>
+        <a:srgbClr val="C0504D"/>
+      </a:accent2>
+      <a:accent3>
+        <a:srgbClr val="9BBB59"/>
+      </a:accent3>
+      <a:accent4>
+        <a:srgbClr val="8064A2"/>
+      </a:accent4>
+      <a:accent5>
+        <a:srgbClr val="4BACC6"/>
+      </a:accent5>
+      <a:accent6>
+        <a:srgbClr val="F79646"/>
+      </a:accent6>
+      <a:hlink>
+        <a:srgbClr val="0000FF"/>
+      </a:hlink>
+      <a:folHlink>
+        <a:srgbClr val="800080"/>
+      </a:folHlink>
+    </a:clrScheme>
+    <a:fontScheme name="Office">
+      <a:majorFont>
+        <a:latin typeface="Calibri"/>
+        <a:ea typeface=""/>
+        <a:cs typeface=""/>
+        <a:font script="Jpan" typeface="ＭＳ Ｐゴシック"/>
+        <a:font script="Hang" typeface="맑은 고딕"/>
+        <a:font script="Hans" typeface="宋体"/>
+        <a:font script="Hant" typeface="新細明體"/>
+        <a:font script="Arab" typeface="Times New Roman"/>
+        <a:font script="Hebr" typeface="Times New Roman"/>
+        <a:font script="Thai" typeface="Angsana New"/>
+        <a:font script="Ethi" typeface="Nyala"/>
+        <a:font script="Beng" typeface="Vrinda"/>
+        <a:font script="Gujr" typeface="Shruti"/>
+        <a:font script="Khmr" typeface="MoolBoran"/>
+        <a:font script="Knda" typeface="Tunga"/>
+        <a:font script="Guru" typeface="Raavi"/>
+        <a:font script="Cans" typeface="Euphemia"/>
+        <a:font script="Cher" typeface="Plantagenet Cherokee"/>
+        <a:font script="Yiii" typeface="Microsoft Yi Baiti"/>
+        <a:font script="Tibt" typeface="Microsoft Himalaya"/>
+        <a:font script="Thaa" typeface="MV Boli"/>
+        <a:font script="Deva" typeface="Mangal"/>
+        <a:font script="Telu" typeface="Gautami"/>
+        <a:font script="Taml" typeface="Latha"/>
+        <a:font script="Syrc" typeface="Estrangelo Edessa"/>
+        <a:font script="Orya" typeface="Kalinga"/>
+        <a:font script="Mlym" typeface="Kartika"/>
+        <a:font script="Laoo" typeface="DokChampa"/>
+        <a:font script="Sinh" typeface="Iskoola Pota"/>
+        <a:font script="Mong" typeface="Mongolian Baiti"/>
+        <a:font script="Viet" typeface="Times New Roman"/>
+        <a:font script="Uigh" typeface="Microsoft Uighur"/>
+      </a:majorFont>
+      <a:minorFont>
+        <a:latin typeface="Calibri"/>
+        <a:ea typeface=""/>
+        <a:cs typeface=""/>
+        <a:font script="Jpan" typeface="ＭＳ Ｐゴシック"/>
+        <a:font script="Hang" typeface="맑은 고딕"/>
+        <a:font script="Hans" typeface="宋体"/>
+        <a:font script="Hant" typeface="新細明體"/>
+        <a:font script="Arab" typeface="Arial"/>
+        <a:font script="Hebr" typeface="Arial"/>
+        <a:font script="Thai" typeface="Cordia New"/>
+        <a:font script="Ethi" typeface="Nyala"/>
+        <a:font script="Beng" typeface="Vrinda"/>
+        <a:font script="Gujr" typeface="Shruti"/>
+        <a:font script="Khmr" typeface="DaunPenh"/>
+        <a:font script="Knda" typeface="Tunga"/>
+        <a:font script="Guru" typeface="Raavi"/>
+        <a:font script="Cans" typeface="Euphemia"/>
+        <a:font script="Cher" typeface="Plantagenet Cherokee"/>
+        <a:font script="Yiii" typeface="Microsoft Yi Baiti"/>
+        <a:font script="Tibt" typeface="Microsoft Himalaya"/>
+        <a:font script="Thaa" typeface="MV Boli"/>
+        <a:font script="Deva" typeface="Mangal"/>
+        <a:font script="Telu" typeface="Gautami"/>
+        <a:font script="Taml" typeface="Latha"/>
+        <a:font script="Syrc" typeface="Estrangelo Edessa"/>
+        <a:font script="Orya" typeface="Kalinga"/>
+        <a:font script="Mlym" typeface="Kartika"/>
+        <a:font script="Laoo" typeface="DokChampa"/>
+        <a:font script="Sinh" typeface="Iskoola Pota"/>
+        <a:font script="Mong" typeface="Mongolian Baiti"/>
+        <a:font script="Viet" typeface="Arial"/>
+        <a:font script="Uigh" typeface="Microsoft Uighur"/>
+      </a:minorFont>
+    </a:fontScheme>
+    <a:fmtScheme name="Office">
+      <a:fillStyleLst>
+        <a:solidFill>
+          <a:schemeClr val="phClr"/>
+        </a:solidFill>
+        <a:gradFill rotWithShape="1">
+          <a:gsLst>
+            <a:gs pos="0">
+              <a:schemeClr val="phClr">
+                <a:tint val="50000"/>
+                <a:satMod val="300000"/>
+              </a:schemeClr>
+            </a:gs>
+            <a:gs pos="35000">
+              <a:schemeClr val="phClr">
+                <a:tint val="37000"/>
+                <a:satMod val="300000"/>
+              </a:schemeClr>
+            </a:gs>
+            <a:gs pos="100000">
+              <a:schemeClr val="phClr">
+                <a:tint val="15000"/>
+                <a:satMod val="350000"/>
+              </a:schemeClr>
+            </a:gs>
+          </a:gsLst>
+          <a:lin ang="16200000" scaled="1"/>
+        </a:gradFill>
+        <a:gradFill rotWithShape="1">
+          <a:gsLst>
+            <a:gs pos="0">
+              <a:schemeClr val="phClr">
+                <a:shade val="51000"/>
+                <a:satMod val="130000"/>
+              </a:schemeClr>
+            </a:gs>
+            <a:gs pos="80000">
+              <a:schemeClr val="phClr">
+                <a:shade val="93000"/>
+                <a:satMod val="130000"/>
+              </a:schemeClr>
+            </a:gs>
+            <a:gs pos="100000">
+              <a:schemeClr val="phClr">
+                <a:shade val="94000"/>
+                <a:satMod val="135000"/>
+              </a:schemeClr>
+            </a:gs>
+          </a:gsLst>
+          <a:lin ang="16200000" scaled="0"/>
+        </a:gradFill>
+      </a:fillStyleLst>
+      <a:lnStyleLst>
+        <a:ln w="9525" cap="flat" cmpd="sng" algn="ctr">
+          <a:solidFill>
+            <a:schemeClr val="phClr">
+              <a:shade val="95000"/>
+              <a:satMod val="105000"/>
+            </a:schemeClr>
+          </a:solidFill>
+          <a:prstDash val="solid"/>
+        </a:ln>
+        <a:ln w="25400" cap="flat" cmpd="sng" algn="ctr">
+          <a:solidFill>
+            <a:schemeClr val="phClr"/>
+          </a:solidFill>
+          <a:prstDash val="solid"/>
+        </a:ln>
+        <a:ln w="38100" cap="flat" cmpd="sng" algn="ctr">
+          <a:solidFill>
+            <a:schemeClr val="phClr"/>
+          </a:solidFill>
+          <a:prstDash val="solid"/>
+        </a:ln>
+      </a:lnStyleLst>
+      <a:effectStyleLst>
+        <a:effectStyle>
+          <a:effectLst>
+            <a:outerShdw blurRad="40000" dist="20000" dir="5400000" rotWithShape="0">
+              <a:srgbClr val="000000">
+                <a:alpha val="38000"/>
+              </a:srgbClr>
+            </a:outerShdw>
+          </a:effectLst>
+        </a:effectStyle>
+        <a:effectStyle>
+          <a:effectLst>
+            <a:outerShdw blurRad="40000" dist="23000" dir="5400000" rotWithShape="0">
+              <a:srgbClr val="000000">
+                <a:alpha val="35000"/>
+              </a:srgbClr>
+            </a:outerShdw>
+          </a:effectLst>
+        </a:effectStyle>
+        <a:effectStyle>
+          <a:effectLst>
+            <a:outerShdw blurRad="40000" dist="23000" dir="5400000" rotWithShape="0">
+              <a:srgbClr val="000000">
+                <a:alpha val="35000"/>
+              </a:srgbClr>
+            </a:outerShdw>
+          </a:effectLst>
+          <a:scene3d>
+            <a:camera prst="orthographicFront">
+              <a:rot lat="0" lon="0" rev="0"/>
+            </a:camera>
+            <a:lightRig rig="threePt" dir="t">
+              <a:rot lat="0" lon="0" rev="1200000"/>
+            </a:lightRig>
+          </a:scene3d>
+          <a:sp3d>
+            <a:bevelT w="63500" h="25400"/>
+          </a:sp3d>
+        </a:effectStyle>
+      </a:effectStyleLst>
+      <a:bgFillStyleLst>
+        <a:solidFill>
+          <a:schemeClr val="phClr"/>
+        </a:solidFill>
+        <a:gradFill rotWithShape="1">
+          <a:gsLst>
+            <a:gs pos="0">
+              <a:schemeClr val="phClr">
+                <a:tint val="40000"/>
+                <a:satMod val="350000"/>
+              </a:schemeClr>
+            </a:gs>
+            <a:gs pos="40000">
+              <a:schemeClr val="phClr">
+                <a:tint val="45000"/>
+                <a:shade val="99000"/>
+                <a:satMod val="350000"/>
+              </a:schemeClr>
+            </a:gs>
+            <a:gs pos="100000">
+              <a:schemeClr val="phClr">
+                <a:shade val="20000"/>
+                <a:satMod val="255000"/>
+              </a:schemeClr>
+            </a:gs>
+          </a:gsLst>
+          <a:path path="circle">
+            <a:fillToRect l="50000" t="-80000" r="50000" b="180000"/>
+          </a:path>
+        </a:gradFill>
+        <a:gradFill rotWithShape="1">
+          <a:gsLst>
+            <a:gs pos="0">
+              <a:schemeClr val="phClr">
+                <a:tint val="80000"/>
+                <a:satMod val="300000"/>
+              </a:schemeClr>
+            </a:gs>
+            <a:gs pos="100000">
+              <a:schemeClr val="phClr">
+                <a:shade val="30000"/>
+                <a:satMod val="200000"/>
+              </a:schemeClr>
+            </a:gs>
+          </a:gsLst>
+          <a:path path="circle">
+            <a:fillToRect l="50000" t="50000" r="50000" b="50000"/>
+          </a:path>
+        </a:gradFill>
+      </a:bgFillStyleLst>
+    </a:fmtScheme>
+  </a:themeElements>
+  <a:objectDefaults/>
+  <a:extraClrSchemeLst/>
+</a:theme>
+</file>
+
+<file path=ppt/theme/theme3.xml><?xml version="1.0" encoding="utf-8"?>
+<a:theme xmlns:a="http://schemas.openxmlformats.org/drawingml/2006/main" name="Office Theme">
+  <a:themeElements>
+    <a:clrScheme name="Office">
+      <a:dk1>
+        <a:sysClr val="windowText" lastClr="000000"/>
+      </a:dk1>
+      <a:lt1>
+        <a:sysClr val="window" lastClr="FFFFFF"/>
+      </a:lt1>
+      <a:dk2>
+        <a:srgbClr val="44546A"/>
+      </a:dk2>
+      <a:lt2>
+        <a:srgbClr val="E7E6E6"/>
+      </a:lt2>
+      <a:accent1>
+        <a:srgbClr val="4472C4"/>
+      </a:accent1>
+      <a:accent2>
+        <a:srgbClr val="ED7D31"/>
+      </a:accent2>
+      <a:accent3>
+        <a:srgbClr val="A5A5A5"/>
+      </a:accent3>
+      <a:accent4>
+        <a:srgbClr val="FFC000"/>
+      </a:accent4>
+      <a:accent5>
+        <a:srgbClr val="5B9BD5"/>
+      </a:accent5>
+      <a:accent6>
+        <a:srgbClr val="70AD47"/>
+      </a:accent6>
+      <a:hlink>
+        <a:srgbClr val="0563C1"/>
+      </a:hlink>
+      <a:folHlink>
+        <a:srgbClr val="954F72"/>
+      </a:folHlink>
+    </a:clrScheme>
+    <a:fontScheme name="Office">
+      <a:majorFont>
+        <a:latin typeface="Calibri Light" panose="020F0302020204030204"/>
+        <a:ea typeface=""/>
+        <a:cs typeface=""/>
+        <a:font script="Jpan" typeface="游ゴシック Light"/>
+        <a:font script="Hang" typeface="맑은 고딕"/>
+        <a:font script="Hans" typeface="等线 Light"/>
+        <a:font script="Hant" typeface="新細明體"/>
+        <a:font script="Arab" typeface="Times New Roman"/>
+        <a:font script="Hebr" typeface="Times New Roman"/>
+        <a:font script="Thai" typeface="Angsana New"/>
+        <a:font script="Ethi" typeface="Nyala"/>
+        <a:font script="Beng" typeface="Vrinda"/>
+        <a:font script="Gujr" typeface="Shruti"/>
+        <a:font script="Khmr" typeface="MoolBoran"/>
+        <a:font script="Knda" typeface="Tunga"/>
+        <a:font script="Guru" typeface="Raavi"/>
+        <a:font script="Cans" typeface="Euphemia"/>
+        <a:font script="Cher" typeface="Plantagenet Cherokee"/>
+        <a:font script="Yiii" typeface="Microsoft Yi Baiti"/>
+        <a:font script="Tibt" typeface="Microsoft Himalaya"/>
+        <a:font script="Thaa" typeface="MV Boli"/>
+        <a:font script="Deva" typeface="Mangal"/>
+        <a:font script="Telu" typeface="Gautami"/>
+        <a:font script="Taml" typeface="Latha"/>
+        <a:font script="Syrc" typeface="Estrangelo Edessa"/>
+        <a:font script="Orya" typeface="Kalinga"/>
+        <a:font script="Mlym" typeface="Kartika"/>
+        <a:font script="Laoo" typeface="DokChampa"/>
+        <a:font script="Sinh" typeface="Iskoola Pota"/>
+        <a:font script="Mong" typeface="Mongolian Baiti"/>
+        <a:font script="Viet" typeface="Times New Roman"/>
+        <a:font script="Uigh" typeface="Microsoft Uighur"/>
+        <a:font script="Geor" typeface="Sylfaen"/>
+        <a:font script="Armn" typeface="Arial"/>
+        <a:font script="Bugi" typeface="Leelawadee UI"/>
+        <a:font script="Bopo" typeface="Microsoft JhengHei"/>
+        <a:font script="Java" typeface="Javanese Text"/>
+        <a:font script="Lisu" typeface="Segoe UI"/>
+        <a:font script="Mymr" typeface="Myanmar Text"/>
+        <a:font script="Nkoo" typeface="Ebrima"/>
+        <a:font script="Olck" typeface="Nirmala UI"/>
+        <a:font script="Osma" typeface="Ebrima"/>
+        <a:font script="Phag" typeface="Phagspa"/>
+        <a:font script="Syrn" typeface="Estrangelo Edessa"/>
+        <a:font script="Syrj" typeface="Estrangelo Edessa"/>
+        <a:font script="Syre" typeface="Estrangelo Edessa"/>
+        <a:font script="Sora" typeface="Nirmala UI"/>
+        <a:font script="Tale" typeface="Microsoft Tai Le"/>
+        <a:font script="Talu" typeface="Microsoft New Tai Lue"/>
+        <a:font script="Tfng" typeface="Ebrima"/>
+      </a:majorFont>
+      <a:minorFont>
+        <a:latin typeface="Calibri" panose="020F0502020204030204"/>
+        <a:ea typeface=""/>
+        <a:cs typeface=""/>
+        <a:font script="Jpan" typeface="游ゴシック"/>
+        <a:font script="Hang" typeface="맑은 고딕"/>
+        <a:font script="Hans" typeface="等线"/>
+        <a:font script="Hant" typeface="新細明體"/>
+        <a:font script="Arab" typeface="Arial"/>
+        <a:font script="Hebr" typeface="Arial"/>
+        <a:font script="Thai" typeface="Cordia New"/>
+        <a:font script="Ethi" typeface="Nyala"/>
+        <a:font script="Beng" typeface="Vrinda"/>
+        <a:font script="Gujr" typeface="Shruti"/>
+        <a:font script="Khmr" typeface="DaunPenh"/>
+        <a:font script="Knda" typeface="Tunga"/>
+        <a:font script="Guru" typeface="Raavi"/>
+        <a:font script="Cans" typeface="Euphemia"/>
+        <a:font script="Cher" typeface="Plantagenet Cherokee"/>
+        <a:font script="Yiii" typeface="Microsoft Yi Baiti"/>
+        <a:font script="Tibt" typeface="Microsoft Himalaya"/>
+        <a:font script="Thaa" typeface="MV Boli"/>
+        <a:font script="Deva" typeface="Mangal"/>
+        <a:font script="Telu" typeface="Gautami"/>
+        <a:font script="Taml" typeface="Latha"/>
+        <a:font script="Syrc" typeface="Estrangelo Edessa"/>
+        <a:font script="Orya" typeface="Kalinga"/>
+        <a:font script="Mlym" typeface="Kartika"/>
+        <a:font script="Laoo" typeface="DokChampa"/>
+        <a:font script="Sinh" typeface="Iskoola Pota"/>
+        <a:font script="Mong" typeface="Mongolian Baiti"/>
+        <a:font script="Viet" typeface="Arial"/>
+        <a:font script="Uigh" typeface="Microsoft Uighur"/>
+        <a:font script="Geor" typeface="Sylfaen"/>
+        <a:font script="Armn" typeface="Arial"/>
+        <a:font script="Bugi" typeface="Leelawadee UI"/>
+        <a:font script="Bopo" typeface="Microsoft JhengHei"/>
+        <a:font script="Java" typeface="Javanese Text"/>
+        <a:font script="Lisu" typeface="Segoe UI"/>
+        <a:font script="Mymr" typeface="Myanmar Text"/>
+        <a:font script="Nkoo" typeface="Ebrima"/>
+        <a:font script="Olck" typeface="Nirmala UI"/>
+        <a:font script="Osma" typeface="Ebrima"/>
+        <a:font script="Phag" typeface="Phagspa"/>
+        <a:font script="Syrn" typeface="Estrangelo Edessa"/>
+        <a:font script="Syrj" typeface="Estrangelo Edessa"/>
+        <a:font script="Syre" typeface="Estrangelo Edessa"/>
+        <a:font script="Sora" typeface="Nirmala UI"/>
+        <a:font script="Tale" typeface="Microsoft Tai Le"/>
+        <a:font script="Talu" typeface="Microsoft New Tai Lue"/>
+        <a:font script="Tfng" typeface="Ebrima"/>
+      </a:minorFont>
+    </a:fontScheme>
+    <a:fmtScheme name="Office">
+      <a:fillStyleLst>
+        <a:solidFill>
+          <a:schemeClr val="phClr"/>
+        </a:solidFill>
+        <a:gradFill rotWithShape="1">
+          <a:gsLst>
+            <a:gs pos="0">
+              <a:schemeClr val="phClr">
+                <a:lumMod val="110000"/>
+                <a:satMod val="105000"/>
+                <a:tint val="67000"/>
+              </a:schemeClr>
+            </a:gs>
+            <a:gs pos="50000">
+              <a:schemeClr val="phClr">
+                <a:lumMod val="105000"/>
+                <a:satMod val="103000"/>
+                <a:tint val="73000"/>
+              </a:schemeClr>
+            </a:gs>
+            <a:gs pos="100000">
+              <a:schemeClr val="phClr">
+                <a:lumMod val="105000"/>
+                <a:satMod val="109000"/>
+                <a:tint val="81000"/>
+              </a:schemeClr>
+            </a:gs>
+          </a:gsLst>
+          <a:lin ang="5400000" scaled="0"/>
+        </a:gradFill>
+        <a:gradFill rotWithShape="1">
+          <a:gsLst>
+            <a:gs pos="0">
+              <a:schemeClr val="phClr">
+                <a:satMod val="103000"/>
+                <a:lumMod val="102000"/>
+                <a:tint val="94000"/>
+              </a:schemeClr>
+            </a:gs>
+            <a:gs pos="50000">
+              <a:schemeClr val="phClr">
+                <a:satMod val="110000"/>
+                <a:lumMod val="100000"/>
+                <a:shade val="100000"/>
+              </a:schemeClr>
+            </a:gs>
+            <a:gs pos="100000">
+              <a:schemeClr val="phClr">
+                <a:lumMod val="99000"/>
+                <a:satMod val="120000"/>
+                <a:shade val="78000"/>
+              </a:schemeClr>
+            </a:gs>
+          </a:gsLst>
+          <a:lin ang="5400000" scaled="0"/>
+        </a:gradFill>
+      </a:fillStyleLst>
+      <a:lnStyleLst>
+        <a:ln w="6350" cap="flat" cmpd="sng" algn="ctr">
+          <a:solidFill>
+            <a:schemeClr val="phClr"/>
+          </a:solidFill>
+          <a:prstDash val="solid"/>
+          <a:miter lim="800000"/>
+        </a:ln>
+        <a:ln w="12700" cap="flat" cmpd="sng" algn="ctr">
+          <a:solidFill>
+            <a:schemeClr val="phClr"/>
+          </a:solidFill>
+          <a:prstDash val="solid"/>
+          <a:miter lim="800000"/>
+        </a:ln>
+        <a:ln w="19050" cap="flat" cmpd="sng" algn="ctr">
+          <a:solidFill>
+            <a:schemeClr val="phClr"/>
+          </a:solidFill>
+          <a:prstDash val="solid"/>
+          <a:miter lim="800000"/>
+        </a:ln>
+      </a:lnStyleLst>
+      <a:effectStyleLst>
+        <a:effectStyle>
+          <a:effectLst/>
+        </a:effectStyle>
+        <a:effectStyle>
+          <a:effectLst/>
+        </a:effectStyle>
+        <a:effectStyle>
+          <a:effectLst>
+            <a:outerShdw blurRad="57150" dist="19050" dir="5400000" algn="ctr" rotWithShape="0">
+              <a:srgbClr val="000000">
+                <a:alpha val="63000"/>
+              </a:srgbClr>
+            </a:outerShdw>
+          </a:effectLst>
+        </a:effectStyle>
+      </a:effectStyleLst>
+      <a:bgFillStyleLst>
+        <a:solidFill>
+          <a:schemeClr val="phClr"/>
+        </a:solidFill>
+        <a:solidFill>
+          <a:schemeClr val="phClr">
+            <a:tint val="95000"/>
+            <a:satMod val="170000"/>
+          </a:schemeClr>
+        </a:solidFill>
+        <a:gradFill rotWithShape="1">
+          <a:gsLst>
+            <a:gs pos="0">
+              <a:schemeClr val="phClr">
+                <a:tint val="93000"/>
+                <a:satMod val="150000"/>
+                <a:shade val="98000"/>
+                <a:lumMod val="102000"/>
+              </a:schemeClr>
+            </a:gs>
+            <a:gs pos="50000">
+              <a:schemeClr val="phClr">
+                <a:tint val="98000"/>
+                <a:satMod val="130000"/>
+                <a:shade val="90000"/>
+                <a:lumMod val="103000"/>
+              </a:schemeClr>
+            </a:gs>
+            <a:gs pos="100000">
+              <a:schemeClr val="phClr">
+                <a:shade val="63000"/>
+                <a:satMod val="120000"/>
+              </a:schemeClr>
+            </a:gs>
+          </a:gsLst>
+          <a:lin ang="5400000" scaled="0"/>
+        </a:gradFill>
+      </a:bgFillStyleLst>
+    </a:fmtScheme>
+  </a:themeElements>
+  <a:objectDefaults/>
+  <a:extraClrSchemeLst/>
+  <a:extLst>
+    <a:ext uri="{05A4C25C-085E-4340-85A3-A5531E510DB2}">
+      <thm15:themeFamily xmlns:thm15="http://schemas.microsoft.com/office/thememl/2012/main" name="Office Theme" id="{62F939B6-93AF-4DB8-9C6B-D6C7DFDC589F}" vid="{4A3C46E8-61CC-4603-A589-7422A47A8E4A}"/>
+    </a:ext>
+  </a:extLst>
 </a:theme>
 </file>
--- a/java/slides/ppt/06 - Java Functional Interfaces.pptx
+++ b/java/slides/ppt/06 - Java Functional Interfaces.pptx
@@ -5,10 +5,10 @@
     <p:sldMasterId id="2147483672" r:id="rId1"/>
   </p:sldMasterIdLst>
   <p:notesMasterIdLst>
-    <p:notesMasterId r:id="rId36"/>
+    <p:notesMasterId r:id="rId37"/>
   </p:notesMasterIdLst>
   <p:handoutMasterIdLst>
-    <p:handoutMasterId r:id="rId37"/>
+    <p:handoutMasterId r:id="rId38"/>
   </p:handoutMasterIdLst>
   <p:sldIdLst>
     <p:sldId id="256" r:id="rId2"/>
@@ -45,6 +45,7 @@
     <p:sldId id="289" r:id="rId33"/>
     <p:sldId id="290" r:id="rId34"/>
     <p:sldId id="291" r:id="rId35"/>
+    <p:sldId id="294" r:id="rId36"/>
   </p:sldIdLst>
   <p:sldSz cx="12192000" cy="6858000"/>
   <p:notesSz cx="6858000" cy="9144000"/>
@@ -256,7 +257,7 @@
           <a:p>
             <a:fld id="{5591E39A-28E5-5D4D-B97C-ECEB96F19817}" type="datetimeFigureOut">
               <a:rPr lang="en-IT" smtClean="0"/>
-              <a:t>30/09/21</a:t>
+              <a:t>04/10/21</a:t>
             </a:fld>
             <a:endParaRPr lang="en-IT"/>
           </a:p>
@@ -435,7 +436,7 @@
             <a:fld id="{BAEB7694-8561-4BE2-948D-EDF7A201F8BB}" type="datetimeFigureOut">
               <a:rPr lang="it-IT" smtClean="0"/>
               <a:pPr/>
-              <a:t>30/09/21</a:t>
+              <a:t>04/10/21</a:t>
             </a:fld>
             <a:endParaRPr lang="it-IT"/>
           </a:p>
@@ -11354,6 +11355,145 @@
     <p:extLst>
       <p:ext uri="{BB962C8B-B14F-4D97-AF65-F5344CB8AC3E}">
         <p14:creationId xmlns:p14="http://schemas.microsoft.com/office/powerpoint/2010/main" val="803288201"/>
+      </p:ext>
+    </p:extLst>
+  </p:cSld>
+  <p:clrMapOvr>
+    <a:masterClrMapping/>
+  </p:clrMapOvr>
+</p:sld>
+</file>
+
+<file path=ppt/slides/slide35.xml><?xml version="1.0" encoding="utf-8"?>
+<p:sld xmlns:a="http://schemas.openxmlformats.org/drawingml/2006/main" xmlns:r="http://schemas.openxmlformats.org/officeDocument/2006/relationships" xmlns:p="http://schemas.openxmlformats.org/presentationml/2006/main">
+  <p:cSld>
+    <p:spTree>
+      <p:nvGrpSpPr>
+        <p:cNvPr id="1" name=""/>
+        <p:cNvGrpSpPr/>
+        <p:nvPr/>
+      </p:nvGrpSpPr>
+      <p:grpSpPr>
+        <a:xfrm>
+          <a:off x="0" y="0"/>
+          <a:ext cx="0" cy="0"/>
+          <a:chOff x="0" y="0"/>
+          <a:chExt cx="0" cy="0"/>
+        </a:xfrm>
+      </p:grpSpPr>
+      <p:sp>
+        <p:nvSpPr>
+          <p:cNvPr id="2" name="Title 1">
+            <a:extLst>
+              <a:ext uri="{FF2B5EF4-FFF2-40B4-BE49-F238E27FC236}">
+                <a16:creationId xmlns:a16="http://schemas.microsoft.com/office/drawing/2014/main" id="{070C7278-0031-E444-883D-2776F3B46CBC}"/>
+              </a:ext>
+            </a:extLst>
+          </p:cNvPr>
+          <p:cNvSpPr>
+            <a:spLocks noGrp="1"/>
+          </p:cNvSpPr>
+          <p:nvPr>
+            <p:ph type="title"/>
+          </p:nvPr>
+        </p:nvSpPr>
+        <p:spPr/>
+        <p:txBody>
+          <a:bodyPr/>
+          <a:lstStyle/>
+          <a:p>
+            <a:r>
+              <a:rPr lang="en-IT" dirty="0"/>
+              <a:t>Wisdom Pills</a:t>
+            </a:r>
+          </a:p>
+        </p:txBody>
+      </p:sp>
+      <p:sp>
+        <p:nvSpPr>
+          <p:cNvPr id="3" name="Content Placeholder 2">
+            <a:extLst>
+              <a:ext uri="{FF2B5EF4-FFF2-40B4-BE49-F238E27FC236}">
+                <a16:creationId xmlns:a16="http://schemas.microsoft.com/office/drawing/2014/main" id="{09B7348E-1BE2-8E46-8DB1-350166303B04}"/>
+              </a:ext>
+            </a:extLst>
+          </p:cNvPr>
+          <p:cNvSpPr>
+            <a:spLocks noGrp="1"/>
+          </p:cNvSpPr>
+          <p:nvPr>
+            <p:ph idx="1"/>
+          </p:nvPr>
+        </p:nvSpPr>
+        <p:spPr/>
+        <p:txBody>
+          <a:bodyPr/>
+          <a:lstStyle/>
+          <a:p>
+            <a:r>
+              <a:rPr lang="en-GB" i="1" dirty="0"/>
+              <a:t>I have two kinds of problems, the urgent and the important. The urgent are not important, and the important are never urgent -- </a:t>
+            </a:r>
+            <a:r>
+              <a:rPr lang="en-GB" b="1" dirty="0"/>
+              <a:t>President Dwight D. Eisenhower </a:t>
+            </a:r>
+          </a:p>
+          <a:p>
+            <a:endParaRPr lang="en-GB" b="1" dirty="0"/>
+          </a:p>
+          <a:p>
+            <a:r>
+              <a:rPr lang="en-GB" i="1" dirty="0"/>
+              <a:t>It is the responsibility of the software development team to assert the importance of architecture over the urgency of features -- </a:t>
+            </a:r>
+            <a:r>
+              <a:rPr lang="en-GB" b="1" dirty="0"/>
+              <a:t>Clean Code, Robert C. Martin</a:t>
+            </a:r>
+          </a:p>
+          <a:p>
+            <a:endParaRPr lang="en-GB" dirty="0"/>
+          </a:p>
+          <a:p>
+            <a:endParaRPr lang="en-IT" dirty="0"/>
+          </a:p>
+        </p:txBody>
+      </p:sp>
+      <p:sp>
+        <p:nvSpPr>
+          <p:cNvPr id="4" name="Slide Number Placeholder 3">
+            <a:extLst>
+              <a:ext uri="{FF2B5EF4-FFF2-40B4-BE49-F238E27FC236}">
+                <a16:creationId xmlns:a16="http://schemas.microsoft.com/office/drawing/2014/main" id="{3FDD511C-6AF6-D240-90E3-A987C082ADAB}"/>
+              </a:ext>
+            </a:extLst>
+          </p:cNvPr>
+          <p:cNvSpPr>
+            <a:spLocks noGrp="1"/>
+          </p:cNvSpPr>
+          <p:nvPr>
+            <p:ph type="sldNum" sz="quarter" idx="12"/>
+          </p:nvPr>
+        </p:nvSpPr>
+        <p:spPr/>
+        <p:txBody>
+          <a:bodyPr/>
+          <a:lstStyle/>
+          <a:p>
+            <a:fld id="{D2040F39-7941-49A4-B48D-F201B18B6351}" type="slidenum">
+              <a:rPr lang="it-IT" smtClean="0"/>
+              <a:pPr/>
+              <a:t>35</a:t>
+            </a:fld>
+            <a:endParaRPr lang="it-IT" dirty="0"/>
+          </a:p>
+        </p:txBody>
+      </p:sp>
+    </p:spTree>
+    <p:extLst>
+      <p:ext uri="{BB962C8B-B14F-4D97-AF65-F5344CB8AC3E}">
+        <p14:creationId xmlns:p14="http://schemas.microsoft.com/office/powerpoint/2010/main" val="2340391655"/>
       </p:ext>
     </p:extLst>
   </p:cSld>

--- a/java/slides/ppt/06 - Java Functional Interfaces.pptx
+++ b/java/slides/ppt/06 - Java Functional Interfaces.pptx
@@ -257,7 +257,7 @@
           <a:p>
             <a:fld id="{5591E39A-28E5-5D4D-B97C-ECEB96F19817}" type="datetimeFigureOut">
               <a:rPr lang="en-IT" smtClean="0"/>
-              <a:t>04/10/21</a:t>
+              <a:t>12/02/22</a:t>
             </a:fld>
             <a:endParaRPr lang="en-IT"/>
           </a:p>
@@ -436,7 +436,7 @@
             <a:fld id="{BAEB7694-8561-4BE2-948D-EDF7A201F8BB}" type="datetimeFigureOut">
               <a:rPr lang="it-IT" smtClean="0"/>
               <a:pPr/>
-              <a:t>04/10/21</a:t>
+              <a:t>12/02/22</a:t>
             </a:fld>
             <a:endParaRPr lang="it-IT"/>
           </a:p>
@@ -11567,7 +11567,7 @@
         <p:spPr/>
         <p:txBody>
           <a:bodyPr>
-            <a:normAutofit lnSpcReduction="10000"/>
+            <a:normAutofit/>
           </a:bodyPr>
           <a:lstStyle/>
           <a:p>
@@ -11576,7 +11576,7 @@
                 <a:latin typeface="Calibri" panose="020F0502020204030204" pitchFamily="34" charset="0"/>
                 <a:cs typeface="Calibri" panose="020F0502020204030204" pitchFamily="34" charset="0"/>
               </a:rPr>
-              <a:t>A typical problem in 1991: The Berlin wall is collapsing. The US will guarantee peace and harmony for centuries! Model my small company, employees, departments, salaries!</a:t>
+              <a:t>A typical problem in 1991: model my small company, employees, departments, salaries!</a:t>
             </a:r>
           </a:p>
           <a:p>
@@ -11911,7 +11911,7 @@
         <p:spPr/>
         <p:txBody>
           <a:bodyPr>
-            <a:normAutofit lnSpcReduction="10000"/>
+            <a:normAutofit/>
           </a:bodyPr>
           <a:lstStyle/>
           <a:p>
@@ -11920,7 +11920,7 @@
                 <a:latin typeface="Calibri" panose="020F0502020204030204" pitchFamily="34" charset="0"/>
                 <a:cs typeface="Calibri" panose="020F0502020204030204" pitchFamily="34" charset="0"/>
               </a:rPr>
-              <a:t>A typical problem in 2021: my company now has 178000 employees but it is struggling against Chinese competition. Analyse my 20TB dataset for finding lazy people!</a:t>
+              <a:t>A typical problem in 2021: my company now has 178000 employees, analyse my 20TB dataset for finding lazy people!</a:t>
             </a:r>
           </a:p>
           <a:p>

--- a/java/slides/ppt/06 - Java Functional Interfaces.pptx
+++ b/java/slides/ppt/06 - Java Functional Interfaces.pptx
@@ -5,17 +5,17 @@
     <p:sldMasterId id="2147483672" r:id="rId1"/>
   </p:sldMasterIdLst>
   <p:notesMasterIdLst>
-    <p:notesMasterId r:id="rId37"/>
+    <p:notesMasterId r:id="rId34"/>
   </p:notesMasterIdLst>
   <p:handoutMasterIdLst>
-    <p:handoutMasterId r:id="rId38"/>
+    <p:handoutMasterId r:id="rId35"/>
   </p:handoutMasterIdLst>
   <p:sldIdLst>
     <p:sldId id="256" r:id="rId2"/>
     <p:sldId id="261" r:id="rId3"/>
-    <p:sldId id="292" r:id="rId4"/>
+    <p:sldId id="260" r:id="rId4"/>
     <p:sldId id="293" r:id="rId5"/>
-    <p:sldId id="260" r:id="rId6"/>
+    <p:sldId id="292" r:id="rId6"/>
     <p:sldId id="262" r:id="rId7"/>
     <p:sldId id="263" r:id="rId8"/>
     <p:sldId id="264" r:id="rId9"/>
@@ -24,28 +24,25 @@
     <p:sldId id="268" r:id="rId12"/>
     <p:sldId id="271" r:id="rId13"/>
     <p:sldId id="273" r:id="rId14"/>
-    <p:sldId id="274" r:id="rId15"/>
-    <p:sldId id="275" r:id="rId16"/>
-    <p:sldId id="278" r:id="rId17"/>
-    <p:sldId id="272" r:id="rId18"/>
-    <p:sldId id="270" r:id="rId19"/>
-    <p:sldId id="277" r:id="rId20"/>
-    <p:sldId id="269" r:id="rId21"/>
-    <p:sldId id="276" r:id="rId22"/>
-    <p:sldId id="280" r:id="rId23"/>
-    <p:sldId id="279" r:id="rId24"/>
-    <p:sldId id="281" r:id="rId25"/>
-    <p:sldId id="282" r:id="rId26"/>
-    <p:sldId id="283" r:id="rId27"/>
-    <p:sldId id="285" r:id="rId28"/>
-    <p:sldId id="284" r:id="rId29"/>
-    <p:sldId id="287" r:id="rId30"/>
-    <p:sldId id="286" r:id="rId31"/>
-    <p:sldId id="288" r:id="rId32"/>
-    <p:sldId id="289" r:id="rId33"/>
-    <p:sldId id="290" r:id="rId34"/>
-    <p:sldId id="291" r:id="rId35"/>
-    <p:sldId id="294" r:id="rId36"/>
+    <p:sldId id="275" r:id="rId15"/>
+    <p:sldId id="278" r:id="rId16"/>
+    <p:sldId id="272" r:id="rId17"/>
+    <p:sldId id="270" r:id="rId18"/>
+    <p:sldId id="277" r:id="rId19"/>
+    <p:sldId id="269" r:id="rId20"/>
+    <p:sldId id="276" r:id="rId21"/>
+    <p:sldId id="280" r:id="rId22"/>
+    <p:sldId id="282" r:id="rId23"/>
+    <p:sldId id="283" r:id="rId24"/>
+    <p:sldId id="285" r:id="rId25"/>
+    <p:sldId id="284" r:id="rId26"/>
+    <p:sldId id="287" r:id="rId27"/>
+    <p:sldId id="286" r:id="rId28"/>
+    <p:sldId id="288" r:id="rId29"/>
+    <p:sldId id="289" r:id="rId30"/>
+    <p:sldId id="290" r:id="rId31"/>
+    <p:sldId id="291" r:id="rId32"/>
+    <p:sldId id="294" r:id="rId33"/>
   </p:sldIdLst>
   <p:sldSz cx="12192000" cy="6858000"/>
   <p:notesSz cx="6858000" cy="9144000"/>
@@ -257,7 +254,7 @@
           <a:p>
             <a:fld id="{5591E39A-28E5-5D4D-B97C-ECEB96F19817}" type="datetimeFigureOut">
               <a:rPr lang="en-IT" smtClean="0"/>
-              <a:t>12/02/22</a:t>
+              <a:t>26/03/22</a:t>
             </a:fld>
             <a:endParaRPr lang="en-IT"/>
           </a:p>
@@ -436,7 +433,7 @@
             <a:fld id="{BAEB7694-8561-4BE2-948D-EDF7A201F8BB}" type="datetimeFigureOut">
               <a:rPr lang="it-IT" smtClean="0"/>
               <a:pPr/>
-              <a:t>12/02/22</a:t>
+              <a:t>26/03/22</a:t>
             </a:fld>
             <a:endParaRPr lang="it-IT"/>
           </a:p>
@@ -3804,19 +3801,19 @@
           <a:lstStyle/>
           <a:p>
             <a:r>
-              <a:rPr lang="en-GB" sz="1800" dirty="0"/>
+              <a:rPr lang="en-GB" sz="2000" dirty="0"/>
               <a:t>However, when you want to pass new behaviour to your </a:t>
             </a:r>
             <a:r>
-              <a:rPr lang="en-GB" sz="1800" dirty="0" err="1"/>
+              <a:rPr lang="en-GB" sz="2000" dirty="0" err="1"/>
               <a:t>filterStudent</a:t>
             </a:r>
             <a:r>
-              <a:rPr lang="en-GB" sz="1800" dirty="0"/>
+              <a:rPr lang="en-GB" sz="2000" dirty="0"/>
               <a:t> method, </a:t>
             </a:r>
             <a:r>
-              <a:rPr lang="en-GB" sz="1800" dirty="0">
+              <a:rPr lang="en-GB" sz="2000" dirty="0">
                 <a:solidFill>
                   <a:schemeClr val="accent6">
                     <a:lumMod val="75000"/>
@@ -3826,40 +3823,44 @@
               <a:t>you’re forced to declare several classes</a:t>
             </a:r>
             <a:r>
-              <a:rPr lang="en-GB" sz="1800" dirty="0"/>
+              <a:rPr lang="en-GB" sz="2000" dirty="0"/>
               <a:t> that implement the </a:t>
             </a:r>
             <a:r>
-              <a:rPr lang="en-GB" sz="1800" dirty="0" err="1"/>
+              <a:rPr lang="en-GB" sz="2000" dirty="0" err="1"/>
               <a:t>StudentPredicate</a:t>
             </a:r>
             <a:r>
-              <a:rPr lang="en-GB" sz="1800" dirty="0"/>
-              <a:t> interface and then instantiate several </a:t>
-            </a:r>
-            <a:r>
-              <a:rPr lang="en-GB" sz="1800" dirty="0" err="1"/>
-              <a:t>StudentPredicate</a:t>
-            </a:r>
-            <a:r>
-              <a:rPr lang="en-GB" sz="1800" dirty="0"/>
-              <a:t> objects that you allocate only once. </a:t>
-            </a:r>
-            <a:r>
-              <a:rPr lang="en-GB" sz="1800" dirty="0">
+              <a:rPr lang="en-GB" sz="2000" dirty="0"/>
+              <a:t> interface and then instantiate the needed objects. </a:t>
+            </a:r>
+            <a:r>
+              <a:rPr lang="en-GB" sz="2000" dirty="0">
                 <a:solidFill>
                   <a:schemeClr val="accent6">
                     <a:lumMod val="75000"/>
                   </a:schemeClr>
                 </a:solidFill>
               </a:rPr>
-              <a:t>There’s a lot of verbosity involved and it’s a time-consuming process! Verbosity in general is bad</a:t>
-            </a:r>
-            <a:r>
-              <a:rPr lang="en-GB" sz="1800" dirty="0"/>
+              <a:t>It’s a time-consuming and verbose process! </a:t>
+            </a:r>
+          </a:p>
+          <a:p>
+            <a:r>
+              <a:rPr lang="en-GB" sz="2000" dirty="0">
+                <a:solidFill>
+                  <a:schemeClr val="accent6">
+                    <a:lumMod val="75000"/>
+                  </a:schemeClr>
+                </a:solidFill>
+              </a:rPr>
+              <a:t>Verbosity in general is bad</a:t>
+            </a:r>
+            <a:r>
+              <a:rPr lang="en-GB" sz="2000" dirty="0"/>
               <a:t>; it discourages the use of a language feature because it takes a long time to write and maintain.</a:t>
             </a:r>
-            <a:endParaRPr lang="en-GB" sz="1800" dirty="0">
+            <a:endParaRPr lang="en-GB" sz="2000" dirty="0">
               <a:solidFill>
                 <a:schemeClr val="accent6">
                   <a:lumMod val="75000"/>
@@ -4259,7 +4260,7 @@
           <a:p>
             <a:r>
               <a:rPr lang="en-IT" dirty="0"/>
-              <a:t>Anonymous classes. Better.</a:t>
+              <a:t>Anonymous classes</a:t>
             </a:r>
           </a:p>
         </p:txBody>
@@ -4287,480 +4288,56 @@
           </a:bodyPr>
           <a:lstStyle/>
           <a:p>
-            <a:pPr marL="0" indent="0">
-              <a:buNone/>
-            </a:pPr>
-            <a:r>
-              <a:rPr lang="en-GB" sz="1100" dirty="0">
-                <a:latin typeface="Consolas" panose="020B0609020204030204" pitchFamily="49" charset="0"/>
-                <a:cs typeface="Consolas" panose="020B0609020204030204" pitchFamily="49" charset="0"/>
-              </a:rPr>
-              <a:t>public static List&lt;Student&gt; </a:t>
-            </a:r>
-            <a:r>
-              <a:rPr lang="en-GB" sz="1100" dirty="0" err="1">
-                <a:latin typeface="Consolas" panose="020B0609020204030204" pitchFamily="49" charset="0"/>
-                <a:cs typeface="Consolas" panose="020B0609020204030204" pitchFamily="49" charset="0"/>
-              </a:rPr>
-              <a:t>filterStudents</a:t>
-            </a:r>
-            <a:r>
-              <a:rPr lang="en-GB" sz="1100" dirty="0">
-                <a:latin typeface="Consolas" panose="020B0609020204030204" pitchFamily="49" charset="0"/>
-                <a:cs typeface="Consolas" panose="020B0609020204030204" pitchFamily="49" charset="0"/>
-              </a:rPr>
-              <a:t>(</a:t>
-            </a:r>
-          </a:p>
-          <a:p>
-            <a:pPr marL="0" indent="0">
-              <a:buNone/>
-            </a:pPr>
-            <a:r>
-              <a:rPr lang="en-GB" sz="1100" dirty="0">
-                <a:latin typeface="Consolas" panose="020B0609020204030204" pitchFamily="49" charset="0"/>
-                <a:cs typeface="Consolas" panose="020B0609020204030204" pitchFamily="49" charset="0"/>
-              </a:rPr>
-              <a:t>	List&lt;Student&gt; students, </a:t>
-            </a:r>
-            <a:r>
-              <a:rPr lang="en-GB" sz="1100" dirty="0" err="1">
+            <a:r>
+              <a:rPr lang="en-GB" sz="2200" dirty="0">
                 <a:solidFill>
                   <a:schemeClr val="accent6">
                     <a:lumMod val="75000"/>
                   </a:schemeClr>
                 </a:solidFill>
-                <a:latin typeface="Consolas" panose="020B0609020204030204" pitchFamily="49" charset="0"/>
-                <a:cs typeface="Consolas" panose="020B0609020204030204" pitchFamily="49" charset="0"/>
-              </a:rPr>
-              <a:t>StudentPredicate</a:t>
-            </a:r>
-            <a:r>
-              <a:rPr lang="en-GB" sz="1100" dirty="0">
-                <a:latin typeface="Consolas" panose="020B0609020204030204" pitchFamily="49" charset="0"/>
-                <a:cs typeface="Consolas" panose="020B0609020204030204" pitchFamily="49" charset="0"/>
-              </a:rPr>
-              <a:t> tester) {</a:t>
-            </a:r>
-          </a:p>
-          <a:p>
-            <a:pPr marL="0" indent="0">
-              <a:buNone/>
-            </a:pPr>
-            <a:r>
-              <a:rPr lang="en-GB" sz="1100" dirty="0">
-                <a:latin typeface="Consolas" panose="020B0609020204030204" pitchFamily="49" charset="0"/>
-                <a:cs typeface="Consolas" panose="020B0609020204030204" pitchFamily="49" charset="0"/>
-              </a:rPr>
-              <a:t>        </a:t>
-            </a:r>
-          </a:p>
-          <a:p>
-            <a:pPr marL="0" indent="0">
-              <a:buNone/>
-            </a:pPr>
-            <a:r>
-              <a:rPr lang="en-GB" sz="1100" dirty="0">
-                <a:latin typeface="Consolas" panose="020B0609020204030204" pitchFamily="49" charset="0"/>
-                <a:cs typeface="Consolas" panose="020B0609020204030204" pitchFamily="49" charset="0"/>
-              </a:rPr>
-              <a:t>	  List&lt;Student&gt; result = new </a:t>
-            </a:r>
-            <a:r>
-              <a:rPr lang="en-GB" sz="1100" dirty="0" err="1">
-                <a:latin typeface="Consolas" panose="020B0609020204030204" pitchFamily="49" charset="0"/>
-                <a:cs typeface="Consolas" panose="020B0609020204030204" pitchFamily="49" charset="0"/>
-              </a:rPr>
-              <a:t>ArrayList</a:t>
-            </a:r>
-            <a:r>
-              <a:rPr lang="en-GB" sz="1100" dirty="0">
-                <a:latin typeface="Consolas" panose="020B0609020204030204" pitchFamily="49" charset="0"/>
-                <a:cs typeface="Consolas" panose="020B0609020204030204" pitchFamily="49" charset="0"/>
-              </a:rPr>
-              <a:t>&lt;&gt;();</a:t>
-            </a:r>
-          </a:p>
-          <a:p>
-            <a:pPr marL="0" indent="0">
-              <a:buNone/>
-            </a:pPr>
-            <a:r>
-              <a:rPr lang="en-GB" sz="1100" dirty="0">
-                <a:latin typeface="Consolas" panose="020B0609020204030204" pitchFamily="49" charset="0"/>
-                <a:cs typeface="Consolas" panose="020B0609020204030204" pitchFamily="49" charset="0"/>
-              </a:rPr>
-              <a:t>        for (Student s : students) {</a:t>
-            </a:r>
-          </a:p>
-          <a:p>
-            <a:pPr marL="0" indent="0">
-              <a:buNone/>
-            </a:pPr>
-            <a:r>
-              <a:rPr lang="en-GB" sz="1100" dirty="0">
-                <a:latin typeface="Consolas" panose="020B0609020204030204" pitchFamily="49" charset="0"/>
-                <a:cs typeface="Consolas" panose="020B0609020204030204" pitchFamily="49" charset="0"/>
-              </a:rPr>
-              <a:t>            if (</a:t>
-            </a:r>
-            <a:r>
-              <a:rPr lang="en-GB" sz="1100" dirty="0" err="1">
-                <a:latin typeface="Consolas" panose="020B0609020204030204" pitchFamily="49" charset="0"/>
-                <a:cs typeface="Consolas" panose="020B0609020204030204" pitchFamily="49" charset="0"/>
-              </a:rPr>
-              <a:t>tester.test</a:t>
-            </a:r>
-            <a:r>
-              <a:rPr lang="en-GB" sz="1100" dirty="0">
-                <a:latin typeface="Consolas" panose="020B0609020204030204" pitchFamily="49" charset="0"/>
-                <a:cs typeface="Consolas" panose="020B0609020204030204" pitchFamily="49" charset="0"/>
-              </a:rPr>
-              <a:t>(s)) {</a:t>
-            </a:r>
-          </a:p>
-          <a:p>
-            <a:pPr marL="0" indent="0">
-              <a:buNone/>
-            </a:pPr>
-            <a:r>
-              <a:rPr lang="en-GB" sz="1100" dirty="0">
-                <a:latin typeface="Consolas" panose="020B0609020204030204" pitchFamily="49" charset="0"/>
-                <a:cs typeface="Consolas" panose="020B0609020204030204" pitchFamily="49" charset="0"/>
-              </a:rPr>
-              <a:t>                </a:t>
-            </a:r>
-            <a:r>
-              <a:rPr lang="en-GB" sz="1100" dirty="0" err="1">
-                <a:latin typeface="Consolas" panose="020B0609020204030204" pitchFamily="49" charset="0"/>
-                <a:cs typeface="Consolas" panose="020B0609020204030204" pitchFamily="49" charset="0"/>
-              </a:rPr>
-              <a:t>result.add</a:t>
-            </a:r>
-            <a:r>
-              <a:rPr lang="en-GB" sz="1100" dirty="0">
-                <a:latin typeface="Consolas" panose="020B0609020204030204" pitchFamily="49" charset="0"/>
-                <a:cs typeface="Consolas" panose="020B0609020204030204" pitchFamily="49" charset="0"/>
-              </a:rPr>
-              <a:t>(s);</a:t>
-            </a:r>
-          </a:p>
-          <a:p>
-            <a:pPr marL="0" indent="0">
-              <a:buNone/>
-            </a:pPr>
-            <a:r>
-              <a:rPr lang="en-GB" sz="1100" dirty="0">
-                <a:latin typeface="Consolas" panose="020B0609020204030204" pitchFamily="49" charset="0"/>
-                <a:cs typeface="Consolas" panose="020B0609020204030204" pitchFamily="49" charset="0"/>
-              </a:rPr>
-              <a:t>            }</a:t>
-            </a:r>
-          </a:p>
-          <a:p>
-            <a:pPr marL="0" indent="0">
-              <a:buNone/>
-            </a:pPr>
-            <a:r>
-              <a:rPr lang="en-GB" sz="1100" dirty="0">
-                <a:latin typeface="Consolas" panose="020B0609020204030204" pitchFamily="49" charset="0"/>
-                <a:cs typeface="Consolas" panose="020B0609020204030204" pitchFamily="49" charset="0"/>
-              </a:rPr>
-              <a:t>        }</a:t>
-            </a:r>
-          </a:p>
-          <a:p>
-            <a:pPr marL="0" indent="0">
-              <a:buNone/>
-            </a:pPr>
-            <a:r>
-              <a:rPr lang="en-GB" sz="1100" dirty="0">
-                <a:latin typeface="Consolas" panose="020B0609020204030204" pitchFamily="49" charset="0"/>
-                <a:cs typeface="Consolas" panose="020B0609020204030204" pitchFamily="49" charset="0"/>
-              </a:rPr>
-              <a:t>        return result;</a:t>
-            </a:r>
-          </a:p>
-          <a:p>
-            <a:pPr marL="0" indent="0">
-              <a:buNone/>
-            </a:pPr>
-            <a:r>
-              <a:rPr lang="en-GB" sz="1100" dirty="0">
-                <a:latin typeface="Consolas" panose="020B0609020204030204" pitchFamily="49" charset="0"/>
-                <a:cs typeface="Consolas" panose="020B0609020204030204" pitchFamily="49" charset="0"/>
-              </a:rPr>
-              <a:t>}</a:t>
-            </a:r>
-          </a:p>
-          <a:p>
-            <a:pPr marL="0" indent="0">
-              <a:buNone/>
-            </a:pPr>
-            <a:endParaRPr lang="en-GB" sz="1100" dirty="0">
-              <a:latin typeface="Consolas" panose="020B0609020204030204" pitchFamily="49" charset="0"/>
-              <a:cs typeface="Consolas" panose="020B0609020204030204" pitchFamily="49" charset="0"/>
+                <a:latin typeface="Calibri" panose="020F0502020204030204" pitchFamily="34" charset="0"/>
+                <a:cs typeface="Calibri" panose="020F0502020204030204" pitchFamily="34" charset="0"/>
+              </a:rPr>
+              <a:t>Anonymous classes enable you to make your code more concise.</a:t>
+            </a:r>
+          </a:p>
+          <a:p>
+            <a:r>
+              <a:rPr lang="en-GB" sz="2200" dirty="0">
+                <a:latin typeface="Calibri" panose="020F0502020204030204" pitchFamily="34" charset="0"/>
+                <a:cs typeface="Calibri" panose="020F0502020204030204" pitchFamily="34" charset="0"/>
+              </a:rPr>
+              <a:t>They enable you to declare and instantiate a class at the same time. </a:t>
+            </a:r>
+          </a:p>
+          <a:p>
+            <a:r>
+              <a:rPr lang="en-GB" sz="2200" dirty="0">
+                <a:latin typeface="Calibri" panose="020F0502020204030204" pitchFamily="34" charset="0"/>
+                <a:cs typeface="Calibri" panose="020F0502020204030204" pitchFamily="34" charset="0"/>
+              </a:rPr>
+              <a:t>They are like local classes except that they do not have a name.</a:t>
+            </a:r>
+          </a:p>
+          <a:p>
+            <a:r>
+              <a:rPr lang="en-GB" sz="2200" dirty="0">
+                <a:latin typeface="Calibri" panose="020F0502020204030204" pitchFamily="34" charset="0"/>
+                <a:cs typeface="Calibri" panose="020F0502020204030204" pitchFamily="34" charset="0"/>
+              </a:rPr>
+              <a:t>Use them if you need to use a local class only once. In short, they allow you to create ad hoc implementations. </a:t>
+            </a:r>
+          </a:p>
+          <a:p>
+            <a:endParaRPr lang="en-GB" sz="2200" dirty="0">
+              <a:latin typeface="Calibri" panose="020F0502020204030204" pitchFamily="34" charset="0"/>
+              <a:cs typeface="Calibri" panose="020F0502020204030204" pitchFamily="34" charset="0"/>
             </a:endParaRPr>
           </a:p>
           <a:p>
-            <a:pPr marL="0" indent="0">
-              <a:buNone/>
-            </a:pPr>
-            <a:r>
-              <a:rPr lang="en-GB" sz="1100" dirty="0">
-                <a:solidFill>
-                  <a:schemeClr val="accent6">
-                    <a:lumMod val="75000"/>
-                  </a:schemeClr>
-                </a:solidFill>
-                <a:latin typeface="Consolas" panose="020B0609020204030204" pitchFamily="49" charset="0"/>
-                <a:cs typeface="Consolas" panose="020B0609020204030204" pitchFamily="49" charset="0"/>
-              </a:rPr>
-              <a:t>result = </a:t>
-            </a:r>
-            <a:r>
-              <a:rPr lang="en-GB" sz="1100" i="1" dirty="0" err="1">
-                <a:solidFill>
-                  <a:schemeClr val="accent6">
-                    <a:lumMod val="75000"/>
-                  </a:schemeClr>
-                </a:solidFill>
-                <a:latin typeface="Consolas" panose="020B0609020204030204" pitchFamily="49" charset="0"/>
-                <a:cs typeface="Consolas" panose="020B0609020204030204" pitchFamily="49" charset="0"/>
-              </a:rPr>
-              <a:t>filterStudents</a:t>
-            </a:r>
-            <a:r>
-              <a:rPr lang="en-GB" sz="1100" dirty="0">
-                <a:solidFill>
-                  <a:schemeClr val="accent6">
-                    <a:lumMod val="75000"/>
-                  </a:schemeClr>
-                </a:solidFill>
-                <a:latin typeface="Consolas" panose="020B0609020204030204" pitchFamily="49" charset="0"/>
-                <a:cs typeface="Consolas" panose="020B0609020204030204" pitchFamily="49" charset="0"/>
-              </a:rPr>
-              <a:t>(l, new </a:t>
-            </a:r>
-            <a:r>
-              <a:rPr lang="en-GB" sz="1100" dirty="0" err="1">
-                <a:solidFill>
-                  <a:schemeClr val="accent6">
-                    <a:lumMod val="75000"/>
-                  </a:schemeClr>
-                </a:solidFill>
-                <a:latin typeface="Consolas" panose="020B0609020204030204" pitchFamily="49" charset="0"/>
-                <a:cs typeface="Consolas" panose="020B0609020204030204" pitchFamily="49" charset="0"/>
-              </a:rPr>
-              <a:t>StudentPredicate</a:t>
-            </a:r>
-            <a:r>
-              <a:rPr lang="en-GB" sz="1100" dirty="0">
-                <a:solidFill>
-                  <a:schemeClr val="accent6">
-                    <a:lumMod val="75000"/>
-                  </a:schemeClr>
-                </a:solidFill>
-                <a:latin typeface="Consolas" panose="020B0609020204030204" pitchFamily="49" charset="0"/>
-                <a:cs typeface="Consolas" panose="020B0609020204030204" pitchFamily="49" charset="0"/>
-              </a:rPr>
-              <a:t>() {</a:t>
-            </a:r>
-            <a:br>
-              <a:rPr lang="en-GB" sz="1100" dirty="0">
-                <a:solidFill>
-                  <a:schemeClr val="accent6">
-                    <a:lumMod val="75000"/>
-                  </a:schemeClr>
-                </a:solidFill>
-                <a:latin typeface="Consolas" panose="020B0609020204030204" pitchFamily="49" charset="0"/>
-                <a:cs typeface="Consolas" panose="020B0609020204030204" pitchFamily="49" charset="0"/>
-              </a:rPr>
-            </a:br>
-            <a:r>
-              <a:rPr lang="en-GB" sz="1100" dirty="0">
-                <a:solidFill>
-                  <a:schemeClr val="accent6">
-                    <a:lumMod val="75000"/>
-                  </a:schemeClr>
-                </a:solidFill>
-                <a:latin typeface="Consolas" panose="020B0609020204030204" pitchFamily="49" charset="0"/>
-                <a:cs typeface="Consolas" panose="020B0609020204030204" pitchFamily="49" charset="0"/>
-              </a:rPr>
-              <a:t>    @Override</a:t>
-            </a:r>
-            <a:br>
-              <a:rPr lang="en-GB" sz="1100" dirty="0">
-                <a:solidFill>
-                  <a:schemeClr val="accent6">
-                    <a:lumMod val="75000"/>
-                  </a:schemeClr>
-                </a:solidFill>
-                <a:latin typeface="Consolas" panose="020B0609020204030204" pitchFamily="49" charset="0"/>
-                <a:cs typeface="Consolas" panose="020B0609020204030204" pitchFamily="49" charset="0"/>
-              </a:rPr>
-            </a:br>
-            <a:r>
-              <a:rPr lang="en-GB" sz="1100" dirty="0">
-                <a:solidFill>
-                  <a:schemeClr val="accent6">
-                    <a:lumMod val="75000"/>
-                  </a:schemeClr>
-                </a:solidFill>
-                <a:latin typeface="Consolas" panose="020B0609020204030204" pitchFamily="49" charset="0"/>
-                <a:cs typeface="Consolas" panose="020B0609020204030204" pitchFamily="49" charset="0"/>
-              </a:rPr>
-              <a:t>    public </a:t>
-            </a:r>
-            <a:r>
-              <a:rPr lang="en-GB" sz="1100" dirty="0" err="1">
-                <a:solidFill>
-                  <a:schemeClr val="accent6">
-                    <a:lumMod val="75000"/>
-                  </a:schemeClr>
-                </a:solidFill>
-                <a:latin typeface="Consolas" panose="020B0609020204030204" pitchFamily="49" charset="0"/>
-                <a:cs typeface="Consolas" panose="020B0609020204030204" pitchFamily="49" charset="0"/>
-              </a:rPr>
-              <a:t>boolean</a:t>
-            </a:r>
-            <a:r>
-              <a:rPr lang="en-GB" sz="1100" dirty="0">
-                <a:solidFill>
-                  <a:schemeClr val="accent6">
-                    <a:lumMod val="75000"/>
-                  </a:schemeClr>
-                </a:solidFill>
-                <a:latin typeface="Consolas" panose="020B0609020204030204" pitchFamily="49" charset="0"/>
-                <a:cs typeface="Consolas" panose="020B0609020204030204" pitchFamily="49" charset="0"/>
-              </a:rPr>
-              <a:t> test(Student p) {</a:t>
-            </a:r>
-            <a:br>
-              <a:rPr lang="en-GB" sz="1100" dirty="0">
-                <a:solidFill>
-                  <a:schemeClr val="accent6">
-                    <a:lumMod val="75000"/>
-                  </a:schemeClr>
-                </a:solidFill>
-                <a:latin typeface="Consolas" panose="020B0609020204030204" pitchFamily="49" charset="0"/>
-                <a:cs typeface="Consolas" panose="020B0609020204030204" pitchFamily="49" charset="0"/>
-              </a:rPr>
-            </a:br>
-            <a:r>
-              <a:rPr lang="en-GB" sz="1100" dirty="0">
-                <a:solidFill>
-                  <a:schemeClr val="accent6">
-                    <a:lumMod val="75000"/>
-                  </a:schemeClr>
-                </a:solidFill>
-                <a:latin typeface="Consolas" panose="020B0609020204030204" pitchFamily="49" charset="0"/>
-                <a:cs typeface="Consolas" panose="020B0609020204030204" pitchFamily="49" charset="0"/>
-              </a:rPr>
-              <a:t>        return </a:t>
-            </a:r>
-            <a:r>
-              <a:rPr lang="en-GB" sz="1100" dirty="0" err="1">
-                <a:solidFill>
-                  <a:schemeClr val="accent6">
-                    <a:lumMod val="75000"/>
-                  </a:schemeClr>
-                </a:solidFill>
-                <a:latin typeface="Consolas" panose="020B0609020204030204" pitchFamily="49" charset="0"/>
-                <a:cs typeface="Consolas" panose="020B0609020204030204" pitchFamily="49" charset="0"/>
-              </a:rPr>
-              <a:t>p.getAverage</a:t>
-            </a:r>
-            <a:r>
-              <a:rPr lang="en-GB" sz="1100" dirty="0">
-                <a:solidFill>
-                  <a:schemeClr val="accent6">
-                    <a:lumMod val="75000"/>
-                  </a:schemeClr>
-                </a:solidFill>
-                <a:latin typeface="Consolas" panose="020B0609020204030204" pitchFamily="49" charset="0"/>
-                <a:cs typeface="Consolas" panose="020B0609020204030204" pitchFamily="49" charset="0"/>
-              </a:rPr>
-              <a:t>() &gt;= 20 &amp;&amp; </a:t>
-            </a:r>
-            <a:r>
-              <a:rPr lang="en-GB" sz="1100" dirty="0" err="1">
-                <a:solidFill>
-                  <a:schemeClr val="accent6">
-                    <a:lumMod val="75000"/>
-                  </a:schemeClr>
-                </a:solidFill>
-                <a:latin typeface="Consolas" panose="020B0609020204030204" pitchFamily="49" charset="0"/>
-                <a:cs typeface="Consolas" panose="020B0609020204030204" pitchFamily="49" charset="0"/>
-              </a:rPr>
-              <a:t>p.getAverage</a:t>
-            </a:r>
-            <a:r>
-              <a:rPr lang="en-GB" sz="1100" dirty="0">
-                <a:solidFill>
-                  <a:schemeClr val="accent6">
-                    <a:lumMod val="75000"/>
-                  </a:schemeClr>
-                </a:solidFill>
-                <a:latin typeface="Consolas" panose="020B0609020204030204" pitchFamily="49" charset="0"/>
-                <a:cs typeface="Consolas" panose="020B0609020204030204" pitchFamily="49" charset="0"/>
-              </a:rPr>
-              <a:t>() &lt;= 24;</a:t>
-            </a:r>
-            <a:br>
-              <a:rPr lang="en-GB" sz="1100" dirty="0">
-                <a:solidFill>
-                  <a:schemeClr val="accent6">
-                    <a:lumMod val="75000"/>
-                  </a:schemeClr>
-                </a:solidFill>
-                <a:latin typeface="Consolas" panose="020B0609020204030204" pitchFamily="49" charset="0"/>
-                <a:cs typeface="Consolas" panose="020B0609020204030204" pitchFamily="49" charset="0"/>
-              </a:rPr>
-            </a:br>
-            <a:r>
-              <a:rPr lang="en-GB" sz="1100" dirty="0">
-                <a:solidFill>
-                  <a:schemeClr val="accent6">
-                    <a:lumMod val="75000"/>
-                  </a:schemeClr>
-                </a:solidFill>
-                <a:latin typeface="Consolas" panose="020B0609020204030204" pitchFamily="49" charset="0"/>
-                <a:cs typeface="Consolas" panose="020B0609020204030204" pitchFamily="49" charset="0"/>
-              </a:rPr>
-              <a:t>    }</a:t>
-            </a:r>
-            <a:br>
-              <a:rPr lang="en-GB" sz="1100" dirty="0">
-                <a:solidFill>
-                  <a:schemeClr val="accent6">
-                    <a:lumMod val="75000"/>
-                  </a:schemeClr>
-                </a:solidFill>
-                <a:latin typeface="Consolas" panose="020B0609020204030204" pitchFamily="49" charset="0"/>
-                <a:cs typeface="Consolas" panose="020B0609020204030204" pitchFamily="49" charset="0"/>
-              </a:rPr>
-            </a:br>
-            <a:r>
-              <a:rPr lang="en-GB" sz="1100" dirty="0">
-                <a:solidFill>
-                  <a:schemeClr val="accent6">
-                    <a:lumMod val="75000"/>
-                  </a:schemeClr>
-                </a:solidFill>
-                <a:latin typeface="Consolas" panose="020B0609020204030204" pitchFamily="49" charset="0"/>
-                <a:cs typeface="Consolas" panose="020B0609020204030204" pitchFamily="49" charset="0"/>
-              </a:rPr>
-              <a:t>});</a:t>
-            </a:r>
-          </a:p>
-          <a:p>
-            <a:pPr marL="0" indent="0">
-              <a:buNone/>
-            </a:pPr>
-            <a:endParaRPr lang="en-IT" sz="1100" dirty="0">
-              <a:latin typeface="Consolas" panose="020B0609020204030204" pitchFamily="49" charset="0"/>
-              <a:cs typeface="Consolas" panose="020B0609020204030204" pitchFamily="49" charset="0"/>
+            <a:endParaRPr lang="en-IT" sz="2200" dirty="0">
+              <a:latin typeface="Calibri" panose="020F0502020204030204" pitchFamily="34" charset="0"/>
+              <a:cs typeface="Calibri" panose="020F0502020204030204" pitchFamily="34" charset="0"/>
             </a:endParaRPr>
           </a:p>
         </p:txBody>
@@ -4784,22 +4361,229 @@
         <p:spPr/>
         <p:txBody>
           <a:bodyPr>
-            <a:normAutofit/>
+            <a:normAutofit fontScale="70000" lnSpcReduction="20000"/>
           </a:bodyPr>
           <a:lstStyle/>
           <a:p>
-            <a:r>
-              <a:rPr lang="en-GB" sz="2000" dirty="0"/>
-              <a:t>Anonymous classes enable you to make your code more concise.</a:t>
-            </a:r>
-          </a:p>
-          <a:p>
-            <a:r>
-              <a:rPr lang="en-GB" sz="2000" dirty="0"/>
-              <a:t>They enable you to declare and instantiate a class at the same time. </a:t>
-            </a:r>
-          </a:p>
-          <a:p>
+            <a:pPr marL="0" indent="0">
+              <a:buNone/>
+            </a:pPr>
+            <a:r>
+              <a:rPr lang="en-GB" sz="2000" dirty="0">
+                <a:latin typeface="Consolas" panose="020B0609020204030204" pitchFamily="49" charset="0"/>
+                <a:cs typeface="Consolas" panose="020B0609020204030204" pitchFamily="49" charset="0"/>
+              </a:rPr>
+              <a:t>public static List&lt;Student&gt; </a:t>
+            </a:r>
+            <a:r>
+              <a:rPr lang="en-GB" sz="2000" dirty="0" err="1">
+                <a:latin typeface="Consolas" panose="020B0609020204030204" pitchFamily="49" charset="0"/>
+                <a:cs typeface="Consolas" panose="020B0609020204030204" pitchFamily="49" charset="0"/>
+              </a:rPr>
+              <a:t>filterStudents</a:t>
+            </a:r>
+            <a:r>
+              <a:rPr lang="en-GB" sz="2000" dirty="0">
+                <a:latin typeface="Consolas" panose="020B0609020204030204" pitchFamily="49" charset="0"/>
+                <a:cs typeface="Consolas" panose="020B0609020204030204" pitchFamily="49" charset="0"/>
+              </a:rPr>
+              <a:t>(</a:t>
+            </a:r>
+          </a:p>
+          <a:p>
+            <a:pPr marL="0" indent="0">
+              <a:buNone/>
+            </a:pPr>
+            <a:r>
+              <a:rPr lang="en-GB" sz="2000" dirty="0">
+                <a:latin typeface="Consolas" panose="020B0609020204030204" pitchFamily="49" charset="0"/>
+                <a:cs typeface="Consolas" panose="020B0609020204030204" pitchFamily="49" charset="0"/>
+              </a:rPr>
+              <a:t>	List&lt;Student&gt; students, </a:t>
+            </a:r>
+            <a:r>
+              <a:rPr lang="en-GB" sz="2000" dirty="0" err="1">
+                <a:solidFill>
+                  <a:schemeClr val="accent6">
+                    <a:lumMod val="75000"/>
+                  </a:schemeClr>
+                </a:solidFill>
+                <a:latin typeface="Consolas" panose="020B0609020204030204" pitchFamily="49" charset="0"/>
+                <a:cs typeface="Consolas" panose="020B0609020204030204" pitchFamily="49" charset="0"/>
+              </a:rPr>
+              <a:t>StudentPredicate</a:t>
+            </a:r>
+            <a:r>
+              <a:rPr lang="en-GB" sz="2000" dirty="0">
+                <a:latin typeface="Consolas" panose="020B0609020204030204" pitchFamily="49" charset="0"/>
+                <a:cs typeface="Consolas" panose="020B0609020204030204" pitchFamily="49" charset="0"/>
+              </a:rPr>
+              <a:t> tester) {</a:t>
+            </a:r>
+          </a:p>
+          <a:p>
+            <a:pPr marL="0" indent="0">
+              <a:buNone/>
+            </a:pPr>
+            <a:r>
+              <a:rPr lang="en-GB" sz="2000" dirty="0">
+                <a:latin typeface="Consolas" panose="020B0609020204030204" pitchFamily="49" charset="0"/>
+                <a:cs typeface="Consolas" panose="020B0609020204030204" pitchFamily="49" charset="0"/>
+              </a:rPr>
+              <a:t>        </a:t>
+            </a:r>
+          </a:p>
+          <a:p>
+            <a:pPr marL="0" indent="0">
+              <a:buNone/>
+            </a:pPr>
+            <a:r>
+              <a:rPr lang="en-GB" sz="2000" dirty="0">
+                <a:latin typeface="Consolas" panose="020B0609020204030204" pitchFamily="49" charset="0"/>
+                <a:cs typeface="Consolas" panose="020B0609020204030204" pitchFamily="49" charset="0"/>
+              </a:rPr>
+              <a:t>	  List&lt;Student&gt; result = new </a:t>
+            </a:r>
+            <a:r>
+              <a:rPr lang="en-GB" sz="2000" dirty="0" err="1">
+                <a:latin typeface="Consolas" panose="020B0609020204030204" pitchFamily="49" charset="0"/>
+                <a:cs typeface="Consolas" panose="020B0609020204030204" pitchFamily="49" charset="0"/>
+              </a:rPr>
+              <a:t>ArrayList</a:t>
+            </a:r>
+            <a:r>
+              <a:rPr lang="en-GB" sz="2000" dirty="0">
+                <a:latin typeface="Consolas" panose="020B0609020204030204" pitchFamily="49" charset="0"/>
+                <a:cs typeface="Consolas" panose="020B0609020204030204" pitchFamily="49" charset="0"/>
+              </a:rPr>
+              <a:t>&lt;&gt;();</a:t>
+            </a:r>
+          </a:p>
+          <a:p>
+            <a:pPr marL="0" indent="0">
+              <a:buNone/>
+            </a:pPr>
+            <a:r>
+              <a:rPr lang="en-GB" sz="2000" dirty="0">
+                <a:latin typeface="Consolas" panose="020B0609020204030204" pitchFamily="49" charset="0"/>
+                <a:cs typeface="Consolas" panose="020B0609020204030204" pitchFamily="49" charset="0"/>
+              </a:rPr>
+              <a:t>        for (Student s : students) {</a:t>
+            </a:r>
+          </a:p>
+          <a:p>
+            <a:pPr marL="0" indent="0">
+              <a:buNone/>
+            </a:pPr>
+            <a:r>
+              <a:rPr lang="en-GB" sz="2000" dirty="0">
+                <a:latin typeface="Consolas" panose="020B0609020204030204" pitchFamily="49" charset="0"/>
+                <a:cs typeface="Consolas" panose="020B0609020204030204" pitchFamily="49" charset="0"/>
+              </a:rPr>
+              <a:t>            if (</a:t>
+            </a:r>
+            <a:r>
+              <a:rPr lang="en-GB" sz="2000" dirty="0" err="1">
+                <a:latin typeface="Consolas" panose="020B0609020204030204" pitchFamily="49" charset="0"/>
+                <a:cs typeface="Consolas" panose="020B0609020204030204" pitchFamily="49" charset="0"/>
+              </a:rPr>
+              <a:t>tester.test</a:t>
+            </a:r>
+            <a:r>
+              <a:rPr lang="en-GB" sz="2000" dirty="0">
+                <a:latin typeface="Consolas" panose="020B0609020204030204" pitchFamily="49" charset="0"/>
+                <a:cs typeface="Consolas" panose="020B0609020204030204" pitchFamily="49" charset="0"/>
+              </a:rPr>
+              <a:t>(s)) {</a:t>
+            </a:r>
+          </a:p>
+          <a:p>
+            <a:pPr marL="0" indent="0">
+              <a:buNone/>
+            </a:pPr>
+            <a:r>
+              <a:rPr lang="en-GB" sz="2000" dirty="0">
+                <a:latin typeface="Consolas" panose="020B0609020204030204" pitchFamily="49" charset="0"/>
+                <a:cs typeface="Consolas" panose="020B0609020204030204" pitchFamily="49" charset="0"/>
+              </a:rPr>
+              <a:t>                </a:t>
+            </a:r>
+            <a:r>
+              <a:rPr lang="en-GB" sz="2000" dirty="0" err="1">
+                <a:latin typeface="Consolas" panose="020B0609020204030204" pitchFamily="49" charset="0"/>
+                <a:cs typeface="Consolas" panose="020B0609020204030204" pitchFamily="49" charset="0"/>
+              </a:rPr>
+              <a:t>result.add</a:t>
+            </a:r>
+            <a:r>
+              <a:rPr lang="en-GB" sz="2000" dirty="0">
+                <a:latin typeface="Consolas" panose="020B0609020204030204" pitchFamily="49" charset="0"/>
+                <a:cs typeface="Consolas" panose="020B0609020204030204" pitchFamily="49" charset="0"/>
+              </a:rPr>
+              <a:t>(s);</a:t>
+            </a:r>
+          </a:p>
+          <a:p>
+            <a:pPr marL="0" indent="0">
+              <a:buNone/>
+            </a:pPr>
+            <a:r>
+              <a:rPr lang="en-GB" sz="2000" dirty="0">
+                <a:latin typeface="Consolas" panose="020B0609020204030204" pitchFamily="49" charset="0"/>
+                <a:cs typeface="Consolas" panose="020B0609020204030204" pitchFamily="49" charset="0"/>
+              </a:rPr>
+              <a:t>            }</a:t>
+            </a:r>
+          </a:p>
+          <a:p>
+            <a:pPr marL="0" indent="0">
+              <a:buNone/>
+            </a:pPr>
+            <a:r>
+              <a:rPr lang="en-GB" sz="2000" dirty="0">
+                <a:latin typeface="Consolas" panose="020B0609020204030204" pitchFamily="49" charset="0"/>
+                <a:cs typeface="Consolas" panose="020B0609020204030204" pitchFamily="49" charset="0"/>
+              </a:rPr>
+              <a:t>        }</a:t>
+            </a:r>
+          </a:p>
+          <a:p>
+            <a:pPr marL="0" indent="0">
+              <a:buNone/>
+            </a:pPr>
+            <a:r>
+              <a:rPr lang="en-GB" sz="2000" dirty="0">
+                <a:latin typeface="Consolas" panose="020B0609020204030204" pitchFamily="49" charset="0"/>
+                <a:cs typeface="Consolas" panose="020B0609020204030204" pitchFamily="49" charset="0"/>
+              </a:rPr>
+              <a:t>        return result;</a:t>
+            </a:r>
+          </a:p>
+          <a:p>
+            <a:pPr marL="0" indent="0">
+              <a:buNone/>
+            </a:pPr>
+            <a:r>
+              <a:rPr lang="en-GB" sz="2000" dirty="0">
+                <a:latin typeface="Consolas" panose="020B0609020204030204" pitchFamily="49" charset="0"/>
+                <a:cs typeface="Consolas" panose="020B0609020204030204" pitchFamily="49" charset="0"/>
+              </a:rPr>
+              <a:t>}</a:t>
+            </a:r>
+          </a:p>
+          <a:p>
+            <a:pPr marL="0" indent="0">
+              <a:buNone/>
+            </a:pPr>
+            <a:endParaRPr lang="en-GB" sz="2000" dirty="0">
+              <a:latin typeface="Consolas" panose="020B0609020204030204" pitchFamily="49" charset="0"/>
+              <a:cs typeface="Consolas" panose="020B0609020204030204" pitchFamily="49" charset="0"/>
+            </a:endParaRPr>
+          </a:p>
+          <a:p>
+            <a:pPr marL="0" indent="0">
+              <a:buNone/>
+            </a:pPr>
             <a:r>
               <a:rPr lang="en-GB" sz="2000" dirty="0">
                 <a:solidFill>
@@ -4807,14 +4591,22 @@
                     <a:lumMod val="75000"/>
                   </a:schemeClr>
                 </a:solidFill>
-              </a:rPr>
-              <a:t>They are like local classes except that they do not have a name.</a:t>
-            </a:r>
-          </a:p>
-          <a:p>
-            <a:r>
-              <a:rPr lang="en-GB" sz="2000" dirty="0"/>
-              <a:t>Use them if you need to use a local class only once. </a:t>
+                <a:latin typeface="Consolas" panose="020B0609020204030204" pitchFamily="49" charset="0"/>
+                <a:cs typeface="Consolas" panose="020B0609020204030204" pitchFamily="49" charset="0"/>
+              </a:rPr>
+              <a:t>result = </a:t>
+            </a:r>
+            <a:r>
+              <a:rPr lang="en-GB" sz="2000" i="1" dirty="0" err="1">
+                <a:solidFill>
+                  <a:schemeClr val="accent6">
+                    <a:lumMod val="75000"/>
+                  </a:schemeClr>
+                </a:solidFill>
+                <a:latin typeface="Consolas" panose="020B0609020204030204" pitchFamily="49" charset="0"/>
+                <a:cs typeface="Consolas" panose="020B0609020204030204" pitchFamily="49" charset="0"/>
+              </a:rPr>
+              <a:t>filterStudents</a:t>
             </a:r>
             <a:r>
               <a:rPr lang="en-GB" sz="2000" dirty="0">
@@ -4823,12 +4615,231 @@
                     <a:lumMod val="75000"/>
                   </a:schemeClr>
                 </a:solidFill>
-              </a:rPr>
-              <a:t>In short, they allow you to create ad hoc implementations. </a:t>
-            </a:r>
-          </a:p>
-          <a:p>
-            <a:endParaRPr lang="en-IT" sz="2000" dirty="0"/>
+                <a:latin typeface="Consolas" panose="020B0609020204030204" pitchFamily="49" charset="0"/>
+                <a:cs typeface="Consolas" panose="020B0609020204030204" pitchFamily="49" charset="0"/>
+              </a:rPr>
+              <a:t>(l, new </a:t>
+            </a:r>
+            <a:r>
+              <a:rPr lang="en-GB" sz="2000" dirty="0" err="1">
+                <a:solidFill>
+                  <a:schemeClr val="accent6">
+                    <a:lumMod val="75000"/>
+                  </a:schemeClr>
+                </a:solidFill>
+                <a:latin typeface="Consolas" panose="020B0609020204030204" pitchFamily="49" charset="0"/>
+                <a:cs typeface="Consolas" panose="020B0609020204030204" pitchFamily="49" charset="0"/>
+              </a:rPr>
+              <a:t>StudentPredicate</a:t>
+            </a:r>
+            <a:r>
+              <a:rPr lang="en-GB" sz="2000" dirty="0">
+                <a:solidFill>
+                  <a:schemeClr val="accent6">
+                    <a:lumMod val="75000"/>
+                  </a:schemeClr>
+                </a:solidFill>
+                <a:latin typeface="Consolas" panose="020B0609020204030204" pitchFamily="49" charset="0"/>
+                <a:cs typeface="Consolas" panose="020B0609020204030204" pitchFamily="49" charset="0"/>
+              </a:rPr>
+              <a:t>() {</a:t>
+            </a:r>
+            <a:br>
+              <a:rPr lang="en-GB" sz="2000" dirty="0">
+                <a:solidFill>
+                  <a:schemeClr val="accent6">
+                    <a:lumMod val="75000"/>
+                  </a:schemeClr>
+                </a:solidFill>
+                <a:latin typeface="Consolas" panose="020B0609020204030204" pitchFamily="49" charset="0"/>
+                <a:cs typeface="Consolas" panose="020B0609020204030204" pitchFamily="49" charset="0"/>
+              </a:rPr>
+            </a:br>
+            <a:r>
+              <a:rPr lang="en-GB" sz="2000" dirty="0">
+                <a:solidFill>
+                  <a:schemeClr val="accent6">
+                    <a:lumMod val="75000"/>
+                  </a:schemeClr>
+                </a:solidFill>
+                <a:latin typeface="Consolas" panose="020B0609020204030204" pitchFamily="49" charset="0"/>
+                <a:cs typeface="Consolas" panose="020B0609020204030204" pitchFamily="49" charset="0"/>
+              </a:rPr>
+              <a:t>    @Override</a:t>
+            </a:r>
+            <a:br>
+              <a:rPr lang="en-GB" sz="2000" dirty="0">
+                <a:solidFill>
+                  <a:schemeClr val="accent6">
+                    <a:lumMod val="75000"/>
+                  </a:schemeClr>
+                </a:solidFill>
+                <a:latin typeface="Consolas" panose="020B0609020204030204" pitchFamily="49" charset="0"/>
+                <a:cs typeface="Consolas" panose="020B0609020204030204" pitchFamily="49" charset="0"/>
+              </a:rPr>
+            </a:br>
+            <a:r>
+              <a:rPr lang="en-GB" sz="2000" dirty="0">
+                <a:solidFill>
+                  <a:schemeClr val="accent6">
+                    <a:lumMod val="75000"/>
+                  </a:schemeClr>
+                </a:solidFill>
+                <a:latin typeface="Consolas" panose="020B0609020204030204" pitchFamily="49" charset="0"/>
+                <a:cs typeface="Consolas" panose="020B0609020204030204" pitchFamily="49" charset="0"/>
+              </a:rPr>
+              <a:t>    public </a:t>
+            </a:r>
+            <a:r>
+              <a:rPr lang="en-GB" sz="2000" dirty="0" err="1">
+                <a:solidFill>
+                  <a:schemeClr val="accent6">
+                    <a:lumMod val="75000"/>
+                  </a:schemeClr>
+                </a:solidFill>
+                <a:latin typeface="Consolas" panose="020B0609020204030204" pitchFamily="49" charset="0"/>
+                <a:cs typeface="Consolas" panose="020B0609020204030204" pitchFamily="49" charset="0"/>
+              </a:rPr>
+              <a:t>boolean</a:t>
+            </a:r>
+            <a:r>
+              <a:rPr lang="en-GB" sz="2000" dirty="0">
+                <a:solidFill>
+                  <a:schemeClr val="accent6">
+                    <a:lumMod val="75000"/>
+                  </a:schemeClr>
+                </a:solidFill>
+                <a:latin typeface="Consolas" panose="020B0609020204030204" pitchFamily="49" charset="0"/>
+                <a:cs typeface="Consolas" panose="020B0609020204030204" pitchFamily="49" charset="0"/>
+              </a:rPr>
+              <a:t> test(Student p) {</a:t>
+            </a:r>
+            <a:br>
+              <a:rPr lang="en-GB" sz="2000" dirty="0">
+                <a:solidFill>
+                  <a:schemeClr val="accent6">
+                    <a:lumMod val="75000"/>
+                  </a:schemeClr>
+                </a:solidFill>
+                <a:latin typeface="Consolas" panose="020B0609020204030204" pitchFamily="49" charset="0"/>
+                <a:cs typeface="Consolas" panose="020B0609020204030204" pitchFamily="49" charset="0"/>
+              </a:rPr>
+            </a:br>
+            <a:r>
+              <a:rPr lang="en-GB" sz="2000" dirty="0">
+                <a:solidFill>
+                  <a:schemeClr val="accent6">
+                    <a:lumMod val="75000"/>
+                  </a:schemeClr>
+                </a:solidFill>
+                <a:latin typeface="Consolas" panose="020B0609020204030204" pitchFamily="49" charset="0"/>
+                <a:cs typeface="Consolas" panose="020B0609020204030204" pitchFamily="49" charset="0"/>
+              </a:rPr>
+              <a:t>        return </a:t>
+            </a:r>
+            <a:r>
+              <a:rPr lang="en-GB" sz="2000" dirty="0" err="1">
+                <a:solidFill>
+                  <a:schemeClr val="accent6">
+                    <a:lumMod val="75000"/>
+                  </a:schemeClr>
+                </a:solidFill>
+                <a:latin typeface="Consolas" panose="020B0609020204030204" pitchFamily="49" charset="0"/>
+                <a:cs typeface="Consolas" panose="020B0609020204030204" pitchFamily="49" charset="0"/>
+              </a:rPr>
+              <a:t>p.getAverage</a:t>
+            </a:r>
+            <a:r>
+              <a:rPr lang="en-GB" sz="2000" dirty="0">
+                <a:solidFill>
+                  <a:schemeClr val="accent6">
+                    <a:lumMod val="75000"/>
+                  </a:schemeClr>
+                </a:solidFill>
+                <a:latin typeface="Consolas" panose="020B0609020204030204" pitchFamily="49" charset="0"/>
+                <a:cs typeface="Consolas" panose="020B0609020204030204" pitchFamily="49" charset="0"/>
+              </a:rPr>
+              <a:t>() &gt;= 20 &amp;&amp; </a:t>
+            </a:r>
+            <a:r>
+              <a:rPr lang="en-GB" sz="2000" dirty="0" err="1">
+                <a:solidFill>
+                  <a:schemeClr val="accent6">
+                    <a:lumMod val="75000"/>
+                  </a:schemeClr>
+                </a:solidFill>
+                <a:latin typeface="Consolas" panose="020B0609020204030204" pitchFamily="49" charset="0"/>
+                <a:cs typeface="Consolas" panose="020B0609020204030204" pitchFamily="49" charset="0"/>
+              </a:rPr>
+              <a:t>p.getAverage</a:t>
+            </a:r>
+            <a:r>
+              <a:rPr lang="en-GB" sz="2000" dirty="0">
+                <a:solidFill>
+                  <a:schemeClr val="accent6">
+                    <a:lumMod val="75000"/>
+                  </a:schemeClr>
+                </a:solidFill>
+                <a:latin typeface="Consolas" panose="020B0609020204030204" pitchFamily="49" charset="0"/>
+                <a:cs typeface="Consolas" panose="020B0609020204030204" pitchFamily="49" charset="0"/>
+              </a:rPr>
+              <a:t>() &lt;= 24;</a:t>
+            </a:r>
+            <a:br>
+              <a:rPr lang="en-GB" sz="2000" dirty="0">
+                <a:solidFill>
+                  <a:schemeClr val="accent6">
+                    <a:lumMod val="75000"/>
+                  </a:schemeClr>
+                </a:solidFill>
+                <a:latin typeface="Consolas" panose="020B0609020204030204" pitchFamily="49" charset="0"/>
+                <a:cs typeface="Consolas" panose="020B0609020204030204" pitchFamily="49" charset="0"/>
+              </a:rPr>
+            </a:br>
+            <a:r>
+              <a:rPr lang="en-GB" sz="2000" dirty="0">
+                <a:solidFill>
+                  <a:schemeClr val="accent6">
+                    <a:lumMod val="75000"/>
+                  </a:schemeClr>
+                </a:solidFill>
+                <a:latin typeface="Consolas" panose="020B0609020204030204" pitchFamily="49" charset="0"/>
+                <a:cs typeface="Consolas" panose="020B0609020204030204" pitchFamily="49" charset="0"/>
+              </a:rPr>
+              <a:t>    }</a:t>
+            </a:r>
+            <a:br>
+              <a:rPr lang="en-GB" sz="2000" dirty="0">
+                <a:solidFill>
+                  <a:schemeClr val="accent6">
+                    <a:lumMod val="75000"/>
+                  </a:schemeClr>
+                </a:solidFill>
+                <a:latin typeface="Consolas" panose="020B0609020204030204" pitchFamily="49" charset="0"/>
+                <a:cs typeface="Consolas" panose="020B0609020204030204" pitchFamily="49" charset="0"/>
+              </a:rPr>
+            </a:br>
+            <a:r>
+              <a:rPr lang="en-GB" sz="2000" dirty="0">
+                <a:solidFill>
+                  <a:schemeClr val="accent6">
+                    <a:lumMod val="75000"/>
+                  </a:schemeClr>
+                </a:solidFill>
+                <a:latin typeface="Consolas" panose="020B0609020204030204" pitchFamily="49" charset="0"/>
+                <a:cs typeface="Consolas" panose="020B0609020204030204" pitchFamily="49" charset="0"/>
+              </a:rPr>
+              <a:t>});</a:t>
+            </a:r>
+          </a:p>
+          <a:p>
+            <a:pPr marL="0" indent="0">
+              <a:buNone/>
+            </a:pPr>
+            <a:endParaRPr lang="en-IT" sz="2000" dirty="0">
+              <a:latin typeface="Consolas" panose="020B0609020204030204" pitchFamily="49" charset="0"/>
+              <a:cs typeface="Consolas" panose="020B0609020204030204" pitchFamily="49" charset="0"/>
+            </a:endParaRPr>
           </a:p>
         </p:txBody>
       </p:sp>
@@ -5070,19 +5081,16 @@
             <a:spLocks noGrp="1"/>
           </p:cNvSpPr>
           <p:nvPr>
-            <p:ph idx="1"/>
+            <p:ph sz="half" idx="1"/>
           </p:nvPr>
         </p:nvSpPr>
         <p:spPr/>
         <p:txBody>
           <a:bodyPr>
-            <a:normAutofit/>
+            <a:normAutofit fontScale="92500" lnSpcReduction="20000"/>
           </a:bodyPr>
           <a:lstStyle/>
           <a:p>
-            <a:pPr marL="0" indent="0">
-              <a:buNone/>
-            </a:pPr>
             <a:r>
               <a:rPr lang="en-GB" sz="2400" dirty="0"/>
               <a:t>This syntax was chosen by the Java language designers because it was well received in other languages, such as C#, Scala, JavaScript. The basic syntax of a lambda is either (referred to as an expression-style lambda)</a:t>
@@ -5103,7 +5111,7 @@
                 <a:latin typeface="Consolas" panose="020B0609020204030204" pitchFamily="49" charset="0"/>
                 <a:cs typeface="Consolas" panose="020B0609020204030204" pitchFamily="49" charset="0"/>
               </a:rPr>
-              <a:t>    	</a:t>
+              <a:t>  </a:t>
             </a:r>
             <a:r>
               <a:rPr lang="en-GB" sz="2400" dirty="0">
@@ -5125,9 +5133,6 @@
             <a:endParaRPr lang="en-GB" sz="2400" dirty="0"/>
           </a:p>
           <a:p>
-            <a:pPr marL="0" indent="0">
-              <a:buNone/>
-            </a:pPr>
             <a:r>
               <a:rPr lang="en-GB" sz="2400" dirty="0"/>
               <a:t>or (note the curly braces for statements, this lambda is often called a block-style lambda)</a:t>
@@ -5145,7 +5150,7 @@
             </a:pPr>
             <a:r>
               <a:rPr lang="en-GB" sz="2400" dirty="0"/>
-              <a:t>    		</a:t>
+              <a:t>    </a:t>
             </a:r>
             <a:r>
               <a:rPr lang="en-GB" sz="2400" dirty="0">
@@ -5159,6 +5164,220 @@
               </a:rPr>
               <a:t>(parameters) -&gt; { statements; }</a:t>
             </a:r>
+          </a:p>
+        </p:txBody>
+      </p:sp>
+      <p:sp>
+        <p:nvSpPr>
+          <p:cNvPr id="2" name="Content Placeholder 1">
+            <a:extLst>
+              <a:ext uri="{FF2B5EF4-FFF2-40B4-BE49-F238E27FC236}">
+                <a16:creationId xmlns:a16="http://schemas.microsoft.com/office/drawing/2014/main" id="{44B54055-F17C-0741-8360-7B0570A15DFB}"/>
+              </a:ext>
+            </a:extLst>
+          </p:cNvPr>
+          <p:cNvSpPr>
+            <a:spLocks noGrp="1"/>
+          </p:cNvSpPr>
+          <p:nvPr>
+            <p:ph sz="half" idx="2"/>
+          </p:nvPr>
+        </p:nvSpPr>
+        <p:spPr/>
+        <p:txBody>
+          <a:bodyPr>
+            <a:normAutofit fontScale="92500" lnSpcReduction="20000"/>
+          </a:bodyPr>
+          <a:lstStyle/>
+          <a:p>
+            <a:pPr marL="0" indent="0">
+              <a:buNone/>
+            </a:pPr>
+            <a:r>
+              <a:rPr lang="en-GB" sz="2200" dirty="0">
+                <a:latin typeface="Consolas" panose="020B0609020204030204" pitchFamily="49" charset="0"/>
+                <a:cs typeface="Consolas" panose="020B0609020204030204" pitchFamily="49" charset="0"/>
+              </a:rPr>
+              <a:t>1. () -&gt; {}</a:t>
+            </a:r>
+          </a:p>
+          <a:p>
+            <a:pPr marL="0" indent="0">
+              <a:buNone/>
+            </a:pPr>
+            <a:r>
+              <a:rPr lang="en-GB" sz="2200" dirty="0">
+                <a:latin typeface="Consolas" panose="020B0609020204030204" pitchFamily="49" charset="0"/>
+                <a:cs typeface="Consolas" panose="020B0609020204030204" pitchFamily="49" charset="0"/>
+              </a:rPr>
+              <a:t>2. () -&gt; "Raoul"</a:t>
+            </a:r>
+          </a:p>
+          <a:p>
+            <a:pPr marL="0" indent="0">
+              <a:buNone/>
+            </a:pPr>
+            <a:r>
+              <a:rPr lang="en-GB" sz="2200" dirty="0">
+                <a:latin typeface="Consolas" panose="020B0609020204030204" pitchFamily="49" charset="0"/>
+                <a:cs typeface="Consolas" panose="020B0609020204030204" pitchFamily="49" charset="0"/>
+              </a:rPr>
+              <a:t>3. () -&gt; { return "Mario"; }</a:t>
+            </a:r>
+          </a:p>
+          <a:p>
+            <a:pPr marL="0" indent="0">
+              <a:buNone/>
+            </a:pPr>
+            <a:endParaRPr lang="en-GB" sz="2200" dirty="0">
+              <a:solidFill>
+                <a:schemeClr val="accent6">
+                  <a:lumMod val="75000"/>
+                </a:schemeClr>
+              </a:solidFill>
+              <a:latin typeface="Consolas" panose="020B0609020204030204" pitchFamily="49" charset="0"/>
+              <a:cs typeface="Consolas" panose="020B0609020204030204" pitchFamily="49" charset="0"/>
+            </a:endParaRPr>
+          </a:p>
+          <a:p>
+            <a:pPr marL="0" indent="0">
+              <a:buNone/>
+            </a:pPr>
+            <a:r>
+              <a:rPr lang="en-GB" sz="2200" dirty="0">
+                <a:solidFill>
+                  <a:schemeClr val="accent6">
+                    <a:lumMod val="75000"/>
+                  </a:schemeClr>
+                </a:solidFill>
+                <a:latin typeface="Consolas" panose="020B0609020204030204" pitchFamily="49" charset="0"/>
+                <a:cs typeface="Consolas" panose="020B0609020204030204" pitchFamily="49" charset="0"/>
+              </a:rPr>
+              <a:t>/* wrong! not an expression! */</a:t>
+            </a:r>
+            <a:endParaRPr lang="en-GB" sz="2200" dirty="0">
+              <a:latin typeface="Consolas" panose="020B0609020204030204" pitchFamily="49" charset="0"/>
+              <a:cs typeface="Consolas" panose="020B0609020204030204" pitchFamily="49" charset="0"/>
+            </a:endParaRPr>
+          </a:p>
+          <a:p>
+            <a:pPr marL="0" indent="0">
+              <a:buNone/>
+            </a:pPr>
+            <a:r>
+              <a:rPr lang="en-GB" sz="2200" dirty="0">
+                <a:solidFill>
+                  <a:schemeClr val="accent6">
+                    <a:lumMod val="75000"/>
+                  </a:schemeClr>
+                </a:solidFill>
+                <a:latin typeface="Consolas" panose="020B0609020204030204" pitchFamily="49" charset="0"/>
+                <a:cs typeface="Consolas" panose="020B0609020204030204" pitchFamily="49" charset="0"/>
+              </a:rPr>
+              <a:t>4. (Integer </a:t>
+            </a:r>
+            <a:r>
+              <a:rPr lang="en-GB" sz="2200" dirty="0" err="1">
+                <a:solidFill>
+                  <a:schemeClr val="accent6">
+                    <a:lumMod val="75000"/>
+                  </a:schemeClr>
+                </a:solidFill>
+                <a:latin typeface="Consolas" panose="020B0609020204030204" pitchFamily="49" charset="0"/>
+                <a:cs typeface="Consolas" panose="020B0609020204030204" pitchFamily="49" charset="0"/>
+              </a:rPr>
+              <a:t>i</a:t>
+            </a:r>
+            <a:r>
+              <a:rPr lang="en-GB" sz="2200" dirty="0">
+                <a:solidFill>
+                  <a:schemeClr val="accent6">
+                    <a:lumMod val="75000"/>
+                  </a:schemeClr>
+                </a:solidFill>
+                <a:latin typeface="Consolas" panose="020B0609020204030204" pitchFamily="49" charset="0"/>
+                <a:cs typeface="Consolas" panose="020B0609020204030204" pitchFamily="49" charset="0"/>
+              </a:rPr>
+              <a:t>) -&gt; return "Alan" + </a:t>
+            </a:r>
+            <a:r>
+              <a:rPr lang="en-GB" sz="2200" dirty="0" err="1">
+                <a:solidFill>
+                  <a:schemeClr val="accent6">
+                    <a:lumMod val="75000"/>
+                  </a:schemeClr>
+                </a:solidFill>
+                <a:latin typeface="Consolas" panose="020B0609020204030204" pitchFamily="49" charset="0"/>
+                <a:cs typeface="Consolas" panose="020B0609020204030204" pitchFamily="49" charset="0"/>
+              </a:rPr>
+              <a:t>i</a:t>
+            </a:r>
+            <a:r>
+              <a:rPr lang="en-GB" sz="2200" dirty="0">
+                <a:solidFill>
+                  <a:schemeClr val="accent6">
+                    <a:lumMod val="75000"/>
+                  </a:schemeClr>
+                </a:solidFill>
+                <a:latin typeface="Consolas" panose="020B0609020204030204" pitchFamily="49" charset="0"/>
+                <a:cs typeface="Consolas" panose="020B0609020204030204" pitchFamily="49" charset="0"/>
+              </a:rPr>
+              <a:t>;  </a:t>
+            </a:r>
+          </a:p>
+          <a:p>
+            <a:pPr marL="0" indent="0">
+              <a:buNone/>
+            </a:pPr>
+            <a:endParaRPr lang="en-GB" sz="2200" dirty="0">
+              <a:solidFill>
+                <a:schemeClr val="accent6">
+                  <a:lumMod val="75000"/>
+                </a:schemeClr>
+              </a:solidFill>
+              <a:latin typeface="Consolas" panose="020B0609020204030204" pitchFamily="49" charset="0"/>
+              <a:cs typeface="Consolas" panose="020B0609020204030204" pitchFamily="49" charset="0"/>
+            </a:endParaRPr>
+          </a:p>
+          <a:p>
+            <a:pPr marL="0" indent="0">
+              <a:buNone/>
+            </a:pPr>
+            <a:r>
+              <a:rPr lang="en-GB" sz="2200" dirty="0">
+                <a:solidFill>
+                  <a:schemeClr val="accent6">
+                    <a:lumMod val="75000"/>
+                  </a:schemeClr>
+                </a:solidFill>
+                <a:latin typeface="Consolas" panose="020B0609020204030204" pitchFamily="49" charset="0"/>
+                <a:cs typeface="Consolas" panose="020B0609020204030204" pitchFamily="49" charset="0"/>
+              </a:rPr>
+              <a:t>/* wrong! not a statement! */</a:t>
+            </a:r>
+          </a:p>
+          <a:p>
+            <a:pPr marL="0" indent="0">
+              <a:buNone/>
+            </a:pPr>
+            <a:r>
+              <a:rPr lang="en-GB" sz="2200" dirty="0">
+                <a:solidFill>
+                  <a:schemeClr val="accent6">
+                    <a:lumMod val="75000"/>
+                  </a:schemeClr>
+                </a:solidFill>
+                <a:latin typeface="Consolas" panose="020B0609020204030204" pitchFamily="49" charset="0"/>
+                <a:cs typeface="Consolas" panose="020B0609020204030204" pitchFamily="49" charset="0"/>
+              </a:rPr>
+              <a:t>5. (String s) -&gt; { "Iron Man"; }</a:t>
+            </a:r>
+          </a:p>
+          <a:p>
+            <a:pPr marL="0" indent="0">
+              <a:buNone/>
+            </a:pPr>
+            <a:endParaRPr lang="en-IT" sz="1800" dirty="0"/>
           </a:p>
         </p:txBody>
       </p:sp>
@@ -5239,7 +5458,7 @@
         <p:spPr/>
         <p:txBody>
           <a:bodyPr>
-            <a:normAutofit/>
+            <a:noAutofit/>
           </a:bodyPr>
           <a:lstStyle/>
           <a:p>
@@ -5247,57 +5466,33 @@
               <a:buNone/>
             </a:pPr>
             <a:r>
-              <a:rPr lang="en-GB" sz="2000" dirty="0">
-                <a:latin typeface="Consolas" panose="020B0609020204030204" pitchFamily="49" charset="0"/>
-                <a:cs typeface="Consolas" panose="020B0609020204030204" pitchFamily="49" charset="0"/>
-              </a:rPr>
-              <a:t>1. () -&gt; {}</a:t>
-            </a:r>
-          </a:p>
-          <a:p>
-            <a:pPr marL="0" indent="0">
-              <a:buNone/>
-            </a:pPr>
-            <a:r>
-              <a:rPr lang="en-GB" sz="2000" dirty="0">
-                <a:latin typeface="Consolas" panose="020B0609020204030204" pitchFamily="49" charset="0"/>
-                <a:cs typeface="Consolas" panose="020B0609020204030204" pitchFamily="49" charset="0"/>
-              </a:rPr>
-              <a:t>2. () -&gt; "Raoul"</a:t>
-            </a:r>
-          </a:p>
-          <a:p>
-            <a:pPr marL="0" indent="0">
-              <a:buNone/>
-            </a:pPr>
-            <a:r>
-              <a:rPr lang="en-GB" sz="2000" dirty="0">
-                <a:latin typeface="Consolas" panose="020B0609020204030204" pitchFamily="49" charset="0"/>
-                <a:cs typeface="Consolas" panose="020B0609020204030204" pitchFamily="49" charset="0"/>
-              </a:rPr>
-              <a:t>3. () -&gt; { return "Mario"; }</a:t>
-            </a:r>
-          </a:p>
-          <a:p>
-            <a:pPr marL="0" indent="0">
-              <a:buNone/>
-            </a:pPr>
-            <a:endParaRPr lang="en-GB" sz="2000" dirty="0">
-              <a:solidFill>
-                <a:schemeClr val="accent6">
-                  <a:lumMod val="75000"/>
-                </a:schemeClr>
-              </a:solidFill>
-              <a:latin typeface="Consolas" panose="020B0609020204030204" pitchFamily="49" charset="0"/>
-              <a:cs typeface="Consolas" panose="020B0609020204030204" pitchFamily="49" charset="0"/>
-            </a:endParaRPr>
-          </a:p>
-          <a:p>
-            <a:pPr marL="0" indent="0">
-              <a:buNone/>
-            </a:pPr>
-            <a:r>
-              <a:rPr lang="en-GB" sz="2000" dirty="0">
+              <a:rPr lang="en-GB" sz="1400" dirty="0">
+                <a:latin typeface="Consolas" panose="020B0609020204030204" pitchFamily="49" charset="0"/>
+                <a:cs typeface="Consolas" panose="020B0609020204030204" pitchFamily="49" charset="0"/>
+              </a:rPr>
+              <a:t>1. A </a:t>
+            </a:r>
+            <a:r>
+              <a:rPr lang="en-GB" sz="1400" dirty="0" err="1">
+                <a:latin typeface="Consolas" panose="020B0609020204030204" pitchFamily="49" charset="0"/>
+                <a:cs typeface="Consolas" panose="020B0609020204030204" pitchFamily="49" charset="0"/>
+              </a:rPr>
+              <a:t>boolean</a:t>
+            </a:r>
+            <a:r>
+              <a:rPr lang="en-GB" sz="1400" dirty="0">
+                <a:latin typeface="Consolas" panose="020B0609020204030204" pitchFamily="49" charset="0"/>
+                <a:cs typeface="Consolas" panose="020B0609020204030204" pitchFamily="49" charset="0"/>
+              </a:rPr>
+              <a:t> expression </a:t>
+            </a:r>
+          </a:p>
+          <a:p>
+            <a:pPr marL="0" indent="0">
+              <a:buNone/>
+            </a:pPr>
+            <a:r>
+              <a:rPr lang="en-GB" sz="1400" dirty="0">
                 <a:solidFill>
                   <a:schemeClr val="accent6">
                     <a:lumMod val="75000"/>
@@ -5306,19 +5501,10 @@
                 <a:latin typeface="Consolas" panose="020B0609020204030204" pitchFamily="49" charset="0"/>
                 <a:cs typeface="Consolas" panose="020B0609020204030204" pitchFamily="49" charset="0"/>
               </a:rPr>
-              <a:t>/* wrong! not an expression! */</a:t>
-            </a:r>
-            <a:endParaRPr lang="en-GB" sz="2000" dirty="0">
-              <a:latin typeface="Consolas" panose="020B0609020204030204" pitchFamily="49" charset="0"/>
-              <a:cs typeface="Consolas" panose="020B0609020204030204" pitchFamily="49" charset="0"/>
-            </a:endParaRPr>
-          </a:p>
-          <a:p>
-            <a:pPr marL="0" indent="0">
-              <a:buNone/>
-            </a:pPr>
-            <a:r>
-              <a:rPr lang="en-GB" sz="2000" dirty="0">
+              <a:t>(List&lt;String&gt; list) -&gt; </a:t>
+            </a:r>
+            <a:r>
+              <a:rPr lang="en-GB" sz="1400" dirty="0" err="1">
                 <a:solidFill>
                   <a:schemeClr val="accent6">
                     <a:lumMod val="75000"/>
@@ -5327,10 +5513,10 @@
                 <a:latin typeface="Consolas" panose="020B0609020204030204" pitchFamily="49" charset="0"/>
                 <a:cs typeface="Consolas" panose="020B0609020204030204" pitchFamily="49" charset="0"/>
               </a:rPr>
-              <a:t>4. (Integer </a:t>
-            </a:r>
-            <a:r>
-              <a:rPr lang="en-GB" sz="2000" dirty="0" err="1">
+              <a:t>list.isEmpty</a:t>
+            </a:r>
+            <a:r>
+              <a:rPr lang="en-GB" sz="1400" dirty="0">
                 <a:solidFill>
                   <a:schemeClr val="accent6">
                     <a:lumMod val="75000"/>
@@ -5339,10 +5525,36 @@
                 <a:latin typeface="Consolas" panose="020B0609020204030204" pitchFamily="49" charset="0"/>
                 <a:cs typeface="Consolas" panose="020B0609020204030204" pitchFamily="49" charset="0"/>
               </a:rPr>
-              <a:t>i</a:t>
-            </a:r>
-            <a:r>
-              <a:rPr lang="en-GB" sz="2000" dirty="0">
+              <a:t>()</a:t>
+            </a:r>
+          </a:p>
+          <a:p>
+            <a:pPr marL="0" indent="0">
+              <a:buNone/>
+            </a:pPr>
+            <a:endParaRPr lang="en-GB" sz="1400" dirty="0">
+              <a:latin typeface="Consolas" panose="020B0609020204030204" pitchFamily="49" charset="0"/>
+              <a:cs typeface="Consolas" panose="020B0609020204030204" pitchFamily="49" charset="0"/>
+            </a:endParaRPr>
+          </a:p>
+          <a:p>
+            <a:pPr marL="0" indent="0">
+              <a:buNone/>
+            </a:pPr>
+            <a:r>
+              <a:rPr lang="en-GB" sz="1400" dirty="0">
+                <a:latin typeface="Consolas" panose="020B0609020204030204" pitchFamily="49" charset="0"/>
+                <a:cs typeface="Consolas" panose="020B0609020204030204" pitchFamily="49" charset="0"/>
+              </a:rPr>
+              <a:t>2. Creating objects</a:t>
+            </a:r>
+          </a:p>
+          <a:p>
+            <a:pPr marL="0" indent="0">
+              <a:buNone/>
+            </a:pPr>
+            <a:r>
+              <a:rPr lang="en-GB" sz="1400" dirty="0">
                 <a:solidFill>
                   <a:schemeClr val="accent6">
                     <a:lumMod val="75000"/>
@@ -5351,10 +5563,36 @@
                 <a:latin typeface="Consolas" panose="020B0609020204030204" pitchFamily="49" charset="0"/>
                 <a:cs typeface="Consolas" panose="020B0609020204030204" pitchFamily="49" charset="0"/>
               </a:rPr>
-              <a:t>) -&gt; return "Alan" + </a:t>
-            </a:r>
-            <a:r>
-              <a:rPr lang="en-GB" sz="2000" dirty="0" err="1">
+              <a:t>() -&gt; new Apple(10) </a:t>
+            </a:r>
+          </a:p>
+          <a:p>
+            <a:pPr marL="0" indent="0">
+              <a:buNone/>
+            </a:pPr>
+            <a:endParaRPr lang="en-GB" sz="1400" dirty="0">
+              <a:latin typeface="Consolas" panose="020B0609020204030204" pitchFamily="49" charset="0"/>
+              <a:cs typeface="Consolas" panose="020B0609020204030204" pitchFamily="49" charset="0"/>
+            </a:endParaRPr>
+          </a:p>
+          <a:p>
+            <a:pPr marL="0" indent="0">
+              <a:buNone/>
+            </a:pPr>
+            <a:r>
+              <a:rPr lang="en-GB" sz="1400" dirty="0">
+                <a:latin typeface="Consolas" panose="020B0609020204030204" pitchFamily="49" charset="0"/>
+                <a:cs typeface="Consolas" panose="020B0609020204030204" pitchFamily="49" charset="0"/>
+              </a:rPr>
+              <a:t>3. Consuming from an object </a:t>
+            </a:r>
+          </a:p>
+          <a:p>
+            <a:pPr marL="0" indent="0">
+              <a:buNone/>
+            </a:pPr>
+            <a:r>
+              <a:rPr lang="en-GB" sz="1400" dirty="0">
                 <a:solidFill>
                   <a:schemeClr val="accent6">
                     <a:lumMod val="75000"/>
@@ -5363,10 +5601,10 @@
                 <a:latin typeface="Consolas" panose="020B0609020204030204" pitchFamily="49" charset="0"/>
                 <a:cs typeface="Consolas" panose="020B0609020204030204" pitchFamily="49" charset="0"/>
               </a:rPr>
-              <a:t>i</a:t>
-            </a:r>
-            <a:r>
-              <a:rPr lang="en-GB" sz="2000" dirty="0">
+              <a:t>(Apple a) -&gt; { </a:t>
+            </a:r>
+            <a:r>
+              <a:rPr lang="en-GB" sz="1400" dirty="0" err="1">
                 <a:solidFill>
                   <a:schemeClr val="accent6">
                     <a:lumMod val="75000"/>
@@ -5375,29 +5613,10 @@
                 <a:latin typeface="Consolas" panose="020B0609020204030204" pitchFamily="49" charset="0"/>
                 <a:cs typeface="Consolas" panose="020B0609020204030204" pitchFamily="49" charset="0"/>
               </a:rPr>
-              <a:t>;  </a:t>
-            </a:r>
-          </a:p>
-          <a:p>
-            <a:pPr marL="0" indent="0">
-              <a:buNone/>
-            </a:pPr>
-            <a:endParaRPr lang="en-GB" sz="2000" dirty="0">
-              <a:solidFill>
-                <a:schemeClr val="accent6">
-                  <a:lumMod val="75000"/>
-                </a:schemeClr>
-              </a:solidFill>
-              <a:latin typeface="Consolas" panose="020B0609020204030204" pitchFamily="49" charset="0"/>
-              <a:cs typeface="Consolas" panose="020B0609020204030204" pitchFamily="49" charset="0"/>
-            </a:endParaRPr>
-          </a:p>
-          <a:p>
-            <a:pPr marL="0" indent="0">
-              <a:buNone/>
-            </a:pPr>
-            <a:r>
-              <a:rPr lang="en-GB" sz="2000" dirty="0">
+              <a:t>System.out.println</a:t>
+            </a:r>
+            <a:r>
+              <a:rPr lang="en-GB" sz="1400" dirty="0">
                 <a:solidFill>
                   <a:schemeClr val="accent6">
                     <a:lumMod val="75000"/>
@@ -5406,15 +5625,10 @@
                 <a:latin typeface="Consolas" panose="020B0609020204030204" pitchFamily="49" charset="0"/>
                 <a:cs typeface="Consolas" panose="020B0609020204030204" pitchFamily="49" charset="0"/>
               </a:rPr>
-              <a:t>/* wrong! not a statement! */</a:t>
-            </a:r>
-          </a:p>
-          <a:p>
-            <a:pPr marL="0" indent="0">
-              <a:buNone/>
-            </a:pPr>
-            <a:r>
-              <a:rPr lang="en-GB" sz="2000" dirty="0">
+              <a:t>(</a:t>
+            </a:r>
+            <a:r>
+              <a:rPr lang="en-GB" sz="1400" dirty="0" err="1">
                 <a:solidFill>
                   <a:schemeClr val="accent6">
                     <a:lumMod val="75000"/>
@@ -5423,7 +5637,195 @@
                 <a:latin typeface="Consolas" panose="020B0609020204030204" pitchFamily="49" charset="0"/>
                 <a:cs typeface="Consolas" panose="020B0609020204030204" pitchFamily="49" charset="0"/>
               </a:rPr>
-              <a:t>5. (String s) -&gt; { "Iron Man"; }</a:t>
+              <a:t>a.getWeight</a:t>
+            </a:r>
+            <a:r>
+              <a:rPr lang="en-GB" sz="1400" dirty="0">
+                <a:solidFill>
+                  <a:schemeClr val="accent6">
+                    <a:lumMod val="75000"/>
+                  </a:schemeClr>
+                </a:solidFill>
+                <a:latin typeface="Consolas" panose="020B0609020204030204" pitchFamily="49" charset="0"/>
+                <a:cs typeface="Consolas" panose="020B0609020204030204" pitchFamily="49" charset="0"/>
+              </a:rPr>
+              <a:t>()); } </a:t>
+            </a:r>
+          </a:p>
+          <a:p>
+            <a:pPr marL="0" indent="0">
+              <a:buNone/>
+            </a:pPr>
+            <a:endParaRPr lang="en-GB" sz="1400" dirty="0">
+              <a:latin typeface="Consolas" panose="020B0609020204030204" pitchFamily="49" charset="0"/>
+              <a:cs typeface="Consolas" panose="020B0609020204030204" pitchFamily="49" charset="0"/>
+            </a:endParaRPr>
+          </a:p>
+          <a:p>
+            <a:pPr marL="0" indent="0">
+              <a:buNone/>
+            </a:pPr>
+            <a:r>
+              <a:rPr lang="en-GB" sz="1400" dirty="0">
+                <a:latin typeface="Consolas" panose="020B0609020204030204" pitchFamily="49" charset="0"/>
+                <a:cs typeface="Consolas" panose="020B0609020204030204" pitchFamily="49" charset="0"/>
+              </a:rPr>
+              <a:t>4. Select/extract a field from an object </a:t>
+            </a:r>
+          </a:p>
+          <a:p>
+            <a:pPr marL="0" indent="0">
+              <a:buNone/>
+            </a:pPr>
+            <a:r>
+              <a:rPr lang="en-GB" sz="1400" dirty="0">
+                <a:solidFill>
+                  <a:schemeClr val="accent6">
+                    <a:lumMod val="75000"/>
+                  </a:schemeClr>
+                </a:solidFill>
+                <a:latin typeface="Consolas" panose="020B0609020204030204" pitchFamily="49" charset="0"/>
+                <a:cs typeface="Consolas" panose="020B0609020204030204" pitchFamily="49" charset="0"/>
+              </a:rPr>
+              <a:t>(String s) -&gt; </a:t>
+            </a:r>
+            <a:r>
+              <a:rPr lang="en-GB" sz="1400" dirty="0" err="1">
+                <a:solidFill>
+                  <a:schemeClr val="accent6">
+                    <a:lumMod val="75000"/>
+                  </a:schemeClr>
+                </a:solidFill>
+                <a:latin typeface="Consolas" panose="020B0609020204030204" pitchFamily="49" charset="0"/>
+                <a:cs typeface="Consolas" panose="020B0609020204030204" pitchFamily="49" charset="0"/>
+              </a:rPr>
+              <a:t>s.length</a:t>
+            </a:r>
+            <a:r>
+              <a:rPr lang="en-GB" sz="1400" dirty="0">
+                <a:solidFill>
+                  <a:schemeClr val="accent6">
+                    <a:lumMod val="75000"/>
+                  </a:schemeClr>
+                </a:solidFill>
+                <a:latin typeface="Consolas" panose="020B0609020204030204" pitchFamily="49" charset="0"/>
+                <a:cs typeface="Consolas" panose="020B0609020204030204" pitchFamily="49" charset="0"/>
+              </a:rPr>
+              <a:t>()</a:t>
+            </a:r>
+          </a:p>
+          <a:p>
+            <a:pPr marL="0" indent="0">
+              <a:buNone/>
+            </a:pPr>
+            <a:endParaRPr lang="en-GB" sz="1400" dirty="0">
+              <a:latin typeface="Consolas" panose="020B0609020204030204" pitchFamily="49" charset="0"/>
+              <a:cs typeface="Consolas" panose="020B0609020204030204" pitchFamily="49" charset="0"/>
+            </a:endParaRPr>
+          </a:p>
+          <a:p>
+            <a:pPr marL="0" indent="0">
+              <a:buNone/>
+            </a:pPr>
+            <a:r>
+              <a:rPr lang="en-GB" sz="1400" dirty="0">
+                <a:latin typeface="Consolas" panose="020B0609020204030204" pitchFamily="49" charset="0"/>
+                <a:cs typeface="Consolas" panose="020B0609020204030204" pitchFamily="49" charset="0"/>
+              </a:rPr>
+              <a:t>5. Multiply two </a:t>
+            </a:r>
+            <a:r>
+              <a:rPr lang="en-GB" sz="1400" dirty="0" err="1">
+                <a:latin typeface="Consolas" panose="020B0609020204030204" pitchFamily="49" charset="0"/>
+                <a:cs typeface="Consolas" panose="020B0609020204030204" pitchFamily="49" charset="0"/>
+              </a:rPr>
+              <a:t>ints</a:t>
+            </a:r>
+            <a:r>
+              <a:rPr lang="en-GB" sz="1400" dirty="0">
+                <a:latin typeface="Consolas" panose="020B0609020204030204" pitchFamily="49" charset="0"/>
+                <a:cs typeface="Consolas" panose="020B0609020204030204" pitchFamily="49" charset="0"/>
+              </a:rPr>
+              <a:t> </a:t>
+            </a:r>
+          </a:p>
+          <a:p>
+            <a:pPr marL="0" indent="0">
+              <a:buNone/>
+            </a:pPr>
+            <a:r>
+              <a:rPr lang="en-GB" sz="1400" dirty="0">
+                <a:solidFill>
+                  <a:schemeClr val="accent6">
+                    <a:lumMod val="75000"/>
+                  </a:schemeClr>
+                </a:solidFill>
+                <a:latin typeface="Consolas" panose="020B0609020204030204" pitchFamily="49" charset="0"/>
+                <a:cs typeface="Consolas" panose="020B0609020204030204" pitchFamily="49" charset="0"/>
+              </a:rPr>
+              <a:t>(int a, int b) -&gt; a * b</a:t>
+            </a:r>
+          </a:p>
+          <a:p>
+            <a:pPr marL="0" indent="0">
+              <a:buNone/>
+            </a:pPr>
+            <a:endParaRPr lang="en-GB" sz="1400" dirty="0">
+              <a:latin typeface="Consolas" panose="020B0609020204030204" pitchFamily="49" charset="0"/>
+              <a:cs typeface="Consolas" panose="020B0609020204030204" pitchFamily="49" charset="0"/>
+            </a:endParaRPr>
+          </a:p>
+          <a:p>
+            <a:pPr marL="0" indent="0">
+              <a:buNone/>
+            </a:pPr>
+            <a:r>
+              <a:rPr lang="en-GB" sz="1400" dirty="0">
+                <a:latin typeface="Consolas" panose="020B0609020204030204" pitchFamily="49" charset="0"/>
+                <a:cs typeface="Consolas" panose="020B0609020204030204" pitchFamily="49" charset="0"/>
+              </a:rPr>
+              <a:t>6. Compare two objects </a:t>
+            </a:r>
+          </a:p>
+          <a:p>
+            <a:pPr marL="0" indent="0">
+              <a:buNone/>
+            </a:pPr>
+            <a:r>
+              <a:rPr lang="en-GB" sz="1400" dirty="0">
+                <a:solidFill>
+                  <a:schemeClr val="accent6">
+                    <a:lumMod val="75000"/>
+                  </a:schemeClr>
+                </a:solidFill>
+                <a:latin typeface="Consolas" panose="020B0609020204030204" pitchFamily="49" charset="0"/>
+                <a:cs typeface="Consolas" panose="020B0609020204030204" pitchFamily="49" charset="0"/>
+              </a:rPr>
+              <a:t>(Apple a1, Apple a2) -&gt; a1.getWeight().</a:t>
+            </a:r>
+            <a:r>
+              <a:rPr lang="en-GB" sz="1400" dirty="0" err="1">
+                <a:solidFill>
+                  <a:schemeClr val="accent6">
+                    <a:lumMod val="75000"/>
+                  </a:schemeClr>
+                </a:solidFill>
+                <a:latin typeface="Consolas" panose="020B0609020204030204" pitchFamily="49" charset="0"/>
+                <a:cs typeface="Consolas" panose="020B0609020204030204" pitchFamily="49" charset="0"/>
+              </a:rPr>
+              <a:t>compareTo</a:t>
+            </a:r>
+            <a:r>
+              <a:rPr lang="en-GB" sz="1400" dirty="0">
+                <a:solidFill>
+                  <a:schemeClr val="accent6">
+                    <a:lumMod val="75000"/>
+                  </a:schemeClr>
+                </a:solidFill>
+                <a:latin typeface="Consolas" panose="020B0609020204030204" pitchFamily="49" charset="0"/>
+                <a:cs typeface="Consolas" panose="020B0609020204030204" pitchFamily="49" charset="0"/>
+              </a:rPr>
+              <a:t>(a2.getWeight()) </a:t>
             </a:r>
           </a:p>
         </p:txBody>
@@ -5431,7 +5833,7 @@
     </p:spTree>
     <p:extLst>
       <p:ext uri="{BB962C8B-B14F-4D97-AF65-F5344CB8AC3E}">
-        <p14:creationId xmlns:p14="http://schemas.microsoft.com/office/powerpoint/2010/main" val="3461501352"/>
+        <p14:creationId xmlns:p14="http://schemas.microsoft.com/office/powerpoint/2010/main" val="3276999402"/>
       </p:ext>
     </p:extLst>
   </p:cSld>
@@ -5481,7 +5883,7 @@
           <a:p>
             <a:r>
               <a:rPr lang="en-IT" dirty="0"/>
-              <a:t>Lambda expressions</a:t>
+              <a:t>Functional interfaces</a:t>
             </a:r>
           </a:p>
         </p:txBody>
@@ -5505,81 +5907,70 @@
         <p:spPr/>
         <p:txBody>
           <a:bodyPr>
-            <a:noAutofit/>
+            <a:normAutofit fontScale="47500" lnSpcReduction="20000"/>
           </a:bodyPr>
           <a:lstStyle/>
           <a:p>
-            <a:pPr marL="0" indent="0">
-              <a:buNone/>
-            </a:pPr>
-            <a:r>
-              <a:rPr lang="en-GB" sz="1400" dirty="0">
-                <a:latin typeface="Consolas" panose="020B0609020204030204" pitchFamily="49" charset="0"/>
-                <a:cs typeface="Consolas" panose="020B0609020204030204" pitchFamily="49" charset="0"/>
-              </a:rPr>
-              <a:t>1. A </a:t>
-            </a:r>
-            <a:r>
-              <a:rPr lang="en-GB" sz="1400" dirty="0" err="1">
-                <a:latin typeface="Consolas" panose="020B0609020204030204" pitchFamily="49" charset="0"/>
-                <a:cs typeface="Consolas" panose="020B0609020204030204" pitchFamily="49" charset="0"/>
-              </a:rPr>
-              <a:t>boolean</a:t>
-            </a:r>
-            <a:r>
-              <a:rPr lang="en-GB" sz="1400" dirty="0">
-                <a:latin typeface="Consolas" panose="020B0609020204030204" pitchFamily="49" charset="0"/>
-                <a:cs typeface="Consolas" panose="020B0609020204030204" pitchFamily="49" charset="0"/>
-              </a:rPr>
-              <a:t> expression </a:t>
-            </a:r>
-          </a:p>
-          <a:p>
-            <a:pPr marL="0" indent="0">
-              <a:buNone/>
-            </a:pPr>
-            <a:r>
-              <a:rPr lang="en-GB" sz="1400" dirty="0">
+            <a:r>
+              <a:rPr lang="en-GB" sz="5100" dirty="0">
                 <a:solidFill>
                   <a:schemeClr val="accent6">
                     <a:lumMod val="75000"/>
                   </a:schemeClr>
                 </a:solidFill>
-                <a:latin typeface="Consolas" panose="020B0609020204030204" pitchFamily="49" charset="0"/>
-                <a:cs typeface="Consolas" panose="020B0609020204030204" pitchFamily="49" charset="0"/>
-              </a:rPr>
-              <a:t>(List&lt;String&gt; list) -&gt; </a:t>
-            </a:r>
-            <a:r>
-              <a:rPr lang="en-GB" sz="1400" dirty="0" err="1">
+                <a:latin typeface="Calibri" panose="020F0502020204030204" pitchFamily="34" charset="0"/>
+                <a:cs typeface="Calibri" panose="020F0502020204030204" pitchFamily="34" charset="0"/>
+              </a:rPr>
+              <a:t>Functional interfaces or interfaces defining only one function </a:t>
+            </a:r>
+            <a:r>
+              <a:rPr lang="en-GB" sz="5100" dirty="0">
+                <a:latin typeface="Calibri" panose="020F0502020204030204" pitchFamily="34" charset="0"/>
+                <a:cs typeface="Calibri" panose="020F0502020204030204" pitchFamily="34" charset="0"/>
+              </a:rPr>
+              <a:t>(one method) are ideal candidates for making use of lambda expressions. </a:t>
+            </a:r>
+          </a:p>
+          <a:p>
+            <a:r>
+              <a:rPr lang="en-GB" sz="5100" dirty="0">
+                <a:latin typeface="Calibri" panose="020F0502020204030204" pitchFamily="34" charset="0"/>
+                <a:cs typeface="Calibri" panose="020F0502020204030204" pitchFamily="34" charset="0"/>
+              </a:rPr>
+              <a:t>Instead of using anonymous classes (still verbose!), </a:t>
+            </a:r>
+            <a:r>
+              <a:rPr lang="en-GB" sz="5100" dirty="0">
                 <a:solidFill>
                   <a:schemeClr val="accent6">
                     <a:lumMod val="75000"/>
                   </a:schemeClr>
                 </a:solidFill>
-                <a:latin typeface="Consolas" panose="020B0609020204030204" pitchFamily="49" charset="0"/>
-                <a:cs typeface="Consolas" panose="020B0609020204030204" pitchFamily="49" charset="0"/>
-              </a:rPr>
-              <a:t>list.isEmpty</a:t>
-            </a:r>
-            <a:r>
-              <a:rPr lang="en-GB" sz="1400" dirty="0">
-                <a:solidFill>
-                  <a:schemeClr val="accent6">
-                    <a:lumMod val="75000"/>
-                  </a:schemeClr>
-                </a:solidFill>
-                <a:latin typeface="Consolas" panose="020B0609020204030204" pitchFamily="49" charset="0"/>
-                <a:cs typeface="Consolas" panose="020B0609020204030204" pitchFamily="49" charset="0"/>
-              </a:rPr>
-              <a:t>()</a:t>
-            </a:r>
-          </a:p>
-          <a:p>
-            <a:pPr marL="0" indent="0">
-              <a:buNone/>
-            </a:pPr>
-            <a:endParaRPr lang="en-GB" sz="1400" dirty="0">
+                <a:latin typeface="Calibri" panose="020F0502020204030204" pitchFamily="34" charset="0"/>
+                <a:cs typeface="Calibri" panose="020F0502020204030204" pitchFamily="34" charset="0"/>
+              </a:rPr>
+              <a:t>lambda expressions can be used for providing the implementation of their single method!</a:t>
+            </a:r>
+          </a:p>
+          <a:p>
+            <a:pPr marL="0" indent="0">
+              <a:buNone/>
+            </a:pPr>
+            <a:endParaRPr lang="en-IT" sz="3800" dirty="0">
+              <a:solidFill>
+                <a:schemeClr val="accent6">
+                  <a:lumMod val="75000"/>
+                </a:schemeClr>
+              </a:solidFill>
+              <a:latin typeface="Calibri" panose="020F0502020204030204" pitchFamily="34" charset="0"/>
+              <a:cs typeface="Calibri" panose="020F0502020204030204" pitchFamily="34" charset="0"/>
+            </a:endParaRPr>
+          </a:p>
+          <a:p>
+            <a:pPr marL="0" indent="0">
+              <a:buNone/>
+            </a:pPr>
+            <a:endParaRPr lang="en-GB" sz="1800" dirty="0">
               <a:latin typeface="Consolas" panose="020B0609020204030204" pitchFamily="49" charset="0"/>
               <a:cs typeface="Consolas" panose="020B0609020204030204" pitchFamily="49" charset="0"/>
             </a:endParaRPr>
@@ -5589,35 +5980,42 @@
               <a:buNone/>
             </a:pPr>
             <a:r>
-              <a:rPr lang="en-GB" sz="1400" dirty="0">
-                <a:latin typeface="Consolas" panose="020B0609020204030204" pitchFamily="49" charset="0"/>
-                <a:cs typeface="Consolas" panose="020B0609020204030204" pitchFamily="49" charset="0"/>
-              </a:rPr>
-              <a:t>2. Creating objects</a:t>
-            </a:r>
-          </a:p>
-          <a:p>
-            <a:pPr marL="0" indent="0">
-              <a:buNone/>
-            </a:pPr>
-            <a:r>
-              <a:rPr lang="en-GB" sz="1400" dirty="0">
-                <a:solidFill>
-                  <a:schemeClr val="accent6">
-                    <a:lumMod val="75000"/>
-                  </a:schemeClr>
-                </a:solidFill>
-                <a:latin typeface="Consolas" panose="020B0609020204030204" pitchFamily="49" charset="0"/>
-                <a:cs typeface="Consolas" panose="020B0609020204030204" pitchFamily="49" charset="0"/>
-              </a:rPr>
-              <a:t>() -&gt; new Apple(10) </a:t>
-            </a:r>
-          </a:p>
-          <a:p>
-            <a:pPr marL="0" indent="0">
-              <a:buNone/>
-            </a:pPr>
-            <a:endParaRPr lang="en-GB" sz="1400" dirty="0">
+              <a:rPr lang="en-GB" sz="2500" dirty="0">
+                <a:latin typeface="Consolas" panose="020B0609020204030204" pitchFamily="49" charset="0"/>
+                <a:cs typeface="Consolas" panose="020B0609020204030204" pitchFamily="49" charset="0"/>
+              </a:rPr>
+              <a:t>public interface Comparator&lt;T&gt; {</a:t>
+            </a:r>
+          </a:p>
+          <a:p>
+            <a:pPr marL="0" indent="0">
+              <a:buNone/>
+            </a:pPr>
+            <a:r>
+              <a:rPr lang="en-GB" sz="2500" dirty="0">
+                <a:latin typeface="Consolas" panose="020B0609020204030204" pitchFamily="49" charset="0"/>
+                <a:cs typeface="Consolas" panose="020B0609020204030204" pitchFamily="49" charset="0"/>
+              </a:rPr>
+              <a:t>	int compare(T o1, T o2);</a:t>
+            </a:r>
+          </a:p>
+          <a:p>
+            <a:pPr marL="0" indent="0">
+              <a:buNone/>
+            </a:pPr>
+            <a:r>
+              <a:rPr lang="en-GB" sz="2500" dirty="0">
+                <a:latin typeface="Consolas" panose="020B0609020204030204" pitchFamily="49" charset="0"/>
+                <a:cs typeface="Consolas" panose="020B0609020204030204" pitchFamily="49" charset="0"/>
+              </a:rPr>
+              <a:t>}</a:t>
+            </a:r>
+          </a:p>
+          <a:p>
+            <a:pPr marL="0" indent="0">
+              <a:buNone/>
+            </a:pPr>
+            <a:endParaRPr lang="en-GB" sz="2500" dirty="0">
               <a:latin typeface="Consolas" panose="020B0609020204030204" pitchFamily="49" charset="0"/>
               <a:cs typeface="Consolas" panose="020B0609020204030204" pitchFamily="49" charset="0"/>
             </a:endParaRPr>
@@ -5627,83 +6025,42 @@
               <a:buNone/>
             </a:pPr>
             <a:r>
-              <a:rPr lang="en-GB" sz="1400" dirty="0">
-                <a:latin typeface="Consolas" panose="020B0609020204030204" pitchFamily="49" charset="0"/>
-                <a:cs typeface="Consolas" panose="020B0609020204030204" pitchFamily="49" charset="0"/>
-              </a:rPr>
-              <a:t>3. Consuming from an object </a:t>
-            </a:r>
-          </a:p>
-          <a:p>
-            <a:pPr marL="0" indent="0">
-              <a:buNone/>
-            </a:pPr>
-            <a:r>
-              <a:rPr lang="en-GB" sz="1400" dirty="0">
-                <a:solidFill>
-                  <a:schemeClr val="accent6">
-                    <a:lumMod val="75000"/>
-                  </a:schemeClr>
-                </a:solidFill>
-                <a:latin typeface="Consolas" panose="020B0609020204030204" pitchFamily="49" charset="0"/>
-                <a:cs typeface="Consolas" panose="020B0609020204030204" pitchFamily="49" charset="0"/>
-              </a:rPr>
-              <a:t>(Apple a) -&gt; { </a:t>
-            </a:r>
-            <a:r>
-              <a:rPr lang="en-GB" sz="1400" dirty="0" err="1">
-                <a:solidFill>
-                  <a:schemeClr val="accent6">
-                    <a:lumMod val="75000"/>
-                  </a:schemeClr>
-                </a:solidFill>
-                <a:latin typeface="Consolas" panose="020B0609020204030204" pitchFamily="49" charset="0"/>
-                <a:cs typeface="Consolas" panose="020B0609020204030204" pitchFamily="49" charset="0"/>
-              </a:rPr>
-              <a:t>System.out.println</a:t>
-            </a:r>
-            <a:r>
-              <a:rPr lang="en-GB" sz="1400" dirty="0">
-                <a:solidFill>
-                  <a:schemeClr val="accent6">
-                    <a:lumMod val="75000"/>
-                  </a:schemeClr>
-                </a:solidFill>
-                <a:latin typeface="Consolas" panose="020B0609020204030204" pitchFamily="49" charset="0"/>
-                <a:cs typeface="Consolas" panose="020B0609020204030204" pitchFamily="49" charset="0"/>
-              </a:rPr>
-              <a:t>(</a:t>
-            </a:r>
-            <a:r>
-              <a:rPr lang="en-GB" sz="1400" dirty="0" err="1">
-                <a:solidFill>
-                  <a:schemeClr val="accent6">
-                    <a:lumMod val="75000"/>
-                  </a:schemeClr>
-                </a:solidFill>
-                <a:latin typeface="Consolas" panose="020B0609020204030204" pitchFamily="49" charset="0"/>
-                <a:cs typeface="Consolas" panose="020B0609020204030204" pitchFamily="49" charset="0"/>
-              </a:rPr>
-              <a:t>a.getWeight</a:t>
-            </a:r>
-            <a:r>
-              <a:rPr lang="en-GB" sz="1400" dirty="0">
-                <a:solidFill>
-                  <a:schemeClr val="accent6">
-                    <a:lumMod val="75000"/>
-                  </a:schemeClr>
-                </a:solidFill>
-                <a:latin typeface="Consolas" panose="020B0609020204030204" pitchFamily="49" charset="0"/>
-                <a:cs typeface="Consolas" panose="020B0609020204030204" pitchFamily="49" charset="0"/>
-              </a:rPr>
-              <a:t>()); } </a:t>
-            </a:r>
-          </a:p>
-          <a:p>
-            <a:pPr marL="0" indent="0">
-              <a:buNone/>
-            </a:pPr>
-            <a:endParaRPr lang="en-GB" sz="1400" dirty="0">
+              <a:rPr lang="en-GB" sz="2500" dirty="0">
+                <a:latin typeface="Consolas" panose="020B0609020204030204" pitchFamily="49" charset="0"/>
+                <a:cs typeface="Consolas" panose="020B0609020204030204" pitchFamily="49" charset="0"/>
+              </a:rPr>
+              <a:t>public interface Runnable {</a:t>
+            </a:r>
+          </a:p>
+          <a:p>
+            <a:pPr marL="0" indent="0">
+              <a:buNone/>
+            </a:pPr>
+            <a:r>
+              <a:rPr lang="en-GB" sz="2500" dirty="0">
+                <a:latin typeface="Consolas" panose="020B0609020204030204" pitchFamily="49" charset="0"/>
+                <a:cs typeface="Consolas" panose="020B0609020204030204" pitchFamily="49" charset="0"/>
+              </a:rPr>
+              <a:t>	void run(); </a:t>
+            </a:r>
+          </a:p>
+          <a:p>
+            <a:pPr marL="0" indent="0">
+              <a:buNone/>
+            </a:pPr>
+            <a:r>
+              <a:rPr lang="en-GB" sz="2500" dirty="0">
+                <a:latin typeface="Consolas" panose="020B0609020204030204" pitchFamily="49" charset="0"/>
+                <a:cs typeface="Consolas" panose="020B0609020204030204" pitchFamily="49" charset="0"/>
+              </a:rPr>
+              <a:t>}</a:t>
+            </a:r>
+          </a:p>
+          <a:p>
+            <a:pPr marL="0" indent="0">
+              <a:buNone/>
+            </a:pPr>
+            <a:endParaRPr lang="en-GB" sz="2500" dirty="0">
               <a:latin typeface="Consolas" panose="020B0609020204030204" pitchFamily="49" charset="0"/>
               <a:cs typeface="Consolas" panose="020B0609020204030204" pitchFamily="49" charset="0"/>
             </a:endParaRPr>
@@ -5713,59 +6070,84 @@
               <a:buNone/>
             </a:pPr>
             <a:r>
-              <a:rPr lang="en-GB" sz="1400" dirty="0">
-                <a:latin typeface="Consolas" panose="020B0609020204030204" pitchFamily="49" charset="0"/>
-                <a:cs typeface="Consolas" panose="020B0609020204030204" pitchFamily="49" charset="0"/>
-              </a:rPr>
-              <a:t>4. Select/extract from an object </a:t>
-            </a:r>
-          </a:p>
-          <a:p>
-            <a:pPr marL="0" indent="0">
-              <a:buNone/>
-            </a:pPr>
-            <a:r>
-              <a:rPr lang="en-GB" sz="1400" dirty="0">
-                <a:solidFill>
-                  <a:schemeClr val="accent6">
-                    <a:lumMod val="75000"/>
-                  </a:schemeClr>
-                </a:solidFill>
-                <a:latin typeface="Consolas" panose="020B0609020204030204" pitchFamily="49" charset="0"/>
-                <a:cs typeface="Consolas" panose="020B0609020204030204" pitchFamily="49" charset="0"/>
-              </a:rPr>
-              <a:t>(String s) -&gt; </a:t>
-            </a:r>
-            <a:r>
-              <a:rPr lang="en-GB" sz="1400" dirty="0" err="1">
-                <a:solidFill>
-                  <a:schemeClr val="accent6">
-                    <a:lumMod val="75000"/>
-                  </a:schemeClr>
-                </a:solidFill>
-                <a:latin typeface="Consolas" panose="020B0609020204030204" pitchFamily="49" charset="0"/>
-                <a:cs typeface="Consolas" panose="020B0609020204030204" pitchFamily="49" charset="0"/>
-              </a:rPr>
-              <a:t>s.length</a:t>
-            </a:r>
-            <a:r>
-              <a:rPr lang="en-GB" sz="1400" dirty="0">
-                <a:solidFill>
-                  <a:schemeClr val="accent6">
-                    <a:lumMod val="75000"/>
-                  </a:schemeClr>
-                </a:solidFill>
-                <a:latin typeface="Consolas" panose="020B0609020204030204" pitchFamily="49" charset="0"/>
-                <a:cs typeface="Consolas" panose="020B0609020204030204" pitchFamily="49" charset="0"/>
-              </a:rPr>
-              <a:t>()</a:t>
-            </a:r>
-          </a:p>
-          <a:p>
-            <a:pPr marL="0" indent="0">
-              <a:buNone/>
-            </a:pPr>
-            <a:endParaRPr lang="en-GB" sz="1400" dirty="0">
+              <a:rPr lang="en-GB" sz="2500" dirty="0">
+                <a:latin typeface="Consolas" panose="020B0609020204030204" pitchFamily="49" charset="0"/>
+                <a:cs typeface="Consolas" panose="020B0609020204030204" pitchFamily="49" charset="0"/>
+              </a:rPr>
+              <a:t>public interface ActionListener extends </a:t>
+            </a:r>
+            <a:r>
+              <a:rPr lang="en-GB" sz="2500" dirty="0" err="1">
+                <a:latin typeface="Consolas" panose="020B0609020204030204" pitchFamily="49" charset="0"/>
+                <a:cs typeface="Consolas" panose="020B0609020204030204" pitchFamily="49" charset="0"/>
+              </a:rPr>
+              <a:t>EventListener</a:t>
+            </a:r>
+            <a:r>
+              <a:rPr lang="en-GB" sz="2500" dirty="0">
+                <a:latin typeface="Consolas" panose="020B0609020204030204" pitchFamily="49" charset="0"/>
+                <a:cs typeface="Consolas" panose="020B0609020204030204" pitchFamily="49" charset="0"/>
+              </a:rPr>
+              <a:t> {</a:t>
+            </a:r>
+          </a:p>
+          <a:p>
+            <a:pPr marL="0" indent="0">
+              <a:buNone/>
+            </a:pPr>
+            <a:r>
+              <a:rPr lang="en-GB" sz="2500" dirty="0">
+                <a:latin typeface="Consolas" panose="020B0609020204030204" pitchFamily="49" charset="0"/>
+                <a:cs typeface="Consolas" panose="020B0609020204030204" pitchFamily="49" charset="0"/>
+              </a:rPr>
+              <a:t>	void </a:t>
+            </a:r>
+            <a:r>
+              <a:rPr lang="en-GB" sz="2500" dirty="0" err="1">
+                <a:latin typeface="Consolas" panose="020B0609020204030204" pitchFamily="49" charset="0"/>
+                <a:cs typeface="Consolas" panose="020B0609020204030204" pitchFamily="49" charset="0"/>
+              </a:rPr>
+              <a:t>actionPerformed</a:t>
+            </a:r>
+            <a:r>
+              <a:rPr lang="en-GB" sz="2500" dirty="0">
+                <a:latin typeface="Consolas" panose="020B0609020204030204" pitchFamily="49" charset="0"/>
+                <a:cs typeface="Consolas" panose="020B0609020204030204" pitchFamily="49" charset="0"/>
+              </a:rPr>
+              <a:t>(</a:t>
+            </a:r>
+            <a:r>
+              <a:rPr lang="en-GB" sz="2500" dirty="0" err="1">
+                <a:latin typeface="Consolas" panose="020B0609020204030204" pitchFamily="49" charset="0"/>
+                <a:cs typeface="Consolas" panose="020B0609020204030204" pitchFamily="49" charset="0"/>
+              </a:rPr>
+              <a:t>ActionEvent</a:t>
+            </a:r>
+            <a:r>
+              <a:rPr lang="en-GB" sz="2500" dirty="0">
+                <a:latin typeface="Consolas" panose="020B0609020204030204" pitchFamily="49" charset="0"/>
+                <a:cs typeface="Consolas" panose="020B0609020204030204" pitchFamily="49" charset="0"/>
+              </a:rPr>
+              <a:t> e);</a:t>
+            </a:r>
+          </a:p>
+          <a:p>
+            <a:pPr marL="0" indent="0">
+              <a:buNone/>
+            </a:pPr>
+            <a:r>
+              <a:rPr lang="en-GB" sz="2500" dirty="0">
+                <a:latin typeface="Consolas" panose="020B0609020204030204" pitchFamily="49" charset="0"/>
+                <a:cs typeface="Consolas" panose="020B0609020204030204" pitchFamily="49" charset="0"/>
+              </a:rPr>
+              <a:t>}</a:t>
+            </a:r>
+          </a:p>
+          <a:p>
+            <a:pPr marL="0" indent="0">
+              <a:buNone/>
+            </a:pPr>
+            <a:endParaRPr lang="en-GB" sz="2500" dirty="0">
               <a:latin typeface="Consolas" panose="020B0609020204030204" pitchFamily="49" charset="0"/>
               <a:cs typeface="Consolas" panose="020B0609020204030204" pitchFamily="49" charset="0"/>
             </a:endParaRPr>
@@ -5775,90 +6157,35 @@
               <a:buNone/>
             </a:pPr>
             <a:r>
-              <a:rPr lang="en-GB" sz="1400" dirty="0">
-                <a:latin typeface="Consolas" panose="020B0609020204030204" pitchFamily="49" charset="0"/>
-                <a:cs typeface="Consolas" panose="020B0609020204030204" pitchFamily="49" charset="0"/>
-              </a:rPr>
-              <a:t>5. Combine two values </a:t>
-            </a:r>
-          </a:p>
-          <a:p>
-            <a:pPr marL="0" indent="0">
-              <a:buNone/>
-            </a:pPr>
-            <a:r>
-              <a:rPr lang="en-GB" sz="1400" dirty="0">
-                <a:solidFill>
-                  <a:schemeClr val="accent6">
-                    <a:lumMod val="75000"/>
-                  </a:schemeClr>
-                </a:solidFill>
-                <a:latin typeface="Consolas" panose="020B0609020204030204" pitchFamily="49" charset="0"/>
-                <a:cs typeface="Consolas" panose="020B0609020204030204" pitchFamily="49" charset="0"/>
-              </a:rPr>
-              <a:t>(int a, int b) -&gt; a * b</a:t>
-            </a:r>
-          </a:p>
-          <a:p>
-            <a:pPr marL="0" indent="0">
-              <a:buNone/>
-            </a:pPr>
-            <a:endParaRPr lang="en-GB" sz="1400" dirty="0">
-              <a:latin typeface="Consolas" panose="020B0609020204030204" pitchFamily="49" charset="0"/>
-              <a:cs typeface="Consolas" panose="020B0609020204030204" pitchFamily="49" charset="0"/>
-            </a:endParaRPr>
-          </a:p>
-          <a:p>
-            <a:pPr marL="0" indent="0">
-              <a:buNone/>
-            </a:pPr>
-            <a:r>
-              <a:rPr lang="en-GB" sz="1400" dirty="0">
-                <a:latin typeface="Consolas" panose="020B0609020204030204" pitchFamily="49" charset="0"/>
-                <a:cs typeface="Consolas" panose="020B0609020204030204" pitchFamily="49" charset="0"/>
-              </a:rPr>
-              <a:t>6. Compare two objects </a:t>
-            </a:r>
-          </a:p>
-          <a:p>
-            <a:pPr marL="0" indent="0">
-              <a:buNone/>
-            </a:pPr>
-            <a:r>
-              <a:rPr lang="en-GB" sz="1400" dirty="0">
-                <a:solidFill>
-                  <a:schemeClr val="accent6">
-                    <a:lumMod val="75000"/>
-                  </a:schemeClr>
-                </a:solidFill>
-                <a:latin typeface="Consolas" panose="020B0609020204030204" pitchFamily="49" charset="0"/>
-                <a:cs typeface="Consolas" panose="020B0609020204030204" pitchFamily="49" charset="0"/>
-              </a:rPr>
-              <a:t>(Apple a1, Apple a2) -&gt; a1.getWeight().</a:t>
-            </a:r>
-            <a:r>
-              <a:rPr lang="en-GB" sz="1400" dirty="0" err="1">
-                <a:solidFill>
-                  <a:schemeClr val="accent6">
-                    <a:lumMod val="75000"/>
-                  </a:schemeClr>
-                </a:solidFill>
-                <a:latin typeface="Consolas" panose="020B0609020204030204" pitchFamily="49" charset="0"/>
-                <a:cs typeface="Consolas" panose="020B0609020204030204" pitchFamily="49" charset="0"/>
-              </a:rPr>
-              <a:t>compareTo</a:t>
-            </a:r>
-            <a:r>
-              <a:rPr lang="en-GB" sz="1400" dirty="0">
-                <a:solidFill>
-                  <a:schemeClr val="accent6">
-                    <a:lumMod val="75000"/>
-                  </a:schemeClr>
-                </a:solidFill>
-                <a:latin typeface="Consolas" panose="020B0609020204030204" pitchFamily="49" charset="0"/>
-                <a:cs typeface="Consolas" panose="020B0609020204030204" pitchFamily="49" charset="0"/>
-              </a:rPr>
-              <a:t>(a2.getWeight()) </a:t>
+              <a:rPr lang="en-GB" sz="2500" dirty="0">
+                <a:latin typeface="Consolas" panose="020B0609020204030204" pitchFamily="49" charset="0"/>
+                <a:cs typeface="Consolas" panose="020B0609020204030204" pitchFamily="49" charset="0"/>
+              </a:rPr>
+              <a:t>public interface Callable&lt;V&gt; {</a:t>
+            </a:r>
+          </a:p>
+          <a:p>
+            <a:pPr marL="0" indent="0">
+              <a:buNone/>
+            </a:pPr>
+            <a:r>
+              <a:rPr lang="en-GB" sz="2500" dirty="0">
+                <a:latin typeface="Consolas" panose="020B0609020204030204" pitchFamily="49" charset="0"/>
+                <a:cs typeface="Consolas" panose="020B0609020204030204" pitchFamily="49" charset="0"/>
+              </a:rPr>
+              <a:t>	V call() throws Exception;</a:t>
+            </a:r>
+          </a:p>
+          <a:p>
+            <a:pPr marL="0" indent="0">
+              <a:buNone/>
+            </a:pPr>
+            <a:r>
+              <a:rPr lang="en-GB" sz="2500" dirty="0">
+                <a:latin typeface="Consolas" panose="020B0609020204030204" pitchFamily="49" charset="0"/>
+                <a:cs typeface="Consolas" panose="020B0609020204030204" pitchFamily="49" charset="0"/>
+              </a:rPr>
+              <a:t>}</a:t>
             </a:r>
           </a:p>
         </p:txBody>
@@ -5866,7 +6193,7 @@
     </p:spTree>
     <p:extLst>
       <p:ext uri="{BB962C8B-B14F-4D97-AF65-F5344CB8AC3E}">
-        <p14:creationId xmlns:p14="http://schemas.microsoft.com/office/powerpoint/2010/main" val="3276999402"/>
+        <p14:creationId xmlns:p14="http://schemas.microsoft.com/office/powerpoint/2010/main" val="259207122"/>
       </p:ext>
     </p:extLst>
   </p:cSld>
@@ -5916,7 +6243,7 @@
           <a:p>
             <a:r>
               <a:rPr lang="en-IT" dirty="0"/>
-              <a:t>Functional interfaces</a:t>
+              <a:t>Lambda expressions</a:t>
             </a:r>
           </a:p>
         </p:txBody>
@@ -5940,285 +6267,223 @@
         <p:spPr/>
         <p:txBody>
           <a:bodyPr>
-            <a:normAutofit fontScale="47500" lnSpcReduction="20000"/>
+            <a:normAutofit/>
           </a:bodyPr>
           <a:lstStyle/>
           <a:p>
-            <a:r>
-              <a:rPr lang="en-GB" sz="4200" dirty="0">
+            <a:pPr marL="0" indent="0">
+              <a:buNone/>
+            </a:pPr>
+            <a:r>
+              <a:rPr lang="en-GB" sz="1600" dirty="0">
+                <a:latin typeface="Consolas" panose="020B0609020204030204" pitchFamily="49" charset="0"/>
+                <a:cs typeface="Consolas" panose="020B0609020204030204" pitchFamily="49" charset="0"/>
+              </a:rPr>
+              <a:t>//using anonymous classes</a:t>
+            </a:r>
+          </a:p>
+          <a:p>
+            <a:pPr marL="0" indent="0">
+              <a:buNone/>
+            </a:pPr>
+            <a:r>
+              <a:rPr lang="en-GB" sz="1600" dirty="0">
+                <a:latin typeface="Consolas" panose="020B0609020204030204" pitchFamily="49" charset="0"/>
+                <a:cs typeface="Consolas" panose="020B0609020204030204" pitchFamily="49" charset="0"/>
+              </a:rPr>
+              <a:t>Comparator&lt;Apple&gt; </a:t>
+            </a:r>
+            <a:r>
+              <a:rPr lang="en-GB" sz="1600" dirty="0" err="1">
+                <a:latin typeface="Consolas" panose="020B0609020204030204" pitchFamily="49" charset="0"/>
+                <a:cs typeface="Consolas" panose="020B0609020204030204" pitchFamily="49" charset="0"/>
+              </a:rPr>
+              <a:t>byWeight</a:t>
+            </a:r>
+            <a:r>
+              <a:rPr lang="en-GB" sz="1600" dirty="0">
+                <a:latin typeface="Consolas" panose="020B0609020204030204" pitchFamily="49" charset="0"/>
+                <a:cs typeface="Consolas" panose="020B0609020204030204" pitchFamily="49" charset="0"/>
+              </a:rPr>
+              <a:t> = </a:t>
+            </a:r>
+          </a:p>
+          <a:p>
+            <a:pPr marL="0" indent="0">
+              <a:buNone/>
+            </a:pPr>
+            <a:r>
+              <a:rPr lang="en-GB" sz="1600" dirty="0">
+                <a:latin typeface="Consolas" panose="020B0609020204030204" pitchFamily="49" charset="0"/>
+                <a:cs typeface="Consolas" panose="020B0609020204030204" pitchFamily="49" charset="0"/>
+              </a:rPr>
+              <a:t>	new Comparator&lt;Apple&gt;() {</a:t>
+            </a:r>
+          </a:p>
+          <a:p>
+            <a:pPr marL="0" indent="0">
+              <a:buNone/>
+            </a:pPr>
+            <a:r>
+              <a:rPr lang="en-GB" sz="1600" dirty="0">
+                <a:latin typeface="Consolas" panose="020B0609020204030204" pitchFamily="49" charset="0"/>
+                <a:cs typeface="Consolas" panose="020B0609020204030204" pitchFamily="49" charset="0"/>
+              </a:rPr>
+              <a:t>    		public int compare(Apple a1, Apple a2){</a:t>
+            </a:r>
+          </a:p>
+          <a:p>
+            <a:pPr marL="0" indent="0">
+              <a:buNone/>
+            </a:pPr>
+            <a:r>
+              <a:rPr lang="en-GB" sz="1600" dirty="0">
+                <a:latin typeface="Consolas" panose="020B0609020204030204" pitchFamily="49" charset="0"/>
+                <a:cs typeface="Consolas" panose="020B0609020204030204" pitchFamily="49" charset="0"/>
+              </a:rPr>
+              <a:t>        		return a1.getWeight().</a:t>
+            </a:r>
+            <a:r>
+              <a:rPr lang="en-GB" sz="1600" dirty="0" err="1">
+                <a:latin typeface="Consolas" panose="020B0609020204030204" pitchFamily="49" charset="0"/>
+                <a:cs typeface="Consolas" panose="020B0609020204030204" pitchFamily="49" charset="0"/>
+              </a:rPr>
+              <a:t>compareTo</a:t>
+            </a:r>
+            <a:r>
+              <a:rPr lang="en-GB" sz="1600" dirty="0">
+                <a:latin typeface="Consolas" panose="020B0609020204030204" pitchFamily="49" charset="0"/>
+                <a:cs typeface="Consolas" panose="020B0609020204030204" pitchFamily="49" charset="0"/>
+              </a:rPr>
+              <a:t>(a2.getWeight());</a:t>
+            </a:r>
+          </a:p>
+          <a:p>
+            <a:pPr marL="0" indent="0">
+              <a:buNone/>
+            </a:pPr>
+            <a:r>
+              <a:rPr lang="en-GB" sz="1600" dirty="0">
+                <a:latin typeface="Consolas" panose="020B0609020204030204" pitchFamily="49" charset="0"/>
+                <a:cs typeface="Consolas" panose="020B0609020204030204" pitchFamily="49" charset="0"/>
+              </a:rPr>
+              <a:t>    		}</a:t>
+            </a:r>
+          </a:p>
+          <a:p>
+            <a:pPr marL="0" indent="0">
+              <a:buNone/>
+            </a:pPr>
+            <a:r>
+              <a:rPr lang="en-GB" sz="1600" dirty="0">
+                <a:latin typeface="Consolas" panose="020B0609020204030204" pitchFamily="49" charset="0"/>
+                <a:cs typeface="Consolas" panose="020B0609020204030204" pitchFamily="49" charset="0"/>
+              </a:rPr>
+              <a:t>	};</a:t>
+            </a:r>
+          </a:p>
+          <a:p>
+            <a:pPr marL="0" indent="0">
+              <a:buNone/>
+            </a:pPr>
+            <a:endParaRPr lang="en-GB" sz="1600" dirty="0">
+              <a:latin typeface="Consolas" panose="020B0609020204030204" pitchFamily="49" charset="0"/>
+              <a:cs typeface="Consolas" panose="020B0609020204030204" pitchFamily="49" charset="0"/>
+            </a:endParaRPr>
+          </a:p>
+          <a:p>
+            <a:pPr marL="0" indent="0">
+              <a:buNone/>
+            </a:pPr>
+            <a:endParaRPr lang="en-GB" sz="1600" dirty="0">
+              <a:latin typeface="Consolas" panose="020B0609020204030204" pitchFamily="49" charset="0"/>
+              <a:cs typeface="Consolas" panose="020B0609020204030204" pitchFamily="49" charset="0"/>
+            </a:endParaRPr>
+          </a:p>
+          <a:p>
+            <a:pPr marL="0" indent="0">
+              <a:buNone/>
+            </a:pPr>
+            <a:r>
+              <a:rPr lang="en-GB" sz="1600" dirty="0">
+                <a:latin typeface="Consolas" panose="020B0609020204030204" pitchFamily="49" charset="0"/>
+                <a:cs typeface="Consolas" panose="020B0609020204030204" pitchFamily="49" charset="0"/>
+              </a:rPr>
+              <a:t>// using lambda expressions:</a:t>
+            </a:r>
+          </a:p>
+          <a:p>
+            <a:pPr marL="0" indent="0">
+              <a:buNone/>
+            </a:pPr>
+            <a:r>
+              <a:rPr lang="en-GB" sz="1600" dirty="0">
+                <a:latin typeface="Consolas" panose="020B0609020204030204" pitchFamily="49" charset="0"/>
+                <a:cs typeface="Consolas" panose="020B0609020204030204" pitchFamily="49" charset="0"/>
+              </a:rPr>
+              <a:t>Comparator&lt;Apple&gt; </a:t>
+            </a:r>
+            <a:r>
+              <a:rPr lang="en-GB" sz="1600" dirty="0" err="1">
+                <a:latin typeface="Consolas" panose="020B0609020204030204" pitchFamily="49" charset="0"/>
+                <a:cs typeface="Consolas" panose="020B0609020204030204" pitchFamily="49" charset="0"/>
+              </a:rPr>
+              <a:t>byWeight</a:t>
+            </a:r>
+            <a:r>
+              <a:rPr lang="en-GB" sz="1600" dirty="0">
+                <a:latin typeface="Consolas" panose="020B0609020204030204" pitchFamily="49" charset="0"/>
+                <a:cs typeface="Consolas" panose="020B0609020204030204" pitchFamily="49" charset="0"/>
+              </a:rPr>
+              <a:t> =</a:t>
+            </a:r>
+          </a:p>
+          <a:p>
+            <a:pPr marL="0" indent="0">
+              <a:buNone/>
+            </a:pPr>
+            <a:r>
+              <a:rPr lang="en-GB" sz="1600" dirty="0">
+                <a:latin typeface="Consolas" panose="020B0609020204030204" pitchFamily="49" charset="0"/>
+                <a:cs typeface="Consolas" panose="020B0609020204030204" pitchFamily="49" charset="0"/>
+              </a:rPr>
+              <a:t>    </a:t>
+            </a:r>
+            <a:r>
+              <a:rPr lang="en-GB" sz="1600" dirty="0">
                 <a:solidFill>
                   <a:schemeClr val="accent6">
                     <a:lumMod val="75000"/>
                   </a:schemeClr>
                 </a:solidFill>
-                <a:latin typeface="Calibri" panose="020F0502020204030204" pitchFamily="34" charset="0"/>
-                <a:cs typeface="Calibri" panose="020F0502020204030204" pitchFamily="34" charset="0"/>
-              </a:rPr>
-              <a:t>Functional interfaces or interfaces defining only one function </a:t>
-            </a:r>
-            <a:r>
-              <a:rPr lang="en-GB" sz="4200" dirty="0">
-                <a:latin typeface="Calibri" panose="020F0502020204030204" pitchFamily="34" charset="0"/>
-                <a:cs typeface="Calibri" panose="020F0502020204030204" pitchFamily="34" charset="0"/>
-              </a:rPr>
-              <a:t>(one method) are ideal candidates for making use of lambda expressions. </a:t>
-            </a:r>
-          </a:p>
-          <a:p>
-            <a:r>
-              <a:rPr lang="en-GB" sz="4200" dirty="0">
-                <a:latin typeface="Calibri" panose="020F0502020204030204" pitchFamily="34" charset="0"/>
-                <a:cs typeface="Calibri" panose="020F0502020204030204" pitchFamily="34" charset="0"/>
-              </a:rPr>
-              <a:t>Instead of using anonymous classes (still verbose!), </a:t>
-            </a:r>
-            <a:r>
-              <a:rPr lang="en-GB" sz="4200" dirty="0">
+                <a:latin typeface="Consolas" panose="020B0609020204030204" pitchFamily="49" charset="0"/>
+                <a:cs typeface="Consolas" panose="020B0609020204030204" pitchFamily="49" charset="0"/>
+              </a:rPr>
+              <a:t>(Apple a1, Apple a2) -&gt; a1.getWeight().</a:t>
+            </a:r>
+            <a:r>
+              <a:rPr lang="en-GB" sz="1600" dirty="0" err="1">
                 <a:solidFill>
                   <a:schemeClr val="accent6">
                     <a:lumMod val="75000"/>
                   </a:schemeClr>
                 </a:solidFill>
-                <a:latin typeface="Calibri" panose="020F0502020204030204" pitchFamily="34" charset="0"/>
-                <a:cs typeface="Calibri" panose="020F0502020204030204" pitchFamily="34" charset="0"/>
-              </a:rPr>
-              <a:t>lambda expressions can be used for providing the implementation of their single method!</a:t>
-            </a:r>
-          </a:p>
-          <a:p>
-            <a:pPr marL="0" indent="0">
-              <a:buNone/>
-            </a:pPr>
-            <a:endParaRPr lang="en-IT" sz="3800" dirty="0">
-              <a:solidFill>
-                <a:schemeClr val="accent6">
-                  <a:lumMod val="75000"/>
-                </a:schemeClr>
-              </a:solidFill>
-              <a:latin typeface="Calibri" panose="020F0502020204030204" pitchFamily="34" charset="0"/>
-              <a:cs typeface="Calibri" panose="020F0502020204030204" pitchFamily="34" charset="0"/>
-            </a:endParaRPr>
-          </a:p>
-          <a:p>
-            <a:pPr marL="0" indent="0">
-              <a:buNone/>
-            </a:pPr>
-            <a:endParaRPr lang="en-GB" sz="1800" dirty="0">
-              <a:latin typeface="Consolas" panose="020B0609020204030204" pitchFamily="49" charset="0"/>
-              <a:cs typeface="Consolas" panose="020B0609020204030204" pitchFamily="49" charset="0"/>
-            </a:endParaRPr>
-          </a:p>
-          <a:p>
-            <a:pPr marL="0" indent="0">
-              <a:buNone/>
-            </a:pPr>
-            <a:r>
-              <a:rPr lang="en-GB" sz="2500" dirty="0">
-                <a:latin typeface="Consolas" panose="020B0609020204030204" pitchFamily="49" charset="0"/>
-                <a:cs typeface="Consolas" panose="020B0609020204030204" pitchFamily="49" charset="0"/>
-              </a:rPr>
-              <a:t>public interface Comparator&lt;T&gt; {</a:t>
-            </a:r>
-          </a:p>
-          <a:p>
-            <a:pPr marL="0" indent="0">
-              <a:buNone/>
-            </a:pPr>
-            <a:r>
-              <a:rPr lang="en-GB" sz="2500" dirty="0">
-                <a:latin typeface="Consolas" panose="020B0609020204030204" pitchFamily="49" charset="0"/>
-                <a:cs typeface="Consolas" panose="020B0609020204030204" pitchFamily="49" charset="0"/>
-              </a:rPr>
-              <a:t>	int compare(T o1, T o2);</a:t>
-            </a:r>
-          </a:p>
-          <a:p>
-            <a:pPr marL="0" indent="0">
-              <a:buNone/>
-            </a:pPr>
-            <a:r>
-              <a:rPr lang="en-GB" sz="2500" dirty="0">
-                <a:latin typeface="Consolas" panose="020B0609020204030204" pitchFamily="49" charset="0"/>
-                <a:cs typeface="Consolas" panose="020B0609020204030204" pitchFamily="49" charset="0"/>
-              </a:rPr>
-              <a:t>}</a:t>
-            </a:r>
-          </a:p>
-          <a:p>
-            <a:pPr marL="0" indent="0">
-              <a:buNone/>
-            </a:pPr>
-            <a:endParaRPr lang="en-GB" sz="2500" dirty="0">
-              <a:latin typeface="Consolas" panose="020B0609020204030204" pitchFamily="49" charset="0"/>
-              <a:cs typeface="Consolas" panose="020B0609020204030204" pitchFamily="49" charset="0"/>
-            </a:endParaRPr>
-          </a:p>
-          <a:p>
-            <a:pPr marL="0" indent="0">
-              <a:buNone/>
-            </a:pPr>
-            <a:r>
-              <a:rPr lang="en-GB" sz="2500" dirty="0">
-                <a:latin typeface="Consolas" panose="020B0609020204030204" pitchFamily="49" charset="0"/>
-                <a:cs typeface="Consolas" panose="020B0609020204030204" pitchFamily="49" charset="0"/>
-              </a:rPr>
-              <a:t>public interface Runnable {</a:t>
-            </a:r>
-          </a:p>
-          <a:p>
-            <a:pPr marL="0" indent="0">
-              <a:buNone/>
-            </a:pPr>
-            <a:r>
-              <a:rPr lang="en-GB" sz="2500" dirty="0">
-                <a:latin typeface="Consolas" panose="020B0609020204030204" pitchFamily="49" charset="0"/>
-                <a:cs typeface="Consolas" panose="020B0609020204030204" pitchFamily="49" charset="0"/>
-              </a:rPr>
-              <a:t>	void run(); </a:t>
-            </a:r>
-          </a:p>
-          <a:p>
-            <a:pPr marL="0" indent="0">
-              <a:buNone/>
-            </a:pPr>
-            <a:r>
-              <a:rPr lang="en-GB" sz="2500" dirty="0">
-                <a:latin typeface="Consolas" panose="020B0609020204030204" pitchFamily="49" charset="0"/>
-                <a:cs typeface="Consolas" panose="020B0609020204030204" pitchFamily="49" charset="0"/>
-              </a:rPr>
-              <a:t>}</a:t>
-            </a:r>
-          </a:p>
-          <a:p>
-            <a:pPr marL="0" indent="0">
-              <a:buNone/>
-            </a:pPr>
-            <a:endParaRPr lang="en-GB" sz="2500" dirty="0">
-              <a:latin typeface="Consolas" panose="020B0609020204030204" pitchFamily="49" charset="0"/>
-              <a:cs typeface="Consolas" panose="020B0609020204030204" pitchFamily="49" charset="0"/>
-            </a:endParaRPr>
-          </a:p>
-          <a:p>
-            <a:pPr marL="0" indent="0">
-              <a:buNone/>
-            </a:pPr>
-            <a:r>
-              <a:rPr lang="en-GB" sz="2500" dirty="0">
-                <a:latin typeface="Consolas" panose="020B0609020204030204" pitchFamily="49" charset="0"/>
-                <a:cs typeface="Consolas" panose="020B0609020204030204" pitchFamily="49" charset="0"/>
-              </a:rPr>
-              <a:t>public interface ActionListener extends </a:t>
-            </a:r>
-            <a:r>
-              <a:rPr lang="en-GB" sz="2500" dirty="0" err="1">
-                <a:latin typeface="Consolas" panose="020B0609020204030204" pitchFamily="49" charset="0"/>
-                <a:cs typeface="Consolas" panose="020B0609020204030204" pitchFamily="49" charset="0"/>
-              </a:rPr>
-              <a:t>EventListener</a:t>
-            </a:r>
-            <a:r>
-              <a:rPr lang="en-GB" sz="2500" dirty="0">
-                <a:latin typeface="Consolas" panose="020B0609020204030204" pitchFamily="49" charset="0"/>
-                <a:cs typeface="Consolas" panose="020B0609020204030204" pitchFamily="49" charset="0"/>
-              </a:rPr>
-              <a:t> {</a:t>
-            </a:r>
-          </a:p>
-          <a:p>
-            <a:pPr marL="0" indent="0">
-              <a:buNone/>
-            </a:pPr>
-            <a:r>
-              <a:rPr lang="en-GB" sz="2500" dirty="0">
-                <a:latin typeface="Consolas" panose="020B0609020204030204" pitchFamily="49" charset="0"/>
-                <a:cs typeface="Consolas" panose="020B0609020204030204" pitchFamily="49" charset="0"/>
-              </a:rPr>
-              <a:t>	void </a:t>
-            </a:r>
-            <a:r>
-              <a:rPr lang="en-GB" sz="2500" dirty="0" err="1">
-                <a:latin typeface="Consolas" panose="020B0609020204030204" pitchFamily="49" charset="0"/>
-                <a:cs typeface="Consolas" panose="020B0609020204030204" pitchFamily="49" charset="0"/>
-              </a:rPr>
-              <a:t>actionPerformed</a:t>
-            </a:r>
-            <a:r>
-              <a:rPr lang="en-GB" sz="2500" dirty="0">
-                <a:latin typeface="Consolas" panose="020B0609020204030204" pitchFamily="49" charset="0"/>
-                <a:cs typeface="Consolas" panose="020B0609020204030204" pitchFamily="49" charset="0"/>
-              </a:rPr>
-              <a:t>(</a:t>
-            </a:r>
-            <a:r>
-              <a:rPr lang="en-GB" sz="2500" dirty="0" err="1">
-                <a:latin typeface="Consolas" panose="020B0609020204030204" pitchFamily="49" charset="0"/>
-                <a:cs typeface="Consolas" panose="020B0609020204030204" pitchFamily="49" charset="0"/>
-              </a:rPr>
-              <a:t>ActionEvent</a:t>
-            </a:r>
-            <a:r>
-              <a:rPr lang="en-GB" sz="2500" dirty="0">
-                <a:latin typeface="Consolas" panose="020B0609020204030204" pitchFamily="49" charset="0"/>
-                <a:cs typeface="Consolas" panose="020B0609020204030204" pitchFamily="49" charset="0"/>
-              </a:rPr>
-              <a:t> e);</a:t>
-            </a:r>
-          </a:p>
-          <a:p>
-            <a:pPr marL="0" indent="0">
-              <a:buNone/>
-            </a:pPr>
-            <a:r>
-              <a:rPr lang="en-GB" sz="2500" dirty="0">
-                <a:latin typeface="Consolas" panose="020B0609020204030204" pitchFamily="49" charset="0"/>
-                <a:cs typeface="Consolas" panose="020B0609020204030204" pitchFamily="49" charset="0"/>
-              </a:rPr>
-              <a:t>}</a:t>
-            </a:r>
-          </a:p>
-          <a:p>
-            <a:pPr marL="0" indent="0">
-              <a:buNone/>
-            </a:pPr>
-            <a:endParaRPr lang="en-GB" sz="2500" dirty="0">
-              <a:latin typeface="Consolas" panose="020B0609020204030204" pitchFamily="49" charset="0"/>
-              <a:cs typeface="Consolas" panose="020B0609020204030204" pitchFamily="49" charset="0"/>
-            </a:endParaRPr>
-          </a:p>
-          <a:p>
-            <a:pPr marL="0" indent="0">
-              <a:buNone/>
-            </a:pPr>
-            <a:r>
-              <a:rPr lang="en-GB" sz="2500" dirty="0">
-                <a:latin typeface="Consolas" panose="020B0609020204030204" pitchFamily="49" charset="0"/>
-                <a:cs typeface="Consolas" panose="020B0609020204030204" pitchFamily="49" charset="0"/>
-              </a:rPr>
-              <a:t>public interface Callable&lt;V&gt; {</a:t>
-            </a:r>
-          </a:p>
-          <a:p>
-            <a:pPr marL="0" indent="0">
-              <a:buNone/>
-            </a:pPr>
-            <a:r>
-              <a:rPr lang="en-GB" sz="2500" dirty="0">
-                <a:latin typeface="Consolas" panose="020B0609020204030204" pitchFamily="49" charset="0"/>
-                <a:cs typeface="Consolas" panose="020B0609020204030204" pitchFamily="49" charset="0"/>
-              </a:rPr>
-              <a:t>	V call() throws Exception;</a:t>
-            </a:r>
-          </a:p>
-          <a:p>
-            <a:pPr marL="0" indent="0">
-              <a:buNone/>
-            </a:pPr>
-            <a:r>
-              <a:rPr lang="en-GB" sz="2500" dirty="0">
-                <a:latin typeface="Consolas" panose="020B0609020204030204" pitchFamily="49" charset="0"/>
-                <a:cs typeface="Consolas" panose="020B0609020204030204" pitchFamily="49" charset="0"/>
-              </a:rPr>
-              <a:t>}</a:t>
+                <a:latin typeface="Consolas" panose="020B0609020204030204" pitchFamily="49" charset="0"/>
+                <a:cs typeface="Consolas" panose="020B0609020204030204" pitchFamily="49" charset="0"/>
+              </a:rPr>
+              <a:t>compareTo</a:t>
+            </a:r>
+            <a:r>
+              <a:rPr lang="en-GB" sz="1600" dirty="0">
+                <a:solidFill>
+                  <a:schemeClr val="accent6">
+                    <a:lumMod val="75000"/>
+                  </a:schemeClr>
+                </a:solidFill>
+                <a:latin typeface="Consolas" panose="020B0609020204030204" pitchFamily="49" charset="0"/>
+                <a:cs typeface="Consolas" panose="020B0609020204030204" pitchFamily="49" charset="0"/>
+              </a:rPr>
+              <a:t>(a2.getWeight());</a:t>
             </a:r>
           </a:p>
         </p:txBody>
@@ -6226,7 +6491,7 @@
     </p:spTree>
     <p:extLst>
       <p:ext uri="{BB962C8B-B14F-4D97-AF65-F5344CB8AC3E}">
-        <p14:creationId xmlns:p14="http://schemas.microsoft.com/office/powerpoint/2010/main" val="259207122"/>
+        <p14:creationId xmlns:p14="http://schemas.microsoft.com/office/powerpoint/2010/main" val="794634531"/>
       </p:ext>
     </p:extLst>
   </p:cSld>
@@ -6255,10 +6520,10 @@
       </p:grpSpPr>
       <p:sp>
         <p:nvSpPr>
-          <p:cNvPr id="5" name="Title 4">
+          <p:cNvPr id="8" name="Title 7">
             <a:extLst>
               <a:ext uri="{FF2B5EF4-FFF2-40B4-BE49-F238E27FC236}">
-                <a16:creationId xmlns:a16="http://schemas.microsoft.com/office/drawing/2014/main" id="{60F6E1BD-6305-0244-B1CF-2EBC45B988CE}"/>
+                <a16:creationId xmlns:a16="http://schemas.microsoft.com/office/drawing/2014/main" id="{C3591F5A-6E00-B24C-A0BA-FAE00B31BFE7}"/>
               </a:ext>
             </a:extLst>
           </p:cNvPr>
@@ -6271,22 +6536,24 @@
         </p:nvSpPr>
         <p:spPr/>
         <p:txBody>
-          <a:bodyPr/>
+          <a:bodyPr>
+            <a:normAutofit/>
+          </a:bodyPr>
           <a:lstStyle/>
           <a:p>
             <a:r>
               <a:rPr lang="en-IT" dirty="0"/>
-              <a:t>Lambda expressions</a:t>
+              <a:t>Lambda expressions. Much better!</a:t>
             </a:r>
           </a:p>
         </p:txBody>
       </p:sp>
       <p:sp>
         <p:nvSpPr>
-          <p:cNvPr id="6" name="Content Placeholder 5">
+          <p:cNvPr id="3" name="Content Placeholder 2">
             <a:extLst>
               <a:ext uri="{FF2B5EF4-FFF2-40B4-BE49-F238E27FC236}">
-                <a16:creationId xmlns:a16="http://schemas.microsoft.com/office/drawing/2014/main" id="{7B63F8FA-2029-F441-A958-B7C1E8F99373}"/>
+                <a16:creationId xmlns:a16="http://schemas.microsoft.com/office/drawing/2014/main" id="{1A49958E-5E76-8143-9C7E-21CE777EE3C0}"/>
               </a:ext>
             </a:extLst>
           </p:cNvPr>
@@ -6300,7 +6567,7 @@
         <p:spPr/>
         <p:txBody>
           <a:bodyPr>
-            <a:normAutofit/>
+            <a:noAutofit/>
           </a:bodyPr>
           <a:lstStyle/>
           <a:p>
@@ -6308,115 +6575,70 @@
               <a:buNone/>
             </a:pPr>
             <a:r>
-              <a:rPr lang="en-GB" sz="1600" dirty="0"/>
-              <a:t>Before (with anonymous classes):</a:t>
-            </a:r>
-          </a:p>
-          <a:p>
-            <a:pPr marL="0" indent="0">
-              <a:buNone/>
-            </a:pPr>
-            <a:r>
-              <a:rPr lang="en-GB" sz="1600" dirty="0">
-                <a:latin typeface="Consolas" panose="020B0609020204030204" pitchFamily="49" charset="0"/>
-                <a:cs typeface="Consolas" panose="020B0609020204030204" pitchFamily="49" charset="0"/>
-              </a:rPr>
-              <a:t>Comparator&lt;Apple&gt; </a:t>
-            </a:r>
-            <a:r>
-              <a:rPr lang="en-GB" sz="1600" dirty="0" err="1">
-                <a:latin typeface="Consolas" panose="020B0609020204030204" pitchFamily="49" charset="0"/>
-                <a:cs typeface="Consolas" panose="020B0609020204030204" pitchFamily="49" charset="0"/>
-              </a:rPr>
-              <a:t>byWeight</a:t>
-            </a:r>
-            <a:r>
-              <a:rPr lang="en-GB" sz="1600" dirty="0">
-                <a:latin typeface="Consolas" panose="020B0609020204030204" pitchFamily="49" charset="0"/>
-                <a:cs typeface="Consolas" panose="020B0609020204030204" pitchFamily="49" charset="0"/>
-              </a:rPr>
-              <a:t> = </a:t>
-            </a:r>
-          </a:p>
-          <a:p>
-            <a:pPr marL="0" indent="0">
-              <a:buNone/>
-            </a:pPr>
-            <a:r>
-              <a:rPr lang="en-GB" sz="1600" dirty="0">
-                <a:latin typeface="Consolas" panose="020B0609020204030204" pitchFamily="49" charset="0"/>
-                <a:cs typeface="Consolas" panose="020B0609020204030204" pitchFamily="49" charset="0"/>
-              </a:rPr>
-              <a:t>	new Comparator&lt;Apple&gt;() {</a:t>
-            </a:r>
-          </a:p>
-          <a:p>
-            <a:pPr marL="0" indent="0">
-              <a:buNone/>
-            </a:pPr>
-            <a:r>
-              <a:rPr lang="en-GB" sz="1600" dirty="0">
-                <a:latin typeface="Consolas" panose="020B0609020204030204" pitchFamily="49" charset="0"/>
-                <a:cs typeface="Consolas" panose="020B0609020204030204" pitchFamily="49" charset="0"/>
-              </a:rPr>
-              <a:t>    		public int compare(Apple a1, Apple a2){</a:t>
-            </a:r>
-          </a:p>
-          <a:p>
-            <a:pPr marL="0" indent="0">
-              <a:buNone/>
-            </a:pPr>
-            <a:r>
-              <a:rPr lang="en-GB" sz="1600" dirty="0">
-                <a:latin typeface="Consolas" panose="020B0609020204030204" pitchFamily="49" charset="0"/>
-                <a:cs typeface="Consolas" panose="020B0609020204030204" pitchFamily="49" charset="0"/>
-              </a:rPr>
-              <a:t>        		return a1.getWeight().</a:t>
-            </a:r>
-            <a:r>
-              <a:rPr lang="en-GB" sz="1600" dirty="0" err="1">
-                <a:latin typeface="Consolas" panose="020B0609020204030204" pitchFamily="49" charset="0"/>
-                <a:cs typeface="Consolas" panose="020B0609020204030204" pitchFamily="49" charset="0"/>
-              </a:rPr>
-              <a:t>compareTo</a:t>
-            </a:r>
-            <a:r>
-              <a:rPr lang="en-GB" sz="1600" dirty="0">
-                <a:latin typeface="Consolas" panose="020B0609020204030204" pitchFamily="49" charset="0"/>
-                <a:cs typeface="Consolas" panose="020B0609020204030204" pitchFamily="49" charset="0"/>
-              </a:rPr>
-              <a:t>(a2.getWeight());</a:t>
-            </a:r>
-          </a:p>
-          <a:p>
-            <a:pPr marL="0" indent="0">
-              <a:buNone/>
-            </a:pPr>
-            <a:r>
-              <a:rPr lang="en-GB" sz="1600" dirty="0">
-                <a:latin typeface="Consolas" panose="020B0609020204030204" pitchFamily="49" charset="0"/>
-                <a:cs typeface="Consolas" panose="020B0609020204030204" pitchFamily="49" charset="0"/>
-              </a:rPr>
-              <a:t>    		}</a:t>
-            </a:r>
-          </a:p>
-          <a:p>
-            <a:pPr marL="0" indent="0">
-              <a:buNone/>
-            </a:pPr>
-            <a:r>
-              <a:rPr lang="en-GB" sz="1600" dirty="0">
-                <a:latin typeface="Consolas" panose="020B0609020204030204" pitchFamily="49" charset="0"/>
-                <a:cs typeface="Consolas" panose="020B0609020204030204" pitchFamily="49" charset="0"/>
-              </a:rPr>
-              <a:t>	};</a:t>
-            </a:r>
-          </a:p>
-          <a:p>
-            <a:pPr marL="0" indent="0">
-              <a:buNone/>
-            </a:pPr>
-            <a:endParaRPr lang="en-GB" sz="1600" dirty="0">
+              <a:rPr lang="en-GB" sz="1300" dirty="0">
+                <a:latin typeface="Consolas" panose="020B0609020204030204" pitchFamily="49" charset="0"/>
+                <a:cs typeface="Consolas" panose="020B0609020204030204" pitchFamily="49" charset="0"/>
+              </a:rPr>
+              <a:t>interface </a:t>
+            </a:r>
+            <a:r>
+              <a:rPr lang="en-GB" sz="1300" dirty="0" err="1">
+                <a:latin typeface="Consolas" panose="020B0609020204030204" pitchFamily="49" charset="0"/>
+                <a:cs typeface="Consolas" panose="020B0609020204030204" pitchFamily="49" charset="0"/>
+              </a:rPr>
+              <a:t>StudentPredicate</a:t>
+            </a:r>
+            <a:r>
+              <a:rPr lang="en-GB" sz="1300" dirty="0">
+                <a:latin typeface="Consolas" panose="020B0609020204030204" pitchFamily="49" charset="0"/>
+                <a:cs typeface="Consolas" panose="020B0609020204030204" pitchFamily="49" charset="0"/>
+              </a:rPr>
+              <a:t> {</a:t>
+            </a:r>
+          </a:p>
+          <a:p>
+            <a:pPr marL="0" indent="0">
+              <a:buNone/>
+            </a:pPr>
+            <a:r>
+              <a:rPr lang="en-GB" sz="1300" dirty="0">
+                <a:latin typeface="Consolas" panose="020B0609020204030204" pitchFamily="49" charset="0"/>
+                <a:cs typeface="Consolas" panose="020B0609020204030204" pitchFamily="49" charset="0"/>
+              </a:rPr>
+              <a:t>    </a:t>
+            </a:r>
+            <a:r>
+              <a:rPr lang="en-GB" sz="1300" dirty="0" err="1">
+                <a:latin typeface="Consolas" panose="020B0609020204030204" pitchFamily="49" charset="0"/>
+                <a:cs typeface="Consolas" panose="020B0609020204030204" pitchFamily="49" charset="0"/>
+              </a:rPr>
+              <a:t>boolean</a:t>
+            </a:r>
+            <a:r>
+              <a:rPr lang="en-GB" sz="1300" dirty="0">
+                <a:latin typeface="Consolas" panose="020B0609020204030204" pitchFamily="49" charset="0"/>
+                <a:cs typeface="Consolas" panose="020B0609020204030204" pitchFamily="49" charset="0"/>
+              </a:rPr>
+              <a:t> test(Student p);</a:t>
+            </a:r>
+          </a:p>
+          <a:p>
+            <a:pPr marL="0" indent="0">
+              <a:buNone/>
+            </a:pPr>
+            <a:r>
+              <a:rPr lang="en-GB" sz="1300" dirty="0">
+                <a:latin typeface="Consolas" panose="020B0609020204030204" pitchFamily="49" charset="0"/>
+                <a:cs typeface="Consolas" panose="020B0609020204030204" pitchFamily="49" charset="0"/>
+              </a:rPr>
+              <a:t>}</a:t>
+            </a:r>
+          </a:p>
+          <a:p>
+            <a:pPr marL="0" indent="0">
+              <a:buNone/>
+            </a:pPr>
+            <a:endParaRPr lang="en-GB" sz="1300" dirty="0">
               <a:latin typeface="Consolas" panose="020B0609020204030204" pitchFamily="49" charset="0"/>
               <a:cs typeface="Consolas" panose="020B0609020204030204" pitchFamily="49" charset="0"/>
             </a:endParaRPr>
@@ -6425,7 +6647,197 @@
             <a:pPr marL="0" indent="0">
               <a:buNone/>
             </a:pPr>
-            <a:endParaRPr lang="en-GB" sz="1600" dirty="0">
+            <a:r>
+              <a:rPr lang="en-GB" sz="1300" dirty="0">
+                <a:latin typeface="Consolas" panose="020B0609020204030204" pitchFamily="49" charset="0"/>
+                <a:cs typeface="Consolas" panose="020B0609020204030204" pitchFamily="49" charset="0"/>
+              </a:rPr>
+              <a:t>public static List&lt;Student&gt; </a:t>
+            </a:r>
+            <a:r>
+              <a:rPr lang="en-GB" sz="1300" dirty="0" err="1">
+                <a:latin typeface="Consolas" panose="020B0609020204030204" pitchFamily="49" charset="0"/>
+                <a:cs typeface="Consolas" panose="020B0609020204030204" pitchFamily="49" charset="0"/>
+              </a:rPr>
+              <a:t>filterStudents</a:t>
+            </a:r>
+            <a:r>
+              <a:rPr lang="en-GB" sz="1300" dirty="0">
+                <a:latin typeface="Consolas" panose="020B0609020204030204" pitchFamily="49" charset="0"/>
+                <a:cs typeface="Consolas" panose="020B0609020204030204" pitchFamily="49" charset="0"/>
+              </a:rPr>
+              <a:t>(</a:t>
+            </a:r>
+          </a:p>
+          <a:p>
+            <a:pPr marL="0" indent="0">
+              <a:buNone/>
+            </a:pPr>
+            <a:r>
+              <a:rPr lang="en-GB" sz="1300" dirty="0">
+                <a:latin typeface="Consolas" panose="020B0609020204030204" pitchFamily="49" charset="0"/>
+                <a:cs typeface="Consolas" panose="020B0609020204030204" pitchFamily="49" charset="0"/>
+              </a:rPr>
+              <a:t>	List&lt;Student&gt; students, </a:t>
+            </a:r>
+            <a:r>
+              <a:rPr lang="en-GB" sz="1300" dirty="0" err="1">
+                <a:latin typeface="Consolas" panose="020B0609020204030204" pitchFamily="49" charset="0"/>
+                <a:cs typeface="Consolas" panose="020B0609020204030204" pitchFamily="49" charset="0"/>
+              </a:rPr>
+              <a:t>StudentPredicate</a:t>
+            </a:r>
+            <a:r>
+              <a:rPr lang="en-GB" sz="1300" dirty="0">
+                <a:latin typeface="Consolas" panose="020B0609020204030204" pitchFamily="49" charset="0"/>
+                <a:cs typeface="Consolas" panose="020B0609020204030204" pitchFamily="49" charset="0"/>
+              </a:rPr>
+              <a:t> tester) {</a:t>
+            </a:r>
+          </a:p>
+          <a:p>
+            <a:pPr marL="0" indent="0">
+              <a:buNone/>
+            </a:pPr>
+            <a:r>
+              <a:rPr lang="en-GB" sz="1300" dirty="0">
+                <a:latin typeface="Consolas" panose="020B0609020204030204" pitchFamily="49" charset="0"/>
+                <a:cs typeface="Consolas" panose="020B0609020204030204" pitchFamily="49" charset="0"/>
+              </a:rPr>
+              <a:t>        List&lt;Student&gt; result = new </a:t>
+            </a:r>
+            <a:r>
+              <a:rPr lang="en-GB" sz="1300" dirty="0" err="1">
+                <a:latin typeface="Consolas" panose="020B0609020204030204" pitchFamily="49" charset="0"/>
+                <a:cs typeface="Consolas" panose="020B0609020204030204" pitchFamily="49" charset="0"/>
+              </a:rPr>
+              <a:t>ArrayList</a:t>
+            </a:r>
+            <a:r>
+              <a:rPr lang="en-GB" sz="1300" dirty="0">
+                <a:latin typeface="Consolas" panose="020B0609020204030204" pitchFamily="49" charset="0"/>
+                <a:cs typeface="Consolas" panose="020B0609020204030204" pitchFamily="49" charset="0"/>
+              </a:rPr>
+              <a:t>&lt;&gt;();</a:t>
+            </a:r>
+          </a:p>
+          <a:p>
+            <a:pPr marL="0" indent="0">
+              <a:buNone/>
+            </a:pPr>
+            <a:r>
+              <a:rPr lang="en-GB" sz="1300" dirty="0">
+                <a:latin typeface="Consolas" panose="020B0609020204030204" pitchFamily="49" charset="0"/>
+                <a:cs typeface="Consolas" panose="020B0609020204030204" pitchFamily="49" charset="0"/>
+              </a:rPr>
+              <a:t>        for (Student s : students) {</a:t>
+            </a:r>
+          </a:p>
+          <a:p>
+            <a:pPr marL="0" indent="0">
+              <a:buNone/>
+            </a:pPr>
+            <a:r>
+              <a:rPr lang="en-GB" sz="1300" dirty="0">
+                <a:latin typeface="Consolas" panose="020B0609020204030204" pitchFamily="49" charset="0"/>
+                <a:cs typeface="Consolas" panose="020B0609020204030204" pitchFamily="49" charset="0"/>
+              </a:rPr>
+              <a:t>            if (</a:t>
+            </a:r>
+            <a:r>
+              <a:rPr lang="en-GB" sz="1300" dirty="0" err="1">
+                <a:latin typeface="Consolas" panose="020B0609020204030204" pitchFamily="49" charset="0"/>
+                <a:cs typeface="Consolas" panose="020B0609020204030204" pitchFamily="49" charset="0"/>
+              </a:rPr>
+              <a:t>tester.test</a:t>
+            </a:r>
+            <a:r>
+              <a:rPr lang="en-GB" sz="1300" dirty="0">
+                <a:latin typeface="Consolas" panose="020B0609020204030204" pitchFamily="49" charset="0"/>
+                <a:cs typeface="Consolas" panose="020B0609020204030204" pitchFamily="49" charset="0"/>
+              </a:rPr>
+              <a:t>(s)) {</a:t>
+            </a:r>
+          </a:p>
+          <a:p>
+            <a:pPr marL="0" indent="0">
+              <a:buNone/>
+            </a:pPr>
+            <a:r>
+              <a:rPr lang="en-GB" sz="1300" dirty="0">
+                <a:latin typeface="Consolas" panose="020B0609020204030204" pitchFamily="49" charset="0"/>
+                <a:cs typeface="Consolas" panose="020B0609020204030204" pitchFamily="49" charset="0"/>
+              </a:rPr>
+              <a:t>                </a:t>
+            </a:r>
+            <a:r>
+              <a:rPr lang="en-GB" sz="1300" dirty="0" err="1">
+                <a:latin typeface="Consolas" panose="020B0609020204030204" pitchFamily="49" charset="0"/>
+                <a:cs typeface="Consolas" panose="020B0609020204030204" pitchFamily="49" charset="0"/>
+              </a:rPr>
+              <a:t>result.add</a:t>
+            </a:r>
+            <a:r>
+              <a:rPr lang="en-GB" sz="1300" dirty="0">
+                <a:latin typeface="Consolas" panose="020B0609020204030204" pitchFamily="49" charset="0"/>
+                <a:cs typeface="Consolas" panose="020B0609020204030204" pitchFamily="49" charset="0"/>
+              </a:rPr>
+              <a:t>(s);</a:t>
+            </a:r>
+          </a:p>
+          <a:p>
+            <a:pPr marL="0" indent="0">
+              <a:buNone/>
+            </a:pPr>
+            <a:r>
+              <a:rPr lang="en-GB" sz="1300" dirty="0">
+                <a:latin typeface="Consolas" panose="020B0609020204030204" pitchFamily="49" charset="0"/>
+                <a:cs typeface="Consolas" panose="020B0609020204030204" pitchFamily="49" charset="0"/>
+              </a:rPr>
+              <a:t>            }</a:t>
+            </a:r>
+          </a:p>
+          <a:p>
+            <a:pPr marL="0" indent="0">
+              <a:buNone/>
+            </a:pPr>
+            <a:r>
+              <a:rPr lang="en-GB" sz="1300" dirty="0">
+                <a:latin typeface="Consolas" panose="020B0609020204030204" pitchFamily="49" charset="0"/>
+                <a:cs typeface="Consolas" panose="020B0609020204030204" pitchFamily="49" charset="0"/>
+              </a:rPr>
+              <a:t>        }</a:t>
+            </a:r>
+          </a:p>
+          <a:p>
+            <a:pPr marL="0" indent="0">
+              <a:buNone/>
+            </a:pPr>
+            <a:r>
+              <a:rPr lang="en-GB" sz="1300" dirty="0">
+                <a:latin typeface="Consolas" panose="020B0609020204030204" pitchFamily="49" charset="0"/>
+                <a:cs typeface="Consolas" panose="020B0609020204030204" pitchFamily="49" charset="0"/>
+              </a:rPr>
+              <a:t>        return result;</a:t>
+            </a:r>
+          </a:p>
+          <a:p>
+            <a:pPr marL="0" indent="0">
+              <a:buNone/>
+            </a:pPr>
+            <a:r>
+              <a:rPr lang="en-GB" sz="1300" dirty="0">
+                <a:latin typeface="Consolas" panose="020B0609020204030204" pitchFamily="49" charset="0"/>
+                <a:cs typeface="Consolas" panose="020B0609020204030204" pitchFamily="49" charset="0"/>
+              </a:rPr>
+              <a:t>}</a:t>
+            </a:r>
+          </a:p>
+          <a:p>
+            <a:pPr marL="0" indent="0">
+              <a:buNone/>
+            </a:pPr>
+            <a:endParaRPr lang="en-GB" sz="1300" dirty="0">
               <a:latin typeface="Consolas" panose="020B0609020204030204" pitchFamily="49" charset="0"/>
               <a:cs typeface="Consolas" panose="020B0609020204030204" pitchFamily="49" charset="0"/>
             </a:endParaRPr>
@@ -6435,49 +6847,7 @@
               <a:buNone/>
             </a:pPr>
             <a:r>
-              <a:rPr lang="en-GB" sz="1600" dirty="0"/>
-              <a:t>After (with lambda expressions):</a:t>
-            </a:r>
-          </a:p>
-          <a:p>
-            <a:pPr marL="0" indent="0">
-              <a:buNone/>
-            </a:pPr>
-            <a:r>
-              <a:rPr lang="en-GB" sz="1600" dirty="0">
-                <a:latin typeface="Consolas" panose="020B0609020204030204" pitchFamily="49" charset="0"/>
-                <a:cs typeface="Consolas" panose="020B0609020204030204" pitchFamily="49" charset="0"/>
-              </a:rPr>
-              <a:t>Comparator&lt;Apple&gt; </a:t>
-            </a:r>
-            <a:r>
-              <a:rPr lang="en-GB" sz="1600" dirty="0" err="1">
-                <a:latin typeface="Consolas" panose="020B0609020204030204" pitchFamily="49" charset="0"/>
-                <a:cs typeface="Consolas" panose="020B0609020204030204" pitchFamily="49" charset="0"/>
-              </a:rPr>
-              <a:t>byWeight</a:t>
-            </a:r>
-            <a:r>
-              <a:rPr lang="en-GB" sz="1600" dirty="0">
-                <a:latin typeface="Consolas" panose="020B0609020204030204" pitchFamily="49" charset="0"/>
-                <a:cs typeface="Consolas" panose="020B0609020204030204" pitchFamily="49" charset="0"/>
-              </a:rPr>
-              <a:t> =</a:t>
-            </a:r>
-          </a:p>
-          <a:p>
-            <a:pPr marL="0" indent="0">
-              <a:buNone/>
-            </a:pPr>
-            <a:r>
-              <a:rPr lang="en-GB" sz="1600" dirty="0">
-                <a:latin typeface="Consolas" panose="020B0609020204030204" pitchFamily="49" charset="0"/>
-                <a:cs typeface="Consolas" panose="020B0609020204030204" pitchFamily="49" charset="0"/>
-              </a:rPr>
-              <a:t>    </a:t>
-            </a:r>
-            <a:r>
-              <a:rPr lang="en-GB" sz="1600" dirty="0">
+              <a:rPr lang="en-GB" sz="1300" dirty="0">
                 <a:solidFill>
                   <a:schemeClr val="accent6">
                     <a:lumMod val="75000"/>
@@ -6486,10 +6856,10 @@
                 <a:latin typeface="Consolas" panose="020B0609020204030204" pitchFamily="49" charset="0"/>
                 <a:cs typeface="Consolas" panose="020B0609020204030204" pitchFamily="49" charset="0"/>
               </a:rPr>
-              <a:t>(Apple a1, Apple a2) -&gt; a1.getWeight().</a:t>
-            </a:r>
-            <a:r>
-              <a:rPr lang="en-GB" sz="1600" dirty="0" err="1">
+              <a:t>result = </a:t>
+            </a:r>
+            <a:r>
+              <a:rPr lang="en-GB" sz="1300" dirty="0" err="1">
                 <a:solidFill>
                   <a:schemeClr val="accent6">
                     <a:lumMod val="75000"/>
@@ -6498,10 +6868,10 @@
                 <a:latin typeface="Consolas" panose="020B0609020204030204" pitchFamily="49" charset="0"/>
                 <a:cs typeface="Consolas" panose="020B0609020204030204" pitchFamily="49" charset="0"/>
               </a:rPr>
-              <a:t>compareTo</a:t>
-            </a:r>
-            <a:r>
-              <a:rPr lang="en-GB" sz="1600" dirty="0">
+              <a:t>filterStudents</a:t>
+            </a:r>
+            <a:r>
+              <a:rPr lang="en-GB" sz="1300" dirty="0">
                 <a:solidFill>
                   <a:schemeClr val="accent6">
                     <a:lumMod val="75000"/>
@@ -6510,15 +6880,118 @@
                 <a:latin typeface="Consolas" panose="020B0609020204030204" pitchFamily="49" charset="0"/>
                 <a:cs typeface="Consolas" panose="020B0609020204030204" pitchFamily="49" charset="0"/>
               </a:rPr>
-              <a:t>(a2.getWeight());</a:t>
-            </a:r>
+              <a:t>(</a:t>
+            </a:r>
+          </a:p>
+          <a:p>
+            <a:pPr marL="0" indent="0">
+              <a:buNone/>
+            </a:pPr>
+            <a:r>
+              <a:rPr lang="en-GB" sz="1300" dirty="0">
+                <a:solidFill>
+                  <a:schemeClr val="accent6">
+                    <a:lumMod val="75000"/>
+                  </a:schemeClr>
+                </a:solidFill>
+                <a:latin typeface="Consolas" panose="020B0609020204030204" pitchFamily="49" charset="0"/>
+                <a:cs typeface="Consolas" panose="020B0609020204030204" pitchFamily="49" charset="0"/>
+              </a:rPr>
+              <a:t>	students, </a:t>
+            </a:r>
+          </a:p>
+          <a:p>
+            <a:pPr marL="0" indent="0">
+              <a:buNone/>
+            </a:pPr>
+            <a:r>
+              <a:rPr lang="en-GB" sz="1300" dirty="0">
+                <a:solidFill>
+                  <a:schemeClr val="accent6">
+                    <a:lumMod val="75000"/>
+                  </a:schemeClr>
+                </a:solidFill>
+                <a:latin typeface="Consolas" panose="020B0609020204030204" pitchFamily="49" charset="0"/>
+                <a:cs typeface="Consolas" panose="020B0609020204030204" pitchFamily="49" charset="0"/>
+              </a:rPr>
+              <a:t>	(Student s) -&gt; </a:t>
+            </a:r>
+            <a:r>
+              <a:rPr lang="en-GB" sz="1300" dirty="0" err="1">
+                <a:solidFill>
+                  <a:schemeClr val="accent6">
+                    <a:lumMod val="75000"/>
+                  </a:schemeClr>
+                </a:solidFill>
+                <a:latin typeface="Consolas" panose="020B0609020204030204" pitchFamily="49" charset="0"/>
+                <a:cs typeface="Consolas" panose="020B0609020204030204" pitchFamily="49" charset="0"/>
+              </a:rPr>
+              <a:t>s.getAverage</a:t>
+            </a:r>
+            <a:r>
+              <a:rPr lang="en-GB" sz="1300" dirty="0">
+                <a:solidFill>
+                  <a:schemeClr val="accent6">
+                    <a:lumMod val="75000"/>
+                  </a:schemeClr>
+                </a:solidFill>
+                <a:latin typeface="Consolas" panose="020B0609020204030204" pitchFamily="49" charset="0"/>
+                <a:cs typeface="Consolas" panose="020B0609020204030204" pitchFamily="49" charset="0"/>
+              </a:rPr>
+              <a:t>() &gt;= 20 &amp;&amp; </a:t>
+            </a:r>
+            <a:r>
+              <a:rPr lang="en-GB" sz="1300" dirty="0" err="1">
+                <a:solidFill>
+                  <a:schemeClr val="accent6">
+                    <a:lumMod val="75000"/>
+                  </a:schemeClr>
+                </a:solidFill>
+                <a:latin typeface="Consolas" panose="020B0609020204030204" pitchFamily="49" charset="0"/>
+                <a:cs typeface="Consolas" panose="020B0609020204030204" pitchFamily="49" charset="0"/>
+              </a:rPr>
+              <a:t>s.getAverage</a:t>
+            </a:r>
+            <a:r>
+              <a:rPr lang="en-GB" sz="1300" dirty="0">
+                <a:solidFill>
+                  <a:schemeClr val="accent6">
+                    <a:lumMod val="75000"/>
+                  </a:schemeClr>
+                </a:solidFill>
+                <a:latin typeface="Consolas" panose="020B0609020204030204" pitchFamily="49" charset="0"/>
+                <a:cs typeface="Consolas" panose="020B0609020204030204" pitchFamily="49" charset="0"/>
+              </a:rPr>
+              <a:t>() &lt;= 24);</a:t>
+            </a:r>
+          </a:p>
+          <a:p>
+            <a:pPr marL="0" indent="0">
+              <a:buNone/>
+            </a:pPr>
+            <a:r>
+              <a:rPr lang="en-GB" sz="1300" dirty="0">
+                <a:solidFill>
+                  <a:schemeClr val="accent6">
+                    <a:lumMod val="75000"/>
+                  </a:schemeClr>
+                </a:solidFill>
+                <a:latin typeface="Consolas" panose="020B0609020204030204" pitchFamily="49" charset="0"/>
+                <a:cs typeface="Consolas" panose="020B0609020204030204" pitchFamily="49" charset="0"/>
+              </a:rPr>
+              <a:t> </a:t>
+            </a:r>
+            <a:endParaRPr lang="en-IT" sz="1300" dirty="0">
+              <a:latin typeface="Consolas" panose="020B0609020204030204" pitchFamily="49" charset="0"/>
+              <a:cs typeface="Consolas" panose="020B0609020204030204" pitchFamily="49" charset="0"/>
+            </a:endParaRPr>
           </a:p>
         </p:txBody>
       </p:sp>
     </p:spTree>
     <p:extLst>
       <p:ext uri="{BB962C8B-B14F-4D97-AF65-F5344CB8AC3E}">
-        <p14:creationId xmlns:p14="http://schemas.microsoft.com/office/powerpoint/2010/main" val="794634531"/>
+        <p14:creationId xmlns:p14="http://schemas.microsoft.com/office/powerpoint/2010/main" val="2720311069"/>
       </p:ext>
     </p:extLst>
   </p:cSld>
@@ -6564,13 +7037,13 @@
         <p:spPr/>
         <p:txBody>
           <a:bodyPr>
-            <a:normAutofit/>
+            <a:noAutofit/>
           </a:bodyPr>
           <a:lstStyle/>
           <a:p>
             <a:r>
-              <a:rPr lang="en-IT" dirty="0"/>
-              <a:t>Lambda expressions. Much better!</a:t>
+              <a:rPr lang="en-IT" sz="3400" dirty="0"/>
+              <a:t>Lambda expressions and Generics. Pro level!</a:t>
             </a:r>
           </a:p>
         </p:txBody>
@@ -6606,47 +7079,33 @@
                 <a:latin typeface="Consolas" panose="020B0609020204030204" pitchFamily="49" charset="0"/>
                 <a:cs typeface="Consolas" panose="020B0609020204030204" pitchFamily="49" charset="0"/>
               </a:rPr>
-              <a:t>interface </a:t>
+              <a:t>interface Predicate&lt;T&gt; {</a:t>
+            </a:r>
+          </a:p>
+          <a:p>
+            <a:pPr marL="0" indent="0">
+              <a:buNone/>
+            </a:pPr>
+            <a:r>
+              <a:rPr lang="en-GB" sz="1300" dirty="0">
+                <a:latin typeface="Consolas" panose="020B0609020204030204" pitchFamily="49" charset="0"/>
+                <a:cs typeface="Consolas" panose="020B0609020204030204" pitchFamily="49" charset="0"/>
+              </a:rPr>
+              <a:t>    </a:t>
             </a:r>
             <a:r>
               <a:rPr lang="en-GB" sz="1300" dirty="0" err="1">
                 <a:latin typeface="Consolas" panose="020B0609020204030204" pitchFamily="49" charset="0"/>
                 <a:cs typeface="Consolas" panose="020B0609020204030204" pitchFamily="49" charset="0"/>
               </a:rPr>
-              <a:t>StudentPredicate</a:t>
+              <a:t>boolean</a:t>
             </a:r>
             <a:r>
               <a:rPr lang="en-GB" sz="1300" dirty="0">
                 <a:latin typeface="Consolas" panose="020B0609020204030204" pitchFamily="49" charset="0"/>
                 <a:cs typeface="Consolas" panose="020B0609020204030204" pitchFamily="49" charset="0"/>
               </a:rPr>
-              <a:t> {</a:t>
-            </a:r>
-          </a:p>
-          <a:p>
-            <a:pPr marL="0" indent="0">
-              <a:buNone/>
-            </a:pPr>
-            <a:r>
-              <a:rPr lang="en-GB" sz="1300" dirty="0">
-                <a:latin typeface="Consolas" panose="020B0609020204030204" pitchFamily="49" charset="0"/>
-                <a:cs typeface="Consolas" panose="020B0609020204030204" pitchFamily="49" charset="0"/>
-              </a:rPr>
-              <a:t>    </a:t>
-            </a:r>
-            <a:r>
-              <a:rPr lang="en-GB" sz="1300" dirty="0" err="1">
-                <a:latin typeface="Consolas" panose="020B0609020204030204" pitchFamily="49" charset="0"/>
-                <a:cs typeface="Consolas" panose="020B0609020204030204" pitchFamily="49" charset="0"/>
-              </a:rPr>
-              <a:t>boolean</a:t>
-            </a:r>
-            <a:r>
-              <a:rPr lang="en-GB" sz="1300" dirty="0">
-                <a:latin typeface="Consolas" panose="020B0609020204030204" pitchFamily="49" charset="0"/>
-                <a:cs typeface="Consolas" panose="020B0609020204030204" pitchFamily="49" charset="0"/>
-              </a:rPr>
-              <a:t> test(Student p);</a:t>
+              <a:t> test(T t);</a:t>
             </a:r>
           </a:p>
           <a:p>
@@ -6679,21 +7138,33 @@
                 <a:latin typeface="Consolas" panose="020B0609020204030204" pitchFamily="49" charset="0"/>
                 <a:cs typeface="Consolas" panose="020B0609020204030204" pitchFamily="49" charset="0"/>
               </a:rPr>
-              <a:t>public static List&lt;Student&gt; </a:t>
+              <a:t>public static &lt;T&gt; List&lt;T&gt; filter(List&lt;T&gt; l, Predicate&lt;T&gt; tester) {</a:t>
+            </a:r>
+          </a:p>
+          <a:p>
+            <a:pPr marL="0" indent="0">
+              <a:buNone/>
+            </a:pPr>
+            <a:r>
+              <a:rPr lang="en-GB" sz="1300" dirty="0">
+                <a:latin typeface="Consolas" panose="020B0609020204030204" pitchFamily="49" charset="0"/>
+                <a:cs typeface="Consolas" panose="020B0609020204030204" pitchFamily="49" charset="0"/>
+              </a:rPr>
+              <a:t>        List&lt;T&gt; result = new </a:t>
             </a:r>
             <a:r>
               <a:rPr lang="en-GB" sz="1300" dirty="0" err="1">
                 <a:latin typeface="Consolas" panose="020B0609020204030204" pitchFamily="49" charset="0"/>
                 <a:cs typeface="Consolas" panose="020B0609020204030204" pitchFamily="49" charset="0"/>
               </a:rPr>
-              <a:t>filterStudents</a:t>
+              <a:t>ArrayList</a:t>
             </a:r>
             <a:r>
               <a:rPr lang="en-GB" sz="1300" dirty="0">
                 <a:latin typeface="Consolas" panose="020B0609020204030204" pitchFamily="49" charset="0"/>
                 <a:cs typeface="Consolas" panose="020B0609020204030204" pitchFamily="49" charset="0"/>
               </a:rPr>
-              <a:t>(</a:t>
+              <a:t>&lt;&gt;();</a:t>
             </a:r>
           </a:p>
           <a:p>
@@ -6705,21 +7176,33 @@
                 <a:latin typeface="Consolas" panose="020B0609020204030204" pitchFamily="49" charset="0"/>
                 <a:cs typeface="Consolas" panose="020B0609020204030204" pitchFamily="49" charset="0"/>
               </a:rPr>
-              <a:t>	List&lt;Student&gt; students, </a:t>
+              <a:t>        for (T element : l) {</a:t>
+            </a:r>
+          </a:p>
+          <a:p>
+            <a:pPr marL="0" indent="0">
+              <a:buNone/>
+            </a:pPr>
+            <a:r>
+              <a:rPr lang="en-GB" sz="1300" dirty="0">
+                <a:latin typeface="Consolas" panose="020B0609020204030204" pitchFamily="49" charset="0"/>
+                <a:cs typeface="Consolas" panose="020B0609020204030204" pitchFamily="49" charset="0"/>
+              </a:rPr>
+              <a:t>            if (</a:t>
             </a:r>
             <a:r>
               <a:rPr lang="en-GB" sz="1300" dirty="0" err="1">
                 <a:latin typeface="Consolas" panose="020B0609020204030204" pitchFamily="49" charset="0"/>
                 <a:cs typeface="Consolas" panose="020B0609020204030204" pitchFamily="49" charset="0"/>
               </a:rPr>
-              <a:t>StudentPredicate</a:t>
+              <a:t>tester.test</a:t>
             </a:r>
             <a:r>
               <a:rPr lang="en-GB" sz="1300" dirty="0">
                 <a:latin typeface="Consolas" panose="020B0609020204030204" pitchFamily="49" charset="0"/>
                 <a:cs typeface="Consolas" panose="020B0609020204030204" pitchFamily="49" charset="0"/>
               </a:rPr>
-              <a:t> tester) {</a:t>
+              <a:t>(element)) {</a:t>
             </a:r>
           </a:p>
           <a:p>
@@ -6731,85 +7214,21 @@
                 <a:latin typeface="Consolas" panose="020B0609020204030204" pitchFamily="49" charset="0"/>
                 <a:cs typeface="Consolas" panose="020B0609020204030204" pitchFamily="49" charset="0"/>
               </a:rPr>
-              <a:t>        List&lt;Student&gt; result = new </a:t>
+              <a:t>                </a:t>
             </a:r>
             <a:r>
               <a:rPr lang="en-GB" sz="1300" dirty="0" err="1">
                 <a:latin typeface="Consolas" panose="020B0609020204030204" pitchFamily="49" charset="0"/>
                 <a:cs typeface="Consolas" panose="020B0609020204030204" pitchFamily="49" charset="0"/>
               </a:rPr>
-              <a:t>ArrayList</a:t>
+              <a:t>result.add</a:t>
             </a:r>
             <a:r>
               <a:rPr lang="en-GB" sz="1300" dirty="0">
                 <a:latin typeface="Consolas" panose="020B0609020204030204" pitchFamily="49" charset="0"/>
                 <a:cs typeface="Consolas" panose="020B0609020204030204" pitchFamily="49" charset="0"/>
               </a:rPr>
-              <a:t>&lt;&gt;();</a:t>
-            </a:r>
-          </a:p>
-          <a:p>
-            <a:pPr marL="0" indent="0">
-              <a:buNone/>
-            </a:pPr>
-            <a:r>
-              <a:rPr lang="en-GB" sz="1300" dirty="0">
-                <a:latin typeface="Consolas" panose="020B0609020204030204" pitchFamily="49" charset="0"/>
-                <a:cs typeface="Consolas" panose="020B0609020204030204" pitchFamily="49" charset="0"/>
-              </a:rPr>
-              <a:t>        for (Student s : students) {</a:t>
-            </a:r>
-          </a:p>
-          <a:p>
-            <a:pPr marL="0" indent="0">
-              <a:buNone/>
-            </a:pPr>
-            <a:r>
-              <a:rPr lang="en-GB" sz="1300" dirty="0">
-                <a:latin typeface="Consolas" panose="020B0609020204030204" pitchFamily="49" charset="0"/>
-                <a:cs typeface="Consolas" panose="020B0609020204030204" pitchFamily="49" charset="0"/>
-              </a:rPr>
-              <a:t>            if (</a:t>
-            </a:r>
-            <a:r>
-              <a:rPr lang="en-GB" sz="1300" dirty="0" err="1">
-                <a:latin typeface="Consolas" panose="020B0609020204030204" pitchFamily="49" charset="0"/>
-                <a:cs typeface="Consolas" panose="020B0609020204030204" pitchFamily="49" charset="0"/>
-              </a:rPr>
-              <a:t>tester.test</a:t>
-            </a:r>
-            <a:r>
-              <a:rPr lang="en-GB" sz="1300" dirty="0">
-                <a:latin typeface="Consolas" panose="020B0609020204030204" pitchFamily="49" charset="0"/>
-                <a:cs typeface="Consolas" panose="020B0609020204030204" pitchFamily="49" charset="0"/>
-              </a:rPr>
-              <a:t>(s)) {</a:t>
-            </a:r>
-          </a:p>
-          <a:p>
-            <a:pPr marL="0" indent="0">
-              <a:buNone/>
-            </a:pPr>
-            <a:r>
-              <a:rPr lang="en-GB" sz="1300" dirty="0">
-                <a:latin typeface="Consolas" panose="020B0609020204030204" pitchFamily="49" charset="0"/>
-                <a:cs typeface="Consolas" panose="020B0609020204030204" pitchFamily="49" charset="0"/>
-              </a:rPr>
-              <a:t>                </a:t>
-            </a:r>
-            <a:r>
-              <a:rPr lang="en-GB" sz="1300" dirty="0" err="1">
-                <a:latin typeface="Consolas" panose="020B0609020204030204" pitchFamily="49" charset="0"/>
-                <a:cs typeface="Consolas" panose="020B0609020204030204" pitchFamily="49" charset="0"/>
-              </a:rPr>
-              <a:t>result.add</a:t>
-            </a:r>
-            <a:r>
-              <a:rPr lang="en-GB" sz="1300" dirty="0">
-                <a:latin typeface="Consolas" panose="020B0609020204030204" pitchFamily="49" charset="0"/>
-                <a:cs typeface="Consolas" panose="020B0609020204030204" pitchFamily="49" charset="0"/>
-              </a:rPr>
-              <a:t>(s);</a:t>
+              <a:t>(element);</a:t>
             </a:r>
           </a:p>
           <a:p>
@@ -6883,7 +7302,41 @@
                 <a:latin typeface="Consolas" panose="020B0609020204030204" pitchFamily="49" charset="0"/>
                 <a:cs typeface="Consolas" panose="020B0609020204030204" pitchFamily="49" charset="0"/>
               </a:rPr>
-              <a:t>result = </a:t>
+              <a:t>result = filter(</a:t>
+            </a:r>
+          </a:p>
+          <a:p>
+            <a:pPr marL="0" indent="0">
+              <a:buNone/>
+            </a:pPr>
+            <a:r>
+              <a:rPr lang="en-GB" sz="1300" dirty="0">
+                <a:solidFill>
+                  <a:schemeClr val="accent6">
+                    <a:lumMod val="75000"/>
+                  </a:schemeClr>
+                </a:solidFill>
+                <a:latin typeface="Consolas" panose="020B0609020204030204" pitchFamily="49" charset="0"/>
+                <a:cs typeface="Consolas" panose="020B0609020204030204" pitchFamily="49" charset="0"/>
+              </a:rPr>
+              <a:t>	students, </a:t>
+            </a:r>
+          </a:p>
+          <a:p>
+            <a:pPr marL="0" indent="0">
+              <a:buNone/>
+            </a:pPr>
+            <a:r>
+              <a:rPr lang="en-GB" sz="1300" dirty="0">
+                <a:solidFill>
+                  <a:schemeClr val="accent6">
+                    <a:lumMod val="75000"/>
+                  </a:schemeClr>
+                </a:solidFill>
+                <a:latin typeface="Consolas" panose="020B0609020204030204" pitchFamily="49" charset="0"/>
+                <a:cs typeface="Consolas" panose="020B0609020204030204" pitchFamily="49" charset="0"/>
+              </a:rPr>
+              <a:t>	(Student s) -&gt; </a:t>
             </a:r>
             <a:r>
               <a:rPr lang="en-GB" sz="1300" dirty="0" err="1">
@@ -6895,7 +7348,7 @@
                 <a:latin typeface="Consolas" panose="020B0609020204030204" pitchFamily="49" charset="0"/>
                 <a:cs typeface="Consolas" panose="020B0609020204030204" pitchFamily="49" charset="0"/>
               </a:rPr>
-              <a:t>filterStudents</a:t>
+              <a:t>s.getAverage</a:t>
             </a:r>
             <a:r>
               <a:rPr lang="en-GB" sz="1300" dirty="0">
@@ -6907,13 +7360,20 @@
                 <a:latin typeface="Consolas" panose="020B0609020204030204" pitchFamily="49" charset="0"/>
                 <a:cs typeface="Consolas" panose="020B0609020204030204" pitchFamily="49" charset="0"/>
               </a:rPr>
-              <a:t>(</a:t>
-            </a:r>
-          </a:p>
-          <a:p>
-            <a:pPr marL="0" indent="0">
-              <a:buNone/>
-            </a:pPr>
+              <a:t>() &gt;= 20 &amp;&amp; </a:t>
+            </a:r>
+            <a:r>
+              <a:rPr lang="en-GB" sz="1300" dirty="0" err="1">
+                <a:solidFill>
+                  <a:schemeClr val="accent6">
+                    <a:lumMod val="75000"/>
+                  </a:schemeClr>
+                </a:solidFill>
+                <a:latin typeface="Consolas" panose="020B0609020204030204" pitchFamily="49" charset="0"/>
+                <a:cs typeface="Consolas" panose="020B0609020204030204" pitchFamily="49" charset="0"/>
+              </a:rPr>
+              <a:t>s.getAverage</a:t>
+            </a:r>
             <a:r>
               <a:rPr lang="en-GB" sz="1300" dirty="0">
                 <a:solidFill>
@@ -6924,7 +7384,7 @@
                 <a:latin typeface="Consolas" panose="020B0609020204030204" pitchFamily="49" charset="0"/>
                 <a:cs typeface="Consolas" panose="020B0609020204030204" pitchFamily="49" charset="0"/>
               </a:rPr>
-              <a:t>	students, </a:t>
+              <a:t>() &lt;= 24);</a:t>
             </a:r>
           </a:p>
           <a:p>
@@ -6941,71 +7401,6 @@
                 <a:latin typeface="Consolas" panose="020B0609020204030204" pitchFamily="49" charset="0"/>
                 <a:cs typeface="Consolas" panose="020B0609020204030204" pitchFamily="49" charset="0"/>
               </a:rPr>
-              <a:t>	(Student s) -&gt; </a:t>
-            </a:r>
-            <a:r>
-              <a:rPr lang="en-GB" sz="1300" dirty="0" err="1">
-                <a:solidFill>
-                  <a:schemeClr val="accent6">
-                    <a:lumMod val="75000"/>
-                  </a:schemeClr>
-                </a:solidFill>
-                <a:latin typeface="Consolas" panose="020B0609020204030204" pitchFamily="49" charset="0"/>
-                <a:cs typeface="Consolas" panose="020B0609020204030204" pitchFamily="49" charset="0"/>
-              </a:rPr>
-              <a:t>s.getAverage</a:t>
-            </a:r>
-            <a:r>
-              <a:rPr lang="en-GB" sz="1300" dirty="0">
-                <a:solidFill>
-                  <a:schemeClr val="accent6">
-                    <a:lumMod val="75000"/>
-                  </a:schemeClr>
-                </a:solidFill>
-                <a:latin typeface="Consolas" panose="020B0609020204030204" pitchFamily="49" charset="0"/>
-                <a:cs typeface="Consolas" panose="020B0609020204030204" pitchFamily="49" charset="0"/>
-              </a:rPr>
-              <a:t>() &gt;= 20 &amp;&amp; </a:t>
-            </a:r>
-            <a:r>
-              <a:rPr lang="en-GB" sz="1300" dirty="0" err="1">
-                <a:solidFill>
-                  <a:schemeClr val="accent6">
-                    <a:lumMod val="75000"/>
-                  </a:schemeClr>
-                </a:solidFill>
-                <a:latin typeface="Consolas" panose="020B0609020204030204" pitchFamily="49" charset="0"/>
-                <a:cs typeface="Consolas" panose="020B0609020204030204" pitchFamily="49" charset="0"/>
-              </a:rPr>
-              <a:t>s.getAverage</a:t>
-            </a:r>
-            <a:r>
-              <a:rPr lang="en-GB" sz="1300" dirty="0">
-                <a:solidFill>
-                  <a:schemeClr val="accent6">
-                    <a:lumMod val="75000"/>
-                  </a:schemeClr>
-                </a:solidFill>
-                <a:latin typeface="Consolas" panose="020B0609020204030204" pitchFamily="49" charset="0"/>
-                <a:cs typeface="Consolas" panose="020B0609020204030204" pitchFamily="49" charset="0"/>
-              </a:rPr>
-              <a:t>() &lt;= 24);</a:t>
-            </a:r>
-          </a:p>
-          <a:p>
-            <a:pPr marL="0" indent="0">
-              <a:buNone/>
-            </a:pPr>
-            <a:r>
-              <a:rPr lang="en-GB" sz="1300" dirty="0">
-                <a:solidFill>
-                  <a:schemeClr val="accent6">
-                    <a:lumMod val="75000"/>
-                  </a:schemeClr>
-                </a:solidFill>
-                <a:latin typeface="Consolas" panose="020B0609020204030204" pitchFamily="49" charset="0"/>
-                <a:cs typeface="Consolas" panose="020B0609020204030204" pitchFamily="49" charset="0"/>
-              </a:rPr>
               <a:t> </a:t>
             </a:r>
             <a:endParaRPr lang="en-IT" sz="1300" dirty="0">
@@ -7018,7 +7413,7 @@
     </p:spTree>
     <p:extLst>
       <p:ext uri="{BB962C8B-B14F-4D97-AF65-F5344CB8AC3E}">
-        <p14:creationId xmlns:p14="http://schemas.microsoft.com/office/powerpoint/2010/main" val="2720311069"/>
+        <p14:creationId xmlns:p14="http://schemas.microsoft.com/office/powerpoint/2010/main" val="4151552440"/>
       </p:ext>
     </p:extLst>
   </p:cSld>
@@ -7063,384 +7458,49 @@
         </p:nvSpPr>
         <p:spPr/>
         <p:txBody>
-          <a:bodyPr>
-            <a:noAutofit/>
-          </a:bodyPr>
+          <a:bodyPr/>
           <a:lstStyle/>
           <a:p>
             <a:r>
-              <a:rPr lang="en-IT" sz="3400" dirty="0"/>
-              <a:t>Lambda expressions and Generics. Pro level!</a:t>
+              <a:rPr lang="en-IT" dirty="0"/>
+              <a:t>Behavior parametrization</a:t>
             </a:r>
           </a:p>
         </p:txBody>
       </p:sp>
-      <p:sp>
-        <p:nvSpPr>
-          <p:cNvPr id="3" name="Content Placeholder 2">
+      <p:pic>
+        <p:nvPicPr>
+          <p:cNvPr id="9" name="Content Placeholder 8">
             <a:extLst>
               <a:ext uri="{FF2B5EF4-FFF2-40B4-BE49-F238E27FC236}">
-                <a16:creationId xmlns:a16="http://schemas.microsoft.com/office/drawing/2014/main" id="{1A49958E-5E76-8143-9C7E-21CE777EE3C0}"/>
+                <a16:creationId xmlns:a16="http://schemas.microsoft.com/office/drawing/2014/main" id="{3FECBB1D-9585-2F47-94FD-57B36ACB8D7D}"/>
               </a:ext>
             </a:extLst>
           </p:cNvPr>
-          <p:cNvSpPr>
-            <a:spLocks noGrp="1"/>
-          </p:cNvSpPr>
+          <p:cNvPicPr>
+            <a:picLocks noGrp="1" noChangeAspect="1"/>
+          </p:cNvPicPr>
           <p:nvPr>
             <p:ph idx="1"/>
           </p:nvPr>
-        </p:nvSpPr>
-        <p:spPr/>
-        <p:txBody>
-          <a:bodyPr>
-            <a:noAutofit/>
-          </a:bodyPr>
-          <a:lstStyle/>
-          <a:p>
-            <a:pPr marL="0" indent="0">
-              <a:buNone/>
-            </a:pPr>
-            <a:r>
-              <a:rPr lang="en-GB" sz="1300" dirty="0">
-                <a:latin typeface="Consolas" panose="020B0609020204030204" pitchFamily="49" charset="0"/>
-                <a:cs typeface="Consolas" panose="020B0609020204030204" pitchFamily="49" charset="0"/>
-              </a:rPr>
-              <a:t>interface Predicate&lt;T&gt; {</a:t>
-            </a:r>
-          </a:p>
-          <a:p>
-            <a:pPr marL="0" indent="0">
-              <a:buNone/>
-            </a:pPr>
-            <a:r>
-              <a:rPr lang="en-GB" sz="1300" dirty="0">
-                <a:latin typeface="Consolas" panose="020B0609020204030204" pitchFamily="49" charset="0"/>
-                <a:cs typeface="Consolas" panose="020B0609020204030204" pitchFamily="49" charset="0"/>
-              </a:rPr>
-              <a:t>    </a:t>
-            </a:r>
-            <a:r>
-              <a:rPr lang="en-GB" sz="1300" dirty="0" err="1">
-                <a:latin typeface="Consolas" panose="020B0609020204030204" pitchFamily="49" charset="0"/>
-                <a:cs typeface="Consolas" panose="020B0609020204030204" pitchFamily="49" charset="0"/>
-              </a:rPr>
-              <a:t>boolean</a:t>
-            </a:r>
-            <a:r>
-              <a:rPr lang="en-GB" sz="1300" dirty="0">
-                <a:latin typeface="Consolas" panose="020B0609020204030204" pitchFamily="49" charset="0"/>
-                <a:cs typeface="Consolas" panose="020B0609020204030204" pitchFamily="49" charset="0"/>
-              </a:rPr>
-              <a:t> test(T t);</a:t>
-            </a:r>
-          </a:p>
-          <a:p>
-            <a:pPr marL="0" indent="0">
-              <a:buNone/>
-            </a:pPr>
-            <a:r>
-              <a:rPr lang="en-GB" sz="1300" dirty="0">
-                <a:latin typeface="Consolas" panose="020B0609020204030204" pitchFamily="49" charset="0"/>
-                <a:cs typeface="Consolas" panose="020B0609020204030204" pitchFamily="49" charset="0"/>
-              </a:rPr>
-              <a:t>}</a:t>
-            </a:r>
-          </a:p>
-          <a:p>
-            <a:pPr marL="0" indent="0">
-              <a:buNone/>
-            </a:pPr>
-            <a:endParaRPr lang="en-GB" sz="1300" dirty="0">
-              <a:latin typeface="Consolas" panose="020B0609020204030204" pitchFamily="49" charset="0"/>
-              <a:cs typeface="Consolas" panose="020B0609020204030204" pitchFamily="49" charset="0"/>
-            </a:endParaRPr>
-          </a:p>
-          <a:p>
-            <a:pPr marL="0" indent="0">
-              <a:buNone/>
-            </a:pPr>
-            <a:r>
-              <a:rPr lang="en-GB" sz="1300" dirty="0">
-                <a:latin typeface="Consolas" panose="020B0609020204030204" pitchFamily="49" charset="0"/>
-                <a:cs typeface="Consolas" panose="020B0609020204030204" pitchFamily="49" charset="0"/>
-              </a:rPr>
-              <a:t>public static &lt;T&gt; List&lt;T&gt; filter(List&lt;T&gt; l, Predicate&lt;T&gt; tester) {</a:t>
-            </a:r>
-          </a:p>
-          <a:p>
-            <a:pPr marL="0" indent="0">
-              <a:buNone/>
-            </a:pPr>
-            <a:r>
-              <a:rPr lang="en-GB" sz="1300" dirty="0">
-                <a:latin typeface="Consolas" panose="020B0609020204030204" pitchFamily="49" charset="0"/>
-                <a:cs typeface="Consolas" panose="020B0609020204030204" pitchFamily="49" charset="0"/>
-              </a:rPr>
-              <a:t>        List&lt;T&gt; result = new </a:t>
-            </a:r>
-            <a:r>
-              <a:rPr lang="en-GB" sz="1300" dirty="0" err="1">
-                <a:latin typeface="Consolas" panose="020B0609020204030204" pitchFamily="49" charset="0"/>
-                <a:cs typeface="Consolas" panose="020B0609020204030204" pitchFamily="49" charset="0"/>
-              </a:rPr>
-              <a:t>ArrayList</a:t>
-            </a:r>
-            <a:r>
-              <a:rPr lang="en-GB" sz="1300" dirty="0">
-                <a:latin typeface="Consolas" panose="020B0609020204030204" pitchFamily="49" charset="0"/>
-                <a:cs typeface="Consolas" panose="020B0609020204030204" pitchFamily="49" charset="0"/>
-              </a:rPr>
-              <a:t>&lt;&gt;();</a:t>
-            </a:r>
-          </a:p>
-          <a:p>
-            <a:pPr marL="0" indent="0">
-              <a:buNone/>
-            </a:pPr>
-            <a:r>
-              <a:rPr lang="en-GB" sz="1300" dirty="0">
-                <a:latin typeface="Consolas" panose="020B0609020204030204" pitchFamily="49" charset="0"/>
-                <a:cs typeface="Consolas" panose="020B0609020204030204" pitchFamily="49" charset="0"/>
-              </a:rPr>
-              <a:t>        for (T element : l) {</a:t>
-            </a:r>
-          </a:p>
-          <a:p>
-            <a:pPr marL="0" indent="0">
-              <a:buNone/>
-            </a:pPr>
-            <a:r>
-              <a:rPr lang="en-GB" sz="1300" dirty="0">
-                <a:latin typeface="Consolas" panose="020B0609020204030204" pitchFamily="49" charset="0"/>
-                <a:cs typeface="Consolas" panose="020B0609020204030204" pitchFamily="49" charset="0"/>
-              </a:rPr>
-              <a:t>            if (</a:t>
-            </a:r>
-            <a:r>
-              <a:rPr lang="en-GB" sz="1300" dirty="0" err="1">
-                <a:latin typeface="Consolas" panose="020B0609020204030204" pitchFamily="49" charset="0"/>
-                <a:cs typeface="Consolas" panose="020B0609020204030204" pitchFamily="49" charset="0"/>
-              </a:rPr>
-              <a:t>tester.test</a:t>
-            </a:r>
-            <a:r>
-              <a:rPr lang="en-GB" sz="1300" dirty="0">
-                <a:latin typeface="Consolas" panose="020B0609020204030204" pitchFamily="49" charset="0"/>
-                <a:cs typeface="Consolas" panose="020B0609020204030204" pitchFamily="49" charset="0"/>
-              </a:rPr>
-              <a:t>(element)) {</a:t>
-            </a:r>
-          </a:p>
-          <a:p>
-            <a:pPr marL="0" indent="0">
-              <a:buNone/>
-            </a:pPr>
-            <a:r>
-              <a:rPr lang="en-GB" sz="1300" dirty="0">
-                <a:latin typeface="Consolas" panose="020B0609020204030204" pitchFamily="49" charset="0"/>
-                <a:cs typeface="Consolas" panose="020B0609020204030204" pitchFamily="49" charset="0"/>
-              </a:rPr>
-              <a:t>                </a:t>
-            </a:r>
-            <a:r>
-              <a:rPr lang="en-GB" sz="1300" dirty="0" err="1">
-                <a:latin typeface="Consolas" panose="020B0609020204030204" pitchFamily="49" charset="0"/>
-                <a:cs typeface="Consolas" panose="020B0609020204030204" pitchFamily="49" charset="0"/>
-              </a:rPr>
-              <a:t>result.add</a:t>
-            </a:r>
-            <a:r>
-              <a:rPr lang="en-GB" sz="1300" dirty="0">
-                <a:latin typeface="Consolas" panose="020B0609020204030204" pitchFamily="49" charset="0"/>
-                <a:cs typeface="Consolas" panose="020B0609020204030204" pitchFamily="49" charset="0"/>
-              </a:rPr>
-              <a:t>(element);</a:t>
-            </a:r>
-          </a:p>
-          <a:p>
-            <a:pPr marL="0" indent="0">
-              <a:buNone/>
-            </a:pPr>
-            <a:r>
-              <a:rPr lang="en-GB" sz="1300" dirty="0">
-                <a:latin typeface="Consolas" panose="020B0609020204030204" pitchFamily="49" charset="0"/>
-                <a:cs typeface="Consolas" panose="020B0609020204030204" pitchFamily="49" charset="0"/>
-              </a:rPr>
-              <a:t>            }</a:t>
-            </a:r>
-          </a:p>
-          <a:p>
-            <a:pPr marL="0" indent="0">
-              <a:buNone/>
-            </a:pPr>
-            <a:r>
-              <a:rPr lang="en-GB" sz="1300" dirty="0">
-                <a:latin typeface="Consolas" panose="020B0609020204030204" pitchFamily="49" charset="0"/>
-                <a:cs typeface="Consolas" panose="020B0609020204030204" pitchFamily="49" charset="0"/>
-              </a:rPr>
-              <a:t>        }</a:t>
-            </a:r>
-          </a:p>
-          <a:p>
-            <a:pPr marL="0" indent="0">
-              <a:buNone/>
-            </a:pPr>
-            <a:r>
-              <a:rPr lang="en-GB" sz="1300" dirty="0">
-                <a:latin typeface="Consolas" panose="020B0609020204030204" pitchFamily="49" charset="0"/>
-                <a:cs typeface="Consolas" panose="020B0609020204030204" pitchFamily="49" charset="0"/>
-              </a:rPr>
-              <a:t>        return result;</a:t>
-            </a:r>
-          </a:p>
-          <a:p>
-            <a:pPr marL="0" indent="0">
-              <a:buNone/>
-            </a:pPr>
-            <a:r>
-              <a:rPr lang="en-GB" sz="1300" dirty="0">
-                <a:latin typeface="Consolas" panose="020B0609020204030204" pitchFamily="49" charset="0"/>
-                <a:cs typeface="Consolas" panose="020B0609020204030204" pitchFamily="49" charset="0"/>
-              </a:rPr>
-              <a:t>}</a:t>
-            </a:r>
-          </a:p>
-          <a:p>
-            <a:pPr marL="0" indent="0">
-              <a:buNone/>
-            </a:pPr>
-            <a:endParaRPr lang="en-GB" sz="1300" dirty="0">
-              <a:latin typeface="Consolas" panose="020B0609020204030204" pitchFamily="49" charset="0"/>
-              <a:cs typeface="Consolas" panose="020B0609020204030204" pitchFamily="49" charset="0"/>
-            </a:endParaRPr>
-          </a:p>
-          <a:p>
-            <a:pPr marL="0" indent="0">
-              <a:buNone/>
-            </a:pPr>
-            <a:r>
-              <a:rPr lang="en-GB" sz="1300" dirty="0">
-                <a:solidFill>
-                  <a:schemeClr val="accent6">
-                    <a:lumMod val="75000"/>
-                  </a:schemeClr>
-                </a:solidFill>
-                <a:latin typeface="Consolas" panose="020B0609020204030204" pitchFamily="49" charset="0"/>
-                <a:cs typeface="Consolas" panose="020B0609020204030204" pitchFamily="49" charset="0"/>
-              </a:rPr>
-              <a:t>result = filter(</a:t>
-            </a:r>
-          </a:p>
-          <a:p>
-            <a:pPr marL="0" indent="0">
-              <a:buNone/>
-            </a:pPr>
-            <a:r>
-              <a:rPr lang="en-GB" sz="1300" dirty="0">
-                <a:solidFill>
-                  <a:schemeClr val="accent6">
-                    <a:lumMod val="75000"/>
-                  </a:schemeClr>
-                </a:solidFill>
-                <a:latin typeface="Consolas" panose="020B0609020204030204" pitchFamily="49" charset="0"/>
-                <a:cs typeface="Consolas" panose="020B0609020204030204" pitchFamily="49" charset="0"/>
-              </a:rPr>
-              <a:t>	students, </a:t>
-            </a:r>
-          </a:p>
-          <a:p>
-            <a:pPr marL="0" indent="0">
-              <a:buNone/>
-            </a:pPr>
-            <a:r>
-              <a:rPr lang="en-GB" sz="1300" dirty="0">
-                <a:solidFill>
-                  <a:schemeClr val="accent6">
-                    <a:lumMod val="75000"/>
-                  </a:schemeClr>
-                </a:solidFill>
-                <a:latin typeface="Consolas" panose="020B0609020204030204" pitchFamily="49" charset="0"/>
-                <a:cs typeface="Consolas" panose="020B0609020204030204" pitchFamily="49" charset="0"/>
-              </a:rPr>
-              <a:t>	(Student s) -&gt; </a:t>
-            </a:r>
-            <a:r>
-              <a:rPr lang="en-GB" sz="1300" dirty="0" err="1">
-                <a:solidFill>
-                  <a:schemeClr val="accent6">
-                    <a:lumMod val="75000"/>
-                  </a:schemeClr>
-                </a:solidFill>
-                <a:latin typeface="Consolas" panose="020B0609020204030204" pitchFamily="49" charset="0"/>
-                <a:cs typeface="Consolas" panose="020B0609020204030204" pitchFamily="49" charset="0"/>
-              </a:rPr>
-              <a:t>s.getAverage</a:t>
-            </a:r>
-            <a:r>
-              <a:rPr lang="en-GB" sz="1300" dirty="0">
-                <a:solidFill>
-                  <a:schemeClr val="accent6">
-                    <a:lumMod val="75000"/>
-                  </a:schemeClr>
-                </a:solidFill>
-                <a:latin typeface="Consolas" panose="020B0609020204030204" pitchFamily="49" charset="0"/>
-                <a:cs typeface="Consolas" panose="020B0609020204030204" pitchFamily="49" charset="0"/>
-              </a:rPr>
-              <a:t>() &gt;= 20 &amp;&amp; </a:t>
-            </a:r>
-            <a:r>
-              <a:rPr lang="en-GB" sz="1300" dirty="0" err="1">
-                <a:solidFill>
-                  <a:schemeClr val="accent6">
-                    <a:lumMod val="75000"/>
-                  </a:schemeClr>
-                </a:solidFill>
-                <a:latin typeface="Consolas" panose="020B0609020204030204" pitchFamily="49" charset="0"/>
-                <a:cs typeface="Consolas" panose="020B0609020204030204" pitchFamily="49" charset="0"/>
-              </a:rPr>
-              <a:t>s.getAverage</a:t>
-            </a:r>
-            <a:r>
-              <a:rPr lang="en-GB" sz="1300" dirty="0">
-                <a:solidFill>
-                  <a:schemeClr val="accent6">
-                    <a:lumMod val="75000"/>
-                  </a:schemeClr>
-                </a:solidFill>
-                <a:latin typeface="Consolas" panose="020B0609020204030204" pitchFamily="49" charset="0"/>
-                <a:cs typeface="Consolas" panose="020B0609020204030204" pitchFamily="49" charset="0"/>
-              </a:rPr>
-              <a:t>() &lt;= 24);</a:t>
-            </a:r>
-          </a:p>
-          <a:p>
-            <a:pPr marL="0" indent="0">
-              <a:buNone/>
-            </a:pPr>
-            <a:r>
-              <a:rPr lang="en-GB" sz="1300" dirty="0">
-                <a:solidFill>
-                  <a:schemeClr val="accent6">
-                    <a:lumMod val="75000"/>
-                  </a:schemeClr>
-                </a:solidFill>
-                <a:latin typeface="Consolas" panose="020B0609020204030204" pitchFamily="49" charset="0"/>
-                <a:cs typeface="Consolas" panose="020B0609020204030204" pitchFamily="49" charset="0"/>
-              </a:rPr>
-              <a:t> </a:t>
-            </a:r>
-            <a:endParaRPr lang="en-IT" sz="1300" dirty="0">
-              <a:latin typeface="Consolas" panose="020B0609020204030204" pitchFamily="49" charset="0"/>
-              <a:cs typeface="Consolas" panose="020B0609020204030204" pitchFamily="49" charset="0"/>
-            </a:endParaRPr>
-          </a:p>
-        </p:txBody>
-      </p:sp>
+        </p:nvPicPr>
+        <p:blipFill>
+          <a:blip r:embed="rId2"/>
+          <a:stretch>
+            <a:fillRect/>
+          </a:stretch>
+        </p:blipFill>
+        <p:spPr>
+          <a:xfrm>
+            <a:off x="2183219" y="1515141"/>
+            <a:ext cx="7820396" cy="4411991"/>
+          </a:xfrm>
+        </p:spPr>
+      </p:pic>
     </p:spTree>
     <p:extLst>
       <p:ext uri="{BB962C8B-B14F-4D97-AF65-F5344CB8AC3E}">
-        <p14:creationId xmlns:p14="http://schemas.microsoft.com/office/powerpoint/2010/main" val="4151552440"/>
+        <p14:creationId xmlns:p14="http://schemas.microsoft.com/office/powerpoint/2010/main" val="2615110782"/>
       </p:ext>
     </p:extLst>
   </p:cSld>
@@ -7515,7 +7575,7 @@
         <p:spPr/>
         <p:txBody>
           <a:bodyPr>
-            <a:normAutofit fontScale="92500" lnSpcReduction="10000"/>
+            <a:normAutofit/>
           </a:bodyPr>
           <a:lstStyle/>
           <a:p>
@@ -7536,7 +7596,7 @@
             <a:pPr lvl="1"/>
             <a:r>
               <a:rPr lang="en-GB" dirty="0"/>
-              <a:t>OOP Principles (</a:t>
+              <a:t>Passing objects to functions (</a:t>
             </a:r>
             <a:r>
               <a:rPr lang="en-GB" i="1" dirty="0">
@@ -7555,45 +7615,23 @@
           </a:p>
           <a:p>
             <a:r>
-              <a:rPr lang="en-GB" dirty="0">
-                <a:solidFill>
-                  <a:schemeClr val="accent6">
-                    <a:lumMod val="75000"/>
-                  </a:schemeClr>
-                </a:solidFill>
-              </a:rPr>
+              <a:rPr lang="en-GB" dirty="0"/>
               <a:t>The </a:t>
             </a:r>
             <a:r>
-              <a:rPr lang="en-GB" i="1" dirty="0">
-                <a:solidFill>
-                  <a:schemeClr val="accent6">
-                    <a:lumMod val="75000"/>
-                  </a:schemeClr>
-                </a:solidFill>
-              </a:rPr>
+              <a:rPr lang="en-GB" i="1" dirty="0"/>
               <a:t>functional programming </a:t>
             </a:r>
             <a:r>
-              <a:rPr lang="en-GB" dirty="0">
-                <a:solidFill>
-                  <a:schemeClr val="accent6">
-                    <a:lumMod val="75000"/>
-                  </a:schemeClr>
-                </a:solidFill>
-              </a:rPr>
+              <a:rPr lang="en-GB" dirty="0"/>
               <a:t>paradigm describes a program by applying and composing functions. </a:t>
             </a:r>
+          </a:p>
+          <a:p>
+            <a:pPr lvl="1"/>
             <a:r>
               <a:rPr lang="en-GB" dirty="0"/>
-              <a:t>It is a declarative programming paradigm in which function definitions are trees of expressions that map values to other values.</a:t>
-            </a:r>
-          </a:p>
-          <a:p>
-            <a:pPr lvl="1"/>
-            <a:r>
-              <a:rPr lang="en-GB" dirty="0"/>
-              <a:t>Ability to pass functions (code) to other functions (</a:t>
+              <a:t>Passing functions to functions (</a:t>
             </a:r>
             <a:r>
               <a:rPr lang="en-GB" i="1" dirty="0">
@@ -7657,93 +7695,6 @@
       </p:grpSpPr>
       <p:sp>
         <p:nvSpPr>
-          <p:cNvPr id="8" name="Title 7">
-            <a:extLst>
-              <a:ext uri="{FF2B5EF4-FFF2-40B4-BE49-F238E27FC236}">
-                <a16:creationId xmlns:a16="http://schemas.microsoft.com/office/drawing/2014/main" id="{C3591F5A-6E00-B24C-A0BA-FAE00B31BFE7}"/>
-              </a:ext>
-            </a:extLst>
-          </p:cNvPr>
-          <p:cNvSpPr>
-            <a:spLocks noGrp="1"/>
-          </p:cNvSpPr>
-          <p:nvPr>
-            <p:ph type="title"/>
-          </p:nvPr>
-        </p:nvSpPr>
-        <p:spPr/>
-        <p:txBody>
-          <a:bodyPr/>
-          <a:lstStyle/>
-          <a:p>
-            <a:r>
-              <a:rPr lang="en-IT" dirty="0"/>
-              <a:t>Behavior parametrization</a:t>
-            </a:r>
-          </a:p>
-        </p:txBody>
-      </p:sp>
-      <p:pic>
-        <p:nvPicPr>
-          <p:cNvPr id="9" name="Content Placeholder 8">
-            <a:extLst>
-              <a:ext uri="{FF2B5EF4-FFF2-40B4-BE49-F238E27FC236}">
-                <a16:creationId xmlns:a16="http://schemas.microsoft.com/office/drawing/2014/main" id="{3FECBB1D-9585-2F47-94FD-57B36ACB8D7D}"/>
-              </a:ext>
-            </a:extLst>
-          </p:cNvPr>
-          <p:cNvPicPr>
-            <a:picLocks noGrp="1" noChangeAspect="1"/>
-          </p:cNvPicPr>
-          <p:nvPr>
-            <p:ph idx="1"/>
-          </p:nvPr>
-        </p:nvPicPr>
-        <p:blipFill>
-          <a:blip r:embed="rId2"/>
-          <a:stretch>
-            <a:fillRect/>
-          </a:stretch>
-        </p:blipFill>
-        <p:spPr>
-          <a:xfrm>
-            <a:off x="2183219" y="1515141"/>
-            <a:ext cx="7820396" cy="4411991"/>
-          </a:xfrm>
-        </p:spPr>
-      </p:pic>
-    </p:spTree>
-    <p:extLst>
-      <p:ext uri="{BB962C8B-B14F-4D97-AF65-F5344CB8AC3E}">
-        <p14:creationId xmlns:p14="http://schemas.microsoft.com/office/powerpoint/2010/main" val="2615110782"/>
-      </p:ext>
-    </p:extLst>
-  </p:cSld>
-  <p:clrMapOvr>
-    <a:masterClrMapping/>
-  </p:clrMapOvr>
-</p:sld>
-</file>
-
-<file path=ppt/slides/slide21.xml><?xml version="1.0" encoding="utf-8"?>
-<p:sld xmlns:a="http://schemas.openxmlformats.org/drawingml/2006/main" xmlns:r="http://schemas.openxmlformats.org/officeDocument/2006/relationships" xmlns:p="http://schemas.openxmlformats.org/presentationml/2006/main">
-  <p:cSld>
-    <p:spTree>
-      <p:nvGrpSpPr>
-        <p:cNvPr id="1" name=""/>
-        <p:cNvGrpSpPr/>
-        <p:nvPr/>
-      </p:nvGrpSpPr>
-      <p:grpSpPr>
-        <a:xfrm>
-          <a:off x="0" y="0"/>
-          <a:ext cx="0" cy="0"/>
-          <a:chOff x="0" y="0"/>
-          <a:chExt cx="0" cy="0"/>
-        </a:xfrm>
-      </p:grpSpPr>
-      <p:sp>
-        <p:nvSpPr>
           <p:cNvPr id="2" name="Titolo 1"/>
           <p:cNvSpPr>
             <a:spLocks noGrp="1"/>
@@ -7788,7 +7739,7 @@
 </p:sld>
 </file>
 
-<file path=ppt/slides/slide22.xml><?xml version="1.0" encoding="utf-8"?>
+<file path=ppt/slides/slide21.xml><?xml version="1.0" encoding="utf-8"?>
 <p:sld xmlns:a="http://schemas.openxmlformats.org/drawingml/2006/main" xmlns:r="http://schemas.openxmlformats.org/officeDocument/2006/relationships" xmlns:p="http://schemas.openxmlformats.org/presentationml/2006/main">
   <p:cSld>
     <p:spTree>
@@ -7858,7 +7809,13 @@
           <a:p>
             <a:r>
               <a:rPr lang="en-GB" sz="2800" dirty="0"/>
-              <a:t>What can you do with functional interfaces? Lambda expressions let you provide the implementation of the abstract method of a functional interface directly inline and </a:t>
+              <a:t>What can you do with functional interfaces? </a:t>
+            </a:r>
+          </a:p>
+          <a:p>
+            <a:r>
+              <a:rPr lang="en-GB" sz="2800" dirty="0"/>
+              <a:t>Lambda expressions let you provide the implementation of the abstract method of a functional interface directly inline and </a:t>
             </a:r>
             <a:r>
               <a:rPr lang="en-GB" sz="2800" i="1" dirty="0">
@@ -7901,343 +7858,7 @@
 </p:sld>
 </file>
 
-<file path=ppt/slides/slide23.xml><?xml version="1.0" encoding="utf-8"?>
-<p:sld xmlns:a="http://schemas.openxmlformats.org/drawingml/2006/main" xmlns:r="http://schemas.openxmlformats.org/officeDocument/2006/relationships" xmlns:p="http://schemas.openxmlformats.org/presentationml/2006/main">
-  <p:cSld>
-    <p:spTree>
-      <p:nvGrpSpPr>
-        <p:cNvPr id="1" name=""/>
-        <p:cNvGrpSpPr/>
-        <p:nvPr/>
-      </p:nvGrpSpPr>
-      <p:grpSpPr>
-        <a:xfrm>
-          <a:off x="0" y="0"/>
-          <a:ext cx="0" cy="0"/>
-          <a:chOff x="0" y="0"/>
-          <a:chExt cx="0" cy="0"/>
-        </a:xfrm>
-      </p:grpSpPr>
-      <p:sp>
-        <p:nvSpPr>
-          <p:cNvPr id="2" name="Title 1">
-            <a:extLst>
-              <a:ext uri="{FF2B5EF4-FFF2-40B4-BE49-F238E27FC236}">
-                <a16:creationId xmlns:a16="http://schemas.microsoft.com/office/drawing/2014/main" id="{D17B0A95-8375-1D42-801C-C0A28F84576B}"/>
-              </a:ext>
-            </a:extLst>
-          </p:cNvPr>
-          <p:cNvSpPr>
-            <a:spLocks noGrp="1"/>
-          </p:cNvSpPr>
-          <p:nvPr>
-            <p:ph type="title"/>
-          </p:nvPr>
-        </p:nvSpPr>
-        <p:spPr/>
-        <p:txBody>
-          <a:bodyPr/>
-          <a:lstStyle/>
-          <a:p>
-            <a:r>
-              <a:rPr lang="en-IT" dirty="0"/>
-              <a:t>An example: Runnable</a:t>
-            </a:r>
-          </a:p>
-        </p:txBody>
-      </p:sp>
-      <p:sp>
-        <p:nvSpPr>
-          <p:cNvPr id="3" name="Content Placeholder 2">
-            <a:extLst>
-              <a:ext uri="{FF2B5EF4-FFF2-40B4-BE49-F238E27FC236}">
-                <a16:creationId xmlns:a16="http://schemas.microsoft.com/office/drawing/2014/main" id="{2BAADF63-48A4-2849-B079-C9CA1EBD8AB6}"/>
-              </a:ext>
-            </a:extLst>
-          </p:cNvPr>
-          <p:cNvSpPr>
-            <a:spLocks noGrp="1"/>
-          </p:cNvSpPr>
-          <p:nvPr>
-            <p:ph idx="1"/>
-          </p:nvPr>
-        </p:nvSpPr>
-        <p:spPr/>
-        <p:txBody>
-          <a:bodyPr>
-            <a:noAutofit/>
-          </a:bodyPr>
-          <a:lstStyle/>
-          <a:p>
-            <a:pPr marL="0" indent="0">
-              <a:buNone/>
-            </a:pPr>
-            <a:r>
-              <a:rPr lang="en-GB" sz="1400" dirty="0">
-                <a:latin typeface="Consolas" panose="020B0609020204030204" pitchFamily="49" charset="0"/>
-                <a:cs typeface="Consolas" panose="020B0609020204030204" pitchFamily="49" charset="0"/>
-              </a:rPr>
-              <a:t>public static void process(Runnable r) { </a:t>
-            </a:r>
-          </a:p>
-          <a:p>
-            <a:pPr marL="0" indent="0">
-              <a:buNone/>
-            </a:pPr>
-            <a:r>
-              <a:rPr lang="en-GB" sz="1400" dirty="0">
-                <a:latin typeface="Consolas" panose="020B0609020204030204" pitchFamily="49" charset="0"/>
-                <a:cs typeface="Consolas" panose="020B0609020204030204" pitchFamily="49" charset="0"/>
-              </a:rPr>
-              <a:t>	</a:t>
-            </a:r>
-            <a:r>
-              <a:rPr lang="en-GB" sz="1400" dirty="0" err="1">
-                <a:latin typeface="Consolas" panose="020B0609020204030204" pitchFamily="49" charset="0"/>
-                <a:cs typeface="Consolas" panose="020B0609020204030204" pitchFamily="49" charset="0"/>
-              </a:rPr>
-              <a:t>r.run</a:t>
-            </a:r>
-            <a:r>
-              <a:rPr lang="en-GB" sz="1400" dirty="0">
-                <a:latin typeface="Consolas" panose="020B0609020204030204" pitchFamily="49" charset="0"/>
-                <a:cs typeface="Consolas" panose="020B0609020204030204" pitchFamily="49" charset="0"/>
-              </a:rPr>
-              <a:t>(); </a:t>
-            </a:r>
-          </a:p>
-          <a:p>
-            <a:pPr marL="0" indent="0">
-              <a:buNone/>
-            </a:pPr>
-            <a:r>
-              <a:rPr lang="en-GB" sz="1400" dirty="0">
-                <a:latin typeface="Consolas" panose="020B0609020204030204" pitchFamily="49" charset="0"/>
-                <a:cs typeface="Consolas" panose="020B0609020204030204" pitchFamily="49" charset="0"/>
-              </a:rPr>
-              <a:t>} </a:t>
-            </a:r>
-          </a:p>
-          <a:p>
-            <a:pPr marL="0" indent="0">
-              <a:buNone/>
-            </a:pPr>
-            <a:endParaRPr lang="en-GB" sz="1400" dirty="0">
-              <a:latin typeface="Consolas" panose="020B0609020204030204" pitchFamily="49" charset="0"/>
-              <a:cs typeface="Consolas" panose="020B0609020204030204" pitchFamily="49" charset="0"/>
-            </a:endParaRPr>
-          </a:p>
-          <a:p>
-            <a:pPr marL="0" indent="0">
-              <a:buNone/>
-            </a:pPr>
-            <a:r>
-              <a:rPr lang="en-GB" sz="1400" dirty="0">
-                <a:latin typeface="Consolas" panose="020B0609020204030204" pitchFamily="49" charset="0"/>
-                <a:cs typeface="Consolas" panose="020B0609020204030204" pitchFamily="49" charset="0"/>
-              </a:rPr>
-              <a:t>/* main method */</a:t>
-            </a:r>
-          </a:p>
-          <a:p>
-            <a:pPr marL="0" indent="0">
-              <a:buNone/>
-            </a:pPr>
-            <a:r>
-              <a:rPr lang="en-GB" sz="1400" dirty="0">
-                <a:latin typeface="Consolas" panose="020B0609020204030204" pitchFamily="49" charset="0"/>
-                <a:cs typeface="Consolas" panose="020B0609020204030204" pitchFamily="49" charset="0"/>
-              </a:rPr>
-              <a:t>Runnable r1 = new Runnable() { </a:t>
-            </a:r>
-          </a:p>
-          <a:p>
-            <a:pPr marL="0" indent="0">
-              <a:buNone/>
-            </a:pPr>
-            <a:r>
-              <a:rPr lang="en-GB" sz="1400" dirty="0">
-                <a:latin typeface="Consolas" panose="020B0609020204030204" pitchFamily="49" charset="0"/>
-                <a:cs typeface="Consolas" panose="020B0609020204030204" pitchFamily="49" charset="0"/>
-              </a:rPr>
-              <a:t>	public void run() { </a:t>
-            </a:r>
-          </a:p>
-          <a:p>
-            <a:pPr marL="0" indent="0">
-              <a:buNone/>
-            </a:pPr>
-            <a:r>
-              <a:rPr lang="en-GB" sz="1400" dirty="0">
-                <a:latin typeface="Consolas" panose="020B0609020204030204" pitchFamily="49" charset="0"/>
-                <a:cs typeface="Consolas" panose="020B0609020204030204" pitchFamily="49" charset="0"/>
-              </a:rPr>
-              <a:t>		</a:t>
-            </a:r>
-            <a:r>
-              <a:rPr lang="en-GB" sz="1400" dirty="0" err="1">
-                <a:latin typeface="Consolas" panose="020B0609020204030204" pitchFamily="49" charset="0"/>
-                <a:cs typeface="Consolas" panose="020B0609020204030204" pitchFamily="49" charset="0"/>
-              </a:rPr>
-              <a:t>System.out.println</a:t>
-            </a:r>
-            <a:r>
-              <a:rPr lang="en-GB" sz="1400" dirty="0">
-                <a:latin typeface="Consolas" panose="020B0609020204030204" pitchFamily="49" charset="0"/>
-                <a:cs typeface="Consolas" panose="020B0609020204030204" pitchFamily="49" charset="0"/>
-              </a:rPr>
-              <a:t>("Hello World 1"); </a:t>
-            </a:r>
-          </a:p>
-          <a:p>
-            <a:pPr marL="0" indent="0">
-              <a:buNone/>
-            </a:pPr>
-            <a:r>
-              <a:rPr lang="en-GB" sz="1400" dirty="0">
-                <a:latin typeface="Consolas" panose="020B0609020204030204" pitchFamily="49" charset="0"/>
-                <a:cs typeface="Consolas" panose="020B0609020204030204" pitchFamily="49" charset="0"/>
-              </a:rPr>
-              <a:t>	}};</a:t>
-            </a:r>
-          </a:p>
-          <a:p>
-            <a:pPr marL="0" indent="0">
-              <a:buNone/>
-            </a:pPr>
-            <a:endParaRPr lang="en-GB" sz="1400" dirty="0">
-              <a:latin typeface="Consolas" panose="020B0609020204030204" pitchFamily="49" charset="0"/>
-              <a:cs typeface="Consolas" panose="020B0609020204030204" pitchFamily="49" charset="0"/>
-            </a:endParaRPr>
-          </a:p>
-          <a:p>
-            <a:pPr marL="0" indent="0">
-              <a:buNone/>
-            </a:pPr>
-            <a:r>
-              <a:rPr lang="en-GB" sz="1400" dirty="0">
-                <a:latin typeface="Consolas" panose="020B0609020204030204" pitchFamily="49" charset="0"/>
-                <a:cs typeface="Consolas" panose="020B0609020204030204" pitchFamily="49" charset="0"/>
-              </a:rPr>
-              <a:t>Runnable r2 = () -&gt; </a:t>
-            </a:r>
-            <a:r>
-              <a:rPr lang="en-GB" sz="1400" dirty="0" err="1">
-                <a:latin typeface="Consolas" panose="020B0609020204030204" pitchFamily="49" charset="0"/>
-                <a:cs typeface="Consolas" panose="020B0609020204030204" pitchFamily="49" charset="0"/>
-              </a:rPr>
-              <a:t>System.out.println</a:t>
-            </a:r>
-            <a:r>
-              <a:rPr lang="en-GB" sz="1400" dirty="0">
-                <a:latin typeface="Consolas" panose="020B0609020204030204" pitchFamily="49" charset="0"/>
-                <a:cs typeface="Consolas" panose="020B0609020204030204" pitchFamily="49" charset="0"/>
-              </a:rPr>
-              <a:t>("Hello World 2"); </a:t>
-            </a:r>
-          </a:p>
-          <a:p>
-            <a:pPr marL="0" indent="0">
-              <a:buNone/>
-            </a:pPr>
-            <a:endParaRPr lang="en-GB" sz="1400" dirty="0">
-              <a:latin typeface="Consolas" panose="020B0609020204030204" pitchFamily="49" charset="0"/>
-              <a:cs typeface="Consolas" panose="020B0609020204030204" pitchFamily="49" charset="0"/>
-            </a:endParaRPr>
-          </a:p>
-          <a:p>
-            <a:pPr marL="0" indent="0">
-              <a:buNone/>
-            </a:pPr>
-            <a:r>
-              <a:rPr lang="en-GB" sz="1400" dirty="0">
-                <a:latin typeface="Consolas" panose="020B0609020204030204" pitchFamily="49" charset="0"/>
-                <a:cs typeface="Consolas" panose="020B0609020204030204" pitchFamily="49" charset="0"/>
-              </a:rPr>
-              <a:t>process(r1); </a:t>
-            </a:r>
-          </a:p>
-          <a:p>
-            <a:pPr marL="0" indent="0">
-              <a:buNone/>
-            </a:pPr>
-            <a:r>
-              <a:rPr lang="en-GB" sz="1400" dirty="0">
-                <a:latin typeface="Consolas" panose="020B0609020204030204" pitchFamily="49" charset="0"/>
-                <a:cs typeface="Consolas" panose="020B0609020204030204" pitchFamily="49" charset="0"/>
-              </a:rPr>
-              <a:t>process(r2); </a:t>
-            </a:r>
-          </a:p>
-          <a:p>
-            <a:pPr marL="0" indent="0">
-              <a:buNone/>
-            </a:pPr>
-            <a:r>
-              <a:rPr lang="en-GB" sz="1400" dirty="0">
-                <a:latin typeface="Consolas" panose="020B0609020204030204" pitchFamily="49" charset="0"/>
-                <a:cs typeface="Consolas" panose="020B0609020204030204" pitchFamily="49" charset="0"/>
-              </a:rPr>
-              <a:t>process(() -&gt; </a:t>
-            </a:r>
-            <a:r>
-              <a:rPr lang="en-GB" sz="1400" dirty="0" err="1">
-                <a:latin typeface="Consolas" panose="020B0609020204030204" pitchFamily="49" charset="0"/>
-                <a:cs typeface="Consolas" panose="020B0609020204030204" pitchFamily="49" charset="0"/>
-              </a:rPr>
-              <a:t>System.out.println</a:t>
-            </a:r>
-            <a:r>
-              <a:rPr lang="en-GB" sz="1400" dirty="0">
-                <a:latin typeface="Consolas" panose="020B0609020204030204" pitchFamily="49" charset="0"/>
-                <a:cs typeface="Consolas" panose="020B0609020204030204" pitchFamily="49" charset="0"/>
-              </a:rPr>
-              <a:t>("Hello World 3")); </a:t>
-            </a:r>
-          </a:p>
-          <a:p>
-            <a:pPr marL="0" indent="0">
-              <a:buNone/>
-            </a:pPr>
-            <a:endParaRPr lang="en-GB" sz="1400" dirty="0"/>
-          </a:p>
-          <a:p>
-            <a:pPr marL="0" indent="0">
-              <a:buNone/>
-            </a:pPr>
-            <a:r>
-              <a:rPr lang="en-GB" sz="1400" dirty="0"/>
-              <a:t> </a:t>
-            </a:r>
-          </a:p>
-          <a:p>
-            <a:pPr marL="0" indent="0">
-              <a:buNone/>
-            </a:pPr>
-            <a:endParaRPr lang="en-GB" sz="1400" dirty="0"/>
-          </a:p>
-          <a:p>
-            <a:pPr marL="0" indent="0">
-              <a:buNone/>
-            </a:pPr>
-            <a:endParaRPr lang="en-IT" sz="1400" dirty="0"/>
-          </a:p>
-        </p:txBody>
-      </p:sp>
-    </p:spTree>
-    <p:extLst>
-      <p:ext uri="{BB962C8B-B14F-4D97-AF65-F5344CB8AC3E}">
-        <p14:creationId xmlns:p14="http://schemas.microsoft.com/office/powerpoint/2010/main" val="3205418850"/>
-      </p:ext>
-    </p:extLst>
-  </p:cSld>
-  <p:clrMapOvr>
-    <a:masterClrMapping/>
-  </p:clrMapOvr>
-</p:sld>
-</file>
-
-<file path=ppt/slides/slide24.xml><?xml version="1.0" encoding="utf-8"?>
+<file path=ppt/slides/slide22.xml><?xml version="1.0" encoding="utf-8"?>
 <p:sld xmlns:a="http://schemas.openxmlformats.org/drawingml/2006/main" xmlns:r="http://schemas.openxmlformats.org/officeDocument/2006/relationships" xmlns:p="http://schemas.openxmlformats.org/presentationml/2006/main">
   <p:cSld>
     <p:spTree>
@@ -8306,7 +7927,7 @@
         <p:spPr/>
         <p:txBody>
           <a:bodyPr>
-            <a:normAutofit/>
+            <a:normAutofit fontScale="85000" lnSpcReduction="20000"/>
           </a:bodyPr>
           <a:lstStyle/>
           <a:p>
@@ -8368,6 +7989,88 @@
             </a:r>
           </a:p>
           <a:p>
+            <a:endParaRPr lang="en-GB" dirty="0"/>
+          </a:p>
+          <a:p>
+            <a:pPr marL="0" indent="0">
+              <a:buNone/>
+            </a:pPr>
+            <a:r>
+              <a:rPr lang="en-GB" dirty="0">
+                <a:latin typeface="Consolas" panose="020B0609020204030204" pitchFamily="49" charset="0"/>
+                <a:cs typeface="Consolas" panose="020B0609020204030204" pitchFamily="49" charset="0"/>
+              </a:rPr>
+              <a:t>@</a:t>
+            </a:r>
+            <a:r>
+              <a:rPr lang="en-GB" dirty="0" err="1">
+                <a:latin typeface="Consolas" panose="020B0609020204030204" pitchFamily="49" charset="0"/>
+                <a:cs typeface="Consolas" panose="020B0609020204030204" pitchFamily="49" charset="0"/>
+              </a:rPr>
+              <a:t>FunctionalInterface</a:t>
+            </a:r>
+            <a:r>
+              <a:rPr lang="en-GB" dirty="0">
+                <a:latin typeface="Consolas" panose="020B0609020204030204" pitchFamily="49" charset="0"/>
+                <a:cs typeface="Consolas" panose="020B0609020204030204" pitchFamily="49" charset="0"/>
+              </a:rPr>
+              <a:t> </a:t>
+            </a:r>
+          </a:p>
+          <a:p>
+            <a:pPr marL="0" indent="0">
+              <a:buNone/>
+            </a:pPr>
+            <a:r>
+              <a:rPr lang="en-GB" dirty="0">
+                <a:latin typeface="Consolas" panose="020B0609020204030204" pitchFamily="49" charset="0"/>
+                <a:cs typeface="Consolas" panose="020B0609020204030204" pitchFamily="49" charset="0"/>
+              </a:rPr>
+              <a:t>public interface Predicate&lt;T&gt; { </a:t>
+            </a:r>
+          </a:p>
+          <a:p>
+            <a:pPr marL="0" indent="0">
+              <a:buNone/>
+            </a:pPr>
+            <a:r>
+              <a:rPr lang="en-GB" dirty="0">
+                <a:latin typeface="Consolas" panose="020B0609020204030204" pitchFamily="49" charset="0"/>
+                <a:cs typeface="Consolas" panose="020B0609020204030204" pitchFamily="49" charset="0"/>
+              </a:rPr>
+              <a:t>	</a:t>
+            </a:r>
+            <a:r>
+              <a:rPr lang="en-GB" dirty="0" err="1">
+                <a:latin typeface="Consolas" panose="020B0609020204030204" pitchFamily="49" charset="0"/>
+                <a:cs typeface="Consolas" panose="020B0609020204030204" pitchFamily="49" charset="0"/>
+              </a:rPr>
+              <a:t>boolean</a:t>
+            </a:r>
+            <a:r>
+              <a:rPr lang="en-GB" dirty="0">
+                <a:latin typeface="Consolas" panose="020B0609020204030204" pitchFamily="49" charset="0"/>
+                <a:cs typeface="Consolas" panose="020B0609020204030204" pitchFamily="49" charset="0"/>
+              </a:rPr>
+              <a:t> test(T t); </a:t>
+            </a:r>
+          </a:p>
+          <a:p>
+            <a:pPr marL="0" indent="0">
+              <a:buNone/>
+            </a:pPr>
+            <a:r>
+              <a:rPr lang="en-GB" dirty="0">
+                <a:latin typeface="Consolas" panose="020B0609020204030204" pitchFamily="49" charset="0"/>
+                <a:cs typeface="Consolas" panose="020B0609020204030204" pitchFamily="49" charset="0"/>
+              </a:rPr>
+              <a:t>} </a:t>
+            </a:r>
+          </a:p>
+          <a:p>
+            <a:endParaRPr lang="en-GB" dirty="0"/>
+          </a:p>
+          <a:p>
             <a:endParaRPr lang="en-IT" dirty="0"/>
           </a:p>
         </p:txBody>
@@ -8375,7 +8078,7 @@
     </p:spTree>
     <p:extLst>
       <p:ext uri="{BB962C8B-B14F-4D97-AF65-F5344CB8AC3E}">
-        <p14:creationId xmlns:p14="http://schemas.microsoft.com/office/powerpoint/2010/main" val="1330949668"/>
+        <p14:creationId xmlns:p14="http://schemas.microsoft.com/office/powerpoint/2010/main" val="929208466"/>
       </p:ext>
     </p:extLst>
   </p:cSld>
@@ -8385,7 +8088,7 @@
 </p:sld>
 </file>
 
-<file path=ppt/slides/slide25.xml><?xml version="1.0" encoding="utf-8"?>
+<file path=ppt/slides/slide23.xml><?xml version="1.0" encoding="utf-8"?>
 <p:sld xmlns:a="http://schemas.openxmlformats.org/drawingml/2006/main" xmlns:r="http://schemas.openxmlformats.org/officeDocument/2006/relationships" xmlns:p="http://schemas.openxmlformats.org/presentationml/2006/main">
   <p:cSld>
     <p:spTree>
@@ -8454,236 +8157,6 @@
         <p:spPr/>
         <p:txBody>
           <a:bodyPr>
-            <a:normAutofit fontScale="85000" lnSpcReduction="20000"/>
-          </a:bodyPr>
-          <a:lstStyle/>
-          <a:p>
-            <a:r>
-              <a:rPr lang="en-GB" dirty="0"/>
-              <a:t>The </a:t>
-            </a:r>
-            <a:r>
-              <a:rPr lang="en-GB" dirty="0" err="1"/>
-              <a:t>java.util.function.Predicate</a:t>
-            </a:r>
-            <a:r>
-              <a:rPr lang="en-GB" dirty="0"/>
-              <a:t>&lt;T&gt; interface </a:t>
-            </a:r>
-            <a:r>
-              <a:rPr lang="en-GB" dirty="0">
-                <a:solidFill>
-                  <a:schemeClr val="accent6">
-                    <a:lumMod val="75000"/>
-                  </a:schemeClr>
-                </a:solidFill>
-              </a:rPr>
-              <a:t>defines an abstract method named test that accepts an object of generic type T and returns a </a:t>
-            </a:r>
-            <a:r>
-              <a:rPr lang="en-GB" dirty="0" err="1">
-                <a:solidFill>
-                  <a:schemeClr val="accent6">
-                    <a:lumMod val="75000"/>
-                  </a:schemeClr>
-                </a:solidFill>
-              </a:rPr>
-              <a:t>boolean</a:t>
-            </a:r>
-            <a:r>
-              <a:rPr lang="en-GB" dirty="0"/>
-              <a:t>. </a:t>
-            </a:r>
-          </a:p>
-          <a:p>
-            <a:r>
-              <a:rPr lang="en-GB" dirty="0"/>
-              <a:t>It’s exactly the same one that you created earlier, but it’s available out of the box! </a:t>
-            </a:r>
-          </a:p>
-          <a:p>
-            <a:r>
-              <a:rPr lang="en-GB" dirty="0"/>
-              <a:t>You might want to use this interface when you need to represent a </a:t>
-            </a:r>
-            <a:r>
-              <a:rPr lang="en-GB" dirty="0" err="1"/>
-              <a:t>boolean</a:t>
-            </a:r>
-            <a:r>
-              <a:rPr lang="en-GB" dirty="0"/>
-              <a:t> expression that uses an object of type T. </a:t>
-            </a:r>
-          </a:p>
-          <a:p>
-            <a:endParaRPr lang="en-GB" dirty="0"/>
-          </a:p>
-          <a:p>
-            <a:pPr marL="0" indent="0">
-              <a:buNone/>
-            </a:pPr>
-            <a:r>
-              <a:rPr lang="en-GB" dirty="0">
-                <a:latin typeface="Consolas" panose="020B0609020204030204" pitchFamily="49" charset="0"/>
-                <a:cs typeface="Consolas" panose="020B0609020204030204" pitchFamily="49" charset="0"/>
-              </a:rPr>
-              <a:t>@</a:t>
-            </a:r>
-            <a:r>
-              <a:rPr lang="en-GB" dirty="0" err="1">
-                <a:latin typeface="Consolas" panose="020B0609020204030204" pitchFamily="49" charset="0"/>
-                <a:cs typeface="Consolas" panose="020B0609020204030204" pitchFamily="49" charset="0"/>
-              </a:rPr>
-              <a:t>FunctionalInterface</a:t>
-            </a:r>
-            <a:r>
-              <a:rPr lang="en-GB" dirty="0">
-                <a:latin typeface="Consolas" panose="020B0609020204030204" pitchFamily="49" charset="0"/>
-                <a:cs typeface="Consolas" panose="020B0609020204030204" pitchFamily="49" charset="0"/>
-              </a:rPr>
-              <a:t> </a:t>
-            </a:r>
-          </a:p>
-          <a:p>
-            <a:pPr marL="0" indent="0">
-              <a:buNone/>
-            </a:pPr>
-            <a:r>
-              <a:rPr lang="en-GB" dirty="0">
-                <a:latin typeface="Consolas" panose="020B0609020204030204" pitchFamily="49" charset="0"/>
-                <a:cs typeface="Consolas" panose="020B0609020204030204" pitchFamily="49" charset="0"/>
-              </a:rPr>
-              <a:t>public interface Predicate&lt;T&gt; { </a:t>
-            </a:r>
-          </a:p>
-          <a:p>
-            <a:pPr marL="0" indent="0">
-              <a:buNone/>
-            </a:pPr>
-            <a:r>
-              <a:rPr lang="en-GB" dirty="0">
-                <a:latin typeface="Consolas" panose="020B0609020204030204" pitchFamily="49" charset="0"/>
-                <a:cs typeface="Consolas" panose="020B0609020204030204" pitchFamily="49" charset="0"/>
-              </a:rPr>
-              <a:t>	</a:t>
-            </a:r>
-            <a:r>
-              <a:rPr lang="en-GB" dirty="0" err="1">
-                <a:latin typeface="Consolas" panose="020B0609020204030204" pitchFamily="49" charset="0"/>
-                <a:cs typeface="Consolas" panose="020B0609020204030204" pitchFamily="49" charset="0"/>
-              </a:rPr>
-              <a:t>boolean</a:t>
-            </a:r>
-            <a:r>
-              <a:rPr lang="en-GB" dirty="0">
-                <a:latin typeface="Consolas" panose="020B0609020204030204" pitchFamily="49" charset="0"/>
-                <a:cs typeface="Consolas" panose="020B0609020204030204" pitchFamily="49" charset="0"/>
-              </a:rPr>
-              <a:t> test(T t); </a:t>
-            </a:r>
-          </a:p>
-          <a:p>
-            <a:pPr marL="0" indent="0">
-              <a:buNone/>
-            </a:pPr>
-            <a:r>
-              <a:rPr lang="en-GB" dirty="0">
-                <a:latin typeface="Consolas" panose="020B0609020204030204" pitchFamily="49" charset="0"/>
-                <a:cs typeface="Consolas" panose="020B0609020204030204" pitchFamily="49" charset="0"/>
-              </a:rPr>
-              <a:t>} </a:t>
-            </a:r>
-          </a:p>
-          <a:p>
-            <a:endParaRPr lang="en-GB" dirty="0"/>
-          </a:p>
-          <a:p>
-            <a:endParaRPr lang="en-IT" dirty="0"/>
-          </a:p>
-        </p:txBody>
-      </p:sp>
-    </p:spTree>
-    <p:extLst>
-      <p:ext uri="{BB962C8B-B14F-4D97-AF65-F5344CB8AC3E}">
-        <p14:creationId xmlns:p14="http://schemas.microsoft.com/office/powerpoint/2010/main" val="929208466"/>
-      </p:ext>
-    </p:extLst>
-  </p:cSld>
-  <p:clrMapOvr>
-    <a:masterClrMapping/>
-  </p:clrMapOvr>
-</p:sld>
-</file>
-
-<file path=ppt/slides/slide26.xml><?xml version="1.0" encoding="utf-8"?>
-<p:sld xmlns:a="http://schemas.openxmlformats.org/drawingml/2006/main" xmlns:r="http://schemas.openxmlformats.org/officeDocument/2006/relationships" xmlns:p="http://schemas.openxmlformats.org/presentationml/2006/main">
-  <p:cSld>
-    <p:spTree>
-      <p:nvGrpSpPr>
-        <p:cNvPr id="1" name=""/>
-        <p:cNvGrpSpPr/>
-        <p:nvPr/>
-      </p:nvGrpSpPr>
-      <p:grpSpPr>
-        <a:xfrm>
-          <a:off x="0" y="0"/>
-          <a:ext cx="0" cy="0"/>
-          <a:chOff x="0" y="0"/>
-          <a:chExt cx="0" cy="0"/>
-        </a:xfrm>
-      </p:grpSpPr>
-      <p:sp>
-        <p:nvSpPr>
-          <p:cNvPr id="2" name="Title 1">
-            <a:extLst>
-              <a:ext uri="{FF2B5EF4-FFF2-40B4-BE49-F238E27FC236}">
-                <a16:creationId xmlns:a16="http://schemas.microsoft.com/office/drawing/2014/main" id="{C58ED207-ED03-B34F-BAD4-550D3F45A08D}"/>
-              </a:ext>
-            </a:extLst>
-          </p:cNvPr>
-          <p:cNvSpPr>
-            <a:spLocks noGrp="1"/>
-          </p:cNvSpPr>
-          <p:nvPr>
-            <p:ph type="title"/>
-          </p:nvPr>
-        </p:nvSpPr>
-        <p:spPr/>
-        <p:txBody>
-          <a:bodyPr/>
-          <a:lstStyle/>
-          <a:p>
-            <a:r>
-              <a:rPr lang="en-GB" dirty="0" err="1"/>
-              <a:t>java.util.function.Predicate</a:t>
-            </a:r>
-            <a:r>
-              <a:rPr lang="en-GB" dirty="0"/>
-              <a:t>&lt;T&gt;</a:t>
-            </a:r>
-            <a:endParaRPr lang="en-IT" dirty="0"/>
-          </a:p>
-        </p:txBody>
-      </p:sp>
-      <p:sp>
-        <p:nvSpPr>
-          <p:cNvPr id="3" name="Content Placeholder 2">
-            <a:extLst>
-              <a:ext uri="{FF2B5EF4-FFF2-40B4-BE49-F238E27FC236}">
-                <a16:creationId xmlns:a16="http://schemas.microsoft.com/office/drawing/2014/main" id="{6A09EA4B-73A1-1C41-AC48-CF1AC9F30877}"/>
-              </a:ext>
-            </a:extLst>
-          </p:cNvPr>
-          <p:cNvSpPr>
-            <a:spLocks noGrp="1"/>
-          </p:cNvSpPr>
-          <p:nvPr>
-            <p:ph idx="1"/>
-          </p:nvPr>
-        </p:nvSpPr>
-        <p:spPr/>
-        <p:txBody>
-          <a:bodyPr>
             <a:normAutofit fontScale="92500" lnSpcReduction="10000"/>
           </a:bodyPr>
           <a:lstStyle/>
@@ -9013,7 +8486,7 @@
 </p:sld>
 </file>
 
-<file path=ppt/slides/slide27.xml><?xml version="1.0" encoding="utf-8"?>
+<file path=ppt/slides/slide24.xml><?xml version="1.0" encoding="utf-8"?>
 <p:sld xmlns:a="http://schemas.openxmlformats.org/drawingml/2006/main" xmlns:r="http://schemas.openxmlformats.org/officeDocument/2006/relationships" xmlns:p="http://schemas.openxmlformats.org/presentationml/2006/main">
   <p:cSld>
     <p:spTree>
@@ -9207,7 +8680,7 @@
 </p:sld>
 </file>
 
-<file path=ppt/slides/slide28.xml><?xml version="1.0" encoding="utf-8"?>
+<file path=ppt/slides/slide25.xml><?xml version="1.0" encoding="utf-8"?>
 <p:sld xmlns:a="http://schemas.openxmlformats.org/drawingml/2006/main" xmlns:r="http://schemas.openxmlformats.org/officeDocument/2006/relationships" xmlns:p="http://schemas.openxmlformats.org/presentationml/2006/main">
   <p:cSld>
     <p:spTree>
@@ -9678,7 +9151,7 @@
 </p:sld>
 </file>
 
-<file path=ppt/slides/slide29.xml><?xml version="1.0" encoding="utf-8"?>
+<file path=ppt/slides/slide26.xml><?xml version="1.0" encoding="utf-8"?>
 <p:sld xmlns:a="http://schemas.openxmlformats.org/drawingml/2006/main" xmlns:r="http://schemas.openxmlformats.org/officeDocument/2006/relationships" xmlns:p="http://schemas.openxmlformats.org/presentationml/2006/main">
   <p:cSld>
     <p:spTree>
@@ -9869,124 +9342,7 @@
 </p:sld>
 </file>
 
-<file path=ppt/slides/slide3.xml><?xml version="1.0" encoding="utf-8"?>
-<p:sld xmlns:a="http://schemas.openxmlformats.org/drawingml/2006/main" xmlns:r="http://schemas.openxmlformats.org/officeDocument/2006/relationships" xmlns:p="http://schemas.openxmlformats.org/presentationml/2006/main">
-  <p:cSld>
-    <p:spTree>
-      <p:nvGrpSpPr>
-        <p:cNvPr id="1" name=""/>
-        <p:cNvGrpSpPr/>
-        <p:nvPr/>
-      </p:nvGrpSpPr>
-      <p:grpSpPr>
-        <a:xfrm>
-          <a:off x="0" y="0"/>
-          <a:ext cx="0" cy="0"/>
-          <a:chOff x="0" y="0"/>
-          <a:chExt cx="0" cy="0"/>
-        </a:xfrm>
-      </p:grpSpPr>
-      <p:sp>
-        <p:nvSpPr>
-          <p:cNvPr id="2" name="Title 1">
-            <a:extLst>
-              <a:ext uri="{FF2B5EF4-FFF2-40B4-BE49-F238E27FC236}">
-                <a16:creationId xmlns:a16="http://schemas.microsoft.com/office/drawing/2014/main" id="{E0C3556B-6A53-C040-A05E-E5AAC7804B68}"/>
-              </a:ext>
-            </a:extLst>
-          </p:cNvPr>
-          <p:cNvSpPr>
-            <a:spLocks noGrp="1"/>
-          </p:cNvSpPr>
-          <p:nvPr>
-            <p:ph type="title"/>
-          </p:nvPr>
-        </p:nvSpPr>
-        <p:spPr/>
-        <p:txBody>
-          <a:bodyPr/>
-          <a:lstStyle/>
-          <a:p>
-            <a:r>
-              <a:rPr lang="en-IT" dirty="0"/>
-              <a:t>Conflicting worlds?</a:t>
-            </a:r>
-          </a:p>
-        </p:txBody>
-      </p:sp>
-      <p:sp>
-        <p:nvSpPr>
-          <p:cNvPr id="3" name="Content Placeholder 2">
-            <a:extLst>
-              <a:ext uri="{FF2B5EF4-FFF2-40B4-BE49-F238E27FC236}">
-                <a16:creationId xmlns:a16="http://schemas.microsoft.com/office/drawing/2014/main" id="{E6E6AB0A-2153-7948-AC84-01F56A280845}"/>
-              </a:ext>
-            </a:extLst>
-          </p:cNvPr>
-          <p:cNvSpPr>
-            <a:spLocks noGrp="1"/>
-          </p:cNvSpPr>
-          <p:nvPr>
-            <p:ph idx="1"/>
-          </p:nvPr>
-        </p:nvSpPr>
-        <p:spPr/>
-        <p:txBody>
-          <a:bodyPr>
-            <a:normAutofit fontScale="92500"/>
-          </a:bodyPr>
-          <a:lstStyle/>
-          <a:p>
-            <a:r>
-              <a:rPr lang="en-GB" dirty="0">
-                <a:solidFill>
-                  <a:schemeClr val="accent6">
-                    <a:lumMod val="75000"/>
-                  </a:schemeClr>
-                </a:solidFill>
-              </a:rPr>
-              <a:t>Functional programs can be very terse and elegant, packing a lot of behaviour into very few lines of code. </a:t>
-            </a:r>
-            <a:r>
-              <a:rPr lang="en-GB" dirty="0"/>
-              <a:t>Functional programmers will make the case that in a multicore world, you need to avoid mutable state in order to scale out your programs. </a:t>
-            </a:r>
-          </a:p>
-          <a:p>
-            <a:r>
-              <a:rPr lang="en-GB" dirty="0"/>
-              <a:t>Object-oriented programmers will retort that in actual business environments object-oriented programming scales out well in terms of developers, and as an industry, we know how to do it. </a:t>
-            </a:r>
-            <a:r>
-              <a:rPr lang="en-GB" dirty="0">
-                <a:solidFill>
-                  <a:schemeClr val="accent6">
-                    <a:lumMod val="75000"/>
-                  </a:schemeClr>
-                </a:solidFill>
-              </a:rPr>
-              <a:t>Software engineering requires us to match technical solutions to business problems. </a:t>
-            </a:r>
-          </a:p>
-          <a:p>
-            <a:endParaRPr lang="en-IT" dirty="0"/>
-          </a:p>
-        </p:txBody>
-      </p:sp>
-    </p:spTree>
-    <p:extLst>
-      <p:ext uri="{BB962C8B-B14F-4D97-AF65-F5344CB8AC3E}">
-        <p14:creationId xmlns:p14="http://schemas.microsoft.com/office/powerpoint/2010/main" val="1400004151"/>
-      </p:ext>
-    </p:extLst>
-  </p:cSld>
-  <p:clrMapOvr>
-    <a:masterClrMapping/>
-  </p:clrMapOvr>
-</p:sld>
-</file>
-
-<file path=ppt/slides/slide30.xml><?xml version="1.0" encoding="utf-8"?>
+<file path=ppt/slides/slide27.xml><?xml version="1.0" encoding="utf-8"?>
 <p:sld xmlns:a="http://schemas.openxmlformats.org/drawingml/2006/main" xmlns:r="http://schemas.openxmlformats.org/officeDocument/2006/relationships" xmlns:p="http://schemas.openxmlformats.org/presentationml/2006/main">
   <p:cSld>
     <p:spTree>
@@ -10505,7 +9861,7 @@
 </p:sld>
 </file>
 
-<file path=ppt/slides/slide31.xml><?xml version="1.0" encoding="utf-8"?>
+<file path=ppt/slides/slide28.xml><?xml version="1.0" encoding="utf-8"?>
 <p:sld xmlns:a="http://schemas.openxmlformats.org/drawingml/2006/main" xmlns:r="http://schemas.openxmlformats.org/officeDocument/2006/relationships" xmlns:p="http://schemas.openxmlformats.org/presentationml/2006/main">
   <p:cSld>
     <p:spTree>
@@ -10592,7 +9948,7 @@
 </p:sld>
 </file>
 
-<file path=ppt/slides/slide32.xml><?xml version="1.0" encoding="utf-8"?>
+<file path=ppt/slides/slide29.xml><?xml version="1.0" encoding="utf-8"?>
 <p:sld xmlns:a="http://schemas.openxmlformats.org/drawingml/2006/main" xmlns:r="http://schemas.openxmlformats.org/officeDocument/2006/relationships" xmlns:p="http://schemas.openxmlformats.org/presentationml/2006/main">
   <p:cSld>
     <p:spTree>
@@ -10679,7 +10035,168 @@
 </p:sld>
 </file>
 
-<file path=ppt/slides/slide33.xml><?xml version="1.0" encoding="utf-8"?>
+<file path=ppt/slides/slide3.xml><?xml version="1.0" encoding="utf-8"?>
+<p:sld xmlns:a="http://schemas.openxmlformats.org/drawingml/2006/main" xmlns:r="http://schemas.openxmlformats.org/officeDocument/2006/relationships" xmlns:p="http://schemas.openxmlformats.org/presentationml/2006/main">
+  <p:cSld>
+    <p:spTree>
+      <p:nvGrpSpPr>
+        <p:cNvPr id="1" name=""/>
+        <p:cNvGrpSpPr/>
+        <p:nvPr/>
+      </p:nvGrpSpPr>
+      <p:grpSpPr>
+        <a:xfrm>
+          <a:off x="0" y="0"/>
+          <a:ext cx="0" cy="0"/>
+          <a:chOff x="0" y="0"/>
+          <a:chExt cx="0" cy="0"/>
+        </a:xfrm>
+      </p:grpSpPr>
+      <p:sp>
+        <p:nvSpPr>
+          <p:cNvPr id="2" name="Title 1">
+            <a:extLst>
+              <a:ext uri="{FF2B5EF4-FFF2-40B4-BE49-F238E27FC236}">
+                <a16:creationId xmlns:a16="http://schemas.microsoft.com/office/drawing/2014/main" id="{D1645481-4B8A-B147-A18B-B49E7243C7FF}"/>
+              </a:ext>
+            </a:extLst>
+          </p:cNvPr>
+          <p:cNvSpPr>
+            <a:spLocks noGrp="1"/>
+          </p:cNvSpPr>
+          <p:nvPr>
+            <p:ph type="title"/>
+          </p:nvPr>
+        </p:nvSpPr>
+        <p:spPr/>
+        <p:txBody>
+          <a:bodyPr>
+            <a:normAutofit/>
+          </a:bodyPr>
+          <a:lstStyle/>
+          <a:p>
+            <a:r>
+              <a:rPr lang="en-GB" dirty="0"/>
+              <a:t>Why is Java still changing? </a:t>
+            </a:r>
+            <a:endParaRPr lang="en-IT" dirty="0"/>
+          </a:p>
+        </p:txBody>
+      </p:sp>
+      <p:sp>
+        <p:nvSpPr>
+          <p:cNvPr id="3" name="Content Placeholder 2">
+            <a:extLst>
+              <a:ext uri="{FF2B5EF4-FFF2-40B4-BE49-F238E27FC236}">
+                <a16:creationId xmlns:a16="http://schemas.microsoft.com/office/drawing/2014/main" id="{9DDA74C4-3399-194D-8497-CF03C710CE60}"/>
+              </a:ext>
+            </a:extLst>
+          </p:cNvPr>
+          <p:cNvSpPr>
+            <a:spLocks noGrp="1"/>
+          </p:cNvSpPr>
+          <p:nvPr>
+            <p:ph sz="half" idx="1"/>
+          </p:nvPr>
+        </p:nvSpPr>
+        <p:spPr/>
+        <p:txBody>
+          <a:bodyPr>
+            <a:normAutofit fontScale="85000" lnSpcReduction="20000"/>
+          </a:bodyPr>
+          <a:lstStyle/>
+          <a:p>
+            <a:r>
+              <a:rPr lang="en-GB" dirty="0">
+                <a:solidFill>
+                  <a:schemeClr val="accent6">
+                    <a:lumMod val="75000"/>
+                  </a:schemeClr>
+                </a:solidFill>
+              </a:rPr>
+              <a:t>The rise of big-data, and affordable multi-core architectures made functional programming concepts popular again.</a:t>
+            </a:r>
+          </a:p>
+          <a:p>
+            <a:r>
+              <a:rPr lang="en-GB" dirty="0">
+                <a:solidFill>
+                  <a:schemeClr val="accent6">
+                    <a:lumMod val="75000"/>
+                  </a:schemeClr>
+                </a:solidFill>
+              </a:rPr>
+              <a:t>A number of languages (Java, Python, Scala) are introducing ways for better supporting functional programming.</a:t>
+            </a:r>
+          </a:p>
+          <a:p>
+            <a:r>
+              <a:rPr lang="en-GB" dirty="0"/>
+              <a:t>Haskell is a recent purely functional language.</a:t>
+            </a:r>
+          </a:p>
+          <a:p>
+            <a:r>
+              <a:rPr lang="en-GB" dirty="0"/>
+              <a:t>Languages need to evolve to track changing hardware or programmers expectations. Otherwise, they die (COBOL, LISP, …)</a:t>
+            </a:r>
+          </a:p>
+          <a:p>
+            <a:pPr marL="0" indent="0">
+              <a:buNone/>
+            </a:pPr>
+            <a:endParaRPr lang="en-GB" dirty="0"/>
+          </a:p>
+          <a:p>
+            <a:endParaRPr lang="en-GB" dirty="0"/>
+          </a:p>
+          <a:p>
+            <a:endParaRPr lang="en-GB" dirty="0"/>
+          </a:p>
+        </p:txBody>
+      </p:sp>
+      <p:pic>
+        <p:nvPicPr>
+          <p:cNvPr id="5" name="Content Placeholder 4">
+            <a:extLst>
+              <a:ext uri="{FF2B5EF4-FFF2-40B4-BE49-F238E27FC236}">
+                <a16:creationId xmlns:a16="http://schemas.microsoft.com/office/drawing/2014/main" id="{52B3A886-4373-E841-B41C-82C5A36BDAF8}"/>
+              </a:ext>
+            </a:extLst>
+          </p:cNvPr>
+          <p:cNvPicPr>
+            <a:picLocks noGrp="1" noChangeAspect="1"/>
+          </p:cNvPicPr>
+          <p:nvPr>
+            <p:ph sz="half" idx="2"/>
+          </p:nvPr>
+        </p:nvPicPr>
+        <p:blipFill rotWithShape="1">
+          <a:blip r:embed="rId2"/>
+          <a:srcRect r="32041"/>
+          <a:stretch/>
+        </p:blipFill>
+        <p:spPr>
+          <a:xfrm>
+            <a:off x="6172200" y="2413594"/>
+            <a:ext cx="4469821" cy="3109554"/>
+          </a:xfrm>
+        </p:spPr>
+      </p:pic>
+    </p:spTree>
+    <p:extLst>
+      <p:ext uri="{BB962C8B-B14F-4D97-AF65-F5344CB8AC3E}">
+        <p14:creationId xmlns:p14="http://schemas.microsoft.com/office/powerpoint/2010/main" val="2306031278"/>
+      </p:ext>
+    </p:extLst>
+  </p:cSld>
+  <p:clrMapOvr>
+    <a:masterClrMapping/>
+  </p:clrMapOvr>
+</p:sld>
+</file>
+
+<file path=ppt/slides/slide30.xml><?xml version="1.0" encoding="utf-8"?>
 <p:sld xmlns:a="http://schemas.openxmlformats.org/drawingml/2006/main" xmlns:r="http://schemas.openxmlformats.org/officeDocument/2006/relationships" xmlns:p="http://schemas.openxmlformats.org/presentationml/2006/main">
   <p:cSld>
     <p:spTree>
@@ -10804,7 +10321,7 @@
 </p:sld>
 </file>
 
-<file path=ppt/slides/slide34.xml><?xml version="1.0" encoding="utf-8"?>
+<file path=ppt/slides/slide31.xml><?xml version="1.0" encoding="utf-8"?>
 <p:sld xmlns:a="http://schemas.openxmlformats.org/drawingml/2006/main" xmlns:r="http://schemas.openxmlformats.org/officeDocument/2006/relationships" xmlns:p="http://schemas.openxmlformats.org/presentationml/2006/main">
   <p:cSld>
     <p:spTree>
@@ -11364,7 +10881,7 @@
 </p:sld>
 </file>
 
-<file path=ppt/slides/slide35.xml><?xml version="1.0" encoding="utf-8"?>
+<file path=ppt/slides/slide32.xml><?xml version="1.0" encoding="utf-8"?>
 <p:sld xmlns:a="http://schemas.openxmlformats.org/drawingml/2006/main" xmlns:r="http://schemas.openxmlformats.org/officeDocument/2006/relationships" xmlns:p="http://schemas.openxmlformats.org/presentationml/2006/main">
   <p:cSld>
     <p:spTree>
@@ -11430,27 +10947,25 @@
           <a:bodyPr/>
           <a:lstStyle/>
           <a:p>
+            <a:pPr marL="0" indent="0">
+              <a:buNone/>
+            </a:pPr>
             <a:r>
               <a:rPr lang="en-GB" i="1" dirty="0"/>
-              <a:t>I have two kinds of problems, the urgent and the important. The urgent are not important, and the important are never urgent -- </a:t>
-            </a:r>
+              <a:t>I have two kinds of problems, the urgent and the important. The urgent are not important, and the important are never urgent. </a:t>
+            </a:r>
+          </a:p>
+          <a:p>
+            <a:pPr marL="0" indent="0">
+              <a:buNone/>
+            </a:pPr>
             <a:r>
               <a:rPr lang="en-GB" b="1" dirty="0"/>
-              <a:t>President Dwight D. Eisenhower </a:t>
+              <a:t>US President Dwight D. Eisenhower </a:t>
             </a:r>
           </a:p>
           <a:p>
             <a:endParaRPr lang="en-GB" b="1" dirty="0"/>
-          </a:p>
-          <a:p>
-            <a:r>
-              <a:rPr lang="en-GB" i="1" dirty="0"/>
-              <a:t>It is the responsibility of the software development team to assert the importance of architecture over the urgency of features -- </a:t>
-            </a:r>
-            <a:r>
-              <a:rPr lang="en-GB" b="1" dirty="0"/>
-              <a:t>Clean Code, Robert C. Martin</a:t>
-            </a:r>
           </a:p>
           <a:p>
             <a:endParaRPr lang="en-GB" dirty="0"/>
@@ -11484,7 +10999,7 @@
             <a:fld id="{D2040F39-7941-49A4-B48D-F201B18B6351}" type="slidenum">
               <a:rPr lang="it-IT" smtClean="0"/>
               <a:pPr/>
-              <a:t>35</a:t>
+              <a:t>32</a:t>
             </a:fld>
             <a:endParaRPr lang="it-IT" dirty="0"/>
           </a:p>
@@ -11542,9 +11057,10 @@
           <a:lstStyle/>
           <a:p>
             <a:r>
-              <a:rPr lang="en-IT" dirty="0"/>
-              <a:t>Conflicting worlds?</a:t>
-            </a:r>
+              <a:rPr lang="en-GB" dirty="0"/>
+              <a:t>Why is Java still changing? </a:t>
+            </a:r>
+            <a:endParaRPr lang="en-IT" dirty="0"/>
           </a:p>
         </p:txBody>
       </p:sp>
@@ -11576,7 +11092,7 @@
                 <a:latin typeface="Calibri" panose="020F0502020204030204" pitchFamily="34" charset="0"/>
                 <a:cs typeface="Calibri" panose="020F0502020204030204" pitchFamily="34" charset="0"/>
               </a:rPr>
-              <a:t>A typical problem in 1991: model my small company, employees, departments, salaries!</a:t>
+              <a:t>A typical problem in 1991: model a company employees, departments, and salaries!</a:t>
             </a:r>
           </a:p>
           <a:p>
@@ -11920,7 +11436,7 @@
                 <a:latin typeface="Calibri" panose="020F0502020204030204" pitchFamily="34" charset="0"/>
                 <a:cs typeface="Calibri" panose="020F0502020204030204" pitchFamily="34" charset="0"/>
               </a:rPr>
-              <a:t>A typical problem in 2021: my company now has 178000 employees, analyse my 20TB dataset for finding lazy people!</a:t>
+              <a:t>A typical problem in 2021: analyse a massive 20TB dataset for finding lazy employees!</a:t>
             </a:r>
           </a:p>
           <a:p>
@@ -12034,7 +11550,7 @@
           <p:cNvPr id="2" name="Title 1">
             <a:extLst>
               <a:ext uri="{FF2B5EF4-FFF2-40B4-BE49-F238E27FC236}">
-                <a16:creationId xmlns:a16="http://schemas.microsoft.com/office/drawing/2014/main" id="{D1645481-4B8A-B147-A18B-B49E7243C7FF}"/>
+                <a16:creationId xmlns:a16="http://schemas.microsoft.com/office/drawing/2014/main" id="{E0C3556B-6A53-C040-A05E-E5AAC7804B68}"/>
               </a:ext>
             </a:extLst>
           </p:cNvPr>
@@ -12047,9 +11563,7 @@
         </p:nvSpPr>
         <p:spPr/>
         <p:txBody>
-          <a:bodyPr>
-            <a:normAutofit/>
-          </a:bodyPr>
+          <a:bodyPr/>
           <a:lstStyle/>
           <a:p>
             <a:r>
@@ -12065,7 +11579,7 @@
           <p:cNvPr id="3" name="Content Placeholder 2">
             <a:extLst>
               <a:ext uri="{FF2B5EF4-FFF2-40B4-BE49-F238E27FC236}">
-                <a16:creationId xmlns:a16="http://schemas.microsoft.com/office/drawing/2014/main" id="{9DDA74C4-3399-194D-8497-CF03C710CE60}"/>
+                <a16:creationId xmlns:a16="http://schemas.microsoft.com/office/drawing/2014/main" id="{E6E6AB0A-2153-7948-AC84-01F56A280845}"/>
               </a:ext>
             </a:extLst>
           </p:cNvPr>
@@ -12073,97 +11587,60 @@
             <a:spLocks noGrp="1"/>
           </p:cNvSpPr>
           <p:nvPr>
-            <p:ph sz="half" idx="1"/>
+            <p:ph idx="1"/>
           </p:nvPr>
         </p:nvSpPr>
         <p:spPr/>
         <p:txBody>
           <a:bodyPr>
-            <a:normAutofit fontScale="85000" lnSpcReduction="20000"/>
+            <a:normAutofit/>
           </a:bodyPr>
           <a:lstStyle/>
           <a:p>
             <a:r>
-              <a:rPr lang="en-GB" dirty="0">
+              <a:rPr lang="en-GB" sz="2800" dirty="0">
                 <a:solidFill>
                   <a:schemeClr val="accent6">
                     <a:lumMod val="75000"/>
                   </a:schemeClr>
                 </a:solidFill>
               </a:rPr>
-              <a:t>The rise of big-data, and affordable multi-core architectures made functional programming concepts popular again.</a:t>
-            </a:r>
-          </a:p>
-          <a:p>
-            <a:r>
-              <a:rPr lang="en-GB" dirty="0">
+              <a:t>Functional programs can be very terse and elegant, packing a lot of behaviour into very few lines of code. </a:t>
+            </a:r>
+            <a:r>
+              <a:rPr lang="en-GB" sz="2800" dirty="0"/>
+              <a:t>Functional programmers will make the case that in a multicore world, you need to avoid mutable state in order to scale out your programs. </a:t>
+            </a:r>
+          </a:p>
+          <a:p>
+            <a:r>
+              <a:rPr lang="en-GB" sz="2800" dirty="0"/>
+              <a:t>Object-oriented programmers will retort that in actual business environments </a:t>
+            </a:r>
+            <a:r>
+              <a:rPr lang="en-GB" sz="2800" dirty="0">
                 <a:solidFill>
                   <a:schemeClr val="accent6">
                     <a:lumMod val="75000"/>
                   </a:schemeClr>
                 </a:solidFill>
               </a:rPr>
-              <a:t>A number of languages (Java, Python, Scala) are introducing ways for better supporting functional programming.</a:t>
-            </a:r>
-          </a:p>
-          <a:p>
-            <a:r>
-              <a:rPr lang="en-GB" dirty="0"/>
-              <a:t>Haskell is a recent purely functional language.</a:t>
-            </a:r>
-          </a:p>
-          <a:p>
-            <a:r>
-              <a:rPr lang="en-GB" dirty="0"/>
-              <a:t>Languages need to evolve to track changing hardware or programmers expectations. Otherwise, they die (COBOL, LISP, …)</a:t>
-            </a:r>
-          </a:p>
-          <a:p>
-            <a:pPr marL="0" indent="0">
-              <a:buNone/>
-            </a:pPr>
-            <a:endParaRPr lang="en-GB" dirty="0"/>
-          </a:p>
-          <a:p>
-            <a:endParaRPr lang="en-GB" dirty="0"/>
-          </a:p>
-          <a:p>
-            <a:endParaRPr lang="en-GB" dirty="0"/>
+              <a:t>object-oriented programming scales out well in terms of developers, and as an industry, we know how to do it. </a:t>
+            </a:r>
+            <a:endParaRPr lang="en-IT" sz="2800" dirty="0">
+              <a:solidFill>
+                <a:schemeClr val="accent6">
+                  <a:lumMod val="75000"/>
+                </a:schemeClr>
+              </a:solidFill>
+            </a:endParaRPr>
           </a:p>
         </p:txBody>
       </p:sp>
-      <p:pic>
-        <p:nvPicPr>
-          <p:cNvPr id="5" name="Content Placeholder 4">
-            <a:extLst>
-              <a:ext uri="{FF2B5EF4-FFF2-40B4-BE49-F238E27FC236}">
-                <a16:creationId xmlns:a16="http://schemas.microsoft.com/office/drawing/2014/main" id="{52B3A886-4373-E841-B41C-82C5A36BDAF8}"/>
-              </a:ext>
-            </a:extLst>
-          </p:cNvPr>
-          <p:cNvPicPr>
-            <a:picLocks noGrp="1" noChangeAspect="1"/>
-          </p:cNvPicPr>
-          <p:nvPr>
-            <p:ph sz="half" idx="2"/>
-          </p:nvPr>
-        </p:nvPicPr>
-        <p:blipFill rotWithShape="1">
-          <a:blip r:embed="rId2"/>
-          <a:srcRect r="32041"/>
-          <a:stretch/>
-        </p:blipFill>
-        <p:spPr>
-          <a:xfrm>
-            <a:off x="6172200" y="2413594"/>
-            <a:ext cx="4469821" cy="3109554"/>
-          </a:xfrm>
-        </p:spPr>
-      </p:pic>
     </p:spTree>
     <p:extLst>
       <p:ext uri="{BB962C8B-B14F-4D97-AF65-F5344CB8AC3E}">
-        <p14:creationId xmlns:p14="http://schemas.microsoft.com/office/powerpoint/2010/main" val="2306031278"/>
+        <p14:creationId xmlns:p14="http://schemas.microsoft.com/office/powerpoint/2010/main" val="1400004151"/>
       </p:ext>
     </p:extLst>
   </p:cSld>
@@ -12237,39 +11714,13 @@
         <p:spPr/>
         <p:txBody>
           <a:bodyPr>
-            <a:normAutofit lnSpcReduction="10000"/>
+            <a:normAutofit/>
           </a:bodyPr>
           <a:lstStyle/>
           <a:p>
             <a:r>
               <a:rPr lang="en-GB" sz="2400" dirty="0"/>
-              <a:t>Suppose you have a class Student with a method </a:t>
-            </a:r>
-            <a:r>
-              <a:rPr lang="en-GB" sz="2400" i="1" dirty="0" err="1"/>
-              <a:t>getAverage</a:t>
-            </a:r>
-            <a:r>
-              <a:rPr lang="en-GB" sz="2400" i="1" dirty="0"/>
-              <a:t>()</a:t>
-            </a:r>
-            <a:r>
-              <a:rPr lang="en-GB" sz="2400" dirty="0"/>
-              <a:t> and a collection </a:t>
-            </a:r>
-            <a:r>
-              <a:rPr lang="en-GB" sz="2400" i="1" dirty="0"/>
-              <a:t>students</a:t>
-            </a:r>
-            <a:r>
-              <a:rPr lang="en-GB" sz="2400" dirty="0"/>
-              <a:t> holding a list of Student references.</a:t>
-            </a:r>
-          </a:p>
-          <a:p>
-            <a:r>
-              <a:rPr lang="en-GB" sz="2400" dirty="0"/>
-              <a:t>You want to </a:t>
+              <a:t>Suppose you want to </a:t>
             </a:r>
             <a:r>
               <a:rPr lang="en-GB" sz="2400" dirty="0">
@@ -12279,11 +11730,11 @@
                   </a:schemeClr>
                 </a:solidFill>
               </a:rPr>
-              <a:t>select all the students with a specific average</a:t>
+              <a:t>select all the students with a specific average </a:t>
             </a:r>
             <a:r>
               <a:rPr lang="en-GB" sz="2400" dirty="0"/>
-              <a:t>.</a:t>
+              <a:t>from a collection</a:t>
             </a:r>
           </a:p>
           <a:p>
@@ -12569,13 +12020,75 @@
         <p:spPr/>
         <p:txBody>
           <a:bodyPr>
-            <a:normAutofit fontScale="92500" lnSpcReduction="10000"/>
+            <a:normAutofit fontScale="92500" lnSpcReduction="20000"/>
           </a:bodyPr>
           <a:lstStyle/>
           <a:p>
             <a:r>
-              <a:rPr lang="en-GB" sz="2600" dirty="0"/>
-              <a:t>Now you want to </a:t>
+              <a:rPr lang="en-GB" sz="2400" dirty="0"/>
+              <a:t>After a while, requirements change and you need to </a:t>
+            </a:r>
+            <a:r>
+              <a:rPr lang="en-GB" sz="2400" dirty="0">
+                <a:solidFill>
+                  <a:schemeClr val="accent6">
+                    <a:lumMod val="75000"/>
+                  </a:schemeClr>
+                </a:solidFill>
+              </a:rPr>
+              <a:t>select all the students with an average comprised within a given range</a:t>
+            </a:r>
+            <a:r>
+              <a:rPr lang="en-GB" sz="2400" dirty="0"/>
+              <a:t>.</a:t>
+            </a:r>
+          </a:p>
+          <a:p>
+            <a:r>
+              <a:rPr lang="en-GB" sz="2400" dirty="0"/>
+              <a:t>You can add an alternative </a:t>
+            </a:r>
+            <a:r>
+              <a:rPr lang="en-GB" sz="2400" dirty="0" err="1">
+                <a:latin typeface="Consolas" panose="020B0609020204030204" pitchFamily="49" charset="0"/>
+                <a:cs typeface="Consolas" panose="020B0609020204030204" pitchFamily="49" charset="0"/>
+              </a:rPr>
+              <a:t>filterStudentsByGradeRange</a:t>
+            </a:r>
+            <a:r>
+              <a:rPr lang="en-GB" sz="2400" dirty="0">
+                <a:latin typeface="Consolas" panose="020B0609020204030204" pitchFamily="49" charset="0"/>
+                <a:cs typeface="Consolas" panose="020B0609020204030204" pitchFamily="49" charset="0"/>
+              </a:rPr>
+              <a:t>() </a:t>
+            </a:r>
+            <a:r>
+              <a:rPr lang="en-GB" sz="2400" dirty="0"/>
+              <a:t>method. However, this approach breaks the </a:t>
+            </a:r>
+            <a:r>
+              <a:rPr lang="en-GB" sz="2400" dirty="0">
+                <a:solidFill>
+                  <a:schemeClr val="accent6">
+                    <a:lumMod val="75000"/>
+                  </a:schemeClr>
+                </a:solidFill>
+              </a:rPr>
+              <a:t>DRY (don’t repeat yourself) </a:t>
+            </a:r>
+            <a:r>
+              <a:rPr lang="en-GB" sz="2400" dirty="0"/>
+              <a:t>principle of software engineering. The two methods vary only in one line: </a:t>
+            </a:r>
+            <a:r>
+              <a:rPr lang="en-GB" sz="2400" dirty="0">
+                <a:solidFill>
+                  <a:schemeClr val="accent6">
+                    <a:lumMod val="75000"/>
+                  </a:schemeClr>
+                </a:solidFill>
+              </a:rPr>
+              <a:t>the highlighted condition inside the if construct</a:t>
             </a:r>
             <a:r>
               <a:rPr lang="en-GB" sz="2600" dirty="0">
@@ -12585,41 +12098,7 @@
                   </a:schemeClr>
                 </a:solidFill>
               </a:rPr>
-              <a:t>select all the students with an average comprised within a given range</a:t>
-            </a:r>
-            <a:r>
-              <a:rPr lang="en-GB" sz="2600" dirty="0"/>
               <a:t>.</a:t>
-            </a:r>
-          </a:p>
-          <a:p>
-            <a:r>
-              <a:rPr lang="en-GB" sz="2600" dirty="0"/>
-              <a:t>Breaks the </a:t>
-            </a:r>
-            <a:r>
-              <a:rPr lang="en-GB" sz="2600" dirty="0">
-                <a:solidFill>
-                  <a:schemeClr val="accent6">
-                    <a:lumMod val="75000"/>
-                  </a:schemeClr>
-                </a:solidFill>
-              </a:rPr>
-              <a:t>DRY (don’t repeat yourself) </a:t>
-            </a:r>
-            <a:r>
-              <a:rPr lang="en-GB" sz="2600" dirty="0"/>
-              <a:t>principle of software engineering. These two methods vary only in one line: </a:t>
-            </a:r>
-            <a:r>
-              <a:rPr lang="en-GB" sz="2600" dirty="0">
-                <a:solidFill>
-                  <a:schemeClr val="accent6">
-                    <a:lumMod val="75000"/>
-                  </a:schemeClr>
-                </a:solidFill>
-              </a:rPr>
-              <a:t>the highlighted condition inside the if construct.</a:t>
             </a:r>
           </a:p>
           <a:p>
@@ -13396,16 +12875,16 @@
         <p:spPr/>
         <p:txBody>
           <a:bodyPr>
-            <a:normAutofit fontScale="92500" lnSpcReduction="10000"/>
+            <a:normAutofit fontScale="92500" lnSpcReduction="20000"/>
           </a:bodyPr>
           <a:lstStyle/>
           <a:p>
             <a:r>
-              <a:rPr lang="en-GB" sz="1900" dirty="0"/>
+              <a:rPr lang="en-GB" sz="2400" dirty="0"/>
               <a:t>This code is much </a:t>
             </a:r>
             <a:r>
-              <a:rPr lang="en-GB" sz="1900" dirty="0">
+              <a:rPr lang="en-GB" sz="2400" dirty="0">
                 <a:solidFill>
                   <a:schemeClr val="accent6">
                     <a:lumMod val="75000"/>
@@ -13415,11 +12894,11 @@
               <a:t>more flexible </a:t>
             </a:r>
             <a:r>
-              <a:rPr lang="en-GB" sz="1900" dirty="0"/>
+              <a:rPr lang="en-GB" sz="2400" dirty="0"/>
               <a:t>than our first attempt, and at the same time it’s </a:t>
             </a:r>
             <a:r>
-              <a:rPr lang="en-GB" sz="1900" dirty="0">
+              <a:rPr lang="en-GB" sz="2400" dirty="0">
                 <a:solidFill>
                   <a:schemeClr val="accent6">
                     <a:lumMod val="75000"/>
@@ -13429,13 +12908,13 @@
               <a:t>easy to read </a:t>
             </a:r>
             <a:r>
-              <a:rPr lang="en-GB" sz="1900" dirty="0"/>
+              <a:rPr lang="en-GB" sz="2400" dirty="0"/>
               <a:t>and to use! </a:t>
             </a:r>
           </a:p>
           <a:p>
             <a:r>
-              <a:rPr lang="en-GB" sz="1900" dirty="0">
+              <a:rPr lang="en-GB" sz="2400" dirty="0">
                 <a:solidFill>
                   <a:schemeClr val="accent6">
                     <a:lumMod val="75000"/>
@@ -13445,8 +12924,8 @@
               <a:t>Behaviour parameterization </a:t>
             </a:r>
             <a:r>
-              <a:rPr lang="en-GB" sz="1900" dirty="0"/>
-              <a:t>is great because it enables you to separate the logic of iterating the collection to filter and the behaviour to apply on each element of that collection.</a:t>
+              <a:rPr lang="en-GB" sz="2400" dirty="0"/>
+              <a:t>is great because it enables you to separate the logic of iterating the collection and the behaviour to apply on each element of that collection.</a:t>
             </a:r>
           </a:p>
           <a:p>
